--- a/slides/04_functions_classes_packages.pptx
+++ b/slides/04_functions_classes_packages.pptx
@@ -360,104 +360,239 @@
             <a:noAutofit/>
           </a:bodyPr>
           <a:lstStyle>
-            <a:lvl1pPr indent="-298450" lvl="0" marL="457200">
-              <a:spcBef>
-                <a:spcPts val="0"/>
-              </a:spcBef>
-              <a:spcAft>
-                <a:spcPts val="0"/>
-              </a:spcAft>
+            <a:lvl1pPr indent="-298450" lvl="0" marL="457200" marR="0" rtl="0" algn="l">
+              <a:lnSpc>
+                <a:spcPct val="100000"/>
+              </a:lnSpc>
+              <a:spcBef>
+                <a:spcPts val="0"/>
+              </a:spcBef>
+              <a:spcAft>
+                <a:spcPts val="0"/>
+              </a:spcAft>
+              <a:buClr>
+                <a:srgbClr val="000000"/>
+              </a:buClr>
               <a:buSzPts val="1100"/>
+              <a:buFont typeface="Arial"/>
               <a:buChar char="●"/>
-              <a:defRPr sz="1100"/>
+              <a:defRPr b="0" i="0" sz="1100" u="none" cap="none" strike="noStrike">
+                <a:solidFill>
+                  <a:srgbClr val="000000"/>
+                </a:solidFill>
+                <a:latin typeface="Arial"/>
+                <a:ea typeface="Arial"/>
+                <a:cs typeface="Arial"/>
+                <a:sym typeface="Arial"/>
+              </a:defRPr>
             </a:lvl1pPr>
-            <a:lvl2pPr indent="-298450" lvl="1" marL="914400">
-              <a:spcBef>
-                <a:spcPts val="0"/>
-              </a:spcBef>
-              <a:spcAft>
-                <a:spcPts val="0"/>
-              </a:spcAft>
+            <a:lvl2pPr indent="-298450" lvl="1" marL="914400" marR="0" rtl="0" algn="l">
+              <a:lnSpc>
+                <a:spcPct val="100000"/>
+              </a:lnSpc>
+              <a:spcBef>
+                <a:spcPts val="0"/>
+              </a:spcBef>
+              <a:spcAft>
+                <a:spcPts val="0"/>
+              </a:spcAft>
+              <a:buClr>
+                <a:srgbClr val="000000"/>
+              </a:buClr>
               <a:buSzPts val="1100"/>
+              <a:buFont typeface="Arial"/>
               <a:buChar char="○"/>
-              <a:defRPr sz="1100"/>
+              <a:defRPr b="0" i="0" sz="1100" u="none" cap="none" strike="noStrike">
+                <a:solidFill>
+                  <a:srgbClr val="000000"/>
+                </a:solidFill>
+                <a:latin typeface="Arial"/>
+                <a:ea typeface="Arial"/>
+                <a:cs typeface="Arial"/>
+                <a:sym typeface="Arial"/>
+              </a:defRPr>
             </a:lvl2pPr>
-            <a:lvl3pPr indent="-298450" lvl="2" marL="1371600">
-              <a:spcBef>
-                <a:spcPts val="0"/>
-              </a:spcBef>
-              <a:spcAft>
-                <a:spcPts val="0"/>
-              </a:spcAft>
+            <a:lvl3pPr indent="-298450" lvl="2" marL="1371600" marR="0" rtl="0" algn="l">
+              <a:lnSpc>
+                <a:spcPct val="100000"/>
+              </a:lnSpc>
+              <a:spcBef>
+                <a:spcPts val="0"/>
+              </a:spcBef>
+              <a:spcAft>
+                <a:spcPts val="0"/>
+              </a:spcAft>
+              <a:buClr>
+                <a:srgbClr val="000000"/>
+              </a:buClr>
               <a:buSzPts val="1100"/>
+              <a:buFont typeface="Arial"/>
               <a:buChar char="■"/>
-              <a:defRPr sz="1100"/>
+              <a:defRPr b="0" i="0" sz="1100" u="none" cap="none" strike="noStrike">
+                <a:solidFill>
+                  <a:srgbClr val="000000"/>
+                </a:solidFill>
+                <a:latin typeface="Arial"/>
+                <a:ea typeface="Arial"/>
+                <a:cs typeface="Arial"/>
+                <a:sym typeface="Arial"/>
+              </a:defRPr>
             </a:lvl3pPr>
-            <a:lvl4pPr indent="-298450" lvl="3" marL="1828800">
-              <a:spcBef>
-                <a:spcPts val="0"/>
-              </a:spcBef>
-              <a:spcAft>
-                <a:spcPts val="0"/>
-              </a:spcAft>
+            <a:lvl4pPr indent="-298450" lvl="3" marL="1828800" marR="0" rtl="0" algn="l">
+              <a:lnSpc>
+                <a:spcPct val="100000"/>
+              </a:lnSpc>
+              <a:spcBef>
+                <a:spcPts val="0"/>
+              </a:spcBef>
+              <a:spcAft>
+                <a:spcPts val="0"/>
+              </a:spcAft>
+              <a:buClr>
+                <a:srgbClr val="000000"/>
+              </a:buClr>
               <a:buSzPts val="1100"/>
+              <a:buFont typeface="Arial"/>
               <a:buChar char="●"/>
-              <a:defRPr sz="1100"/>
+              <a:defRPr b="0" i="0" sz="1100" u="none" cap="none" strike="noStrike">
+                <a:solidFill>
+                  <a:srgbClr val="000000"/>
+                </a:solidFill>
+                <a:latin typeface="Arial"/>
+                <a:ea typeface="Arial"/>
+                <a:cs typeface="Arial"/>
+                <a:sym typeface="Arial"/>
+              </a:defRPr>
             </a:lvl4pPr>
-            <a:lvl5pPr indent="-298450" lvl="4" marL="2286000">
-              <a:spcBef>
-                <a:spcPts val="0"/>
-              </a:spcBef>
-              <a:spcAft>
-                <a:spcPts val="0"/>
-              </a:spcAft>
+            <a:lvl5pPr indent="-298450" lvl="4" marL="2286000" marR="0" rtl="0" algn="l">
+              <a:lnSpc>
+                <a:spcPct val="100000"/>
+              </a:lnSpc>
+              <a:spcBef>
+                <a:spcPts val="0"/>
+              </a:spcBef>
+              <a:spcAft>
+                <a:spcPts val="0"/>
+              </a:spcAft>
+              <a:buClr>
+                <a:srgbClr val="000000"/>
+              </a:buClr>
               <a:buSzPts val="1100"/>
+              <a:buFont typeface="Arial"/>
               <a:buChar char="○"/>
-              <a:defRPr sz="1100"/>
+              <a:defRPr b="0" i="0" sz="1100" u="none" cap="none" strike="noStrike">
+                <a:solidFill>
+                  <a:srgbClr val="000000"/>
+                </a:solidFill>
+                <a:latin typeface="Arial"/>
+                <a:ea typeface="Arial"/>
+                <a:cs typeface="Arial"/>
+                <a:sym typeface="Arial"/>
+              </a:defRPr>
             </a:lvl5pPr>
-            <a:lvl6pPr indent="-298450" lvl="5" marL="2743200">
-              <a:spcBef>
-                <a:spcPts val="0"/>
-              </a:spcBef>
-              <a:spcAft>
-                <a:spcPts val="0"/>
-              </a:spcAft>
+            <a:lvl6pPr indent="-298450" lvl="5" marL="2743200" marR="0" rtl="0" algn="l">
+              <a:lnSpc>
+                <a:spcPct val="100000"/>
+              </a:lnSpc>
+              <a:spcBef>
+                <a:spcPts val="0"/>
+              </a:spcBef>
+              <a:spcAft>
+                <a:spcPts val="0"/>
+              </a:spcAft>
+              <a:buClr>
+                <a:srgbClr val="000000"/>
+              </a:buClr>
               <a:buSzPts val="1100"/>
+              <a:buFont typeface="Arial"/>
               <a:buChar char="■"/>
-              <a:defRPr sz="1100"/>
+              <a:defRPr b="0" i="0" sz="1100" u="none" cap="none" strike="noStrike">
+                <a:solidFill>
+                  <a:srgbClr val="000000"/>
+                </a:solidFill>
+                <a:latin typeface="Arial"/>
+                <a:ea typeface="Arial"/>
+                <a:cs typeface="Arial"/>
+                <a:sym typeface="Arial"/>
+              </a:defRPr>
             </a:lvl6pPr>
-            <a:lvl7pPr indent="-298450" lvl="6" marL="3200400">
-              <a:spcBef>
-                <a:spcPts val="0"/>
-              </a:spcBef>
-              <a:spcAft>
-                <a:spcPts val="0"/>
-              </a:spcAft>
+            <a:lvl7pPr indent="-298450" lvl="6" marL="3200400" marR="0" rtl="0" algn="l">
+              <a:lnSpc>
+                <a:spcPct val="100000"/>
+              </a:lnSpc>
+              <a:spcBef>
+                <a:spcPts val="0"/>
+              </a:spcBef>
+              <a:spcAft>
+                <a:spcPts val="0"/>
+              </a:spcAft>
+              <a:buClr>
+                <a:srgbClr val="000000"/>
+              </a:buClr>
               <a:buSzPts val="1100"/>
+              <a:buFont typeface="Arial"/>
               <a:buChar char="●"/>
-              <a:defRPr sz="1100"/>
+              <a:defRPr b="0" i="0" sz="1100" u="none" cap="none" strike="noStrike">
+                <a:solidFill>
+                  <a:srgbClr val="000000"/>
+                </a:solidFill>
+                <a:latin typeface="Arial"/>
+                <a:ea typeface="Arial"/>
+                <a:cs typeface="Arial"/>
+                <a:sym typeface="Arial"/>
+              </a:defRPr>
             </a:lvl7pPr>
-            <a:lvl8pPr indent="-298450" lvl="7" marL="3657600">
-              <a:spcBef>
-                <a:spcPts val="0"/>
-              </a:spcBef>
-              <a:spcAft>
-                <a:spcPts val="0"/>
-              </a:spcAft>
+            <a:lvl8pPr indent="-298450" lvl="7" marL="3657600" marR="0" rtl="0" algn="l">
+              <a:lnSpc>
+                <a:spcPct val="100000"/>
+              </a:lnSpc>
+              <a:spcBef>
+                <a:spcPts val="0"/>
+              </a:spcBef>
+              <a:spcAft>
+                <a:spcPts val="0"/>
+              </a:spcAft>
+              <a:buClr>
+                <a:srgbClr val="000000"/>
+              </a:buClr>
               <a:buSzPts val="1100"/>
+              <a:buFont typeface="Arial"/>
               <a:buChar char="○"/>
-              <a:defRPr sz="1100"/>
+              <a:defRPr b="0" i="0" sz="1100" u="none" cap="none" strike="noStrike">
+                <a:solidFill>
+                  <a:srgbClr val="000000"/>
+                </a:solidFill>
+                <a:latin typeface="Arial"/>
+                <a:ea typeface="Arial"/>
+                <a:cs typeface="Arial"/>
+                <a:sym typeface="Arial"/>
+              </a:defRPr>
             </a:lvl8pPr>
-            <a:lvl9pPr indent="-298450" lvl="8" marL="4114800">
-              <a:spcBef>
-                <a:spcPts val="0"/>
-              </a:spcBef>
-              <a:spcAft>
-                <a:spcPts val="0"/>
-              </a:spcAft>
+            <a:lvl9pPr indent="-298450" lvl="8" marL="4114800" marR="0" rtl="0" algn="l">
+              <a:lnSpc>
+                <a:spcPct val="100000"/>
+              </a:lnSpc>
+              <a:spcBef>
+                <a:spcPts val="0"/>
+              </a:spcBef>
+              <a:spcAft>
+                <a:spcPts val="0"/>
+              </a:spcAft>
+              <a:buClr>
+                <a:srgbClr val="000000"/>
+              </a:buClr>
               <a:buSzPts val="1100"/>
+              <a:buFont typeface="Arial"/>
               <a:buChar char="■"/>
-              <a:defRPr sz="1100"/>
+              <a:defRPr b="0" i="0" sz="1100" u="none" cap="none" strike="noStrike">
+                <a:solidFill>
+                  <a:srgbClr val="000000"/>
+                </a:solidFill>
+                <a:latin typeface="Arial"/>
+                <a:ea typeface="Arial"/>
+                <a:cs typeface="Arial"/>
+                <a:sym typeface="Arial"/>
+              </a:defRPr>
             </a:lvl9pPr>
           </a:lstStyle>
           <a:p/>
@@ -717,7 +852,7 @@
       </p:grpSpPr>
       <p:sp>
         <p:nvSpPr>
-          <p:cNvPr id="81" name="Google Shape;81;p:notes"/>
+          <p:cNvPr id="81" name="Google Shape;81;p1:notes"/>
           <p:cNvSpPr/>
           <p:nvPr>
             <p:ph idx="2" type="sldImg"/>
@@ -748,11 +883,21 @@
               </a:path>
             </a:pathLst>
           </a:custGeom>
+          <a:noFill/>
+          <a:ln cap="flat" cmpd="sng" w="9525">
+            <a:solidFill>
+              <a:srgbClr val="000000"/>
+            </a:solidFill>
+            <a:prstDash val="solid"/>
+            <a:round/>
+            <a:headEnd len="sm" w="sm" type="none"/>
+            <a:tailEnd len="sm" w="sm" type="none"/>
+          </a:ln>
         </p:spPr>
       </p:sp>
       <p:sp>
         <p:nvSpPr>
-          <p:cNvPr id="82" name="Google Shape;82;p:notes"/>
+          <p:cNvPr id="82" name="Google Shape;82;p1:notes"/>
           <p:cNvSpPr txBox="1"/>
           <p:nvPr>
             <p:ph idx="1" type="body"/>
@@ -766,6 +911,10 @@
           <a:prstGeom prst="rect">
             <a:avLst/>
           </a:prstGeom>
+          <a:noFill/>
+          <a:ln>
+            <a:noFill/>
+          </a:ln>
         </p:spPr>
         <p:txBody>
           <a:bodyPr anchorCtr="0" anchor="t" bIns="91425" lIns="91425" spcFirstLastPara="1" rIns="91425" wrap="square" tIns="91425">
@@ -774,12 +923,16 @@
           <a:lstStyle/>
           <a:p>
             <a:pPr indent="0" lvl="0" marL="0" rtl="0" algn="l">
-              <a:spcBef>
-                <a:spcPts val="0"/>
-              </a:spcBef>
-              <a:spcAft>
-                <a:spcPts val="0"/>
-              </a:spcAft>
+              <a:lnSpc>
+                <a:spcPct val="100000"/>
+              </a:lnSpc>
+              <a:spcBef>
+                <a:spcPts val="0"/>
+              </a:spcBef>
+              <a:spcAft>
+                <a:spcPts val="0"/>
+              </a:spcAft>
+              <a:buSzPts val="1100"/>
               <a:buNone/>
             </a:pPr>
             <a:r>
@@ -816,7 +969,7 @@
       </p:grpSpPr>
       <p:sp>
         <p:nvSpPr>
-          <p:cNvPr id="161" name="Google Shape;161;gfa13c80bfd_0_150:notes"/>
+          <p:cNvPr id="161" name="Google Shape;161;p10:notes"/>
           <p:cNvSpPr/>
           <p:nvPr>
             <p:ph idx="2" type="sldImg"/>
@@ -847,11 +1000,21 @@
               </a:path>
             </a:pathLst>
           </a:custGeom>
+          <a:noFill/>
+          <a:ln cap="flat" cmpd="sng" w="9525">
+            <a:solidFill>
+              <a:srgbClr val="000000"/>
+            </a:solidFill>
+            <a:prstDash val="solid"/>
+            <a:round/>
+            <a:headEnd len="sm" w="sm" type="none"/>
+            <a:tailEnd len="sm" w="sm" type="none"/>
+          </a:ln>
         </p:spPr>
       </p:sp>
       <p:sp>
         <p:nvSpPr>
-          <p:cNvPr id="162" name="Google Shape;162;gfa13c80bfd_0_150:notes"/>
+          <p:cNvPr id="162" name="Google Shape;162;p10:notes"/>
           <p:cNvSpPr txBox="1"/>
           <p:nvPr>
             <p:ph idx="1" type="body"/>
@@ -865,6 +1028,10 @@
           <a:prstGeom prst="rect">
             <a:avLst/>
           </a:prstGeom>
+          <a:noFill/>
+          <a:ln>
+            <a:noFill/>
+          </a:ln>
         </p:spPr>
         <p:txBody>
           <a:bodyPr anchorCtr="0" anchor="t" bIns="91425" lIns="91425" spcFirstLastPara="1" rIns="91425" wrap="square" tIns="91425">
@@ -873,12 +1040,16 @@
           <a:lstStyle/>
           <a:p>
             <a:pPr indent="0" lvl="0" marL="0" rtl="0" algn="l">
-              <a:spcBef>
-                <a:spcPts val="0"/>
-              </a:spcBef>
-              <a:spcAft>
-                <a:spcPts val="0"/>
-              </a:spcAft>
+              <a:lnSpc>
+                <a:spcPct val="100000"/>
+              </a:lnSpc>
+              <a:spcBef>
+                <a:spcPts val="0"/>
+              </a:spcBef>
+              <a:spcAft>
+                <a:spcPts val="0"/>
+              </a:spcAft>
+              <a:buSzPts val="1100"/>
               <a:buNone/>
             </a:pPr>
             <a:r>
@@ -915,7 +1086,7 @@
       </p:grpSpPr>
       <p:sp>
         <p:nvSpPr>
-          <p:cNvPr id="168" name="Google Shape;168;gfa13c80bfd_0_164:notes"/>
+          <p:cNvPr id="168" name="Google Shape;168;p11:notes"/>
           <p:cNvSpPr/>
           <p:nvPr>
             <p:ph idx="2" type="sldImg"/>
@@ -946,11 +1117,21 @@
               </a:path>
             </a:pathLst>
           </a:custGeom>
+          <a:noFill/>
+          <a:ln cap="flat" cmpd="sng" w="9525">
+            <a:solidFill>
+              <a:srgbClr val="000000"/>
+            </a:solidFill>
+            <a:prstDash val="solid"/>
+            <a:round/>
+            <a:headEnd len="sm" w="sm" type="none"/>
+            <a:tailEnd len="sm" w="sm" type="none"/>
+          </a:ln>
         </p:spPr>
       </p:sp>
       <p:sp>
         <p:nvSpPr>
-          <p:cNvPr id="169" name="Google Shape;169;gfa13c80bfd_0_164:notes"/>
+          <p:cNvPr id="169" name="Google Shape;169;p11:notes"/>
           <p:cNvSpPr txBox="1"/>
           <p:nvPr>
             <p:ph idx="1" type="body"/>
@@ -964,6 +1145,10 @@
           <a:prstGeom prst="rect">
             <a:avLst/>
           </a:prstGeom>
+          <a:noFill/>
+          <a:ln>
+            <a:noFill/>
+          </a:ln>
         </p:spPr>
         <p:txBody>
           <a:bodyPr anchorCtr="0" anchor="t" bIns="91425" lIns="91425" spcFirstLastPara="1" rIns="91425" wrap="square" tIns="91425">
@@ -972,12 +1157,16 @@
           <a:lstStyle/>
           <a:p>
             <a:pPr indent="0" lvl="0" marL="0" rtl="0" algn="l">
-              <a:spcBef>
-                <a:spcPts val="0"/>
-              </a:spcBef>
-              <a:spcAft>
-                <a:spcPts val="0"/>
-              </a:spcAft>
+              <a:lnSpc>
+                <a:spcPct val="100000"/>
+              </a:lnSpc>
+              <a:spcBef>
+                <a:spcPts val="0"/>
+              </a:spcBef>
+              <a:spcAft>
+                <a:spcPts val="0"/>
+              </a:spcAft>
+              <a:buSzPts val="1100"/>
               <a:buNone/>
             </a:pPr>
             <a:r>
@@ -1014,7 +1203,7 @@
       </p:grpSpPr>
       <p:sp>
         <p:nvSpPr>
-          <p:cNvPr id="174" name="Google Shape;174;gfa13c80bfd_0_75:notes"/>
+          <p:cNvPr id="174" name="Google Shape;174;p12:notes"/>
           <p:cNvSpPr/>
           <p:nvPr>
             <p:ph idx="2" type="sldImg"/>
@@ -1045,11 +1234,21 @@
               </a:path>
             </a:pathLst>
           </a:custGeom>
+          <a:noFill/>
+          <a:ln cap="flat" cmpd="sng" w="9525">
+            <a:solidFill>
+              <a:srgbClr val="000000"/>
+            </a:solidFill>
+            <a:prstDash val="solid"/>
+            <a:round/>
+            <a:headEnd len="sm" w="sm" type="none"/>
+            <a:tailEnd len="sm" w="sm" type="none"/>
+          </a:ln>
         </p:spPr>
       </p:sp>
       <p:sp>
         <p:nvSpPr>
-          <p:cNvPr id="175" name="Google Shape;175;gfa13c80bfd_0_75:notes"/>
+          <p:cNvPr id="175" name="Google Shape;175;p12:notes"/>
           <p:cNvSpPr txBox="1"/>
           <p:nvPr>
             <p:ph idx="1" type="body"/>
@@ -1063,6 +1262,10 @@
           <a:prstGeom prst="rect">
             <a:avLst/>
           </a:prstGeom>
+          <a:noFill/>
+          <a:ln>
+            <a:noFill/>
+          </a:ln>
         </p:spPr>
         <p:txBody>
           <a:bodyPr anchorCtr="0" anchor="t" bIns="91425" lIns="91425" spcFirstLastPara="1" rIns="91425" wrap="square" tIns="91425">
@@ -1071,12 +1274,16 @@
           <a:lstStyle/>
           <a:p>
             <a:pPr indent="0" lvl="0" marL="0" rtl="0" algn="l">
-              <a:spcBef>
-                <a:spcPts val="0"/>
-              </a:spcBef>
-              <a:spcAft>
-                <a:spcPts val="0"/>
-              </a:spcAft>
+              <a:lnSpc>
+                <a:spcPct val="100000"/>
+              </a:lnSpc>
+              <a:spcBef>
+                <a:spcPts val="0"/>
+              </a:spcBef>
+              <a:spcAft>
+                <a:spcPts val="0"/>
+              </a:spcAft>
+              <a:buSzPts val="1100"/>
               <a:buNone/>
             </a:pPr>
             <a:r>
@@ -1113,7 +1320,7 @@
       </p:grpSpPr>
       <p:sp>
         <p:nvSpPr>
-          <p:cNvPr id="180" name="Google Shape;180;gfa13c80bfd_0_81:notes"/>
+          <p:cNvPr id="180" name="Google Shape;180;p13:notes"/>
           <p:cNvSpPr/>
           <p:nvPr>
             <p:ph idx="2" type="sldImg"/>
@@ -1144,11 +1351,21 @@
               </a:path>
             </a:pathLst>
           </a:custGeom>
+          <a:noFill/>
+          <a:ln cap="flat" cmpd="sng" w="9525">
+            <a:solidFill>
+              <a:srgbClr val="000000"/>
+            </a:solidFill>
+            <a:prstDash val="solid"/>
+            <a:round/>
+            <a:headEnd len="sm" w="sm" type="none"/>
+            <a:tailEnd len="sm" w="sm" type="none"/>
+          </a:ln>
         </p:spPr>
       </p:sp>
       <p:sp>
         <p:nvSpPr>
-          <p:cNvPr id="181" name="Google Shape;181;gfa13c80bfd_0_81:notes"/>
+          <p:cNvPr id="181" name="Google Shape;181;p13:notes"/>
           <p:cNvSpPr txBox="1"/>
           <p:nvPr>
             <p:ph idx="1" type="body"/>
@@ -1162,6 +1379,10 @@
           <a:prstGeom prst="rect">
             <a:avLst/>
           </a:prstGeom>
+          <a:noFill/>
+          <a:ln>
+            <a:noFill/>
+          </a:ln>
         </p:spPr>
         <p:txBody>
           <a:bodyPr anchorCtr="0" anchor="t" bIns="91425" lIns="91425" spcFirstLastPara="1" rIns="91425" wrap="square" tIns="91425">
@@ -1170,12 +1391,16 @@
           <a:lstStyle/>
           <a:p>
             <a:pPr indent="0" lvl="0" marL="0" rtl="0" algn="l">
-              <a:spcBef>
-                <a:spcPts val="0"/>
-              </a:spcBef>
-              <a:spcAft>
-                <a:spcPts val="0"/>
-              </a:spcAft>
+              <a:lnSpc>
+                <a:spcPct val="100000"/>
+              </a:lnSpc>
+              <a:spcBef>
+                <a:spcPts val="0"/>
+              </a:spcBef>
+              <a:spcAft>
+                <a:spcPts val="0"/>
+              </a:spcAft>
+              <a:buSzPts val="1100"/>
               <a:buNone/>
             </a:pPr>
             <a:r>
@@ -1212,7 +1437,7 @@
       </p:grpSpPr>
       <p:sp>
         <p:nvSpPr>
-          <p:cNvPr id="87" name="Google Shape;87;gfa13c80bfd_0_86:notes"/>
+          <p:cNvPr id="87" name="Google Shape;87;p2:notes"/>
           <p:cNvSpPr/>
           <p:nvPr>
             <p:ph idx="2" type="sldImg"/>
@@ -1243,11 +1468,21 @@
               </a:path>
             </a:pathLst>
           </a:custGeom>
+          <a:noFill/>
+          <a:ln cap="flat" cmpd="sng" w="9525">
+            <a:solidFill>
+              <a:srgbClr val="000000"/>
+            </a:solidFill>
+            <a:prstDash val="solid"/>
+            <a:round/>
+            <a:headEnd len="sm" w="sm" type="none"/>
+            <a:tailEnd len="sm" w="sm" type="none"/>
+          </a:ln>
         </p:spPr>
       </p:sp>
       <p:sp>
         <p:nvSpPr>
-          <p:cNvPr id="88" name="Google Shape;88;gfa13c80bfd_0_86:notes"/>
+          <p:cNvPr id="88" name="Google Shape;88;p2:notes"/>
           <p:cNvSpPr txBox="1"/>
           <p:nvPr>
             <p:ph idx="1" type="body"/>
@@ -1261,6 +1496,10 @@
           <a:prstGeom prst="rect">
             <a:avLst/>
           </a:prstGeom>
+          <a:noFill/>
+          <a:ln>
+            <a:noFill/>
+          </a:ln>
         </p:spPr>
         <p:txBody>
           <a:bodyPr anchorCtr="0" anchor="t" bIns="91425" lIns="91425" spcFirstLastPara="1" rIns="91425" wrap="square" tIns="91425">
@@ -1269,12 +1508,16 @@
           <a:lstStyle/>
           <a:p>
             <a:pPr indent="0" lvl="0" marL="0" rtl="0" algn="l">
-              <a:spcBef>
-                <a:spcPts val="0"/>
-              </a:spcBef>
-              <a:spcAft>
-                <a:spcPts val="0"/>
-              </a:spcAft>
+              <a:lnSpc>
+                <a:spcPct val="100000"/>
+              </a:lnSpc>
+              <a:spcBef>
+                <a:spcPts val="0"/>
+              </a:spcBef>
+              <a:spcAft>
+                <a:spcPts val="0"/>
+              </a:spcAft>
+              <a:buSzPts val="1100"/>
               <a:buNone/>
             </a:pPr>
             <a:r>
@@ -1311,7 +1554,7 @@
       </p:grpSpPr>
       <p:sp>
         <p:nvSpPr>
-          <p:cNvPr id="93" name="Google Shape;93;gfa13c80bfd_0_97:notes"/>
+          <p:cNvPr id="93" name="Google Shape;93;p3:notes"/>
           <p:cNvSpPr/>
           <p:nvPr>
             <p:ph idx="2" type="sldImg"/>
@@ -1342,11 +1585,21 @@
               </a:path>
             </a:pathLst>
           </a:custGeom>
+          <a:noFill/>
+          <a:ln cap="flat" cmpd="sng" w="9525">
+            <a:solidFill>
+              <a:srgbClr val="000000"/>
+            </a:solidFill>
+            <a:prstDash val="solid"/>
+            <a:round/>
+            <a:headEnd len="sm" w="sm" type="none"/>
+            <a:tailEnd len="sm" w="sm" type="none"/>
+          </a:ln>
         </p:spPr>
       </p:sp>
       <p:sp>
         <p:nvSpPr>
-          <p:cNvPr id="94" name="Google Shape;94;gfa13c80bfd_0_97:notes"/>
+          <p:cNvPr id="94" name="Google Shape;94;p3:notes"/>
           <p:cNvSpPr txBox="1"/>
           <p:nvPr>
             <p:ph idx="1" type="body"/>
@@ -1360,6 +1613,10 @@
           <a:prstGeom prst="rect">
             <a:avLst/>
           </a:prstGeom>
+          <a:noFill/>
+          <a:ln>
+            <a:noFill/>
+          </a:ln>
         </p:spPr>
         <p:txBody>
           <a:bodyPr anchorCtr="0" anchor="t" bIns="91425" lIns="91425" spcFirstLastPara="1" rIns="91425" wrap="square" tIns="91425">
@@ -1368,12 +1625,16 @@
           <a:lstStyle/>
           <a:p>
             <a:pPr indent="0" lvl="0" marL="0" rtl="0" algn="l">
-              <a:spcBef>
-                <a:spcPts val="0"/>
-              </a:spcBef>
-              <a:spcAft>
-                <a:spcPts val="0"/>
-              </a:spcAft>
+              <a:lnSpc>
+                <a:spcPct val="100000"/>
+              </a:lnSpc>
+              <a:spcBef>
+                <a:spcPts val="0"/>
+              </a:spcBef>
+              <a:spcAft>
+                <a:spcPts val="0"/>
+              </a:spcAft>
+              <a:buSzPts val="1100"/>
               <a:buNone/>
             </a:pPr>
             <a:r>
@@ -1410,7 +1671,7 @@
       </p:grpSpPr>
       <p:sp>
         <p:nvSpPr>
-          <p:cNvPr id="99" name="Google Shape;99;gfa13c80bfd_0_102:notes"/>
+          <p:cNvPr id="99" name="Google Shape;99;p4:notes"/>
           <p:cNvSpPr/>
           <p:nvPr>
             <p:ph idx="2" type="sldImg"/>
@@ -1441,11 +1702,21 @@
               </a:path>
             </a:pathLst>
           </a:custGeom>
+          <a:noFill/>
+          <a:ln cap="flat" cmpd="sng" w="9525">
+            <a:solidFill>
+              <a:srgbClr val="000000"/>
+            </a:solidFill>
+            <a:prstDash val="solid"/>
+            <a:round/>
+            <a:headEnd len="sm" w="sm" type="none"/>
+            <a:tailEnd len="sm" w="sm" type="none"/>
+          </a:ln>
         </p:spPr>
       </p:sp>
       <p:sp>
         <p:nvSpPr>
-          <p:cNvPr id="100" name="Google Shape;100;gfa13c80bfd_0_102:notes"/>
+          <p:cNvPr id="100" name="Google Shape;100;p4:notes"/>
           <p:cNvSpPr txBox="1"/>
           <p:nvPr>
             <p:ph idx="1" type="body"/>
@@ -1459,6 +1730,10 @@
           <a:prstGeom prst="rect">
             <a:avLst/>
           </a:prstGeom>
+          <a:noFill/>
+          <a:ln>
+            <a:noFill/>
+          </a:ln>
         </p:spPr>
         <p:txBody>
           <a:bodyPr anchorCtr="0" anchor="t" bIns="91425" lIns="91425" spcFirstLastPara="1" rIns="91425" wrap="square" tIns="91425">
@@ -1467,12 +1742,16 @@
           <a:lstStyle/>
           <a:p>
             <a:pPr indent="0" lvl="0" marL="0" rtl="0" algn="l">
-              <a:spcBef>
-                <a:spcPts val="0"/>
-              </a:spcBef>
-              <a:spcAft>
-                <a:spcPts val="0"/>
-              </a:spcAft>
+              <a:lnSpc>
+                <a:spcPct val="100000"/>
+              </a:lnSpc>
+              <a:spcBef>
+                <a:spcPts val="0"/>
+              </a:spcBef>
+              <a:spcAft>
+                <a:spcPts val="0"/>
+              </a:spcAft>
+              <a:buSzPts val="1100"/>
               <a:buNone/>
             </a:pPr>
             <a:r>
@@ -1509,7 +1788,7 @@
       </p:grpSpPr>
       <p:sp>
         <p:nvSpPr>
-          <p:cNvPr id="114" name="Google Shape;114;gfa13c80bfd_0_128:notes"/>
+          <p:cNvPr id="114" name="Google Shape;114;p5:notes"/>
           <p:cNvSpPr/>
           <p:nvPr>
             <p:ph idx="2" type="sldImg"/>
@@ -1540,11 +1819,21 @@
               </a:path>
             </a:pathLst>
           </a:custGeom>
+          <a:noFill/>
+          <a:ln cap="flat" cmpd="sng" w="9525">
+            <a:solidFill>
+              <a:srgbClr val="000000"/>
+            </a:solidFill>
+            <a:prstDash val="solid"/>
+            <a:round/>
+            <a:headEnd len="sm" w="sm" type="none"/>
+            <a:tailEnd len="sm" w="sm" type="none"/>
+          </a:ln>
         </p:spPr>
       </p:sp>
       <p:sp>
         <p:nvSpPr>
-          <p:cNvPr id="115" name="Google Shape;115;gfa13c80bfd_0_128:notes"/>
+          <p:cNvPr id="115" name="Google Shape;115;p5:notes"/>
           <p:cNvSpPr txBox="1"/>
           <p:nvPr>
             <p:ph idx="1" type="body"/>
@@ -1558,6 +1847,10 @@
           <a:prstGeom prst="rect">
             <a:avLst/>
           </a:prstGeom>
+          <a:noFill/>
+          <a:ln>
+            <a:noFill/>
+          </a:ln>
         </p:spPr>
         <p:txBody>
           <a:bodyPr anchorCtr="0" anchor="t" bIns="91425" lIns="91425" spcFirstLastPara="1" rIns="91425" wrap="square" tIns="91425">
@@ -1566,12 +1859,16 @@
           <a:lstStyle/>
           <a:p>
             <a:pPr indent="0" lvl="0" marL="0" rtl="0" algn="l">
-              <a:spcBef>
-                <a:spcPts val="0"/>
-              </a:spcBef>
-              <a:spcAft>
-                <a:spcPts val="0"/>
-              </a:spcAft>
+              <a:lnSpc>
+                <a:spcPct val="100000"/>
+              </a:lnSpc>
+              <a:spcBef>
+                <a:spcPts val="0"/>
+              </a:spcBef>
+              <a:spcAft>
+                <a:spcPts val="0"/>
+              </a:spcAft>
+              <a:buSzPts val="1100"/>
               <a:buNone/>
             </a:pPr>
             <a:r>
@@ -1608,7 +1905,7 @@
       </p:grpSpPr>
       <p:sp>
         <p:nvSpPr>
-          <p:cNvPr id="121" name="Google Shape;121;gfab4983f41_0_0:notes"/>
+          <p:cNvPr id="121" name="Google Shape;121;p6:notes"/>
           <p:cNvSpPr/>
           <p:nvPr>
             <p:ph idx="2" type="sldImg"/>
@@ -1639,11 +1936,21 @@
               </a:path>
             </a:pathLst>
           </a:custGeom>
+          <a:noFill/>
+          <a:ln cap="flat" cmpd="sng" w="9525">
+            <a:solidFill>
+              <a:srgbClr val="000000"/>
+            </a:solidFill>
+            <a:prstDash val="solid"/>
+            <a:round/>
+            <a:headEnd len="sm" w="sm" type="none"/>
+            <a:tailEnd len="sm" w="sm" type="none"/>
+          </a:ln>
         </p:spPr>
       </p:sp>
       <p:sp>
         <p:nvSpPr>
-          <p:cNvPr id="122" name="Google Shape;122;gfab4983f41_0_0:notes"/>
+          <p:cNvPr id="122" name="Google Shape;122;p6:notes"/>
           <p:cNvSpPr txBox="1"/>
           <p:nvPr>
             <p:ph idx="1" type="body"/>
@@ -1657,6 +1964,10 @@
           <a:prstGeom prst="rect">
             <a:avLst/>
           </a:prstGeom>
+          <a:noFill/>
+          <a:ln>
+            <a:noFill/>
+          </a:ln>
         </p:spPr>
         <p:txBody>
           <a:bodyPr anchorCtr="0" anchor="t" bIns="91425" lIns="91425" spcFirstLastPara="1" rIns="91425" wrap="square" tIns="91425">
@@ -1665,12 +1976,16 @@
           <a:lstStyle/>
           <a:p>
             <a:pPr indent="0" lvl="0" marL="0" rtl="0" algn="l">
-              <a:spcBef>
-                <a:spcPts val="0"/>
-              </a:spcBef>
-              <a:spcAft>
-                <a:spcPts val="0"/>
-              </a:spcAft>
+              <a:lnSpc>
+                <a:spcPct val="100000"/>
+              </a:lnSpc>
+              <a:spcBef>
+                <a:spcPts val="0"/>
+              </a:spcBef>
+              <a:spcAft>
+                <a:spcPts val="0"/>
+              </a:spcAft>
+              <a:buSzPts val="1100"/>
               <a:buNone/>
             </a:pPr>
             <a:r>
@@ -1707,7 +2022,7 @@
       </p:grpSpPr>
       <p:sp>
         <p:nvSpPr>
-          <p:cNvPr id="137" name="Google Shape;137;gfa13c80bfd_0_91:notes"/>
+          <p:cNvPr id="137" name="Google Shape;137;p7:notes"/>
           <p:cNvSpPr/>
           <p:nvPr>
             <p:ph idx="2" type="sldImg"/>
@@ -1738,11 +2053,21 @@
               </a:path>
             </a:pathLst>
           </a:custGeom>
+          <a:noFill/>
+          <a:ln cap="flat" cmpd="sng" w="9525">
+            <a:solidFill>
+              <a:srgbClr val="000000"/>
+            </a:solidFill>
+            <a:prstDash val="solid"/>
+            <a:round/>
+            <a:headEnd len="sm" w="sm" type="none"/>
+            <a:tailEnd len="sm" w="sm" type="none"/>
+          </a:ln>
         </p:spPr>
       </p:sp>
       <p:sp>
         <p:nvSpPr>
-          <p:cNvPr id="138" name="Google Shape;138;gfa13c80bfd_0_91:notes"/>
+          <p:cNvPr id="138" name="Google Shape;138;p7:notes"/>
           <p:cNvSpPr txBox="1"/>
           <p:nvPr>
             <p:ph idx="1" type="body"/>
@@ -1756,6 +2081,10 @@
           <a:prstGeom prst="rect">
             <a:avLst/>
           </a:prstGeom>
+          <a:noFill/>
+          <a:ln>
+            <a:noFill/>
+          </a:ln>
         </p:spPr>
         <p:txBody>
           <a:bodyPr anchorCtr="0" anchor="t" bIns="91425" lIns="91425" spcFirstLastPara="1" rIns="91425" wrap="square" tIns="91425">
@@ -1764,12 +2093,16 @@
           <a:lstStyle/>
           <a:p>
             <a:pPr indent="0" lvl="0" marL="0" rtl="0" algn="l">
-              <a:spcBef>
-                <a:spcPts val="0"/>
-              </a:spcBef>
-              <a:spcAft>
-                <a:spcPts val="0"/>
-              </a:spcAft>
+              <a:lnSpc>
+                <a:spcPct val="100000"/>
+              </a:lnSpc>
+              <a:spcBef>
+                <a:spcPts val="0"/>
+              </a:spcBef>
+              <a:spcAft>
+                <a:spcPts val="0"/>
+              </a:spcAft>
+              <a:buSzPts val="1100"/>
               <a:buNone/>
             </a:pPr>
             <a:r>
@@ -1806,7 +2139,7 @@
       </p:grpSpPr>
       <p:sp>
         <p:nvSpPr>
-          <p:cNvPr id="146" name="Google Shape;146;gfa13c80bfd_0_157:notes"/>
+          <p:cNvPr id="146" name="Google Shape;146;p8:notes"/>
           <p:cNvSpPr/>
           <p:nvPr>
             <p:ph idx="2" type="sldImg"/>
@@ -1837,11 +2170,21 @@
               </a:path>
             </a:pathLst>
           </a:custGeom>
+          <a:noFill/>
+          <a:ln cap="flat" cmpd="sng" w="9525">
+            <a:solidFill>
+              <a:srgbClr val="000000"/>
+            </a:solidFill>
+            <a:prstDash val="solid"/>
+            <a:round/>
+            <a:headEnd len="sm" w="sm" type="none"/>
+            <a:tailEnd len="sm" w="sm" type="none"/>
+          </a:ln>
         </p:spPr>
       </p:sp>
       <p:sp>
         <p:nvSpPr>
-          <p:cNvPr id="147" name="Google Shape;147;gfa13c80bfd_0_157:notes"/>
+          <p:cNvPr id="147" name="Google Shape;147;p8:notes"/>
           <p:cNvSpPr txBox="1"/>
           <p:nvPr>
             <p:ph idx="1" type="body"/>
@@ -1855,6 +2198,10 @@
           <a:prstGeom prst="rect">
             <a:avLst/>
           </a:prstGeom>
+          <a:noFill/>
+          <a:ln>
+            <a:noFill/>
+          </a:ln>
         </p:spPr>
         <p:txBody>
           <a:bodyPr anchorCtr="0" anchor="t" bIns="91425" lIns="91425" spcFirstLastPara="1" rIns="91425" wrap="square" tIns="91425">
@@ -1863,12 +2210,16 @@
           <a:lstStyle/>
           <a:p>
             <a:pPr indent="0" lvl="0" marL="0" rtl="0" algn="l">
-              <a:spcBef>
-                <a:spcPts val="0"/>
-              </a:spcBef>
-              <a:spcAft>
-                <a:spcPts val="0"/>
-              </a:spcAft>
+              <a:lnSpc>
+                <a:spcPct val="100000"/>
+              </a:lnSpc>
+              <a:spcBef>
+                <a:spcPts val="0"/>
+              </a:spcBef>
+              <a:spcAft>
+                <a:spcPts val="0"/>
+              </a:spcAft>
+              <a:buSzPts val="1100"/>
               <a:buNone/>
             </a:pPr>
             <a:r>
@@ -1905,7 +2256,7 @@
       </p:grpSpPr>
       <p:sp>
         <p:nvSpPr>
-          <p:cNvPr id="153" name="Google Shape;153;gfa13c80bfd_0_143:notes"/>
+          <p:cNvPr id="153" name="Google Shape;153;p9:notes"/>
           <p:cNvSpPr/>
           <p:nvPr>
             <p:ph idx="2" type="sldImg"/>
@@ -1936,11 +2287,21 @@
               </a:path>
             </a:pathLst>
           </a:custGeom>
+          <a:noFill/>
+          <a:ln cap="flat" cmpd="sng" w="9525">
+            <a:solidFill>
+              <a:srgbClr val="000000"/>
+            </a:solidFill>
+            <a:prstDash val="solid"/>
+            <a:round/>
+            <a:headEnd len="sm" w="sm" type="none"/>
+            <a:tailEnd len="sm" w="sm" type="none"/>
+          </a:ln>
         </p:spPr>
       </p:sp>
       <p:sp>
         <p:nvSpPr>
-          <p:cNvPr id="154" name="Google Shape;154;gfa13c80bfd_0_143:notes"/>
+          <p:cNvPr id="154" name="Google Shape;154;p9:notes"/>
           <p:cNvSpPr txBox="1"/>
           <p:nvPr>
             <p:ph idx="1" type="body"/>
@@ -1954,6 +2315,10 @@
           <a:prstGeom prst="rect">
             <a:avLst/>
           </a:prstGeom>
+          <a:noFill/>
+          <a:ln>
+            <a:noFill/>
+          </a:ln>
         </p:spPr>
         <p:txBody>
           <a:bodyPr anchorCtr="0" anchor="t" bIns="91425" lIns="91425" spcFirstLastPara="1" rIns="91425" wrap="square" tIns="91425">
@@ -1962,12 +2327,16 @@
           <a:lstStyle/>
           <a:p>
             <a:pPr indent="0" lvl="0" marL="0" rtl="0" algn="l">
-              <a:spcBef>
-                <a:spcPts val="0"/>
-              </a:spcBef>
-              <a:spcAft>
-                <a:spcPts val="0"/>
-              </a:spcAft>
+              <a:lnSpc>
+                <a:spcPct val="100000"/>
+              </a:lnSpc>
+              <a:spcBef>
+                <a:spcPts val="0"/>
+              </a:spcBef>
+              <a:spcAft>
+                <a:spcPts val="0"/>
+              </a:spcAft>
+              <a:buSzPts val="1100"/>
               <a:buNone/>
             </a:pPr>
             <a:r>
@@ -4931,8 +5300,8 @@
 </file>
 
 <file path=ppt/slideLayouts/slideLayout2.xml><?xml version="1.0" encoding="utf-8"?>
-<p:sldLayout xmlns:a="http://schemas.openxmlformats.org/drawingml/2006/main" xmlns:r="http://schemas.openxmlformats.org/officeDocument/2006/relationships" xmlns:mc="http://schemas.openxmlformats.org/markup-compatibility/2006" xmlns:mv="urn:schemas-microsoft-com:mac:vml" xmlns:p="http://schemas.openxmlformats.org/presentationml/2006/main" xmlns:c="http://schemas.openxmlformats.org/drawingml/2006/chart" xmlns:dgm="http://schemas.openxmlformats.org/drawingml/2006/diagram" xmlns:o="urn:schemas-microsoft-com:office:office" xmlns:v="urn:schemas-microsoft-com:vml" xmlns:pvml="urn:schemas-microsoft-com:office:powerpoint" xmlns:com="http://schemas.openxmlformats.org/drawingml/2006/compatibility" xmlns:p14="http://schemas.microsoft.com/office/powerpoint/2010/main" xmlns:p15="http://schemas.microsoft.com/office/powerpoint/2012/main" xmlns:ahyp="http://schemas.microsoft.com/office/drawing/2018/hyperlinkcolor" matchingName="1_Titel und Inhalt">
-  <p:cSld name="1_Titel und Inhalt">
+<p:sldLayout xmlns:a="http://schemas.openxmlformats.org/drawingml/2006/main" xmlns:r="http://schemas.openxmlformats.org/officeDocument/2006/relationships" xmlns:mc="http://schemas.openxmlformats.org/markup-compatibility/2006" xmlns:mv="urn:schemas-microsoft-com:mac:vml" xmlns:p="http://schemas.openxmlformats.org/presentationml/2006/main" xmlns:c="http://schemas.openxmlformats.org/drawingml/2006/chart" xmlns:dgm="http://schemas.openxmlformats.org/drawingml/2006/diagram" xmlns:o="urn:schemas-microsoft-com:office:office" xmlns:v="urn:schemas-microsoft-com:vml" xmlns:pvml="urn:schemas-microsoft-com:office:powerpoint" xmlns:com="http://schemas.openxmlformats.org/drawingml/2006/compatibility" xmlns:p14="http://schemas.microsoft.com/office/powerpoint/2010/main" xmlns:p15="http://schemas.microsoft.com/office/powerpoint/2012/main" xmlns:ahyp="http://schemas.microsoft.com/office/drawing/2018/hyperlinkcolor" matchingName="1_Titel und Diagramm">
+  <p:cSld name="1_Titel und Diagramm">
     <p:spTree>
       <p:nvGrpSpPr>
         <p:cNvPr id="20" name="Shape 20"/>
@@ -5165,6 +5534,510 @@
       <p:sp>
         <p:nvSpPr>
           <p:cNvPr id="23" name="Google Shape;23;p3"/>
+          <p:cNvSpPr/>
+          <p:nvPr>
+            <p:ph idx="2" type="chart"/>
+          </p:nvPr>
+        </p:nvSpPr>
+        <p:spPr>
+          <a:xfrm>
+            <a:off x="431800" y="782241"/>
+            <a:ext cx="8375700" cy="3579000"/>
+          </a:xfrm>
+          <a:prstGeom prst="rect">
+            <a:avLst/>
+          </a:prstGeom>
+          <a:noFill/>
+          <a:ln>
+            <a:noFill/>
+          </a:ln>
+        </p:spPr>
+        <p:txBody>
+          <a:bodyPr anchorCtr="0" anchor="t" bIns="0" lIns="0" spcFirstLastPara="1" rIns="0" wrap="square" tIns="0">
+            <a:noAutofit/>
+          </a:bodyPr>
+          <a:lstStyle>
+            <a:lvl1pPr lvl="0" marR="0" rtl="0" algn="l">
+              <a:lnSpc>
+                <a:spcPct val="100000"/>
+              </a:lnSpc>
+              <a:spcBef>
+                <a:spcPts val="320"/>
+              </a:spcBef>
+              <a:spcAft>
+                <a:spcPts val="0"/>
+              </a:spcAft>
+              <a:buClr>
+                <a:srgbClr val="000000"/>
+              </a:buClr>
+              <a:buSzPts val="1400"/>
+              <a:buFont typeface="Arial"/>
+              <a:buNone/>
+              <a:defRPr b="0" i="0" sz="1600" u="none" cap="none" strike="noStrike">
+                <a:solidFill>
+                  <a:schemeClr val="dk1"/>
+                </a:solidFill>
+                <a:latin typeface="Arial"/>
+                <a:ea typeface="Arial"/>
+                <a:cs typeface="Arial"/>
+                <a:sym typeface="Arial"/>
+              </a:defRPr>
+            </a:lvl1pPr>
+            <a:lvl2pPr lvl="1" marR="0" rtl="0" algn="l">
+              <a:lnSpc>
+                <a:spcPct val="100000"/>
+              </a:lnSpc>
+              <a:spcBef>
+                <a:spcPts val="320"/>
+              </a:spcBef>
+              <a:spcAft>
+                <a:spcPts val="0"/>
+              </a:spcAft>
+              <a:buClr>
+                <a:schemeClr val="dk1"/>
+              </a:buClr>
+              <a:buSzPts val="1600"/>
+              <a:buFont typeface="Noto Sans Symbols"/>
+              <a:buChar char="▪"/>
+              <a:defRPr b="0" i="0" sz="1600" u="none" cap="none" strike="noStrike">
+                <a:solidFill>
+                  <a:schemeClr val="dk1"/>
+                </a:solidFill>
+                <a:latin typeface="Arial"/>
+                <a:ea typeface="Arial"/>
+                <a:cs typeface="Arial"/>
+                <a:sym typeface="Arial"/>
+              </a:defRPr>
+            </a:lvl2pPr>
+            <a:lvl3pPr lvl="2" marR="0" rtl="0" algn="l">
+              <a:lnSpc>
+                <a:spcPct val="100000"/>
+              </a:lnSpc>
+              <a:spcBef>
+                <a:spcPts val="320"/>
+              </a:spcBef>
+              <a:spcAft>
+                <a:spcPts val="0"/>
+              </a:spcAft>
+              <a:buClr>
+                <a:schemeClr val="dk1"/>
+              </a:buClr>
+              <a:buSzPts val="1600"/>
+              <a:buFont typeface="Noto Sans Symbols"/>
+              <a:buChar char="▪"/>
+              <a:defRPr b="0" i="0" sz="1600" u="none" cap="none" strike="noStrike">
+                <a:solidFill>
+                  <a:schemeClr val="dk1"/>
+                </a:solidFill>
+                <a:latin typeface="Arial"/>
+                <a:ea typeface="Arial"/>
+                <a:cs typeface="Arial"/>
+                <a:sym typeface="Arial"/>
+              </a:defRPr>
+            </a:lvl3pPr>
+            <a:lvl4pPr lvl="3" marR="0" rtl="0" algn="l">
+              <a:lnSpc>
+                <a:spcPct val="100000"/>
+              </a:lnSpc>
+              <a:spcBef>
+                <a:spcPts val="320"/>
+              </a:spcBef>
+              <a:spcAft>
+                <a:spcPts val="0"/>
+              </a:spcAft>
+              <a:buClr>
+                <a:schemeClr val="dk1"/>
+              </a:buClr>
+              <a:buSzPts val="1600"/>
+              <a:buFont typeface="Noto Sans Symbols"/>
+              <a:buChar char="▪"/>
+              <a:defRPr b="0" i="0" sz="1600" u="none" cap="none" strike="noStrike">
+                <a:solidFill>
+                  <a:schemeClr val="dk1"/>
+                </a:solidFill>
+                <a:latin typeface="Arial"/>
+                <a:ea typeface="Arial"/>
+                <a:cs typeface="Arial"/>
+                <a:sym typeface="Arial"/>
+              </a:defRPr>
+            </a:lvl4pPr>
+            <a:lvl5pPr lvl="4" marR="0" rtl="0" algn="l">
+              <a:lnSpc>
+                <a:spcPct val="100000"/>
+              </a:lnSpc>
+              <a:spcBef>
+                <a:spcPts val="320"/>
+              </a:spcBef>
+              <a:spcAft>
+                <a:spcPts val="0"/>
+              </a:spcAft>
+              <a:buClr>
+                <a:schemeClr val="dk1"/>
+              </a:buClr>
+              <a:buSzPts val="1600"/>
+              <a:buFont typeface="Noto Sans Symbols"/>
+              <a:buChar char="▪"/>
+              <a:defRPr b="0" i="0" sz="1600" u="none" cap="none" strike="noStrike">
+                <a:solidFill>
+                  <a:schemeClr val="dk1"/>
+                </a:solidFill>
+                <a:latin typeface="Arial"/>
+                <a:ea typeface="Arial"/>
+                <a:cs typeface="Arial"/>
+                <a:sym typeface="Arial"/>
+              </a:defRPr>
+            </a:lvl5pPr>
+            <a:lvl6pPr lvl="5" marR="0" rtl="0" algn="l">
+              <a:lnSpc>
+                <a:spcPct val="100000"/>
+              </a:lnSpc>
+              <a:spcBef>
+                <a:spcPts val="320"/>
+              </a:spcBef>
+              <a:spcAft>
+                <a:spcPts val="0"/>
+              </a:spcAft>
+              <a:buClr>
+                <a:schemeClr val="dk1"/>
+              </a:buClr>
+              <a:buSzPts val="1600"/>
+              <a:buFont typeface="Noto Sans Symbols"/>
+              <a:buChar char="▪"/>
+              <a:defRPr b="0" i="0" sz="1600" u="none" cap="none" strike="noStrike">
+                <a:solidFill>
+                  <a:schemeClr val="dk1"/>
+                </a:solidFill>
+                <a:latin typeface="Arial"/>
+                <a:ea typeface="Arial"/>
+                <a:cs typeface="Arial"/>
+                <a:sym typeface="Arial"/>
+              </a:defRPr>
+            </a:lvl6pPr>
+            <a:lvl7pPr lvl="6" marR="0" rtl="0" algn="l">
+              <a:lnSpc>
+                <a:spcPct val="100000"/>
+              </a:lnSpc>
+              <a:spcBef>
+                <a:spcPts val="320"/>
+              </a:spcBef>
+              <a:spcAft>
+                <a:spcPts val="0"/>
+              </a:spcAft>
+              <a:buClr>
+                <a:schemeClr val="dk1"/>
+              </a:buClr>
+              <a:buSzPts val="1600"/>
+              <a:buFont typeface="Noto Sans Symbols"/>
+              <a:buChar char="▪"/>
+              <a:defRPr b="0" i="0" sz="1600" u="none" cap="none" strike="noStrike">
+                <a:solidFill>
+                  <a:schemeClr val="dk1"/>
+                </a:solidFill>
+                <a:latin typeface="Arial"/>
+                <a:ea typeface="Arial"/>
+                <a:cs typeface="Arial"/>
+                <a:sym typeface="Arial"/>
+              </a:defRPr>
+            </a:lvl7pPr>
+            <a:lvl8pPr lvl="7" marR="0" rtl="0" algn="l">
+              <a:lnSpc>
+                <a:spcPct val="100000"/>
+              </a:lnSpc>
+              <a:spcBef>
+                <a:spcPts val="320"/>
+              </a:spcBef>
+              <a:spcAft>
+                <a:spcPts val="0"/>
+              </a:spcAft>
+              <a:buClr>
+                <a:schemeClr val="dk1"/>
+              </a:buClr>
+              <a:buSzPts val="1600"/>
+              <a:buFont typeface="Noto Sans Symbols"/>
+              <a:buChar char="▪"/>
+              <a:defRPr b="0" i="0" sz="1600" u="none" cap="none" strike="noStrike">
+                <a:solidFill>
+                  <a:schemeClr val="dk1"/>
+                </a:solidFill>
+                <a:latin typeface="Arial"/>
+                <a:ea typeface="Arial"/>
+                <a:cs typeface="Arial"/>
+                <a:sym typeface="Arial"/>
+              </a:defRPr>
+            </a:lvl8pPr>
+            <a:lvl9pPr lvl="8" marR="0" rtl="0" algn="l">
+              <a:lnSpc>
+                <a:spcPct val="100000"/>
+              </a:lnSpc>
+              <a:spcBef>
+                <a:spcPts val="320"/>
+              </a:spcBef>
+              <a:spcAft>
+                <a:spcPts val="0"/>
+              </a:spcAft>
+              <a:buClr>
+                <a:schemeClr val="dk1"/>
+              </a:buClr>
+              <a:buSzPts val="1600"/>
+              <a:buFont typeface="Noto Sans Symbols"/>
+              <a:buChar char="▪"/>
+              <a:defRPr b="0" i="0" sz="1600" u="none" cap="none" strike="noStrike">
+                <a:solidFill>
+                  <a:schemeClr val="dk1"/>
+                </a:solidFill>
+                <a:latin typeface="Arial"/>
+                <a:ea typeface="Arial"/>
+                <a:cs typeface="Arial"/>
+                <a:sym typeface="Arial"/>
+              </a:defRPr>
+            </a:lvl9pPr>
+          </a:lstStyle>
+          <a:p/>
+        </p:txBody>
+      </p:sp>
+    </p:spTree>
+  </p:cSld>
+  <p:clrMapOvr>
+    <a:masterClrMapping/>
+  </p:clrMapOvr>
+</p:sldLayout>
+</file>
+
+<file path=ppt/slideLayouts/slideLayout3.xml><?xml version="1.0" encoding="utf-8"?>
+<p:sldLayout xmlns:a="http://schemas.openxmlformats.org/drawingml/2006/main" xmlns:r="http://schemas.openxmlformats.org/officeDocument/2006/relationships" xmlns:mc="http://schemas.openxmlformats.org/markup-compatibility/2006" xmlns:mv="urn:schemas-microsoft-com:mac:vml" xmlns:p="http://schemas.openxmlformats.org/presentationml/2006/main" xmlns:c="http://schemas.openxmlformats.org/drawingml/2006/chart" xmlns:dgm="http://schemas.openxmlformats.org/drawingml/2006/diagram" xmlns:o="urn:schemas-microsoft-com:office:office" xmlns:v="urn:schemas-microsoft-com:vml" xmlns:pvml="urn:schemas-microsoft-com:office:powerpoint" xmlns:com="http://schemas.openxmlformats.org/drawingml/2006/compatibility" xmlns:p14="http://schemas.microsoft.com/office/powerpoint/2010/main" xmlns:p15="http://schemas.microsoft.com/office/powerpoint/2012/main" xmlns:ahyp="http://schemas.microsoft.com/office/drawing/2018/hyperlinkcolor" matchingName="1_Titel und Inhalt">
+  <p:cSld name="1_Titel und Inhalt">
+    <p:spTree>
+      <p:nvGrpSpPr>
+        <p:cNvPr id="24" name="Shape 24"/>
+        <p:cNvGrpSpPr/>
+        <p:nvPr/>
+      </p:nvGrpSpPr>
+      <p:grpSpPr>
+        <a:xfrm>
+          <a:off x="0" y="0"/>
+          <a:ext cx="0" cy="0"/>
+          <a:chOff x="0" y="0"/>
+          <a:chExt cx="0" cy="0"/>
+        </a:xfrm>
+      </p:grpSpPr>
+      <p:sp>
+        <p:nvSpPr>
+          <p:cNvPr id="25" name="Google Shape;25;p4"/>
+          <p:cNvSpPr/>
+          <p:nvPr/>
+        </p:nvSpPr>
+        <p:spPr>
+          <a:xfrm>
+            <a:off x="0" y="0"/>
+            <a:ext cx="9144000" cy="647700"/>
+          </a:xfrm>
+          <a:prstGeom prst="rect">
+            <a:avLst/>
+          </a:prstGeom>
+          <a:solidFill>
+            <a:srgbClr val="DDDDDD"/>
+          </a:solidFill>
+          <a:ln>
+            <a:noFill/>
+          </a:ln>
+        </p:spPr>
+        <p:txBody>
+          <a:bodyPr anchorCtr="0" anchor="ctr" bIns="45700" lIns="91425" spcFirstLastPara="1" rIns="91425" wrap="square" tIns="45700">
+            <a:noAutofit/>
+          </a:bodyPr>
+          <a:lstStyle/>
+          <a:p>
+            <a:pPr indent="0" lvl="0" marL="0" marR="0" rtl="0" algn="ctr">
+              <a:lnSpc>
+                <a:spcPct val="100000"/>
+              </a:lnSpc>
+              <a:spcBef>
+                <a:spcPts val="0"/>
+              </a:spcBef>
+              <a:spcAft>
+                <a:spcPts val="0"/>
+              </a:spcAft>
+              <a:buClr>
+                <a:srgbClr val="000000"/>
+              </a:buClr>
+              <a:buSzPts val="1800"/>
+              <a:buFont typeface="Arial"/>
+              <a:buNone/>
+            </a:pPr>
+            <a:r>
+              <a:t/>
+            </a:r>
+            <a:endParaRPr b="0" i="0" sz="1800" u="none" cap="none" strike="noStrike">
+              <a:solidFill>
+                <a:schemeClr val="accent2"/>
+              </a:solidFill>
+              <a:latin typeface="Arial"/>
+              <a:ea typeface="Arial"/>
+              <a:cs typeface="Arial"/>
+              <a:sym typeface="Arial"/>
+            </a:endParaRPr>
+          </a:p>
+        </p:txBody>
+      </p:sp>
+      <p:sp>
+        <p:nvSpPr>
+          <p:cNvPr id="26" name="Google Shape;26;p4"/>
+          <p:cNvSpPr txBox="1"/>
+          <p:nvPr>
+            <p:ph type="title"/>
+          </p:nvPr>
+        </p:nvSpPr>
+        <p:spPr>
+          <a:xfrm>
+            <a:off x="431800" y="83344"/>
+            <a:ext cx="8375700" cy="531000"/>
+          </a:xfrm>
+          <a:prstGeom prst="rect">
+            <a:avLst/>
+          </a:prstGeom>
+          <a:noFill/>
+          <a:ln>
+            <a:noFill/>
+          </a:ln>
+        </p:spPr>
+        <p:txBody>
+          <a:bodyPr anchorCtr="0" anchor="b" bIns="0" lIns="0" spcFirstLastPara="1" rIns="0" wrap="square" tIns="0">
+            <a:noAutofit/>
+          </a:bodyPr>
+          <a:lstStyle>
+            <a:lvl1pPr lvl="0" algn="l">
+              <a:lnSpc>
+                <a:spcPct val="100000"/>
+              </a:lnSpc>
+              <a:spcBef>
+                <a:spcPts val="0"/>
+              </a:spcBef>
+              <a:spcAft>
+                <a:spcPts val="0"/>
+              </a:spcAft>
+              <a:buSzPts val="1400"/>
+              <a:buNone/>
+              <a:defRPr/>
+            </a:lvl1pPr>
+            <a:lvl2pPr lvl="1" algn="l">
+              <a:lnSpc>
+                <a:spcPct val="100000"/>
+              </a:lnSpc>
+              <a:spcBef>
+                <a:spcPts val="0"/>
+              </a:spcBef>
+              <a:spcAft>
+                <a:spcPts val="0"/>
+              </a:spcAft>
+              <a:buSzPts val="1400"/>
+              <a:buNone/>
+              <a:defRPr/>
+            </a:lvl2pPr>
+            <a:lvl3pPr lvl="2" algn="l">
+              <a:lnSpc>
+                <a:spcPct val="100000"/>
+              </a:lnSpc>
+              <a:spcBef>
+                <a:spcPts val="0"/>
+              </a:spcBef>
+              <a:spcAft>
+                <a:spcPts val="0"/>
+              </a:spcAft>
+              <a:buSzPts val="1400"/>
+              <a:buNone/>
+              <a:defRPr/>
+            </a:lvl3pPr>
+            <a:lvl4pPr lvl="3" algn="l">
+              <a:lnSpc>
+                <a:spcPct val="100000"/>
+              </a:lnSpc>
+              <a:spcBef>
+                <a:spcPts val="0"/>
+              </a:spcBef>
+              <a:spcAft>
+                <a:spcPts val="0"/>
+              </a:spcAft>
+              <a:buSzPts val="1400"/>
+              <a:buNone/>
+              <a:defRPr/>
+            </a:lvl4pPr>
+            <a:lvl5pPr lvl="4" algn="l">
+              <a:lnSpc>
+                <a:spcPct val="100000"/>
+              </a:lnSpc>
+              <a:spcBef>
+                <a:spcPts val="0"/>
+              </a:spcBef>
+              <a:spcAft>
+                <a:spcPts val="0"/>
+              </a:spcAft>
+              <a:buSzPts val="1400"/>
+              <a:buNone/>
+              <a:defRPr/>
+            </a:lvl5pPr>
+            <a:lvl6pPr lvl="5" algn="l">
+              <a:lnSpc>
+                <a:spcPct val="100000"/>
+              </a:lnSpc>
+              <a:spcBef>
+                <a:spcPts val="0"/>
+              </a:spcBef>
+              <a:spcAft>
+                <a:spcPts val="0"/>
+              </a:spcAft>
+              <a:buSzPts val="1400"/>
+              <a:buNone/>
+              <a:defRPr/>
+            </a:lvl6pPr>
+            <a:lvl7pPr lvl="6" algn="l">
+              <a:lnSpc>
+                <a:spcPct val="100000"/>
+              </a:lnSpc>
+              <a:spcBef>
+                <a:spcPts val="0"/>
+              </a:spcBef>
+              <a:spcAft>
+                <a:spcPts val="0"/>
+              </a:spcAft>
+              <a:buSzPts val="1400"/>
+              <a:buNone/>
+              <a:defRPr/>
+            </a:lvl7pPr>
+            <a:lvl8pPr lvl="7" algn="l">
+              <a:lnSpc>
+                <a:spcPct val="100000"/>
+              </a:lnSpc>
+              <a:spcBef>
+                <a:spcPts val="0"/>
+              </a:spcBef>
+              <a:spcAft>
+                <a:spcPts val="0"/>
+              </a:spcAft>
+              <a:buSzPts val="1400"/>
+              <a:buNone/>
+              <a:defRPr/>
+            </a:lvl8pPr>
+            <a:lvl9pPr lvl="8" algn="l">
+              <a:lnSpc>
+                <a:spcPct val="100000"/>
+              </a:lnSpc>
+              <a:spcBef>
+                <a:spcPts val="0"/>
+              </a:spcBef>
+              <a:spcAft>
+                <a:spcPts val="0"/>
+              </a:spcAft>
+              <a:buSzPts val="1400"/>
+              <a:buNone/>
+              <a:defRPr/>
+            </a:lvl9pPr>
+          </a:lstStyle>
+          <a:p/>
+        </p:txBody>
+      </p:sp>
+      <p:sp>
+        <p:nvSpPr>
+          <p:cNvPr id="27" name="Google Shape;27;p4"/>
           <p:cNvSpPr txBox="1"/>
           <p:nvPr>
             <p:ph idx="1" type="body"/>
@@ -5338,12 +6211,12 @@
 </p:sldLayout>
 </file>
 
-<file path=ppt/slideLayouts/slideLayout3.xml><?xml version="1.0" encoding="utf-8"?>
+<file path=ppt/slideLayouts/slideLayout4.xml><?xml version="1.0" encoding="utf-8"?>
 <p:sldLayout xmlns:a="http://schemas.openxmlformats.org/drawingml/2006/main" xmlns:r="http://schemas.openxmlformats.org/officeDocument/2006/relationships" xmlns:mc="http://schemas.openxmlformats.org/markup-compatibility/2006" xmlns:mv="urn:schemas-microsoft-com:mac:vml" xmlns:p="http://schemas.openxmlformats.org/presentationml/2006/main" xmlns:c="http://schemas.openxmlformats.org/drawingml/2006/chart" xmlns:dgm="http://schemas.openxmlformats.org/drawingml/2006/diagram" xmlns:o="urn:schemas-microsoft-com:office:office" xmlns:v="urn:schemas-microsoft-com:vml" xmlns:pvml="urn:schemas-microsoft-com:office:powerpoint" xmlns:com="http://schemas.openxmlformats.org/drawingml/2006/compatibility" xmlns:p14="http://schemas.microsoft.com/office/powerpoint/2010/main" xmlns:p15="http://schemas.microsoft.com/office/powerpoint/2012/main" xmlns:ahyp="http://schemas.microsoft.com/office/drawing/2018/hyperlinkcolor" matchingName="Titel und Inhalt">
   <p:cSld name="Titel und Inhalt">
     <p:spTree>
       <p:nvGrpSpPr>
-        <p:cNvPr id="24" name="Shape 24"/>
+        <p:cNvPr id="28" name="Shape 28"/>
         <p:cNvGrpSpPr/>
         <p:nvPr/>
       </p:nvGrpSpPr>
@@ -5357,7 +6230,7 @@
       </p:grpSpPr>
       <p:sp>
         <p:nvSpPr>
-          <p:cNvPr id="25" name="Google Shape;25;p4"/>
+          <p:cNvPr id="29" name="Google Shape;29;p5"/>
           <p:cNvSpPr txBox="1"/>
           <p:nvPr>
             <p:ph type="title"/>
@@ -5513,7 +6386,7 @@
       </p:sp>
       <p:sp>
         <p:nvSpPr>
-          <p:cNvPr id="26" name="Google Shape;26;p4"/>
+          <p:cNvPr id="30" name="Google Shape;30;p5"/>
           <p:cNvSpPr txBox="1"/>
           <p:nvPr>
             <p:ph idx="1" type="body"/>
@@ -5687,526 +6560,9 @@
 </p:sldLayout>
 </file>
 
-<file path=ppt/slideLayouts/slideLayout4.xml><?xml version="1.0" encoding="utf-8"?>
+<file path=ppt/slideLayouts/slideLayout5.xml><?xml version="1.0" encoding="utf-8"?>
 <p:sldLayout xmlns:a="http://schemas.openxmlformats.org/drawingml/2006/main" xmlns:r="http://schemas.openxmlformats.org/officeDocument/2006/relationships" xmlns:mc="http://schemas.openxmlformats.org/markup-compatibility/2006" xmlns:mv="urn:schemas-microsoft-com:mac:vml" xmlns:p="http://schemas.openxmlformats.org/presentationml/2006/main" xmlns:c="http://schemas.openxmlformats.org/drawingml/2006/chart" xmlns:dgm="http://schemas.openxmlformats.org/drawingml/2006/diagram" xmlns:o="urn:schemas-microsoft-com:office:office" xmlns:v="urn:schemas-microsoft-com:vml" xmlns:pvml="urn:schemas-microsoft-com:office:powerpoint" xmlns:com="http://schemas.openxmlformats.org/drawingml/2006/compatibility" xmlns:p14="http://schemas.microsoft.com/office/powerpoint/2010/main" xmlns:p15="http://schemas.microsoft.com/office/powerpoint/2012/main" xmlns:ahyp="http://schemas.microsoft.com/office/drawing/2018/hyperlinkcolor" matchingName="2_Titel und Inhalt">
   <p:cSld name="2_Titel und Inhalt">
-    <p:spTree>
-      <p:nvGrpSpPr>
-        <p:cNvPr id="27" name="Shape 27"/>
-        <p:cNvGrpSpPr/>
-        <p:nvPr/>
-      </p:nvGrpSpPr>
-      <p:grpSpPr>
-        <a:xfrm>
-          <a:off x="0" y="0"/>
-          <a:ext cx="0" cy="0"/>
-          <a:chOff x="0" y="0"/>
-          <a:chExt cx="0" cy="0"/>
-        </a:xfrm>
-      </p:grpSpPr>
-      <p:sp>
-        <p:nvSpPr>
-          <p:cNvPr id="28" name="Google Shape;28;p5"/>
-          <p:cNvSpPr txBox="1"/>
-          <p:nvPr>
-            <p:ph type="title"/>
-          </p:nvPr>
-        </p:nvSpPr>
-        <p:spPr>
-          <a:xfrm>
-            <a:off x="431800" y="83344"/>
-            <a:ext cx="8375700" cy="531000"/>
-          </a:xfrm>
-          <a:prstGeom prst="rect">
-            <a:avLst/>
-          </a:prstGeom>
-          <a:noFill/>
-          <a:ln>
-            <a:noFill/>
-          </a:ln>
-        </p:spPr>
-        <p:txBody>
-          <a:bodyPr anchorCtr="0" anchor="b" bIns="0" lIns="0" spcFirstLastPara="1" rIns="0" wrap="square" tIns="0">
-            <a:noAutofit/>
-          </a:bodyPr>
-          <a:lstStyle>
-            <a:lvl1pPr lvl="0" algn="l">
-              <a:lnSpc>
-                <a:spcPct val="100000"/>
-              </a:lnSpc>
-              <a:spcBef>
-                <a:spcPts val="0"/>
-              </a:spcBef>
-              <a:spcAft>
-                <a:spcPts val="0"/>
-              </a:spcAft>
-              <a:buSzPts val="1400"/>
-              <a:buNone/>
-              <a:defRPr/>
-            </a:lvl1pPr>
-            <a:lvl2pPr lvl="1" algn="l">
-              <a:lnSpc>
-                <a:spcPct val="100000"/>
-              </a:lnSpc>
-              <a:spcBef>
-                <a:spcPts val="0"/>
-              </a:spcBef>
-              <a:spcAft>
-                <a:spcPts val="0"/>
-              </a:spcAft>
-              <a:buSzPts val="1400"/>
-              <a:buNone/>
-              <a:defRPr/>
-            </a:lvl2pPr>
-            <a:lvl3pPr lvl="2" algn="l">
-              <a:lnSpc>
-                <a:spcPct val="100000"/>
-              </a:lnSpc>
-              <a:spcBef>
-                <a:spcPts val="0"/>
-              </a:spcBef>
-              <a:spcAft>
-                <a:spcPts val="0"/>
-              </a:spcAft>
-              <a:buSzPts val="1400"/>
-              <a:buNone/>
-              <a:defRPr/>
-            </a:lvl3pPr>
-            <a:lvl4pPr lvl="3" algn="l">
-              <a:lnSpc>
-                <a:spcPct val="100000"/>
-              </a:lnSpc>
-              <a:spcBef>
-                <a:spcPts val="0"/>
-              </a:spcBef>
-              <a:spcAft>
-                <a:spcPts val="0"/>
-              </a:spcAft>
-              <a:buSzPts val="1400"/>
-              <a:buNone/>
-              <a:defRPr/>
-            </a:lvl4pPr>
-            <a:lvl5pPr lvl="4" algn="l">
-              <a:lnSpc>
-                <a:spcPct val="100000"/>
-              </a:lnSpc>
-              <a:spcBef>
-                <a:spcPts val="0"/>
-              </a:spcBef>
-              <a:spcAft>
-                <a:spcPts val="0"/>
-              </a:spcAft>
-              <a:buSzPts val="1400"/>
-              <a:buNone/>
-              <a:defRPr/>
-            </a:lvl5pPr>
-            <a:lvl6pPr lvl="5" algn="l">
-              <a:lnSpc>
-                <a:spcPct val="100000"/>
-              </a:lnSpc>
-              <a:spcBef>
-                <a:spcPts val="0"/>
-              </a:spcBef>
-              <a:spcAft>
-                <a:spcPts val="0"/>
-              </a:spcAft>
-              <a:buSzPts val="1400"/>
-              <a:buNone/>
-              <a:defRPr/>
-            </a:lvl6pPr>
-            <a:lvl7pPr lvl="6" algn="l">
-              <a:lnSpc>
-                <a:spcPct val="100000"/>
-              </a:lnSpc>
-              <a:spcBef>
-                <a:spcPts val="0"/>
-              </a:spcBef>
-              <a:spcAft>
-                <a:spcPts val="0"/>
-              </a:spcAft>
-              <a:buSzPts val="1400"/>
-              <a:buNone/>
-              <a:defRPr/>
-            </a:lvl7pPr>
-            <a:lvl8pPr lvl="7" algn="l">
-              <a:lnSpc>
-                <a:spcPct val="100000"/>
-              </a:lnSpc>
-              <a:spcBef>
-                <a:spcPts val="0"/>
-              </a:spcBef>
-              <a:spcAft>
-                <a:spcPts val="0"/>
-              </a:spcAft>
-              <a:buSzPts val="1400"/>
-              <a:buNone/>
-              <a:defRPr/>
-            </a:lvl8pPr>
-            <a:lvl9pPr lvl="8" algn="l">
-              <a:lnSpc>
-                <a:spcPct val="100000"/>
-              </a:lnSpc>
-              <a:spcBef>
-                <a:spcPts val="0"/>
-              </a:spcBef>
-              <a:spcAft>
-                <a:spcPts val="0"/>
-              </a:spcAft>
-              <a:buSzPts val="1400"/>
-              <a:buNone/>
-              <a:defRPr/>
-            </a:lvl9pPr>
-          </a:lstStyle>
-          <a:p/>
-        </p:txBody>
-      </p:sp>
-      <p:sp>
-        <p:nvSpPr>
-          <p:cNvPr id="29" name="Google Shape;29;p5"/>
-          <p:cNvSpPr txBox="1"/>
-          <p:nvPr>
-            <p:ph idx="1" type="body"/>
-          </p:nvPr>
-        </p:nvSpPr>
-        <p:spPr>
-          <a:xfrm>
-            <a:off x="431800" y="945000"/>
-            <a:ext cx="3600000" cy="3375000"/>
-          </a:xfrm>
-          <a:prstGeom prst="rect">
-            <a:avLst/>
-          </a:prstGeom>
-          <a:noFill/>
-          <a:ln>
-            <a:noFill/>
-          </a:ln>
-        </p:spPr>
-        <p:txBody>
-          <a:bodyPr anchorCtr="0" anchor="t" bIns="0" lIns="0" spcFirstLastPara="1" rIns="0" wrap="square" tIns="0">
-            <a:noAutofit/>
-          </a:bodyPr>
-          <a:lstStyle>
-            <a:lvl1pPr indent="-228600" lvl="0" marL="457200" algn="l">
-              <a:lnSpc>
-                <a:spcPct val="100000"/>
-              </a:lnSpc>
-              <a:spcBef>
-                <a:spcPts val="360"/>
-              </a:spcBef>
-              <a:spcAft>
-                <a:spcPts val="0"/>
-              </a:spcAft>
-              <a:buSzPts val="1400"/>
-              <a:buNone/>
-              <a:defRPr/>
-            </a:lvl1pPr>
-            <a:lvl2pPr indent="-342900" lvl="1" marL="914400" algn="l">
-              <a:lnSpc>
-                <a:spcPct val="100000"/>
-              </a:lnSpc>
-              <a:spcBef>
-                <a:spcPts val="360"/>
-              </a:spcBef>
-              <a:spcAft>
-                <a:spcPts val="0"/>
-              </a:spcAft>
-              <a:buSzPts val="1800"/>
-              <a:buChar char="▪"/>
-              <a:defRPr/>
-            </a:lvl2pPr>
-            <a:lvl3pPr indent="-342900" lvl="2" marL="1371600" algn="l">
-              <a:lnSpc>
-                <a:spcPct val="100000"/>
-              </a:lnSpc>
-              <a:spcBef>
-                <a:spcPts val="360"/>
-              </a:spcBef>
-              <a:spcAft>
-                <a:spcPts val="0"/>
-              </a:spcAft>
-              <a:buSzPts val="1800"/>
-              <a:buChar char="▪"/>
-              <a:defRPr/>
-            </a:lvl3pPr>
-            <a:lvl4pPr indent="-342900" lvl="3" marL="1828800" algn="l">
-              <a:lnSpc>
-                <a:spcPct val="100000"/>
-              </a:lnSpc>
-              <a:spcBef>
-                <a:spcPts val="360"/>
-              </a:spcBef>
-              <a:spcAft>
-                <a:spcPts val="0"/>
-              </a:spcAft>
-              <a:buSzPts val="1800"/>
-              <a:buChar char="▪"/>
-              <a:defRPr/>
-            </a:lvl4pPr>
-            <a:lvl5pPr indent="-342900" lvl="4" marL="2286000" algn="l">
-              <a:lnSpc>
-                <a:spcPct val="100000"/>
-              </a:lnSpc>
-              <a:spcBef>
-                <a:spcPts val="360"/>
-              </a:spcBef>
-              <a:spcAft>
-                <a:spcPts val="0"/>
-              </a:spcAft>
-              <a:buSzPts val="1800"/>
-              <a:buChar char="▪"/>
-              <a:defRPr/>
-            </a:lvl5pPr>
-            <a:lvl6pPr indent="-342900" lvl="5" marL="2743200" algn="l">
-              <a:lnSpc>
-                <a:spcPct val="100000"/>
-              </a:lnSpc>
-              <a:spcBef>
-                <a:spcPts val="360"/>
-              </a:spcBef>
-              <a:spcAft>
-                <a:spcPts val="0"/>
-              </a:spcAft>
-              <a:buClr>
-                <a:schemeClr val="dk1"/>
-              </a:buClr>
-              <a:buSzPts val="1800"/>
-              <a:buChar char="▪"/>
-              <a:defRPr/>
-            </a:lvl6pPr>
-            <a:lvl7pPr indent="-342900" lvl="6" marL="3200400" algn="l">
-              <a:lnSpc>
-                <a:spcPct val="100000"/>
-              </a:lnSpc>
-              <a:spcBef>
-                <a:spcPts val="360"/>
-              </a:spcBef>
-              <a:spcAft>
-                <a:spcPts val="0"/>
-              </a:spcAft>
-              <a:buClr>
-                <a:schemeClr val="dk1"/>
-              </a:buClr>
-              <a:buSzPts val="1800"/>
-              <a:buChar char="▪"/>
-              <a:defRPr/>
-            </a:lvl7pPr>
-            <a:lvl8pPr indent="-342900" lvl="7" marL="3657600" algn="l">
-              <a:lnSpc>
-                <a:spcPct val="100000"/>
-              </a:lnSpc>
-              <a:spcBef>
-                <a:spcPts val="360"/>
-              </a:spcBef>
-              <a:spcAft>
-                <a:spcPts val="0"/>
-              </a:spcAft>
-              <a:buClr>
-                <a:schemeClr val="dk1"/>
-              </a:buClr>
-              <a:buSzPts val="1800"/>
-              <a:buChar char="▪"/>
-              <a:defRPr/>
-            </a:lvl8pPr>
-            <a:lvl9pPr indent="-342900" lvl="8" marL="4114800" algn="l">
-              <a:lnSpc>
-                <a:spcPct val="100000"/>
-              </a:lnSpc>
-              <a:spcBef>
-                <a:spcPts val="360"/>
-              </a:spcBef>
-              <a:spcAft>
-                <a:spcPts val="0"/>
-              </a:spcAft>
-              <a:buClr>
-                <a:schemeClr val="dk1"/>
-              </a:buClr>
-              <a:buSzPts val="1800"/>
-              <a:buChar char="▪"/>
-              <a:defRPr/>
-            </a:lvl9pPr>
-          </a:lstStyle>
-          <a:p/>
-        </p:txBody>
-      </p:sp>
-      <p:sp>
-        <p:nvSpPr>
-          <p:cNvPr id="30" name="Google Shape;30;p5"/>
-          <p:cNvSpPr txBox="1"/>
-          <p:nvPr>
-            <p:ph idx="2" type="body"/>
-          </p:nvPr>
-        </p:nvSpPr>
-        <p:spPr>
-          <a:xfrm>
-            <a:off x="4860000" y="945000"/>
-            <a:ext cx="3600000" cy="3375000"/>
-          </a:xfrm>
-          <a:prstGeom prst="rect">
-            <a:avLst/>
-          </a:prstGeom>
-          <a:noFill/>
-          <a:ln>
-            <a:noFill/>
-          </a:ln>
-        </p:spPr>
-        <p:txBody>
-          <a:bodyPr anchorCtr="0" anchor="t" bIns="0" lIns="0" spcFirstLastPara="1" rIns="0" wrap="square" tIns="0">
-            <a:noAutofit/>
-          </a:bodyPr>
-          <a:lstStyle>
-            <a:lvl1pPr indent="-228600" lvl="0" marL="457200" algn="l">
-              <a:lnSpc>
-                <a:spcPct val="100000"/>
-              </a:lnSpc>
-              <a:spcBef>
-                <a:spcPts val="360"/>
-              </a:spcBef>
-              <a:spcAft>
-                <a:spcPts val="0"/>
-              </a:spcAft>
-              <a:buSzPts val="1400"/>
-              <a:buNone/>
-              <a:defRPr/>
-            </a:lvl1pPr>
-            <a:lvl2pPr indent="-342900" lvl="1" marL="914400" algn="l">
-              <a:lnSpc>
-                <a:spcPct val="100000"/>
-              </a:lnSpc>
-              <a:spcBef>
-                <a:spcPts val="360"/>
-              </a:spcBef>
-              <a:spcAft>
-                <a:spcPts val="0"/>
-              </a:spcAft>
-              <a:buSzPts val="1800"/>
-              <a:buChar char="▪"/>
-              <a:defRPr/>
-            </a:lvl2pPr>
-            <a:lvl3pPr indent="-342900" lvl="2" marL="1371600" algn="l">
-              <a:lnSpc>
-                <a:spcPct val="100000"/>
-              </a:lnSpc>
-              <a:spcBef>
-                <a:spcPts val="360"/>
-              </a:spcBef>
-              <a:spcAft>
-                <a:spcPts val="0"/>
-              </a:spcAft>
-              <a:buSzPts val="1800"/>
-              <a:buChar char="▪"/>
-              <a:defRPr/>
-            </a:lvl3pPr>
-            <a:lvl4pPr indent="-342900" lvl="3" marL="1828800" algn="l">
-              <a:lnSpc>
-                <a:spcPct val="100000"/>
-              </a:lnSpc>
-              <a:spcBef>
-                <a:spcPts val="360"/>
-              </a:spcBef>
-              <a:spcAft>
-                <a:spcPts val="0"/>
-              </a:spcAft>
-              <a:buSzPts val="1800"/>
-              <a:buChar char="▪"/>
-              <a:defRPr/>
-            </a:lvl4pPr>
-            <a:lvl5pPr indent="-342900" lvl="4" marL="2286000" algn="l">
-              <a:lnSpc>
-                <a:spcPct val="100000"/>
-              </a:lnSpc>
-              <a:spcBef>
-                <a:spcPts val="360"/>
-              </a:spcBef>
-              <a:spcAft>
-                <a:spcPts val="0"/>
-              </a:spcAft>
-              <a:buSzPts val="1800"/>
-              <a:buChar char="▪"/>
-              <a:defRPr/>
-            </a:lvl5pPr>
-            <a:lvl6pPr indent="-342900" lvl="5" marL="2743200" algn="l">
-              <a:lnSpc>
-                <a:spcPct val="100000"/>
-              </a:lnSpc>
-              <a:spcBef>
-                <a:spcPts val="360"/>
-              </a:spcBef>
-              <a:spcAft>
-                <a:spcPts val="0"/>
-              </a:spcAft>
-              <a:buClr>
-                <a:schemeClr val="dk1"/>
-              </a:buClr>
-              <a:buSzPts val="1800"/>
-              <a:buChar char="▪"/>
-              <a:defRPr/>
-            </a:lvl6pPr>
-            <a:lvl7pPr indent="-342900" lvl="6" marL="3200400" algn="l">
-              <a:lnSpc>
-                <a:spcPct val="100000"/>
-              </a:lnSpc>
-              <a:spcBef>
-                <a:spcPts val="360"/>
-              </a:spcBef>
-              <a:spcAft>
-                <a:spcPts val="0"/>
-              </a:spcAft>
-              <a:buClr>
-                <a:schemeClr val="dk1"/>
-              </a:buClr>
-              <a:buSzPts val="1800"/>
-              <a:buChar char="▪"/>
-              <a:defRPr/>
-            </a:lvl7pPr>
-            <a:lvl8pPr indent="-342900" lvl="7" marL="3657600" algn="l">
-              <a:lnSpc>
-                <a:spcPct val="100000"/>
-              </a:lnSpc>
-              <a:spcBef>
-                <a:spcPts val="360"/>
-              </a:spcBef>
-              <a:spcAft>
-                <a:spcPts val="0"/>
-              </a:spcAft>
-              <a:buClr>
-                <a:schemeClr val="dk1"/>
-              </a:buClr>
-              <a:buSzPts val="1800"/>
-              <a:buChar char="▪"/>
-              <a:defRPr/>
-            </a:lvl8pPr>
-            <a:lvl9pPr indent="-342900" lvl="8" marL="4114800" algn="l">
-              <a:lnSpc>
-                <a:spcPct val="100000"/>
-              </a:lnSpc>
-              <a:spcBef>
-                <a:spcPts val="360"/>
-              </a:spcBef>
-              <a:spcAft>
-                <a:spcPts val="0"/>
-              </a:spcAft>
-              <a:buClr>
-                <a:schemeClr val="dk1"/>
-              </a:buClr>
-              <a:buSzPts val="1800"/>
-              <a:buChar char="▪"/>
-              <a:defRPr/>
-            </a:lvl9pPr>
-          </a:lstStyle>
-          <a:p/>
-        </p:txBody>
-      </p:sp>
-    </p:spTree>
-  </p:cSld>
-  <p:clrMapOvr>
-    <a:masterClrMapping/>
-  </p:clrMapOvr>
-</p:sldLayout>
-</file>
-
-<file path=ppt/slideLayouts/slideLayout5.xml><?xml version="1.0" encoding="utf-8"?>
-<p:sldLayout xmlns:a="http://schemas.openxmlformats.org/drawingml/2006/main" xmlns:r="http://schemas.openxmlformats.org/officeDocument/2006/relationships" xmlns:mc="http://schemas.openxmlformats.org/markup-compatibility/2006" xmlns:mv="urn:schemas-microsoft-com:mac:vml" xmlns:p="http://schemas.openxmlformats.org/presentationml/2006/main" xmlns:c="http://schemas.openxmlformats.org/drawingml/2006/chart" xmlns:dgm="http://schemas.openxmlformats.org/drawingml/2006/diagram" xmlns:o="urn:schemas-microsoft-com:office:office" xmlns:v="urn:schemas-microsoft-com:vml" xmlns:pvml="urn:schemas-microsoft-com:office:powerpoint" xmlns:com="http://schemas.openxmlformats.org/drawingml/2006/compatibility" xmlns:p14="http://schemas.microsoft.com/office/powerpoint/2010/main" xmlns:p15="http://schemas.microsoft.com/office/powerpoint/2012/main" xmlns:ahyp="http://schemas.microsoft.com/office/drawing/2018/hyperlinkcolor" matchingName="Titel und Diagramm" type="chart">
-  <p:cSld name="CHART">
     <p:spTree>
       <p:nvGrpSpPr>
         <p:cNvPr id="31" name="Shape 31"/>
@@ -6380,6 +6736,523 @@
       <p:sp>
         <p:nvSpPr>
           <p:cNvPr id="33" name="Google Shape;33;p6"/>
+          <p:cNvSpPr txBox="1"/>
+          <p:nvPr>
+            <p:ph idx="1" type="body"/>
+          </p:nvPr>
+        </p:nvSpPr>
+        <p:spPr>
+          <a:xfrm>
+            <a:off x="431800" y="945000"/>
+            <a:ext cx="3600000" cy="3375000"/>
+          </a:xfrm>
+          <a:prstGeom prst="rect">
+            <a:avLst/>
+          </a:prstGeom>
+          <a:noFill/>
+          <a:ln>
+            <a:noFill/>
+          </a:ln>
+        </p:spPr>
+        <p:txBody>
+          <a:bodyPr anchorCtr="0" anchor="t" bIns="0" lIns="0" spcFirstLastPara="1" rIns="0" wrap="square" tIns="0">
+            <a:noAutofit/>
+          </a:bodyPr>
+          <a:lstStyle>
+            <a:lvl1pPr indent="-228600" lvl="0" marL="457200" algn="l">
+              <a:lnSpc>
+                <a:spcPct val="100000"/>
+              </a:lnSpc>
+              <a:spcBef>
+                <a:spcPts val="360"/>
+              </a:spcBef>
+              <a:spcAft>
+                <a:spcPts val="0"/>
+              </a:spcAft>
+              <a:buSzPts val="1400"/>
+              <a:buNone/>
+              <a:defRPr/>
+            </a:lvl1pPr>
+            <a:lvl2pPr indent="-342900" lvl="1" marL="914400" algn="l">
+              <a:lnSpc>
+                <a:spcPct val="100000"/>
+              </a:lnSpc>
+              <a:spcBef>
+                <a:spcPts val="360"/>
+              </a:spcBef>
+              <a:spcAft>
+                <a:spcPts val="0"/>
+              </a:spcAft>
+              <a:buSzPts val="1800"/>
+              <a:buChar char="▪"/>
+              <a:defRPr/>
+            </a:lvl2pPr>
+            <a:lvl3pPr indent="-342900" lvl="2" marL="1371600" algn="l">
+              <a:lnSpc>
+                <a:spcPct val="100000"/>
+              </a:lnSpc>
+              <a:spcBef>
+                <a:spcPts val="360"/>
+              </a:spcBef>
+              <a:spcAft>
+                <a:spcPts val="0"/>
+              </a:spcAft>
+              <a:buSzPts val="1800"/>
+              <a:buChar char="▪"/>
+              <a:defRPr/>
+            </a:lvl3pPr>
+            <a:lvl4pPr indent="-342900" lvl="3" marL="1828800" algn="l">
+              <a:lnSpc>
+                <a:spcPct val="100000"/>
+              </a:lnSpc>
+              <a:spcBef>
+                <a:spcPts val="360"/>
+              </a:spcBef>
+              <a:spcAft>
+                <a:spcPts val="0"/>
+              </a:spcAft>
+              <a:buSzPts val="1800"/>
+              <a:buChar char="▪"/>
+              <a:defRPr/>
+            </a:lvl4pPr>
+            <a:lvl5pPr indent="-342900" lvl="4" marL="2286000" algn="l">
+              <a:lnSpc>
+                <a:spcPct val="100000"/>
+              </a:lnSpc>
+              <a:spcBef>
+                <a:spcPts val="360"/>
+              </a:spcBef>
+              <a:spcAft>
+                <a:spcPts val="0"/>
+              </a:spcAft>
+              <a:buSzPts val="1800"/>
+              <a:buChar char="▪"/>
+              <a:defRPr/>
+            </a:lvl5pPr>
+            <a:lvl6pPr indent="-342900" lvl="5" marL="2743200" algn="l">
+              <a:lnSpc>
+                <a:spcPct val="100000"/>
+              </a:lnSpc>
+              <a:spcBef>
+                <a:spcPts val="360"/>
+              </a:spcBef>
+              <a:spcAft>
+                <a:spcPts val="0"/>
+              </a:spcAft>
+              <a:buClr>
+                <a:schemeClr val="dk1"/>
+              </a:buClr>
+              <a:buSzPts val="1800"/>
+              <a:buChar char="▪"/>
+              <a:defRPr/>
+            </a:lvl6pPr>
+            <a:lvl7pPr indent="-342900" lvl="6" marL="3200400" algn="l">
+              <a:lnSpc>
+                <a:spcPct val="100000"/>
+              </a:lnSpc>
+              <a:spcBef>
+                <a:spcPts val="360"/>
+              </a:spcBef>
+              <a:spcAft>
+                <a:spcPts val="0"/>
+              </a:spcAft>
+              <a:buClr>
+                <a:schemeClr val="dk1"/>
+              </a:buClr>
+              <a:buSzPts val="1800"/>
+              <a:buChar char="▪"/>
+              <a:defRPr/>
+            </a:lvl7pPr>
+            <a:lvl8pPr indent="-342900" lvl="7" marL="3657600" algn="l">
+              <a:lnSpc>
+                <a:spcPct val="100000"/>
+              </a:lnSpc>
+              <a:spcBef>
+                <a:spcPts val="360"/>
+              </a:spcBef>
+              <a:spcAft>
+                <a:spcPts val="0"/>
+              </a:spcAft>
+              <a:buClr>
+                <a:schemeClr val="dk1"/>
+              </a:buClr>
+              <a:buSzPts val="1800"/>
+              <a:buChar char="▪"/>
+              <a:defRPr/>
+            </a:lvl8pPr>
+            <a:lvl9pPr indent="-342900" lvl="8" marL="4114800" algn="l">
+              <a:lnSpc>
+                <a:spcPct val="100000"/>
+              </a:lnSpc>
+              <a:spcBef>
+                <a:spcPts val="360"/>
+              </a:spcBef>
+              <a:spcAft>
+                <a:spcPts val="0"/>
+              </a:spcAft>
+              <a:buClr>
+                <a:schemeClr val="dk1"/>
+              </a:buClr>
+              <a:buSzPts val="1800"/>
+              <a:buChar char="▪"/>
+              <a:defRPr/>
+            </a:lvl9pPr>
+          </a:lstStyle>
+          <a:p/>
+        </p:txBody>
+      </p:sp>
+      <p:sp>
+        <p:nvSpPr>
+          <p:cNvPr id="34" name="Google Shape;34;p6"/>
+          <p:cNvSpPr txBox="1"/>
+          <p:nvPr>
+            <p:ph idx="2" type="body"/>
+          </p:nvPr>
+        </p:nvSpPr>
+        <p:spPr>
+          <a:xfrm>
+            <a:off x="4860000" y="945000"/>
+            <a:ext cx="3600000" cy="3375000"/>
+          </a:xfrm>
+          <a:prstGeom prst="rect">
+            <a:avLst/>
+          </a:prstGeom>
+          <a:noFill/>
+          <a:ln>
+            <a:noFill/>
+          </a:ln>
+        </p:spPr>
+        <p:txBody>
+          <a:bodyPr anchorCtr="0" anchor="t" bIns="0" lIns="0" spcFirstLastPara="1" rIns="0" wrap="square" tIns="0">
+            <a:noAutofit/>
+          </a:bodyPr>
+          <a:lstStyle>
+            <a:lvl1pPr indent="-228600" lvl="0" marL="457200" algn="l">
+              <a:lnSpc>
+                <a:spcPct val="100000"/>
+              </a:lnSpc>
+              <a:spcBef>
+                <a:spcPts val="360"/>
+              </a:spcBef>
+              <a:spcAft>
+                <a:spcPts val="0"/>
+              </a:spcAft>
+              <a:buSzPts val="1400"/>
+              <a:buNone/>
+              <a:defRPr/>
+            </a:lvl1pPr>
+            <a:lvl2pPr indent="-342900" lvl="1" marL="914400" algn="l">
+              <a:lnSpc>
+                <a:spcPct val="100000"/>
+              </a:lnSpc>
+              <a:spcBef>
+                <a:spcPts val="360"/>
+              </a:spcBef>
+              <a:spcAft>
+                <a:spcPts val="0"/>
+              </a:spcAft>
+              <a:buSzPts val="1800"/>
+              <a:buChar char="▪"/>
+              <a:defRPr/>
+            </a:lvl2pPr>
+            <a:lvl3pPr indent="-342900" lvl="2" marL="1371600" algn="l">
+              <a:lnSpc>
+                <a:spcPct val="100000"/>
+              </a:lnSpc>
+              <a:spcBef>
+                <a:spcPts val="360"/>
+              </a:spcBef>
+              <a:spcAft>
+                <a:spcPts val="0"/>
+              </a:spcAft>
+              <a:buSzPts val="1800"/>
+              <a:buChar char="▪"/>
+              <a:defRPr/>
+            </a:lvl3pPr>
+            <a:lvl4pPr indent="-342900" lvl="3" marL="1828800" algn="l">
+              <a:lnSpc>
+                <a:spcPct val="100000"/>
+              </a:lnSpc>
+              <a:spcBef>
+                <a:spcPts val="360"/>
+              </a:spcBef>
+              <a:spcAft>
+                <a:spcPts val="0"/>
+              </a:spcAft>
+              <a:buSzPts val="1800"/>
+              <a:buChar char="▪"/>
+              <a:defRPr/>
+            </a:lvl4pPr>
+            <a:lvl5pPr indent="-342900" lvl="4" marL="2286000" algn="l">
+              <a:lnSpc>
+                <a:spcPct val="100000"/>
+              </a:lnSpc>
+              <a:spcBef>
+                <a:spcPts val="360"/>
+              </a:spcBef>
+              <a:spcAft>
+                <a:spcPts val="0"/>
+              </a:spcAft>
+              <a:buSzPts val="1800"/>
+              <a:buChar char="▪"/>
+              <a:defRPr/>
+            </a:lvl5pPr>
+            <a:lvl6pPr indent="-342900" lvl="5" marL="2743200" algn="l">
+              <a:lnSpc>
+                <a:spcPct val="100000"/>
+              </a:lnSpc>
+              <a:spcBef>
+                <a:spcPts val="360"/>
+              </a:spcBef>
+              <a:spcAft>
+                <a:spcPts val="0"/>
+              </a:spcAft>
+              <a:buClr>
+                <a:schemeClr val="dk1"/>
+              </a:buClr>
+              <a:buSzPts val="1800"/>
+              <a:buChar char="▪"/>
+              <a:defRPr/>
+            </a:lvl6pPr>
+            <a:lvl7pPr indent="-342900" lvl="6" marL="3200400" algn="l">
+              <a:lnSpc>
+                <a:spcPct val="100000"/>
+              </a:lnSpc>
+              <a:spcBef>
+                <a:spcPts val="360"/>
+              </a:spcBef>
+              <a:spcAft>
+                <a:spcPts val="0"/>
+              </a:spcAft>
+              <a:buClr>
+                <a:schemeClr val="dk1"/>
+              </a:buClr>
+              <a:buSzPts val="1800"/>
+              <a:buChar char="▪"/>
+              <a:defRPr/>
+            </a:lvl7pPr>
+            <a:lvl8pPr indent="-342900" lvl="7" marL="3657600" algn="l">
+              <a:lnSpc>
+                <a:spcPct val="100000"/>
+              </a:lnSpc>
+              <a:spcBef>
+                <a:spcPts val="360"/>
+              </a:spcBef>
+              <a:spcAft>
+                <a:spcPts val="0"/>
+              </a:spcAft>
+              <a:buClr>
+                <a:schemeClr val="dk1"/>
+              </a:buClr>
+              <a:buSzPts val="1800"/>
+              <a:buChar char="▪"/>
+              <a:defRPr/>
+            </a:lvl8pPr>
+            <a:lvl9pPr indent="-342900" lvl="8" marL="4114800" algn="l">
+              <a:lnSpc>
+                <a:spcPct val="100000"/>
+              </a:lnSpc>
+              <a:spcBef>
+                <a:spcPts val="360"/>
+              </a:spcBef>
+              <a:spcAft>
+                <a:spcPts val="0"/>
+              </a:spcAft>
+              <a:buClr>
+                <a:schemeClr val="dk1"/>
+              </a:buClr>
+              <a:buSzPts val="1800"/>
+              <a:buChar char="▪"/>
+              <a:defRPr/>
+            </a:lvl9pPr>
+          </a:lstStyle>
+          <a:p/>
+        </p:txBody>
+      </p:sp>
+    </p:spTree>
+  </p:cSld>
+  <p:clrMapOvr>
+    <a:masterClrMapping/>
+  </p:clrMapOvr>
+</p:sldLayout>
+</file>
+
+<file path=ppt/slideLayouts/slideLayout6.xml><?xml version="1.0" encoding="utf-8"?>
+<p:sldLayout xmlns:a="http://schemas.openxmlformats.org/drawingml/2006/main" xmlns:r="http://schemas.openxmlformats.org/officeDocument/2006/relationships" xmlns:mc="http://schemas.openxmlformats.org/markup-compatibility/2006" xmlns:mv="urn:schemas-microsoft-com:mac:vml" xmlns:p="http://schemas.openxmlformats.org/presentationml/2006/main" xmlns:c="http://schemas.openxmlformats.org/drawingml/2006/chart" xmlns:dgm="http://schemas.openxmlformats.org/drawingml/2006/diagram" xmlns:o="urn:schemas-microsoft-com:office:office" xmlns:v="urn:schemas-microsoft-com:vml" xmlns:pvml="urn:schemas-microsoft-com:office:powerpoint" xmlns:com="http://schemas.openxmlformats.org/drawingml/2006/compatibility" xmlns:p14="http://schemas.microsoft.com/office/powerpoint/2010/main" xmlns:p15="http://schemas.microsoft.com/office/powerpoint/2012/main" xmlns:ahyp="http://schemas.microsoft.com/office/drawing/2018/hyperlinkcolor" matchingName="Titel und Diagramm" type="chart">
+  <p:cSld name="CHART">
+    <p:spTree>
+      <p:nvGrpSpPr>
+        <p:cNvPr id="35" name="Shape 35"/>
+        <p:cNvGrpSpPr/>
+        <p:nvPr/>
+      </p:nvGrpSpPr>
+      <p:grpSpPr>
+        <a:xfrm>
+          <a:off x="0" y="0"/>
+          <a:ext cx="0" cy="0"/>
+          <a:chOff x="0" y="0"/>
+          <a:chExt cx="0" cy="0"/>
+        </a:xfrm>
+      </p:grpSpPr>
+      <p:sp>
+        <p:nvSpPr>
+          <p:cNvPr id="36" name="Google Shape;36;p7"/>
+          <p:cNvSpPr txBox="1"/>
+          <p:nvPr>
+            <p:ph type="title"/>
+          </p:nvPr>
+        </p:nvSpPr>
+        <p:spPr>
+          <a:xfrm>
+            <a:off x="431800" y="83344"/>
+            <a:ext cx="8375700" cy="531000"/>
+          </a:xfrm>
+          <a:prstGeom prst="rect">
+            <a:avLst/>
+          </a:prstGeom>
+          <a:noFill/>
+          <a:ln>
+            <a:noFill/>
+          </a:ln>
+        </p:spPr>
+        <p:txBody>
+          <a:bodyPr anchorCtr="0" anchor="b" bIns="0" lIns="0" spcFirstLastPara="1" rIns="0" wrap="square" tIns="0">
+            <a:noAutofit/>
+          </a:bodyPr>
+          <a:lstStyle>
+            <a:lvl1pPr lvl="0" algn="l">
+              <a:lnSpc>
+                <a:spcPct val="100000"/>
+              </a:lnSpc>
+              <a:spcBef>
+                <a:spcPts val="0"/>
+              </a:spcBef>
+              <a:spcAft>
+                <a:spcPts val="0"/>
+              </a:spcAft>
+              <a:buSzPts val="1400"/>
+              <a:buNone/>
+              <a:defRPr/>
+            </a:lvl1pPr>
+            <a:lvl2pPr lvl="1" algn="l">
+              <a:lnSpc>
+                <a:spcPct val="100000"/>
+              </a:lnSpc>
+              <a:spcBef>
+                <a:spcPts val="0"/>
+              </a:spcBef>
+              <a:spcAft>
+                <a:spcPts val="0"/>
+              </a:spcAft>
+              <a:buSzPts val="1400"/>
+              <a:buNone/>
+              <a:defRPr/>
+            </a:lvl2pPr>
+            <a:lvl3pPr lvl="2" algn="l">
+              <a:lnSpc>
+                <a:spcPct val="100000"/>
+              </a:lnSpc>
+              <a:spcBef>
+                <a:spcPts val="0"/>
+              </a:spcBef>
+              <a:spcAft>
+                <a:spcPts val="0"/>
+              </a:spcAft>
+              <a:buSzPts val="1400"/>
+              <a:buNone/>
+              <a:defRPr/>
+            </a:lvl3pPr>
+            <a:lvl4pPr lvl="3" algn="l">
+              <a:lnSpc>
+                <a:spcPct val="100000"/>
+              </a:lnSpc>
+              <a:spcBef>
+                <a:spcPts val="0"/>
+              </a:spcBef>
+              <a:spcAft>
+                <a:spcPts val="0"/>
+              </a:spcAft>
+              <a:buSzPts val="1400"/>
+              <a:buNone/>
+              <a:defRPr/>
+            </a:lvl4pPr>
+            <a:lvl5pPr lvl="4" algn="l">
+              <a:lnSpc>
+                <a:spcPct val="100000"/>
+              </a:lnSpc>
+              <a:spcBef>
+                <a:spcPts val="0"/>
+              </a:spcBef>
+              <a:spcAft>
+                <a:spcPts val="0"/>
+              </a:spcAft>
+              <a:buSzPts val="1400"/>
+              <a:buNone/>
+              <a:defRPr/>
+            </a:lvl5pPr>
+            <a:lvl6pPr lvl="5" algn="l">
+              <a:lnSpc>
+                <a:spcPct val="100000"/>
+              </a:lnSpc>
+              <a:spcBef>
+                <a:spcPts val="0"/>
+              </a:spcBef>
+              <a:spcAft>
+                <a:spcPts val="0"/>
+              </a:spcAft>
+              <a:buSzPts val="1400"/>
+              <a:buNone/>
+              <a:defRPr/>
+            </a:lvl6pPr>
+            <a:lvl7pPr lvl="6" algn="l">
+              <a:lnSpc>
+                <a:spcPct val="100000"/>
+              </a:lnSpc>
+              <a:spcBef>
+                <a:spcPts val="0"/>
+              </a:spcBef>
+              <a:spcAft>
+                <a:spcPts val="0"/>
+              </a:spcAft>
+              <a:buSzPts val="1400"/>
+              <a:buNone/>
+              <a:defRPr/>
+            </a:lvl7pPr>
+            <a:lvl8pPr lvl="7" algn="l">
+              <a:lnSpc>
+                <a:spcPct val="100000"/>
+              </a:lnSpc>
+              <a:spcBef>
+                <a:spcPts val="0"/>
+              </a:spcBef>
+              <a:spcAft>
+                <a:spcPts val="0"/>
+              </a:spcAft>
+              <a:buSzPts val="1400"/>
+              <a:buNone/>
+              <a:defRPr/>
+            </a:lvl8pPr>
+            <a:lvl9pPr lvl="8" algn="l">
+              <a:lnSpc>
+                <a:spcPct val="100000"/>
+              </a:lnSpc>
+              <a:spcBef>
+                <a:spcPts val="0"/>
+              </a:spcBef>
+              <a:spcAft>
+                <a:spcPts val="0"/>
+              </a:spcAft>
+              <a:buSzPts val="1400"/>
+              <a:buNone/>
+              <a:defRPr/>
+            </a:lvl9pPr>
+          </a:lstStyle>
+          <a:p/>
+        </p:txBody>
+      </p:sp>
+      <p:sp>
+        <p:nvSpPr>
+          <p:cNvPr id="37" name="Google Shape;37;p7"/>
           <p:cNvSpPr/>
           <p:nvPr>
             <p:ph idx="2" type="chart"/>
@@ -6649,12 +7522,12 @@
 </p:sldLayout>
 </file>
 
-<file path=ppt/slideLayouts/slideLayout6.xml><?xml version="1.0" encoding="utf-8"?>
+<file path=ppt/slideLayouts/slideLayout7.xml><?xml version="1.0" encoding="utf-8"?>
 <p:sldLayout xmlns:a="http://schemas.openxmlformats.org/drawingml/2006/main" xmlns:r="http://schemas.openxmlformats.org/officeDocument/2006/relationships" xmlns:mc="http://schemas.openxmlformats.org/markup-compatibility/2006" xmlns:mv="urn:schemas-microsoft-com:mac:vml" xmlns:p="http://schemas.openxmlformats.org/presentationml/2006/main" xmlns:c="http://schemas.openxmlformats.org/drawingml/2006/chart" xmlns:dgm="http://schemas.openxmlformats.org/drawingml/2006/diagram" xmlns:o="urn:schemas-microsoft-com:office:office" xmlns:v="urn:schemas-microsoft-com:vml" xmlns:pvml="urn:schemas-microsoft-com:office:powerpoint" xmlns:com="http://schemas.openxmlformats.org/drawingml/2006/compatibility" xmlns:p14="http://schemas.microsoft.com/office/powerpoint/2010/main" xmlns:p15="http://schemas.microsoft.com/office/powerpoint/2012/main" xmlns:ahyp="http://schemas.microsoft.com/office/drawing/2018/hyperlinkcolor" matchingName="Nur Titel" type="titleOnly">
   <p:cSld name="TITLE_ONLY">
     <p:spTree>
       <p:nvGrpSpPr>
-        <p:cNvPr id="34" name="Shape 34"/>
+        <p:cNvPr id="38" name="Shape 38"/>
         <p:cNvGrpSpPr/>
         <p:nvPr/>
       </p:nvGrpSpPr>
@@ -6668,7 +7541,7 @@
       </p:grpSpPr>
       <p:sp>
         <p:nvSpPr>
-          <p:cNvPr id="35" name="Google Shape;35;p7"/>
+          <p:cNvPr id="39" name="Google Shape;39;p8"/>
           <p:cNvSpPr txBox="1"/>
           <p:nvPr>
             <p:ph type="title"/>
@@ -6830,12 +7703,12 @@
 </p:sldLayout>
 </file>
 
-<file path=ppt/slideLayouts/slideLayout7.xml><?xml version="1.0" encoding="utf-8"?>
+<file path=ppt/slideLayouts/slideLayout8.xml><?xml version="1.0" encoding="utf-8"?>
 <p:sldLayout xmlns:a="http://schemas.openxmlformats.org/drawingml/2006/main" xmlns:r="http://schemas.openxmlformats.org/officeDocument/2006/relationships" xmlns:mc="http://schemas.openxmlformats.org/markup-compatibility/2006" xmlns:mv="urn:schemas-microsoft-com:mac:vml" xmlns:p="http://schemas.openxmlformats.org/presentationml/2006/main" xmlns:c="http://schemas.openxmlformats.org/drawingml/2006/chart" xmlns:dgm="http://schemas.openxmlformats.org/drawingml/2006/diagram" xmlns:o="urn:schemas-microsoft-com:office:office" xmlns:v="urn:schemas-microsoft-com:vml" xmlns:pvml="urn:schemas-microsoft-com:office:powerpoint" xmlns:com="http://schemas.openxmlformats.org/drawingml/2006/compatibility" xmlns:p14="http://schemas.microsoft.com/office/powerpoint/2010/main" xmlns:p15="http://schemas.microsoft.com/office/powerpoint/2012/main" xmlns:ahyp="http://schemas.microsoft.com/office/drawing/2018/hyperlinkcolor" matchingName="3_Titel und Inhalt">
   <p:cSld name="3_Titel und Inhalt">
     <p:spTree>
       <p:nvGrpSpPr>
-        <p:cNvPr id="36" name="Shape 36"/>
+        <p:cNvPr id="40" name="Shape 40"/>
         <p:cNvGrpSpPr/>
         <p:nvPr/>
       </p:nvGrpSpPr>
@@ -6849,7 +7722,7 @@
       </p:grpSpPr>
       <p:sp>
         <p:nvSpPr>
-          <p:cNvPr id="37" name="Google Shape;37;p8"/>
+          <p:cNvPr id="41" name="Google Shape;41;p9"/>
           <p:cNvSpPr/>
           <p:nvPr/>
         </p:nvSpPr>
@@ -6908,7 +7781,7 @@
       </p:sp>
       <p:sp>
         <p:nvSpPr>
-          <p:cNvPr id="38" name="Google Shape;38;p8"/>
+          <p:cNvPr id="42" name="Google Shape;42;p9"/>
           <p:cNvSpPr txBox="1"/>
           <p:nvPr>
             <p:ph type="title"/>
@@ -7064,7 +7937,7 @@
       </p:sp>
       <p:sp>
         <p:nvSpPr>
-          <p:cNvPr id="39" name="Google Shape;39;p8"/>
+          <p:cNvPr id="43" name="Google Shape;43;p9"/>
           <p:cNvSpPr txBox="1"/>
           <p:nvPr>
             <p:ph idx="1" type="body"/>
@@ -7232,7 +8105,7 @@
       </p:sp>
       <p:sp>
         <p:nvSpPr>
-          <p:cNvPr id="40" name="Google Shape;40;p8"/>
+          <p:cNvPr id="44" name="Google Shape;44;p9"/>
           <p:cNvSpPr txBox="1"/>
           <p:nvPr>
             <p:ph idx="2" type="body"/>
@@ -7393,510 +8266,6 @@
               <a:buSzPts val="1800"/>
               <a:buChar char="▪"/>
               <a:defRPr/>
-            </a:lvl9pPr>
-          </a:lstStyle>
-          <a:p/>
-        </p:txBody>
-      </p:sp>
-    </p:spTree>
-  </p:cSld>
-  <p:clrMapOvr>
-    <a:masterClrMapping/>
-  </p:clrMapOvr>
-</p:sldLayout>
-</file>
-
-<file path=ppt/slideLayouts/slideLayout8.xml><?xml version="1.0" encoding="utf-8"?>
-<p:sldLayout xmlns:a="http://schemas.openxmlformats.org/drawingml/2006/main" xmlns:r="http://schemas.openxmlformats.org/officeDocument/2006/relationships" xmlns:mc="http://schemas.openxmlformats.org/markup-compatibility/2006" xmlns:mv="urn:schemas-microsoft-com:mac:vml" xmlns:p="http://schemas.openxmlformats.org/presentationml/2006/main" xmlns:c="http://schemas.openxmlformats.org/drawingml/2006/chart" xmlns:dgm="http://schemas.openxmlformats.org/drawingml/2006/diagram" xmlns:o="urn:schemas-microsoft-com:office:office" xmlns:v="urn:schemas-microsoft-com:vml" xmlns:pvml="urn:schemas-microsoft-com:office:powerpoint" xmlns:com="http://schemas.openxmlformats.org/drawingml/2006/compatibility" xmlns:p14="http://schemas.microsoft.com/office/powerpoint/2010/main" xmlns:p15="http://schemas.microsoft.com/office/powerpoint/2012/main" xmlns:ahyp="http://schemas.microsoft.com/office/drawing/2018/hyperlinkcolor" matchingName="1_Titel und Diagramm">
-  <p:cSld name="1_Titel und Diagramm">
-    <p:spTree>
-      <p:nvGrpSpPr>
-        <p:cNvPr id="41" name="Shape 41"/>
-        <p:cNvGrpSpPr/>
-        <p:nvPr/>
-      </p:nvGrpSpPr>
-      <p:grpSpPr>
-        <a:xfrm>
-          <a:off x="0" y="0"/>
-          <a:ext cx="0" cy="0"/>
-          <a:chOff x="0" y="0"/>
-          <a:chExt cx="0" cy="0"/>
-        </a:xfrm>
-      </p:grpSpPr>
-      <p:sp>
-        <p:nvSpPr>
-          <p:cNvPr id="42" name="Google Shape;42;p9"/>
-          <p:cNvSpPr/>
-          <p:nvPr/>
-        </p:nvSpPr>
-        <p:spPr>
-          <a:xfrm>
-            <a:off x="0" y="0"/>
-            <a:ext cx="9144000" cy="647700"/>
-          </a:xfrm>
-          <a:prstGeom prst="rect">
-            <a:avLst/>
-          </a:prstGeom>
-          <a:solidFill>
-            <a:srgbClr val="DDDDDD"/>
-          </a:solidFill>
-          <a:ln>
-            <a:noFill/>
-          </a:ln>
-        </p:spPr>
-        <p:txBody>
-          <a:bodyPr anchorCtr="0" anchor="ctr" bIns="45700" lIns="91425" spcFirstLastPara="1" rIns="91425" wrap="square" tIns="45700">
-            <a:noAutofit/>
-          </a:bodyPr>
-          <a:lstStyle/>
-          <a:p>
-            <a:pPr indent="0" lvl="0" marL="0" marR="0" rtl="0" algn="ctr">
-              <a:lnSpc>
-                <a:spcPct val="100000"/>
-              </a:lnSpc>
-              <a:spcBef>
-                <a:spcPts val="0"/>
-              </a:spcBef>
-              <a:spcAft>
-                <a:spcPts val="0"/>
-              </a:spcAft>
-              <a:buClr>
-                <a:srgbClr val="000000"/>
-              </a:buClr>
-              <a:buSzPts val="1800"/>
-              <a:buFont typeface="Arial"/>
-              <a:buNone/>
-            </a:pPr>
-            <a:r>
-              <a:t/>
-            </a:r>
-            <a:endParaRPr b="0" i="0" sz="1800" u="none" cap="none" strike="noStrike">
-              <a:solidFill>
-                <a:schemeClr val="accent2"/>
-              </a:solidFill>
-              <a:latin typeface="Arial"/>
-              <a:ea typeface="Arial"/>
-              <a:cs typeface="Arial"/>
-              <a:sym typeface="Arial"/>
-            </a:endParaRPr>
-          </a:p>
-        </p:txBody>
-      </p:sp>
-      <p:sp>
-        <p:nvSpPr>
-          <p:cNvPr id="43" name="Google Shape;43;p9"/>
-          <p:cNvSpPr txBox="1"/>
-          <p:nvPr>
-            <p:ph type="title"/>
-          </p:nvPr>
-        </p:nvSpPr>
-        <p:spPr>
-          <a:xfrm>
-            <a:off x="431800" y="83344"/>
-            <a:ext cx="8375700" cy="531000"/>
-          </a:xfrm>
-          <a:prstGeom prst="rect">
-            <a:avLst/>
-          </a:prstGeom>
-          <a:noFill/>
-          <a:ln>
-            <a:noFill/>
-          </a:ln>
-        </p:spPr>
-        <p:txBody>
-          <a:bodyPr anchorCtr="0" anchor="b" bIns="0" lIns="0" spcFirstLastPara="1" rIns="0" wrap="square" tIns="0">
-            <a:noAutofit/>
-          </a:bodyPr>
-          <a:lstStyle>
-            <a:lvl1pPr lvl="0" algn="l">
-              <a:lnSpc>
-                <a:spcPct val="100000"/>
-              </a:lnSpc>
-              <a:spcBef>
-                <a:spcPts val="0"/>
-              </a:spcBef>
-              <a:spcAft>
-                <a:spcPts val="0"/>
-              </a:spcAft>
-              <a:buSzPts val="1400"/>
-              <a:buNone/>
-              <a:defRPr/>
-            </a:lvl1pPr>
-            <a:lvl2pPr lvl="1" algn="l">
-              <a:lnSpc>
-                <a:spcPct val="100000"/>
-              </a:lnSpc>
-              <a:spcBef>
-                <a:spcPts val="0"/>
-              </a:spcBef>
-              <a:spcAft>
-                <a:spcPts val="0"/>
-              </a:spcAft>
-              <a:buSzPts val="1400"/>
-              <a:buNone/>
-              <a:defRPr/>
-            </a:lvl2pPr>
-            <a:lvl3pPr lvl="2" algn="l">
-              <a:lnSpc>
-                <a:spcPct val="100000"/>
-              </a:lnSpc>
-              <a:spcBef>
-                <a:spcPts val="0"/>
-              </a:spcBef>
-              <a:spcAft>
-                <a:spcPts val="0"/>
-              </a:spcAft>
-              <a:buSzPts val="1400"/>
-              <a:buNone/>
-              <a:defRPr/>
-            </a:lvl3pPr>
-            <a:lvl4pPr lvl="3" algn="l">
-              <a:lnSpc>
-                <a:spcPct val="100000"/>
-              </a:lnSpc>
-              <a:spcBef>
-                <a:spcPts val="0"/>
-              </a:spcBef>
-              <a:spcAft>
-                <a:spcPts val="0"/>
-              </a:spcAft>
-              <a:buSzPts val="1400"/>
-              <a:buNone/>
-              <a:defRPr/>
-            </a:lvl4pPr>
-            <a:lvl5pPr lvl="4" algn="l">
-              <a:lnSpc>
-                <a:spcPct val="100000"/>
-              </a:lnSpc>
-              <a:spcBef>
-                <a:spcPts val="0"/>
-              </a:spcBef>
-              <a:spcAft>
-                <a:spcPts val="0"/>
-              </a:spcAft>
-              <a:buSzPts val="1400"/>
-              <a:buNone/>
-              <a:defRPr/>
-            </a:lvl5pPr>
-            <a:lvl6pPr lvl="5" algn="l">
-              <a:lnSpc>
-                <a:spcPct val="100000"/>
-              </a:lnSpc>
-              <a:spcBef>
-                <a:spcPts val="0"/>
-              </a:spcBef>
-              <a:spcAft>
-                <a:spcPts val="0"/>
-              </a:spcAft>
-              <a:buSzPts val="1400"/>
-              <a:buNone/>
-              <a:defRPr/>
-            </a:lvl6pPr>
-            <a:lvl7pPr lvl="6" algn="l">
-              <a:lnSpc>
-                <a:spcPct val="100000"/>
-              </a:lnSpc>
-              <a:spcBef>
-                <a:spcPts val="0"/>
-              </a:spcBef>
-              <a:spcAft>
-                <a:spcPts val="0"/>
-              </a:spcAft>
-              <a:buSzPts val="1400"/>
-              <a:buNone/>
-              <a:defRPr/>
-            </a:lvl7pPr>
-            <a:lvl8pPr lvl="7" algn="l">
-              <a:lnSpc>
-                <a:spcPct val="100000"/>
-              </a:lnSpc>
-              <a:spcBef>
-                <a:spcPts val="0"/>
-              </a:spcBef>
-              <a:spcAft>
-                <a:spcPts val="0"/>
-              </a:spcAft>
-              <a:buSzPts val="1400"/>
-              <a:buNone/>
-              <a:defRPr/>
-            </a:lvl8pPr>
-            <a:lvl9pPr lvl="8" algn="l">
-              <a:lnSpc>
-                <a:spcPct val="100000"/>
-              </a:lnSpc>
-              <a:spcBef>
-                <a:spcPts val="0"/>
-              </a:spcBef>
-              <a:spcAft>
-                <a:spcPts val="0"/>
-              </a:spcAft>
-              <a:buSzPts val="1400"/>
-              <a:buNone/>
-              <a:defRPr/>
-            </a:lvl9pPr>
-          </a:lstStyle>
-          <a:p/>
-        </p:txBody>
-      </p:sp>
-      <p:sp>
-        <p:nvSpPr>
-          <p:cNvPr id="44" name="Google Shape;44;p9"/>
-          <p:cNvSpPr/>
-          <p:nvPr>
-            <p:ph idx="2" type="chart"/>
-          </p:nvPr>
-        </p:nvSpPr>
-        <p:spPr>
-          <a:xfrm>
-            <a:off x="431800" y="782241"/>
-            <a:ext cx="8375700" cy="3579000"/>
-          </a:xfrm>
-          <a:prstGeom prst="rect">
-            <a:avLst/>
-          </a:prstGeom>
-          <a:noFill/>
-          <a:ln>
-            <a:noFill/>
-          </a:ln>
-        </p:spPr>
-        <p:txBody>
-          <a:bodyPr anchorCtr="0" anchor="t" bIns="0" lIns="0" spcFirstLastPara="1" rIns="0" wrap="square" tIns="0">
-            <a:noAutofit/>
-          </a:bodyPr>
-          <a:lstStyle>
-            <a:lvl1pPr lvl="0" marR="0" rtl="0" algn="l">
-              <a:lnSpc>
-                <a:spcPct val="100000"/>
-              </a:lnSpc>
-              <a:spcBef>
-                <a:spcPts val="320"/>
-              </a:spcBef>
-              <a:spcAft>
-                <a:spcPts val="0"/>
-              </a:spcAft>
-              <a:buClr>
-                <a:srgbClr val="000000"/>
-              </a:buClr>
-              <a:buSzPts val="1400"/>
-              <a:buFont typeface="Arial"/>
-              <a:buNone/>
-              <a:defRPr b="0" i="0" sz="1600" u="none" cap="none" strike="noStrike">
-                <a:solidFill>
-                  <a:schemeClr val="dk1"/>
-                </a:solidFill>
-                <a:latin typeface="Arial"/>
-                <a:ea typeface="Arial"/>
-                <a:cs typeface="Arial"/>
-                <a:sym typeface="Arial"/>
-              </a:defRPr>
-            </a:lvl1pPr>
-            <a:lvl2pPr lvl="1" marR="0" rtl="0" algn="l">
-              <a:lnSpc>
-                <a:spcPct val="100000"/>
-              </a:lnSpc>
-              <a:spcBef>
-                <a:spcPts val="320"/>
-              </a:spcBef>
-              <a:spcAft>
-                <a:spcPts val="0"/>
-              </a:spcAft>
-              <a:buClr>
-                <a:schemeClr val="dk1"/>
-              </a:buClr>
-              <a:buSzPts val="1600"/>
-              <a:buFont typeface="Noto Sans Symbols"/>
-              <a:buChar char="▪"/>
-              <a:defRPr b="0" i="0" sz="1600" u="none" cap="none" strike="noStrike">
-                <a:solidFill>
-                  <a:schemeClr val="dk1"/>
-                </a:solidFill>
-                <a:latin typeface="Arial"/>
-                <a:ea typeface="Arial"/>
-                <a:cs typeface="Arial"/>
-                <a:sym typeface="Arial"/>
-              </a:defRPr>
-            </a:lvl2pPr>
-            <a:lvl3pPr lvl="2" marR="0" rtl="0" algn="l">
-              <a:lnSpc>
-                <a:spcPct val="100000"/>
-              </a:lnSpc>
-              <a:spcBef>
-                <a:spcPts val="320"/>
-              </a:spcBef>
-              <a:spcAft>
-                <a:spcPts val="0"/>
-              </a:spcAft>
-              <a:buClr>
-                <a:schemeClr val="dk1"/>
-              </a:buClr>
-              <a:buSzPts val="1600"/>
-              <a:buFont typeface="Noto Sans Symbols"/>
-              <a:buChar char="▪"/>
-              <a:defRPr b="0" i="0" sz="1600" u="none" cap="none" strike="noStrike">
-                <a:solidFill>
-                  <a:schemeClr val="dk1"/>
-                </a:solidFill>
-                <a:latin typeface="Arial"/>
-                <a:ea typeface="Arial"/>
-                <a:cs typeface="Arial"/>
-                <a:sym typeface="Arial"/>
-              </a:defRPr>
-            </a:lvl3pPr>
-            <a:lvl4pPr lvl="3" marR="0" rtl="0" algn="l">
-              <a:lnSpc>
-                <a:spcPct val="100000"/>
-              </a:lnSpc>
-              <a:spcBef>
-                <a:spcPts val="320"/>
-              </a:spcBef>
-              <a:spcAft>
-                <a:spcPts val="0"/>
-              </a:spcAft>
-              <a:buClr>
-                <a:schemeClr val="dk1"/>
-              </a:buClr>
-              <a:buSzPts val="1600"/>
-              <a:buFont typeface="Noto Sans Symbols"/>
-              <a:buChar char="▪"/>
-              <a:defRPr b="0" i="0" sz="1600" u="none" cap="none" strike="noStrike">
-                <a:solidFill>
-                  <a:schemeClr val="dk1"/>
-                </a:solidFill>
-                <a:latin typeface="Arial"/>
-                <a:ea typeface="Arial"/>
-                <a:cs typeface="Arial"/>
-                <a:sym typeface="Arial"/>
-              </a:defRPr>
-            </a:lvl4pPr>
-            <a:lvl5pPr lvl="4" marR="0" rtl="0" algn="l">
-              <a:lnSpc>
-                <a:spcPct val="100000"/>
-              </a:lnSpc>
-              <a:spcBef>
-                <a:spcPts val="320"/>
-              </a:spcBef>
-              <a:spcAft>
-                <a:spcPts val="0"/>
-              </a:spcAft>
-              <a:buClr>
-                <a:schemeClr val="dk1"/>
-              </a:buClr>
-              <a:buSzPts val="1600"/>
-              <a:buFont typeface="Noto Sans Symbols"/>
-              <a:buChar char="▪"/>
-              <a:defRPr b="0" i="0" sz="1600" u="none" cap="none" strike="noStrike">
-                <a:solidFill>
-                  <a:schemeClr val="dk1"/>
-                </a:solidFill>
-                <a:latin typeface="Arial"/>
-                <a:ea typeface="Arial"/>
-                <a:cs typeface="Arial"/>
-                <a:sym typeface="Arial"/>
-              </a:defRPr>
-            </a:lvl5pPr>
-            <a:lvl6pPr lvl="5" marR="0" rtl="0" algn="l">
-              <a:lnSpc>
-                <a:spcPct val="100000"/>
-              </a:lnSpc>
-              <a:spcBef>
-                <a:spcPts val="320"/>
-              </a:spcBef>
-              <a:spcAft>
-                <a:spcPts val="0"/>
-              </a:spcAft>
-              <a:buClr>
-                <a:schemeClr val="dk1"/>
-              </a:buClr>
-              <a:buSzPts val="1600"/>
-              <a:buFont typeface="Noto Sans Symbols"/>
-              <a:buChar char="▪"/>
-              <a:defRPr b="0" i="0" sz="1600" u="none" cap="none" strike="noStrike">
-                <a:solidFill>
-                  <a:schemeClr val="dk1"/>
-                </a:solidFill>
-                <a:latin typeface="Arial"/>
-                <a:ea typeface="Arial"/>
-                <a:cs typeface="Arial"/>
-                <a:sym typeface="Arial"/>
-              </a:defRPr>
-            </a:lvl6pPr>
-            <a:lvl7pPr lvl="6" marR="0" rtl="0" algn="l">
-              <a:lnSpc>
-                <a:spcPct val="100000"/>
-              </a:lnSpc>
-              <a:spcBef>
-                <a:spcPts val="320"/>
-              </a:spcBef>
-              <a:spcAft>
-                <a:spcPts val="0"/>
-              </a:spcAft>
-              <a:buClr>
-                <a:schemeClr val="dk1"/>
-              </a:buClr>
-              <a:buSzPts val="1600"/>
-              <a:buFont typeface="Noto Sans Symbols"/>
-              <a:buChar char="▪"/>
-              <a:defRPr b="0" i="0" sz="1600" u="none" cap="none" strike="noStrike">
-                <a:solidFill>
-                  <a:schemeClr val="dk1"/>
-                </a:solidFill>
-                <a:latin typeface="Arial"/>
-                <a:ea typeface="Arial"/>
-                <a:cs typeface="Arial"/>
-                <a:sym typeface="Arial"/>
-              </a:defRPr>
-            </a:lvl7pPr>
-            <a:lvl8pPr lvl="7" marR="0" rtl="0" algn="l">
-              <a:lnSpc>
-                <a:spcPct val="100000"/>
-              </a:lnSpc>
-              <a:spcBef>
-                <a:spcPts val="320"/>
-              </a:spcBef>
-              <a:spcAft>
-                <a:spcPts val="0"/>
-              </a:spcAft>
-              <a:buClr>
-                <a:schemeClr val="dk1"/>
-              </a:buClr>
-              <a:buSzPts val="1600"/>
-              <a:buFont typeface="Noto Sans Symbols"/>
-              <a:buChar char="▪"/>
-              <a:defRPr b="0" i="0" sz="1600" u="none" cap="none" strike="noStrike">
-                <a:solidFill>
-                  <a:schemeClr val="dk1"/>
-                </a:solidFill>
-                <a:latin typeface="Arial"/>
-                <a:ea typeface="Arial"/>
-                <a:cs typeface="Arial"/>
-                <a:sym typeface="Arial"/>
-              </a:defRPr>
-            </a:lvl8pPr>
-            <a:lvl9pPr lvl="8" marR="0" rtl="0" algn="l">
-              <a:lnSpc>
-                <a:spcPct val="100000"/>
-              </a:lnSpc>
-              <a:spcBef>
-                <a:spcPts val="320"/>
-              </a:spcBef>
-              <a:spcAft>
-                <a:spcPts val="0"/>
-              </a:spcAft>
-              <a:buClr>
-                <a:schemeClr val="dk1"/>
-              </a:buClr>
-              <a:buSzPts val="1600"/>
-              <a:buFont typeface="Noto Sans Symbols"/>
-              <a:buChar char="▪"/>
-              <a:defRPr b="0" i="0" sz="1600" u="none" cap="none" strike="noStrike">
-                <a:solidFill>
-                  <a:schemeClr val="dk1"/>
-                </a:solidFill>
-                <a:latin typeface="Arial"/>
-                <a:ea typeface="Arial"/>
-                <a:cs typeface="Arial"/>
-                <a:sym typeface="Arial"/>
-              </a:defRPr>
             </a:lvl9pPr>
           </a:lstStyle>
           <a:p/>
@@ -9808,6 +10177,10 @@
           <a:prstGeom prst="rect">
             <a:avLst/>
           </a:prstGeom>
+          <a:noFill/>
+          <a:ln>
+            <a:noFill/>
+          </a:ln>
         </p:spPr>
         <p:txBody>
           <a:bodyPr anchorCtr="0" anchor="b" bIns="0" lIns="0" spcFirstLastPara="1" rIns="0" wrap="square" tIns="0">
@@ -9816,12 +10189,16 @@
           <a:lstStyle/>
           <a:p>
             <a:pPr indent="0" lvl="0" marL="0" rtl="0" algn="l">
-              <a:spcBef>
-                <a:spcPts val="0"/>
-              </a:spcBef>
-              <a:spcAft>
-                <a:spcPts val="0"/>
-              </a:spcAft>
+              <a:lnSpc>
+                <a:spcPct val="100000"/>
+              </a:lnSpc>
+              <a:spcBef>
+                <a:spcPts val="0"/>
+              </a:spcBef>
+              <a:spcAft>
+                <a:spcPts val="0"/>
+              </a:spcAft>
+              <a:buSzPts val="1400"/>
               <a:buNone/>
             </a:pPr>
             <a:r>
@@ -9848,6 +10225,10 @@
           <a:prstGeom prst="rect">
             <a:avLst/>
           </a:prstGeom>
+          <a:noFill/>
+          <a:ln>
+            <a:noFill/>
+          </a:ln>
         </p:spPr>
         <p:txBody>
           <a:bodyPr anchorCtr="0" anchor="t" bIns="0" lIns="0" spcFirstLastPara="1" rIns="0" wrap="square" tIns="0">
@@ -9856,12 +10237,16 @@
           <a:lstStyle/>
           <a:p>
             <a:pPr indent="0" lvl="0" marL="0" rtl="0" algn="l">
+              <a:lnSpc>
+                <a:spcPct val="100000"/>
+              </a:lnSpc>
               <a:spcBef>
                 <a:spcPts val="320"/>
               </a:spcBef>
               <a:spcAft>
                 <a:spcPts val="0"/>
               </a:spcAft>
+              <a:buSzPts val="1600"/>
               <a:buNone/>
             </a:pPr>
             <a:r>
@@ -9913,6 +10298,10 @@
           <a:prstGeom prst="rect">
             <a:avLst/>
           </a:prstGeom>
+          <a:noFill/>
+          <a:ln>
+            <a:noFill/>
+          </a:ln>
         </p:spPr>
         <p:txBody>
           <a:bodyPr anchorCtr="0" anchor="b" bIns="0" lIns="0" spcFirstLastPara="1" rIns="0" wrap="square" tIns="0">
@@ -9921,12 +10310,16 @@
           <a:lstStyle/>
           <a:p>
             <a:pPr indent="0" lvl="0" marL="0" rtl="0" algn="l">
-              <a:spcBef>
-                <a:spcPts val="0"/>
-              </a:spcBef>
-              <a:spcAft>
-                <a:spcPts val="0"/>
-              </a:spcAft>
+              <a:lnSpc>
+                <a:spcPct val="100000"/>
+              </a:lnSpc>
+              <a:spcBef>
+                <a:spcPts val="0"/>
+              </a:spcBef>
+              <a:spcAft>
+                <a:spcPts val="0"/>
+              </a:spcAft>
+              <a:buSzPts val="1400"/>
               <a:buNone/>
             </a:pPr>
             <a:r>
@@ -9952,7 +10345,7 @@
             <a:tbl>
               <a:tblPr>
                 <a:noFill/>
-                <a:tableStyleId>{1D14DF9D-7694-4EB0-8F59-6EC75998DCD3}</a:tableStyleId>
+                <a:tableStyleId>{2C25B0D8-D8FD-48CA-A2DC-27D766441C81}</a:tableStyleId>
               </a:tblPr>
               <a:tblGrid>
                 <a:gridCol w="1447800"/>
@@ -9967,20 +10360,28 @@
                     <a:bodyPr/>
                     <a:lstStyle/>
                     <a:p>
-                      <a:pPr indent="0" lvl="0" marL="0" rtl="0" algn="l">
+                      <a:pPr indent="0" lvl="0" marL="0" marR="0" rtl="0" algn="l">
+                        <a:lnSpc>
+                          <a:spcPct val="100000"/>
+                        </a:lnSpc>
                         <a:spcBef>
                           <a:spcPts val="0"/>
                         </a:spcBef>
                         <a:spcAft>
                           <a:spcPts val="0"/>
                         </a:spcAft>
+                        <a:buClr>
+                          <a:srgbClr val="000000"/>
+                        </a:buClr>
+                        <a:buSzPts val="1400"/>
+                        <a:buFont typeface="Arial"/>
                         <a:buNone/>
                       </a:pPr>
                       <a:r>
-                        <a:rPr lang="de"/>
+                        <a:rPr lang="de" sz="1400" u="none" cap="none" strike="noStrike"/>
                         <a:t>Schlüsselwort</a:t>
                       </a:r>
-                      <a:endParaRPr/>
+                      <a:endParaRPr sz="1400" u="none" cap="none" strike="noStrike"/>
                     </a:p>
                   </a:txBody>
                   <a:tcPr marT="91425" marB="91425" marR="91425" marL="91425"/>
@@ -9990,20 +10391,28 @@
                     <a:bodyPr/>
                     <a:lstStyle/>
                     <a:p>
-                      <a:pPr indent="0" lvl="0" marL="0" rtl="0" algn="l">
+                      <a:pPr indent="0" lvl="0" marL="0" marR="0" rtl="0" algn="l">
+                        <a:lnSpc>
+                          <a:spcPct val="100000"/>
+                        </a:lnSpc>
                         <a:spcBef>
                           <a:spcPts val="0"/>
                         </a:spcBef>
                         <a:spcAft>
                           <a:spcPts val="0"/>
                         </a:spcAft>
+                        <a:buClr>
+                          <a:srgbClr val="000000"/>
+                        </a:buClr>
+                        <a:buSzPts val="1400"/>
+                        <a:buFont typeface="Arial"/>
                         <a:buNone/>
                       </a:pPr>
                       <a:r>
-                        <a:rPr lang="de"/>
+                        <a:rPr lang="de" sz="1400" u="none" cap="none" strike="noStrike"/>
                         <a:t>selbe Klasse</a:t>
                       </a:r>
-                      <a:endParaRPr/>
+                      <a:endParaRPr sz="1400" u="none" cap="none" strike="noStrike"/>
                     </a:p>
                   </a:txBody>
                   <a:tcPr marT="91425" marB="91425" marR="91425" marL="91425"/>
@@ -10013,20 +10422,28 @@
                     <a:bodyPr/>
                     <a:lstStyle/>
                     <a:p>
-                      <a:pPr indent="0" lvl="0" marL="0" rtl="0" algn="l">
+                      <a:pPr indent="0" lvl="0" marL="0" marR="0" rtl="0" algn="l">
+                        <a:lnSpc>
+                          <a:spcPct val="100000"/>
+                        </a:lnSpc>
                         <a:spcBef>
                           <a:spcPts val="0"/>
                         </a:spcBef>
                         <a:spcAft>
                           <a:spcPts val="0"/>
                         </a:spcAft>
+                        <a:buClr>
+                          <a:srgbClr val="000000"/>
+                        </a:buClr>
+                        <a:buSzPts val="1400"/>
+                        <a:buFont typeface="Arial"/>
                         <a:buNone/>
                       </a:pPr>
                       <a:r>
-                        <a:rPr lang="de"/>
+                        <a:rPr lang="de" sz="1400" u="none" cap="none" strike="noStrike"/>
                         <a:t>selbes Paket</a:t>
                       </a:r>
-                      <a:endParaRPr/>
+                      <a:endParaRPr sz="1400" u="none" cap="none" strike="noStrike"/>
                     </a:p>
                   </a:txBody>
                   <a:tcPr marT="91425" marB="91425" marR="91425" marL="91425"/>
@@ -10036,20 +10453,28 @@
                     <a:bodyPr/>
                     <a:lstStyle/>
                     <a:p>
-                      <a:pPr indent="0" lvl="0" marL="0" rtl="0" algn="l">
+                      <a:pPr indent="0" lvl="0" marL="0" marR="0" rtl="0" algn="l">
+                        <a:lnSpc>
+                          <a:spcPct val="100000"/>
+                        </a:lnSpc>
                         <a:spcBef>
                           <a:spcPts val="0"/>
                         </a:spcBef>
                         <a:spcAft>
                           <a:spcPts val="0"/>
                         </a:spcAft>
+                        <a:buClr>
+                          <a:srgbClr val="000000"/>
+                        </a:buClr>
+                        <a:buSzPts val="1400"/>
+                        <a:buFont typeface="Arial"/>
                         <a:buNone/>
                       </a:pPr>
                       <a:r>
-                        <a:rPr lang="de"/>
+                        <a:rPr lang="de" sz="1400" u="none" cap="none" strike="noStrike"/>
                         <a:t>Subklasse</a:t>
                       </a:r>
-                      <a:endParaRPr/>
+                      <a:endParaRPr sz="1400" u="none" cap="none" strike="noStrike"/>
                     </a:p>
                   </a:txBody>
                   <a:tcPr marT="91425" marB="91425" marR="91425" marL="91425"/>
@@ -10059,20 +10484,28 @@
                     <a:bodyPr/>
                     <a:lstStyle/>
                     <a:p>
-                      <a:pPr indent="0" lvl="0" marL="0" rtl="0" algn="l">
+                      <a:pPr indent="0" lvl="0" marL="0" marR="0" rtl="0" algn="l">
+                        <a:lnSpc>
+                          <a:spcPct val="100000"/>
+                        </a:lnSpc>
                         <a:spcBef>
                           <a:spcPts val="0"/>
                         </a:spcBef>
                         <a:spcAft>
                           <a:spcPts val="0"/>
                         </a:spcAft>
+                        <a:buClr>
+                          <a:srgbClr val="000000"/>
+                        </a:buClr>
+                        <a:buSzPts val="1400"/>
+                        <a:buFont typeface="Arial"/>
                         <a:buNone/>
                       </a:pPr>
                       <a:r>
-                        <a:rPr lang="de"/>
+                        <a:rPr lang="de" sz="1400" u="none" cap="none" strike="noStrike"/>
                         <a:t>Global</a:t>
                       </a:r>
-                      <a:endParaRPr/>
+                      <a:endParaRPr sz="1400" u="none" cap="none" strike="noStrike"/>
                     </a:p>
                   </a:txBody>
                   <a:tcPr marT="91425" marB="91425" marR="91425" marL="91425"/>
@@ -10084,20 +10517,28 @@
                     <a:bodyPr/>
                     <a:lstStyle/>
                     <a:p>
-                      <a:pPr indent="0" lvl="0" marL="0" rtl="0" algn="l">
+                      <a:pPr indent="0" lvl="0" marL="0" marR="0" rtl="0" algn="l">
+                        <a:lnSpc>
+                          <a:spcPct val="100000"/>
+                        </a:lnSpc>
                         <a:spcBef>
                           <a:spcPts val="0"/>
                         </a:spcBef>
                         <a:spcAft>
                           <a:spcPts val="0"/>
                         </a:spcAft>
+                        <a:buClr>
+                          <a:srgbClr val="000000"/>
+                        </a:buClr>
+                        <a:buSzPts val="1400"/>
+                        <a:buFont typeface="Arial"/>
                         <a:buNone/>
                       </a:pPr>
                       <a:r>
-                        <a:rPr lang="de"/>
+                        <a:rPr lang="de" sz="1400" u="none" cap="none" strike="noStrike"/>
                         <a:t>private</a:t>
                       </a:r>
-                      <a:endParaRPr/>
+                      <a:endParaRPr sz="1400" u="none" cap="none" strike="noStrike"/>
                     </a:p>
                   </a:txBody>
                   <a:tcPr marT="91425" marB="91425" marR="91425" marL="91425"/>
@@ -10107,7 +10548,10 @@
                     <a:bodyPr/>
                     <a:lstStyle/>
                     <a:p>
-                      <a:pPr indent="0" lvl="0" marL="0" rtl="0" algn="ctr">
+                      <a:pPr indent="0" lvl="0" marL="0" marR="0" rtl="0" algn="ctr">
+                        <a:lnSpc>
+                          <a:spcPct val="100000"/>
+                        </a:lnSpc>
                         <a:spcBef>
                           <a:spcPts val="0"/>
                         </a:spcBef>
@@ -10122,14 +10566,14 @@
                         <a:buNone/>
                       </a:pPr>
                       <a:r>
-                        <a:rPr lang="de">
+                        <a:rPr lang="de" sz="1400" u="none" cap="none" strike="noStrike">
                           <a:solidFill>
                             <a:schemeClr val="dk1"/>
                           </a:solidFill>
                         </a:rPr>
                         <a:t>✅</a:t>
                       </a:r>
-                      <a:endParaRPr/>
+                      <a:endParaRPr sz="1400" u="none" cap="none" strike="noStrike"/>
                     </a:p>
                   </a:txBody>
                   <a:tcPr marT="91425" marB="91425" marR="91425" marL="91425"/>
@@ -10139,7 +10583,10 @@
                     <a:bodyPr/>
                     <a:lstStyle/>
                     <a:p>
-                      <a:pPr indent="0" lvl="0" marL="0" rtl="0" algn="ctr">
+                      <a:pPr indent="0" lvl="0" marL="0" marR="0" rtl="0" algn="ctr">
+                        <a:lnSpc>
+                          <a:spcPct val="100000"/>
+                        </a:lnSpc>
                         <a:spcBef>
                           <a:spcPts val="0"/>
                         </a:spcBef>
@@ -10154,10 +10601,10 @@
                         <a:buNone/>
                       </a:pPr>
                       <a:r>
-                        <a:rPr lang="de"/>
+                        <a:rPr lang="de" sz="1400" u="none" cap="none" strike="noStrike"/>
                         <a:t>❌</a:t>
                       </a:r>
-                      <a:endParaRPr/>
+                      <a:endParaRPr sz="1400" u="none" cap="none" strike="noStrike"/>
                     </a:p>
                   </a:txBody>
                   <a:tcPr marT="91425" marB="91425" marR="91425" marL="91425"/>
@@ -10167,7 +10614,10 @@
                     <a:bodyPr/>
                     <a:lstStyle/>
                     <a:p>
-                      <a:pPr indent="0" lvl="0" marL="0" rtl="0" algn="ctr">
+                      <a:pPr indent="0" lvl="0" marL="0" marR="0" rtl="0" algn="ctr">
+                        <a:lnSpc>
+                          <a:spcPct val="100000"/>
+                        </a:lnSpc>
                         <a:spcBef>
                           <a:spcPts val="0"/>
                         </a:spcBef>
@@ -10182,14 +10632,14 @@
                         <a:buNone/>
                       </a:pPr>
                       <a:r>
-                        <a:rPr lang="de">
+                        <a:rPr lang="de" sz="1400" u="none" cap="none" strike="noStrike">
                           <a:solidFill>
                             <a:schemeClr val="dk1"/>
                           </a:solidFill>
                         </a:rPr>
                         <a:t>❌</a:t>
                       </a:r>
-                      <a:endParaRPr/>
+                      <a:endParaRPr sz="1400" u="none" cap="none" strike="noStrike"/>
                     </a:p>
                   </a:txBody>
                   <a:tcPr marT="91425" marB="91425" marR="91425" marL="91425"/>
@@ -10199,7 +10649,10 @@
                     <a:bodyPr/>
                     <a:lstStyle/>
                     <a:p>
-                      <a:pPr indent="0" lvl="0" marL="0" rtl="0" algn="ctr">
+                      <a:pPr indent="0" lvl="0" marL="0" marR="0" rtl="0" algn="ctr">
+                        <a:lnSpc>
+                          <a:spcPct val="100000"/>
+                        </a:lnSpc>
                         <a:spcBef>
                           <a:spcPts val="0"/>
                         </a:spcBef>
@@ -10214,14 +10667,14 @@
                         <a:buNone/>
                       </a:pPr>
                       <a:r>
-                        <a:rPr lang="de">
+                        <a:rPr lang="de" sz="1400" u="none" cap="none" strike="noStrike">
                           <a:solidFill>
                             <a:schemeClr val="dk1"/>
                           </a:solidFill>
                         </a:rPr>
                         <a:t>❌</a:t>
                       </a:r>
-                      <a:endParaRPr/>
+                      <a:endParaRPr sz="1400" u="none" cap="none" strike="noStrike"/>
                     </a:p>
                   </a:txBody>
                   <a:tcPr marT="91425" marB="91425" marR="91425" marL="91425"/>
@@ -10233,20 +10686,28 @@
                     <a:bodyPr/>
                     <a:lstStyle/>
                     <a:p>
-                      <a:pPr indent="0" lvl="0" marL="0" rtl="0" algn="l">
+                      <a:pPr indent="0" lvl="0" marL="0" marR="0" rtl="0" algn="l">
+                        <a:lnSpc>
+                          <a:spcPct val="100000"/>
+                        </a:lnSpc>
                         <a:spcBef>
                           <a:spcPts val="0"/>
                         </a:spcBef>
                         <a:spcAft>
                           <a:spcPts val="0"/>
                         </a:spcAft>
+                        <a:buClr>
+                          <a:srgbClr val="000000"/>
+                        </a:buClr>
+                        <a:buSzPts val="1400"/>
+                        <a:buFont typeface="Arial"/>
                         <a:buNone/>
                       </a:pPr>
                       <a:r>
-                        <a:rPr lang="de"/>
+                        <a:rPr lang="de" sz="1400" u="none" cap="none" strike="noStrike"/>
                         <a:t>(ohne)</a:t>
                       </a:r>
-                      <a:endParaRPr/>
+                      <a:endParaRPr sz="1400" u="none" cap="none" strike="noStrike"/>
                     </a:p>
                   </a:txBody>
                   <a:tcPr marT="91425" marB="91425" marR="91425" marL="91425"/>
@@ -10256,7 +10717,10 @@
                     <a:bodyPr/>
                     <a:lstStyle/>
                     <a:p>
-                      <a:pPr indent="0" lvl="0" marL="0" rtl="0" algn="ctr">
+                      <a:pPr indent="0" lvl="0" marL="0" marR="0" rtl="0" algn="ctr">
+                        <a:lnSpc>
+                          <a:spcPct val="100000"/>
+                        </a:lnSpc>
                         <a:spcBef>
                           <a:spcPts val="0"/>
                         </a:spcBef>
@@ -10271,14 +10735,14 @@
                         <a:buNone/>
                       </a:pPr>
                       <a:r>
-                        <a:rPr lang="de">
+                        <a:rPr lang="de" sz="1400" u="none" cap="none" strike="noStrike">
                           <a:solidFill>
                             <a:schemeClr val="dk1"/>
                           </a:solidFill>
                         </a:rPr>
                         <a:t>✅</a:t>
                       </a:r>
-                      <a:endParaRPr/>
+                      <a:endParaRPr sz="1400" u="none" cap="none" strike="noStrike"/>
                     </a:p>
                   </a:txBody>
                   <a:tcPr marT="91425" marB="91425" marR="91425" marL="91425"/>
@@ -10288,7 +10752,10 @@
                     <a:bodyPr/>
                     <a:lstStyle/>
                     <a:p>
-                      <a:pPr indent="0" lvl="0" marL="0" rtl="0" algn="ctr">
+                      <a:pPr indent="0" lvl="0" marL="0" marR="0" rtl="0" algn="ctr">
+                        <a:lnSpc>
+                          <a:spcPct val="100000"/>
+                        </a:lnSpc>
                         <a:spcBef>
                           <a:spcPts val="0"/>
                         </a:spcBef>
@@ -10303,14 +10770,14 @@
                         <a:buNone/>
                       </a:pPr>
                       <a:r>
-                        <a:rPr lang="de">
+                        <a:rPr lang="de" sz="1400" u="none" cap="none" strike="noStrike">
                           <a:solidFill>
                             <a:schemeClr val="dk1"/>
                           </a:solidFill>
                         </a:rPr>
                         <a:t>✅</a:t>
                       </a:r>
-                      <a:endParaRPr/>
+                      <a:endParaRPr sz="1400" u="none" cap="none" strike="noStrike"/>
                     </a:p>
                   </a:txBody>
                   <a:tcPr marT="91425" marB="91425" marR="91425" marL="91425"/>
@@ -10320,7 +10787,10 @@
                     <a:bodyPr/>
                     <a:lstStyle/>
                     <a:p>
-                      <a:pPr indent="0" lvl="0" marL="0" rtl="0" algn="ctr">
+                      <a:pPr indent="0" lvl="0" marL="0" marR="0" rtl="0" algn="ctr">
+                        <a:lnSpc>
+                          <a:spcPct val="100000"/>
+                        </a:lnSpc>
                         <a:spcBef>
                           <a:spcPts val="0"/>
                         </a:spcBef>
@@ -10335,14 +10805,14 @@
                         <a:buNone/>
                       </a:pPr>
                       <a:r>
-                        <a:rPr lang="de">
+                        <a:rPr lang="de" sz="1400" u="none" cap="none" strike="noStrike">
                           <a:solidFill>
                             <a:schemeClr val="dk1"/>
                           </a:solidFill>
                         </a:rPr>
                         <a:t>❌</a:t>
                       </a:r>
-                      <a:endParaRPr/>
+                      <a:endParaRPr sz="1400" u="none" cap="none" strike="noStrike"/>
                     </a:p>
                   </a:txBody>
                   <a:tcPr marT="91425" marB="91425" marR="91425" marL="91425"/>
@@ -10352,7 +10822,10 @@
                     <a:bodyPr/>
                     <a:lstStyle/>
                     <a:p>
-                      <a:pPr indent="0" lvl="0" marL="0" rtl="0" algn="ctr">
+                      <a:pPr indent="0" lvl="0" marL="0" marR="0" rtl="0" algn="ctr">
+                        <a:lnSpc>
+                          <a:spcPct val="100000"/>
+                        </a:lnSpc>
                         <a:spcBef>
                           <a:spcPts val="0"/>
                         </a:spcBef>
@@ -10367,14 +10840,14 @@
                         <a:buNone/>
                       </a:pPr>
                       <a:r>
-                        <a:rPr lang="de">
+                        <a:rPr lang="de" sz="1400" u="none" cap="none" strike="noStrike">
                           <a:solidFill>
                             <a:schemeClr val="dk1"/>
                           </a:solidFill>
                         </a:rPr>
                         <a:t>❌</a:t>
                       </a:r>
-                      <a:endParaRPr/>
+                      <a:endParaRPr sz="1400" u="none" cap="none" strike="noStrike"/>
                     </a:p>
                   </a:txBody>
                   <a:tcPr marT="91425" marB="91425" marR="91425" marL="91425"/>
@@ -10386,20 +10859,28 @@
                     <a:bodyPr/>
                     <a:lstStyle/>
                     <a:p>
-                      <a:pPr indent="0" lvl="0" marL="0" rtl="0" algn="l">
+                      <a:pPr indent="0" lvl="0" marL="0" marR="0" rtl="0" algn="l">
+                        <a:lnSpc>
+                          <a:spcPct val="100000"/>
+                        </a:lnSpc>
                         <a:spcBef>
                           <a:spcPts val="0"/>
                         </a:spcBef>
                         <a:spcAft>
                           <a:spcPts val="0"/>
                         </a:spcAft>
+                        <a:buClr>
+                          <a:srgbClr val="000000"/>
+                        </a:buClr>
+                        <a:buSzPts val="1400"/>
+                        <a:buFont typeface="Arial"/>
                         <a:buNone/>
                       </a:pPr>
                       <a:r>
-                        <a:rPr lang="de"/>
+                        <a:rPr lang="de" sz="1400" u="none" cap="none" strike="noStrike"/>
                         <a:t>protected</a:t>
                       </a:r>
-                      <a:endParaRPr/>
+                      <a:endParaRPr sz="1400" u="none" cap="none" strike="noStrike"/>
                     </a:p>
                   </a:txBody>
                   <a:tcPr marT="91425" marB="91425" marR="91425" marL="91425"/>
@@ -10409,7 +10890,10 @@
                     <a:bodyPr/>
                     <a:lstStyle/>
                     <a:p>
-                      <a:pPr indent="0" lvl="0" marL="0" rtl="0" algn="ctr">
+                      <a:pPr indent="0" lvl="0" marL="0" marR="0" rtl="0" algn="ctr">
+                        <a:lnSpc>
+                          <a:spcPct val="100000"/>
+                        </a:lnSpc>
                         <a:spcBef>
                           <a:spcPts val="0"/>
                         </a:spcBef>
@@ -10424,14 +10908,14 @@
                         <a:buNone/>
                       </a:pPr>
                       <a:r>
-                        <a:rPr lang="de">
+                        <a:rPr lang="de" sz="1400" u="none" cap="none" strike="noStrike">
                           <a:solidFill>
                             <a:schemeClr val="dk1"/>
                           </a:solidFill>
                         </a:rPr>
                         <a:t>✅</a:t>
                       </a:r>
-                      <a:endParaRPr/>
+                      <a:endParaRPr sz="1400" u="none" cap="none" strike="noStrike"/>
                     </a:p>
                   </a:txBody>
                   <a:tcPr marT="91425" marB="91425" marR="91425" marL="91425"/>
@@ -10441,7 +10925,10 @@
                     <a:bodyPr/>
                     <a:lstStyle/>
                     <a:p>
-                      <a:pPr indent="0" lvl="0" marL="0" rtl="0" algn="ctr">
+                      <a:pPr indent="0" lvl="0" marL="0" marR="0" rtl="0" algn="ctr">
+                        <a:lnSpc>
+                          <a:spcPct val="100000"/>
+                        </a:lnSpc>
                         <a:spcBef>
                           <a:spcPts val="0"/>
                         </a:spcBef>
@@ -10456,14 +10943,14 @@
                         <a:buNone/>
                       </a:pPr>
                       <a:r>
-                        <a:rPr lang="de">
+                        <a:rPr lang="de" sz="1400" u="none" cap="none" strike="noStrike">
                           <a:solidFill>
                             <a:schemeClr val="dk1"/>
                           </a:solidFill>
                         </a:rPr>
                         <a:t>✅</a:t>
                       </a:r>
-                      <a:endParaRPr/>
+                      <a:endParaRPr sz="1400" u="none" cap="none" strike="noStrike"/>
                     </a:p>
                   </a:txBody>
                   <a:tcPr marT="91425" marB="91425" marR="91425" marL="91425"/>
@@ -10473,7 +10960,10 @@
                     <a:bodyPr/>
                     <a:lstStyle/>
                     <a:p>
-                      <a:pPr indent="0" lvl="0" marL="0" rtl="0" algn="ctr">
+                      <a:pPr indent="0" lvl="0" marL="0" marR="0" rtl="0" algn="ctr">
+                        <a:lnSpc>
+                          <a:spcPct val="100000"/>
+                        </a:lnSpc>
                         <a:spcBef>
                           <a:spcPts val="0"/>
                         </a:spcBef>
@@ -10488,14 +10978,14 @@
                         <a:buNone/>
                       </a:pPr>
                       <a:r>
-                        <a:rPr lang="de">
+                        <a:rPr lang="de" sz="1400" u="none" cap="none" strike="noStrike">
                           <a:solidFill>
                             <a:schemeClr val="dk1"/>
                           </a:solidFill>
                         </a:rPr>
                         <a:t>✅</a:t>
                       </a:r>
-                      <a:endParaRPr/>
+                      <a:endParaRPr sz="1400" u="none" cap="none" strike="noStrike"/>
                     </a:p>
                   </a:txBody>
                   <a:tcPr marT="91425" marB="91425" marR="91425" marL="91425"/>
@@ -10505,7 +10995,10 @@
                     <a:bodyPr/>
                     <a:lstStyle/>
                     <a:p>
-                      <a:pPr indent="0" lvl="0" marL="0" rtl="0" algn="ctr">
+                      <a:pPr indent="0" lvl="0" marL="0" marR="0" rtl="0" algn="ctr">
+                        <a:lnSpc>
+                          <a:spcPct val="100000"/>
+                        </a:lnSpc>
                         <a:spcBef>
                           <a:spcPts val="0"/>
                         </a:spcBef>
@@ -10520,14 +11013,14 @@
                         <a:buNone/>
                       </a:pPr>
                       <a:r>
-                        <a:rPr lang="de">
+                        <a:rPr lang="de" sz="1400" u="none" cap="none" strike="noStrike">
                           <a:solidFill>
                             <a:schemeClr val="dk1"/>
                           </a:solidFill>
                         </a:rPr>
                         <a:t>❌</a:t>
                       </a:r>
-                      <a:endParaRPr/>
+                      <a:endParaRPr sz="1400" u="none" cap="none" strike="noStrike"/>
                     </a:p>
                   </a:txBody>
                   <a:tcPr marT="91425" marB="91425" marR="91425" marL="91425"/>
@@ -10539,20 +11032,28 @@
                     <a:bodyPr/>
                     <a:lstStyle/>
                     <a:p>
-                      <a:pPr indent="0" lvl="0" marL="0" rtl="0" algn="l">
+                      <a:pPr indent="0" lvl="0" marL="0" marR="0" rtl="0" algn="l">
+                        <a:lnSpc>
+                          <a:spcPct val="100000"/>
+                        </a:lnSpc>
                         <a:spcBef>
                           <a:spcPts val="0"/>
                         </a:spcBef>
                         <a:spcAft>
                           <a:spcPts val="0"/>
                         </a:spcAft>
+                        <a:buClr>
+                          <a:srgbClr val="000000"/>
+                        </a:buClr>
+                        <a:buSzPts val="1400"/>
+                        <a:buFont typeface="Arial"/>
                         <a:buNone/>
                       </a:pPr>
                       <a:r>
-                        <a:rPr lang="de"/>
+                        <a:rPr lang="de" sz="1400" u="none" cap="none" strike="noStrike"/>
                         <a:t>public</a:t>
                       </a:r>
-                      <a:endParaRPr/>
+                      <a:endParaRPr sz="1400" u="none" cap="none" strike="noStrike"/>
                     </a:p>
                   </a:txBody>
                   <a:tcPr marT="91425" marB="91425" marR="91425" marL="91425"/>
@@ -10562,7 +11063,10 @@
                     <a:bodyPr/>
                     <a:lstStyle/>
                     <a:p>
-                      <a:pPr indent="0" lvl="0" marL="0" rtl="0" algn="ctr">
+                      <a:pPr indent="0" lvl="0" marL="0" marR="0" rtl="0" algn="ctr">
+                        <a:lnSpc>
+                          <a:spcPct val="100000"/>
+                        </a:lnSpc>
                         <a:spcBef>
                           <a:spcPts val="0"/>
                         </a:spcBef>
@@ -10577,14 +11081,14 @@
                         <a:buNone/>
                       </a:pPr>
                       <a:r>
-                        <a:rPr lang="de">
+                        <a:rPr lang="de" sz="1400" u="none" cap="none" strike="noStrike">
                           <a:solidFill>
                             <a:schemeClr val="dk1"/>
                           </a:solidFill>
                         </a:rPr>
                         <a:t>✅</a:t>
                       </a:r>
-                      <a:endParaRPr/>
+                      <a:endParaRPr sz="1400" u="none" cap="none" strike="noStrike"/>
                     </a:p>
                   </a:txBody>
                   <a:tcPr marT="91425" marB="91425" marR="91425" marL="91425"/>
@@ -10594,7 +11098,10 @@
                     <a:bodyPr/>
                     <a:lstStyle/>
                     <a:p>
-                      <a:pPr indent="0" lvl="0" marL="0" rtl="0" algn="ctr">
+                      <a:pPr indent="0" lvl="0" marL="0" marR="0" rtl="0" algn="ctr">
+                        <a:lnSpc>
+                          <a:spcPct val="100000"/>
+                        </a:lnSpc>
                         <a:spcBef>
                           <a:spcPts val="0"/>
                         </a:spcBef>
@@ -10609,14 +11116,14 @@
                         <a:buNone/>
                       </a:pPr>
                       <a:r>
-                        <a:rPr lang="de">
+                        <a:rPr lang="de" sz="1400" u="none" cap="none" strike="noStrike">
                           <a:solidFill>
                             <a:schemeClr val="dk1"/>
                           </a:solidFill>
                         </a:rPr>
                         <a:t>✅</a:t>
                       </a:r>
-                      <a:endParaRPr/>
+                      <a:endParaRPr sz="1400" u="none" cap="none" strike="noStrike"/>
                     </a:p>
                   </a:txBody>
                   <a:tcPr marT="91425" marB="91425" marR="91425" marL="91425"/>
@@ -10626,7 +11133,10 @@
                     <a:bodyPr/>
                     <a:lstStyle/>
                     <a:p>
-                      <a:pPr indent="0" lvl="0" marL="0" rtl="0" algn="ctr">
+                      <a:pPr indent="0" lvl="0" marL="0" marR="0" rtl="0" algn="ctr">
+                        <a:lnSpc>
+                          <a:spcPct val="100000"/>
+                        </a:lnSpc>
                         <a:spcBef>
                           <a:spcPts val="0"/>
                         </a:spcBef>
@@ -10641,14 +11151,14 @@
                         <a:buNone/>
                       </a:pPr>
                       <a:r>
-                        <a:rPr lang="de">
+                        <a:rPr lang="de" sz="1400" u="none" cap="none" strike="noStrike">
                           <a:solidFill>
                             <a:schemeClr val="dk1"/>
                           </a:solidFill>
                         </a:rPr>
                         <a:t>✅</a:t>
                       </a:r>
-                      <a:endParaRPr/>
+                      <a:endParaRPr sz="1400" u="none" cap="none" strike="noStrike"/>
                     </a:p>
                   </a:txBody>
                   <a:tcPr marT="91425" marB="91425" marR="91425" marL="91425"/>
@@ -10658,7 +11168,10 @@
                     <a:bodyPr/>
                     <a:lstStyle/>
                     <a:p>
-                      <a:pPr indent="0" lvl="0" marL="0" rtl="0" algn="ctr">
+                      <a:pPr indent="0" lvl="0" marL="0" marR="0" rtl="0" algn="ctr">
+                        <a:lnSpc>
+                          <a:spcPct val="100000"/>
+                        </a:lnSpc>
                         <a:spcBef>
                           <a:spcPts val="0"/>
                         </a:spcBef>
@@ -10673,14 +11186,14 @@
                         <a:buNone/>
                       </a:pPr>
                       <a:r>
-                        <a:rPr lang="de">
+                        <a:rPr lang="de" sz="1400" u="none" cap="none" strike="noStrike">
                           <a:solidFill>
                             <a:schemeClr val="dk1"/>
                           </a:solidFill>
                         </a:rPr>
                         <a:t>✅</a:t>
                       </a:r>
-                      <a:endParaRPr/>
+                      <a:endParaRPr sz="1400" u="none" cap="none" strike="noStrike"/>
                     </a:p>
                   </a:txBody>
                   <a:tcPr marT="91425" marB="91425" marR="91425" marL="91425"/>
@@ -10715,20 +11228,44 @@
           </a:bodyPr>
           <a:lstStyle/>
           <a:p>
-            <a:pPr indent="0" lvl="0" marL="0" rtl="0" algn="l">
-              <a:spcBef>
-                <a:spcPts val="0"/>
-              </a:spcBef>
-              <a:spcAft>
-                <a:spcPts val="0"/>
-              </a:spcAft>
+            <a:pPr indent="0" lvl="0" marL="0" marR="0" rtl="0" algn="l">
+              <a:lnSpc>
+                <a:spcPct val="100000"/>
+              </a:lnSpc>
+              <a:spcBef>
+                <a:spcPts val="0"/>
+              </a:spcBef>
+              <a:spcAft>
+                <a:spcPts val="0"/>
+              </a:spcAft>
+              <a:buClr>
+                <a:srgbClr val="000000"/>
+              </a:buClr>
+              <a:buSzPts val="1400"/>
+              <a:buFont typeface="Arial"/>
               <a:buNone/>
             </a:pPr>
             <a:r>
-              <a:rPr lang="de"/>
+              <a:rPr b="0" i="0" lang="de" sz="1400" u="none" cap="none" strike="noStrike">
+                <a:solidFill>
+                  <a:srgbClr val="000000"/>
+                </a:solidFill>
+                <a:latin typeface="Arial"/>
+                <a:ea typeface="Arial"/>
+                <a:cs typeface="Arial"/>
+                <a:sym typeface="Arial"/>
+              </a:rPr>
               <a:t>Zugriffsmodifikatoren von Klassen, Attributen, Klassenvariablen, Funktionen und Methoden geben an, von wo aus auf diese zugegriffen werden können soll.</a:t>
             </a:r>
-            <a:endParaRPr/>
+            <a:endParaRPr b="0" i="0" sz="1400" u="none" cap="none" strike="noStrike">
+              <a:solidFill>
+                <a:srgbClr val="000000"/>
+              </a:solidFill>
+              <a:latin typeface="Arial"/>
+              <a:ea typeface="Arial"/>
+              <a:cs typeface="Arial"/>
+              <a:sym typeface="Arial"/>
+            </a:endParaRPr>
           </a:p>
         </p:txBody>
       </p:sp>
@@ -10773,6 +11310,10 @@
           <a:prstGeom prst="rect">
             <a:avLst/>
           </a:prstGeom>
+          <a:noFill/>
+          <a:ln>
+            <a:noFill/>
+          </a:ln>
         </p:spPr>
         <p:txBody>
           <a:bodyPr anchorCtr="0" anchor="b" bIns="0" lIns="0" spcFirstLastPara="1" rIns="0" wrap="square" tIns="0">
@@ -10781,12 +11322,16 @@
           <a:lstStyle/>
           <a:p>
             <a:pPr indent="0" lvl="0" marL="0" rtl="0" algn="l">
-              <a:spcBef>
-                <a:spcPts val="0"/>
-              </a:spcBef>
-              <a:spcAft>
-                <a:spcPts val="0"/>
-              </a:spcAft>
+              <a:lnSpc>
+                <a:spcPct val="100000"/>
+              </a:lnSpc>
+              <a:spcBef>
+                <a:spcPts val="0"/>
+              </a:spcBef>
+              <a:spcAft>
+                <a:spcPts val="0"/>
+              </a:spcAft>
+              <a:buSzPts val="1400"/>
               <a:buNone/>
             </a:pPr>
             <a:r>
@@ -10813,6 +11358,10 @@
           <a:prstGeom prst="rect">
             <a:avLst/>
           </a:prstGeom>
+          <a:noFill/>
+          <a:ln>
+            <a:noFill/>
+          </a:ln>
         </p:spPr>
         <p:txBody>
           <a:bodyPr anchorCtr="0" anchor="t" bIns="0" lIns="0" spcFirstLastPara="1" rIns="0" wrap="square" tIns="0">
@@ -10820,7 +11369,10 @@
           </a:bodyPr>
           <a:lstStyle/>
           <a:p>
-            <a:pPr indent="0" lvl="0" marL="0" rtl="0" algn="ctr">
+            <a:pPr indent="0" lvl="0" marL="0" marR="0" rtl="0" algn="ctr">
+              <a:lnSpc>
+                <a:spcPct val="100000"/>
+              </a:lnSpc>
               <a:spcBef>
                 <a:spcPts val="320"/>
               </a:spcBef>
@@ -10837,10 +11389,21 @@
             <a:r>
               <a:t/>
             </a:r>
-            <a:endParaRPr/>
+            <a:endParaRPr b="0" i="0" sz="1600" u="none" cap="none" strike="noStrike">
+              <a:solidFill>
+                <a:schemeClr val="dk1"/>
+              </a:solidFill>
+              <a:latin typeface="Arial"/>
+              <a:ea typeface="Arial"/>
+              <a:cs typeface="Arial"/>
+              <a:sym typeface="Arial"/>
+            </a:endParaRPr>
           </a:p>
           <a:p>
-            <a:pPr indent="0" lvl="0" marL="0" rtl="0" algn="ctr">
+            <a:pPr indent="0" lvl="0" marL="0" marR="0" rtl="0" algn="ctr">
+              <a:lnSpc>
+                <a:spcPct val="100000"/>
+              </a:lnSpc>
               <a:spcBef>
                 <a:spcPts val="320"/>
               </a:spcBef>
@@ -10857,10 +11420,21 @@
             <a:r>
               <a:t/>
             </a:r>
-            <a:endParaRPr/>
+            <a:endParaRPr b="0" i="0" sz="1600" u="none" cap="none" strike="noStrike">
+              <a:solidFill>
+                <a:schemeClr val="dk1"/>
+              </a:solidFill>
+              <a:latin typeface="Arial"/>
+              <a:ea typeface="Arial"/>
+              <a:cs typeface="Arial"/>
+              <a:sym typeface="Arial"/>
+            </a:endParaRPr>
           </a:p>
           <a:p>
-            <a:pPr indent="0" lvl="0" marL="0" rtl="0" algn="ctr">
+            <a:pPr indent="0" lvl="0" marL="0" marR="0" rtl="0" algn="ctr">
+              <a:lnSpc>
+                <a:spcPct val="100000"/>
+              </a:lnSpc>
               <a:spcBef>
                 <a:spcPts val="320"/>
               </a:spcBef>
@@ -10877,10 +11451,21 @@
             <a:r>
               <a:t/>
             </a:r>
-            <a:endParaRPr/>
+            <a:endParaRPr b="0" i="0" sz="1600" u="none" cap="none" strike="noStrike">
+              <a:solidFill>
+                <a:schemeClr val="dk1"/>
+              </a:solidFill>
+              <a:latin typeface="Arial"/>
+              <a:ea typeface="Arial"/>
+              <a:cs typeface="Arial"/>
+              <a:sym typeface="Arial"/>
+            </a:endParaRPr>
           </a:p>
           <a:p>
-            <a:pPr indent="0" lvl="0" marL="0" rtl="0" algn="ctr">
+            <a:pPr indent="0" lvl="0" marL="0" marR="0" rtl="0" algn="ctr">
+              <a:lnSpc>
+                <a:spcPct val="100000"/>
+              </a:lnSpc>
               <a:spcBef>
                 <a:spcPts val="320"/>
               </a:spcBef>
@@ -10897,10 +11482,21 @@
             <a:r>
               <a:t/>
             </a:r>
-            <a:endParaRPr/>
+            <a:endParaRPr b="0" i="0" sz="1600" u="none" cap="none" strike="noStrike">
+              <a:solidFill>
+                <a:schemeClr val="dk1"/>
+              </a:solidFill>
+              <a:latin typeface="Arial"/>
+              <a:ea typeface="Arial"/>
+              <a:cs typeface="Arial"/>
+              <a:sym typeface="Arial"/>
+            </a:endParaRPr>
           </a:p>
           <a:p>
-            <a:pPr indent="0" lvl="0" marL="0" rtl="0" algn="ctr">
+            <a:pPr indent="0" lvl="0" marL="0" marR="0" rtl="0" algn="ctr">
+              <a:lnSpc>
+                <a:spcPct val="100000"/>
+              </a:lnSpc>
               <a:spcBef>
                 <a:spcPts val="320"/>
               </a:spcBef>
@@ -10917,10 +11513,21 @@
             <a:r>
               <a:t/>
             </a:r>
-            <a:endParaRPr/>
+            <a:endParaRPr b="0" i="0" sz="1600" u="none" cap="none" strike="noStrike">
+              <a:solidFill>
+                <a:schemeClr val="dk1"/>
+              </a:solidFill>
+              <a:latin typeface="Arial"/>
+              <a:ea typeface="Arial"/>
+              <a:cs typeface="Arial"/>
+              <a:sym typeface="Arial"/>
+            </a:endParaRPr>
           </a:p>
           <a:p>
-            <a:pPr indent="0" lvl="0" marL="0" rtl="0" algn="ctr">
+            <a:pPr indent="0" lvl="0" marL="0" marR="0" rtl="0" algn="ctr">
+              <a:lnSpc>
+                <a:spcPct val="100000"/>
+              </a:lnSpc>
               <a:spcBef>
                 <a:spcPts val="320"/>
               </a:spcBef>
@@ -10937,10 +11544,21 @@
             <a:r>
               <a:t/>
             </a:r>
-            <a:endParaRPr/>
+            <a:endParaRPr b="0" i="0" sz="1600" u="none" cap="none" strike="noStrike">
+              <a:solidFill>
+                <a:schemeClr val="dk1"/>
+              </a:solidFill>
+              <a:latin typeface="Arial"/>
+              <a:ea typeface="Arial"/>
+              <a:cs typeface="Arial"/>
+              <a:sym typeface="Arial"/>
+            </a:endParaRPr>
           </a:p>
           <a:p>
-            <a:pPr indent="0" lvl="0" marL="0" rtl="0" algn="ctr">
+            <a:pPr indent="0" lvl="0" marL="0" marR="0" rtl="0" algn="ctr">
+              <a:lnSpc>
+                <a:spcPct val="100000"/>
+              </a:lnSpc>
               <a:spcBef>
                 <a:spcPts val="320"/>
               </a:spcBef>
@@ -10955,10 +11573,26 @@
               <a:buNone/>
             </a:pPr>
             <a:r>
-              <a:rPr lang="de" sz="3600"/>
+              <a:rPr b="0" i="0" lang="de" sz="3600" u="none" cap="none" strike="noStrike">
+                <a:solidFill>
+                  <a:schemeClr val="dk1"/>
+                </a:solidFill>
+                <a:latin typeface="Arial"/>
+                <a:ea typeface="Arial"/>
+                <a:cs typeface="Arial"/>
+                <a:sym typeface="Arial"/>
+              </a:rPr>
               <a:t>Fragen</a:t>
             </a:r>
-            <a:endParaRPr/>
+            <a:endParaRPr b="0" i="0" sz="1600" u="none" cap="none" strike="noStrike">
+              <a:solidFill>
+                <a:schemeClr val="dk1"/>
+              </a:solidFill>
+              <a:latin typeface="Arial"/>
+              <a:ea typeface="Arial"/>
+              <a:cs typeface="Arial"/>
+              <a:sym typeface="Arial"/>
+            </a:endParaRPr>
           </a:p>
         </p:txBody>
       </p:sp>
@@ -11003,6 +11637,10 @@
           <a:prstGeom prst="rect">
             <a:avLst/>
           </a:prstGeom>
+          <a:noFill/>
+          <a:ln>
+            <a:noFill/>
+          </a:ln>
         </p:spPr>
         <p:txBody>
           <a:bodyPr anchorCtr="0" anchor="b" bIns="0" lIns="0" spcFirstLastPara="1" rIns="0" wrap="square" tIns="0">
@@ -11011,12 +11649,16 @@
           <a:lstStyle/>
           <a:p>
             <a:pPr indent="0" lvl="0" marL="0" rtl="0" algn="l">
-              <a:spcBef>
-                <a:spcPts val="0"/>
-              </a:spcBef>
-              <a:spcAft>
-                <a:spcPts val="0"/>
-              </a:spcAft>
+              <a:lnSpc>
+                <a:spcPct val="100000"/>
+              </a:lnSpc>
+              <a:spcBef>
+                <a:spcPts val="0"/>
+              </a:spcBef>
+              <a:spcAft>
+                <a:spcPts val="0"/>
+              </a:spcAft>
+              <a:buSzPts val="1400"/>
               <a:buNone/>
             </a:pPr>
             <a:r>
@@ -11043,6 +11685,10 @@
           <a:prstGeom prst="rect">
             <a:avLst/>
           </a:prstGeom>
+          <a:noFill/>
+          <a:ln>
+            <a:noFill/>
+          </a:ln>
         </p:spPr>
         <p:txBody>
           <a:bodyPr anchorCtr="0" anchor="t" bIns="0" lIns="0" spcFirstLastPara="1" rIns="0" wrap="square" tIns="0">
@@ -11050,7 +11696,10 @@
           </a:bodyPr>
           <a:lstStyle/>
           <a:p>
-            <a:pPr indent="-317500" lvl="0" marL="457200" rtl="0" algn="l">
+            <a:pPr indent="-317500" lvl="0" marL="457200" marR="0" rtl="0" algn="l">
+              <a:lnSpc>
+                <a:spcPct val="100000"/>
+              </a:lnSpc>
               <a:spcBef>
                 <a:spcPts val="320"/>
               </a:spcBef>
@@ -11061,115 +11710,270 @@
                 <a:schemeClr val="dk1"/>
               </a:buClr>
               <a:buSzPts val="1400"/>
+              <a:buFont typeface="Arial"/>
               <a:buChar char="●"/>
             </a:pPr>
             <a:r>
-              <a:rPr lang="de"/>
+              <a:rPr b="0" i="0" lang="de" sz="1600" u="none" cap="none" strike="noStrike">
+                <a:solidFill>
+                  <a:schemeClr val="dk1"/>
+                </a:solidFill>
+                <a:latin typeface="Arial"/>
+                <a:ea typeface="Arial"/>
+                <a:cs typeface="Arial"/>
+                <a:sym typeface="Arial"/>
+              </a:rPr>
               <a:t>Alternative 1: Palindrom-Detektor</a:t>
             </a:r>
-            <a:endParaRPr/>
+            <a:endParaRPr b="0" i="0" sz="1600" u="none" cap="none" strike="noStrike">
+              <a:solidFill>
+                <a:schemeClr val="dk1"/>
+              </a:solidFill>
+              <a:latin typeface="Arial"/>
+              <a:ea typeface="Arial"/>
+              <a:cs typeface="Arial"/>
+              <a:sym typeface="Arial"/>
+            </a:endParaRPr>
           </a:p>
           <a:p>
-            <a:pPr indent="-330200" lvl="1" marL="914400" rtl="0" algn="l">
-              <a:spcBef>
-                <a:spcPts val="0"/>
-              </a:spcBef>
-              <a:spcAft>
-                <a:spcPts val="0"/>
-              </a:spcAft>
+            <a:pPr indent="-330200" lvl="1" marL="914400" marR="0" rtl="0" algn="l">
+              <a:lnSpc>
+                <a:spcPct val="100000"/>
+              </a:lnSpc>
+              <a:spcBef>
+                <a:spcPts val="0"/>
+              </a:spcBef>
+              <a:spcAft>
+                <a:spcPts val="0"/>
+              </a:spcAft>
+              <a:buClr>
+                <a:schemeClr val="dk1"/>
+              </a:buClr>
               <a:buSzPts val="1600"/>
+              <a:buFont typeface="Noto Sans Symbols"/>
               <a:buChar char="-"/>
             </a:pPr>
             <a:r>
-              <a:rPr lang="de"/>
+              <a:rPr b="0" i="0" lang="de" sz="1600" u="none" cap="none" strike="noStrike">
+                <a:solidFill>
+                  <a:schemeClr val="dk1"/>
+                </a:solidFill>
+                <a:latin typeface="Arial"/>
+                <a:ea typeface="Arial"/>
+                <a:cs typeface="Arial"/>
+                <a:sym typeface="Arial"/>
+              </a:rPr>
               <a:t>Es soll dem Programm ein String, entweder über Kommandozeilenparameter oder über die Scanner-Klasse übergeben werden können.</a:t>
             </a:r>
-            <a:endParaRPr/>
+            <a:endParaRPr b="0" i="0" sz="1600" u="none" cap="none" strike="noStrike">
+              <a:solidFill>
+                <a:schemeClr val="dk1"/>
+              </a:solidFill>
+              <a:latin typeface="Arial"/>
+              <a:ea typeface="Arial"/>
+              <a:cs typeface="Arial"/>
+              <a:sym typeface="Arial"/>
+            </a:endParaRPr>
           </a:p>
           <a:p>
-            <a:pPr indent="-330200" lvl="1" marL="914400" rtl="0" algn="l">
-              <a:spcBef>
-                <a:spcPts val="0"/>
-              </a:spcBef>
-              <a:spcAft>
-                <a:spcPts val="0"/>
-              </a:spcAft>
+            <a:pPr indent="-330200" lvl="1" marL="914400" marR="0" rtl="0" algn="l">
+              <a:lnSpc>
+                <a:spcPct val="100000"/>
+              </a:lnSpc>
+              <a:spcBef>
+                <a:spcPts val="0"/>
+              </a:spcBef>
+              <a:spcAft>
+                <a:spcPts val="0"/>
+              </a:spcAft>
+              <a:buClr>
+                <a:schemeClr val="dk1"/>
+              </a:buClr>
               <a:buSzPts val="1600"/>
+              <a:buFont typeface="Noto Sans Symbols"/>
               <a:buChar char="-"/>
             </a:pPr>
             <a:r>
-              <a:rPr lang="de"/>
+              <a:rPr b="0" i="0" lang="de" sz="1600" u="none" cap="none" strike="noStrike">
+                <a:solidFill>
+                  <a:schemeClr val="dk1"/>
+                </a:solidFill>
+                <a:latin typeface="Arial"/>
+                <a:ea typeface="Arial"/>
+                <a:cs typeface="Arial"/>
+                <a:sym typeface="Arial"/>
+              </a:rPr>
               <a:t>Das Programm soll dann testen, ob der String ein Palindrom ist und dementsprechend eine Kommandozeilenausgabe machen.</a:t>
             </a:r>
-            <a:endParaRPr/>
+            <a:endParaRPr b="0" i="0" sz="1600" u="none" cap="none" strike="noStrike">
+              <a:solidFill>
+                <a:schemeClr val="dk1"/>
+              </a:solidFill>
+              <a:latin typeface="Arial"/>
+              <a:ea typeface="Arial"/>
+              <a:cs typeface="Arial"/>
+              <a:sym typeface="Arial"/>
+            </a:endParaRPr>
           </a:p>
           <a:p>
-            <a:pPr indent="-330200" lvl="1" marL="914400" rtl="0" algn="l">
-              <a:spcBef>
-                <a:spcPts val="0"/>
-              </a:spcBef>
-              <a:spcAft>
-                <a:spcPts val="0"/>
-              </a:spcAft>
+            <a:pPr indent="-330200" lvl="1" marL="914400" marR="0" rtl="0" algn="l">
+              <a:lnSpc>
+                <a:spcPct val="100000"/>
+              </a:lnSpc>
+              <a:spcBef>
+                <a:spcPts val="0"/>
+              </a:spcBef>
+              <a:spcAft>
+                <a:spcPts val="0"/>
+              </a:spcAft>
+              <a:buClr>
+                <a:schemeClr val="dk1"/>
+              </a:buClr>
               <a:buSzPts val="1600"/>
+              <a:buFont typeface="Noto Sans Symbols"/>
               <a:buChar char="-"/>
             </a:pPr>
             <a:r>
-              <a:rPr lang="de"/>
+              <a:rPr b="0" i="0" lang="de" sz="1600" u="none" cap="none" strike="noStrike">
+                <a:solidFill>
+                  <a:schemeClr val="dk1"/>
+                </a:solidFill>
+                <a:latin typeface="Arial"/>
+                <a:ea typeface="Arial"/>
+                <a:cs typeface="Arial"/>
+                <a:sym typeface="Arial"/>
+              </a:rPr>
               <a:t>Dazu soll eine weitere Klasse mit einer Palindrom-Test-Funktion geschrieben werden, die hierfür genutzt wird (analog zum showcase).</a:t>
             </a:r>
-            <a:endParaRPr/>
+            <a:endParaRPr b="0" i="0" sz="1600" u="none" cap="none" strike="noStrike">
+              <a:solidFill>
+                <a:schemeClr val="dk1"/>
+              </a:solidFill>
+              <a:latin typeface="Arial"/>
+              <a:ea typeface="Arial"/>
+              <a:cs typeface="Arial"/>
+              <a:sym typeface="Arial"/>
+            </a:endParaRPr>
           </a:p>
           <a:p>
-            <a:pPr indent="-330200" lvl="1" marL="914400" rtl="0" algn="l">
-              <a:spcBef>
-                <a:spcPts val="0"/>
-              </a:spcBef>
-              <a:spcAft>
-                <a:spcPts val="0"/>
-              </a:spcAft>
+            <a:pPr indent="-330200" lvl="1" marL="914400" marR="0" rtl="0" algn="l">
+              <a:lnSpc>
+                <a:spcPct val="100000"/>
+              </a:lnSpc>
+              <a:spcBef>
+                <a:spcPts val="0"/>
+              </a:spcBef>
+              <a:spcAft>
+                <a:spcPts val="0"/>
+              </a:spcAft>
+              <a:buClr>
+                <a:schemeClr val="dk1"/>
+              </a:buClr>
               <a:buSzPts val="1600"/>
+              <a:buFont typeface="Noto Sans Symbols"/>
               <a:buChar char="-"/>
             </a:pPr>
             <a:r>
-              <a:rPr lang="de"/>
+              <a:rPr b="0" i="0" lang="de" sz="1600" u="none" cap="none" strike="noStrike">
+                <a:solidFill>
+                  <a:schemeClr val="dk1"/>
+                </a:solidFill>
+                <a:latin typeface="Arial"/>
+                <a:ea typeface="Arial"/>
+                <a:cs typeface="Arial"/>
+                <a:sym typeface="Arial"/>
+              </a:rPr>
               <a:t>Hinweis: Palindrome sind Zeichenketten, die sich von vorne und von hinter gleich lesen (Beispiel: "anna" ist rückwärts gelesen auch "anna")</a:t>
             </a:r>
-            <a:endParaRPr/>
+            <a:endParaRPr b="0" i="0" sz="1600" u="none" cap="none" strike="noStrike">
+              <a:solidFill>
+                <a:schemeClr val="dk1"/>
+              </a:solidFill>
+              <a:latin typeface="Arial"/>
+              <a:ea typeface="Arial"/>
+              <a:cs typeface="Arial"/>
+              <a:sym typeface="Arial"/>
+            </a:endParaRPr>
           </a:p>
           <a:p>
-            <a:pPr indent="-330200" lvl="1" marL="914400" rtl="0" algn="l">
-              <a:spcBef>
-                <a:spcPts val="0"/>
-              </a:spcBef>
-              <a:spcAft>
-                <a:spcPts val="0"/>
-              </a:spcAft>
+            <a:pPr indent="-330200" lvl="1" marL="914400" marR="0" rtl="0" algn="l">
+              <a:lnSpc>
+                <a:spcPct val="100000"/>
+              </a:lnSpc>
+              <a:spcBef>
+                <a:spcPts val="0"/>
+              </a:spcBef>
+              <a:spcAft>
+                <a:spcPts val="0"/>
+              </a:spcAft>
+              <a:buClr>
+                <a:schemeClr val="dk1"/>
+              </a:buClr>
               <a:buSzPts val="1600"/>
+              <a:buFont typeface="Noto Sans Symbols"/>
               <a:buChar char="-"/>
             </a:pPr>
             <a:r>
-              <a:rPr lang="de"/>
+              <a:rPr b="0" i="0" lang="de" sz="1600" u="none" cap="none" strike="noStrike">
+                <a:solidFill>
+                  <a:schemeClr val="dk1"/>
+                </a:solidFill>
+                <a:latin typeface="Arial"/>
+                <a:ea typeface="Arial"/>
+                <a:cs typeface="Arial"/>
+                <a:sym typeface="Arial"/>
+              </a:rPr>
               <a:t>Tipp: mit &lt;String&gt;.charAt(index) kann man auf das Zeichen an einer bestimmten Stelle eines Strings zugreifen. ( =&gt; “asd”.charAt(1) ⇒ ‘d’</a:t>
             </a:r>
-            <a:endParaRPr/>
+            <a:endParaRPr b="0" i="0" sz="1600" u="none" cap="none" strike="noStrike">
+              <a:solidFill>
+                <a:schemeClr val="dk1"/>
+              </a:solidFill>
+              <a:latin typeface="Arial"/>
+              <a:ea typeface="Arial"/>
+              <a:cs typeface="Arial"/>
+              <a:sym typeface="Arial"/>
+            </a:endParaRPr>
           </a:p>
           <a:p>
-            <a:pPr indent="-330200" lvl="1" marL="914400" rtl="0" algn="l">
-              <a:spcBef>
-                <a:spcPts val="0"/>
-              </a:spcBef>
-              <a:spcAft>
-                <a:spcPts val="0"/>
-              </a:spcAft>
+            <a:pPr indent="-330200" lvl="1" marL="914400" marR="0" rtl="0" algn="l">
+              <a:lnSpc>
+                <a:spcPct val="100000"/>
+              </a:lnSpc>
+              <a:spcBef>
+                <a:spcPts val="0"/>
+              </a:spcBef>
+              <a:spcAft>
+                <a:spcPts val="0"/>
+              </a:spcAft>
+              <a:buClr>
+                <a:schemeClr val="dk1"/>
+              </a:buClr>
               <a:buSzPts val="1600"/>
+              <a:buFont typeface="Noto Sans Symbols"/>
               <a:buChar char="-"/>
             </a:pPr>
             <a:r>
-              <a:rPr lang="de"/>
+              <a:rPr b="0" i="0" lang="de" sz="1600" u="none" cap="none" strike="noStrike">
+                <a:solidFill>
+                  <a:schemeClr val="dk1"/>
+                </a:solidFill>
+                <a:latin typeface="Arial"/>
+                <a:ea typeface="Arial"/>
+                <a:cs typeface="Arial"/>
+                <a:sym typeface="Arial"/>
+              </a:rPr>
               <a:t>Optional: Umgehen von Case Sensitivität ("Anna" soll auch als Palindrom erkannt werden)</a:t>
             </a:r>
-            <a:endParaRPr/>
+            <a:endParaRPr b="0" i="0" sz="1600" u="none" cap="none" strike="noStrike">
+              <a:solidFill>
+                <a:schemeClr val="dk1"/>
+              </a:solidFill>
+              <a:latin typeface="Arial"/>
+              <a:ea typeface="Arial"/>
+              <a:cs typeface="Arial"/>
+              <a:sym typeface="Arial"/>
+            </a:endParaRPr>
           </a:p>
         </p:txBody>
       </p:sp>
@@ -11214,6 +12018,10 @@
           <a:prstGeom prst="rect">
             <a:avLst/>
           </a:prstGeom>
+          <a:noFill/>
+          <a:ln>
+            <a:noFill/>
+          </a:ln>
         </p:spPr>
         <p:txBody>
           <a:bodyPr anchorCtr="0" anchor="b" bIns="0" lIns="0" spcFirstLastPara="1" rIns="0" wrap="square" tIns="0">
@@ -11222,12 +12030,16 @@
           <a:lstStyle/>
           <a:p>
             <a:pPr indent="0" lvl="0" marL="0" rtl="0" algn="l">
-              <a:spcBef>
-                <a:spcPts val="0"/>
-              </a:spcBef>
-              <a:spcAft>
-                <a:spcPts val="0"/>
-              </a:spcAft>
+              <a:lnSpc>
+                <a:spcPct val="100000"/>
+              </a:lnSpc>
+              <a:spcBef>
+                <a:spcPts val="0"/>
+              </a:spcBef>
+              <a:spcAft>
+                <a:spcPts val="0"/>
+              </a:spcAft>
+              <a:buSzPts val="1400"/>
               <a:buNone/>
             </a:pPr>
             <a:r>
@@ -11254,6 +12066,10 @@
           <a:prstGeom prst="rect">
             <a:avLst/>
           </a:prstGeom>
+          <a:noFill/>
+          <a:ln>
+            <a:noFill/>
+          </a:ln>
         </p:spPr>
         <p:txBody>
           <a:bodyPr anchorCtr="0" anchor="t" bIns="0" lIns="0" spcFirstLastPara="1" rIns="0" wrap="square" tIns="0">
@@ -11261,7 +12077,10 @@
           </a:bodyPr>
           <a:lstStyle/>
           <a:p>
-            <a:pPr indent="-317500" lvl="0" marL="457200" rtl="0" algn="l">
+            <a:pPr indent="-317500" lvl="0" marL="457200" marR="0" rtl="0" algn="l">
+              <a:lnSpc>
+                <a:spcPct val="100000"/>
+              </a:lnSpc>
               <a:spcBef>
                 <a:spcPts val="320"/>
               </a:spcBef>
@@ -11272,106 +12091,230 @@
                 <a:schemeClr val="dk1"/>
               </a:buClr>
               <a:buSzPts val="1400"/>
+              <a:buFont typeface="Arial"/>
               <a:buChar char="●"/>
             </a:pPr>
             <a:r>
-              <a:rPr lang="de"/>
+              <a:rPr b="0" i="0" lang="de" sz="1600" u="none" cap="none" strike="noStrike">
+                <a:solidFill>
+                  <a:schemeClr val="dk1"/>
+                </a:solidFill>
+                <a:latin typeface="Arial"/>
+                <a:ea typeface="Arial"/>
+                <a:cs typeface="Arial"/>
+                <a:sym typeface="Arial"/>
+              </a:rPr>
               <a:t>Alternative 2: Primzahl-Detektor</a:t>
             </a:r>
-            <a:endParaRPr/>
+            <a:endParaRPr b="0" i="0" sz="1600" u="none" cap="none" strike="noStrike">
+              <a:solidFill>
+                <a:schemeClr val="dk1"/>
+              </a:solidFill>
+              <a:latin typeface="Arial"/>
+              <a:ea typeface="Arial"/>
+              <a:cs typeface="Arial"/>
+              <a:sym typeface="Arial"/>
+            </a:endParaRPr>
           </a:p>
           <a:p>
-            <a:pPr indent="-330200" lvl="1" marL="914400" rtl="0" algn="l">
-              <a:spcBef>
-                <a:spcPts val="0"/>
-              </a:spcBef>
-              <a:spcAft>
-                <a:spcPts val="0"/>
-              </a:spcAft>
+            <a:pPr indent="-330200" lvl="1" marL="914400" marR="0" rtl="0" algn="l">
+              <a:lnSpc>
+                <a:spcPct val="100000"/>
+              </a:lnSpc>
+              <a:spcBef>
+                <a:spcPts val="0"/>
+              </a:spcBef>
+              <a:spcAft>
+                <a:spcPts val="0"/>
+              </a:spcAft>
+              <a:buClr>
+                <a:schemeClr val="dk1"/>
+              </a:buClr>
               <a:buSzPts val="1600"/>
+              <a:buFont typeface="Noto Sans Symbols"/>
               <a:buChar char="-"/>
             </a:pPr>
             <a:r>
-              <a:rPr lang="de"/>
+              <a:rPr b="0" i="0" lang="de" sz="1600" u="none" cap="none" strike="noStrike">
+                <a:solidFill>
+                  <a:schemeClr val="dk1"/>
+                </a:solidFill>
+                <a:latin typeface="Arial"/>
+                <a:ea typeface="Arial"/>
+                <a:cs typeface="Arial"/>
+                <a:sym typeface="Arial"/>
+              </a:rPr>
               <a:t>Es soll dem Programm eine Zahl, entweder über Kommandozeilenparameter oder über die Scanner-Klasse übergeben werden können</a:t>
             </a:r>
-            <a:endParaRPr/>
+            <a:endParaRPr b="0" i="0" sz="1600" u="none" cap="none" strike="noStrike">
+              <a:solidFill>
+                <a:schemeClr val="dk1"/>
+              </a:solidFill>
+              <a:latin typeface="Arial"/>
+              <a:ea typeface="Arial"/>
+              <a:cs typeface="Arial"/>
+              <a:sym typeface="Arial"/>
+            </a:endParaRPr>
           </a:p>
           <a:p>
-            <a:pPr indent="-330200" lvl="1" marL="914400" rtl="0" algn="l">
-              <a:spcBef>
-                <a:spcPts val="0"/>
-              </a:spcBef>
-              <a:spcAft>
-                <a:spcPts val="0"/>
-              </a:spcAft>
+            <a:pPr indent="-330200" lvl="1" marL="914400" marR="0" rtl="0" algn="l">
+              <a:lnSpc>
+                <a:spcPct val="100000"/>
+              </a:lnSpc>
+              <a:spcBef>
+                <a:spcPts val="0"/>
+              </a:spcBef>
+              <a:spcAft>
+                <a:spcPts val="0"/>
+              </a:spcAft>
+              <a:buClr>
+                <a:schemeClr val="dk1"/>
+              </a:buClr>
               <a:buSzPts val="1600"/>
+              <a:buFont typeface="Noto Sans Symbols"/>
               <a:buChar char="-"/>
             </a:pPr>
             <a:r>
-              <a:rPr lang="de"/>
+              <a:rPr b="0" i="0" lang="de" sz="1600" u="none" cap="none" strike="noStrike">
+                <a:solidFill>
+                  <a:schemeClr val="dk1"/>
+                </a:solidFill>
+                <a:latin typeface="Arial"/>
+                <a:ea typeface="Arial"/>
+                <a:cs typeface="Arial"/>
+                <a:sym typeface="Arial"/>
+              </a:rPr>
               <a:t>Das Programm soll sich dann den Kommandozeilenparameter nehmen, testen, ob es eine Primzahl ist, und dementsprechend eine Kommandozeilenausgabe machen.</a:t>
             </a:r>
-            <a:endParaRPr/>
+            <a:endParaRPr b="0" i="0" sz="1600" u="none" cap="none" strike="noStrike">
+              <a:solidFill>
+                <a:schemeClr val="dk1"/>
+              </a:solidFill>
+              <a:latin typeface="Arial"/>
+              <a:ea typeface="Arial"/>
+              <a:cs typeface="Arial"/>
+              <a:sym typeface="Arial"/>
+            </a:endParaRPr>
           </a:p>
           <a:p>
-            <a:pPr indent="-330200" lvl="1" marL="914400" rtl="0" algn="l">
-              <a:spcBef>
-                <a:spcPts val="0"/>
-              </a:spcBef>
-              <a:spcAft>
-                <a:spcPts val="0"/>
-              </a:spcAft>
+            <a:pPr indent="-330200" lvl="1" marL="914400" marR="0" rtl="0" algn="l">
+              <a:lnSpc>
+                <a:spcPct val="100000"/>
+              </a:lnSpc>
+              <a:spcBef>
+                <a:spcPts val="0"/>
+              </a:spcBef>
+              <a:spcAft>
+                <a:spcPts val="0"/>
+              </a:spcAft>
+              <a:buClr>
+                <a:schemeClr val="dk1"/>
+              </a:buClr>
               <a:buSzPts val="1600"/>
+              <a:buFont typeface="Noto Sans Symbols"/>
               <a:buChar char="-"/>
             </a:pPr>
             <a:r>
-              <a:rPr lang="de"/>
-              <a:t>Das Testen der Primzahl soll eine Funktion einer weiteren von dir geschriebenen Klasse übernehmen </a:t>
+              <a:rPr b="0" i="0" lang="de" sz="1600" u="none" cap="none" strike="noStrike">
+                <a:solidFill>
+                  <a:schemeClr val="dk1"/>
+                </a:solidFill>
+                <a:latin typeface="Arial"/>
+                <a:ea typeface="Arial"/>
+                <a:cs typeface="Arial"/>
+                <a:sym typeface="Arial"/>
+              </a:rPr>
+              <a:t>Das Testen der Primzahl soll eine Funktion einer weiteren von dir geschriebenen Klasse übernehmen (analog zum showcase).</a:t>
             </a:r>
-            <a:r>
-              <a:rPr lang="de"/>
-              <a:t>(analog zum showcase)</a:t>
-            </a:r>
-            <a:r>
-              <a:rPr lang="de"/>
-              <a:t>.</a:t>
-            </a:r>
-            <a:endParaRPr/>
+            <a:endParaRPr b="0" i="0" sz="1600" u="none" cap="none" strike="noStrike">
+              <a:solidFill>
+                <a:schemeClr val="dk1"/>
+              </a:solidFill>
+              <a:latin typeface="Arial"/>
+              <a:ea typeface="Arial"/>
+              <a:cs typeface="Arial"/>
+              <a:sym typeface="Arial"/>
+            </a:endParaRPr>
           </a:p>
           <a:p>
-            <a:pPr indent="-330200" lvl="1" marL="914400" rtl="0" algn="l">
-              <a:spcBef>
-                <a:spcPts val="0"/>
-              </a:spcBef>
-              <a:spcAft>
-                <a:spcPts val="0"/>
-              </a:spcAft>
+            <a:pPr indent="-330200" lvl="1" marL="914400" marR="0" rtl="0" algn="l">
+              <a:lnSpc>
+                <a:spcPct val="100000"/>
+              </a:lnSpc>
+              <a:spcBef>
+                <a:spcPts val="0"/>
+              </a:spcBef>
+              <a:spcAft>
+                <a:spcPts val="0"/>
+              </a:spcAft>
+              <a:buClr>
+                <a:schemeClr val="dk1"/>
+              </a:buClr>
               <a:buSzPts val="1600"/>
+              <a:buFont typeface="Noto Sans Symbols"/>
               <a:buChar char="-"/>
             </a:pPr>
             <a:r>
-              <a:rPr lang="de"/>
+              <a:rPr b="0" i="0" lang="de" sz="1600" u="none" cap="none" strike="noStrike">
+                <a:solidFill>
+                  <a:schemeClr val="dk1"/>
+                </a:solidFill>
+                <a:latin typeface="Arial"/>
+                <a:ea typeface="Arial"/>
+                <a:cs typeface="Arial"/>
+                <a:sym typeface="Arial"/>
+              </a:rPr>
               <a:t>Hinweis: Primzahlen sind Zahlen, die nur durch 1 und sich selber restlos teilbar sind. 0 und 1 sind keine Primzahlen. Negative Zahlen sind per Definition keine Primzahlen.</a:t>
             </a:r>
-            <a:endParaRPr/>
+            <a:endParaRPr b="0" i="0" sz="1600" u="none" cap="none" strike="noStrike">
+              <a:solidFill>
+                <a:schemeClr val="dk1"/>
+              </a:solidFill>
+              <a:latin typeface="Arial"/>
+              <a:ea typeface="Arial"/>
+              <a:cs typeface="Arial"/>
+              <a:sym typeface="Arial"/>
+            </a:endParaRPr>
           </a:p>
           <a:p>
-            <a:pPr indent="-330200" lvl="1" marL="914400" rtl="0" algn="l">
-              <a:spcBef>
-                <a:spcPts val="0"/>
-              </a:spcBef>
-              <a:spcAft>
-                <a:spcPts val="0"/>
-              </a:spcAft>
+            <a:pPr indent="-330200" lvl="1" marL="914400" marR="0" rtl="0" algn="l">
+              <a:lnSpc>
+                <a:spcPct val="100000"/>
+              </a:lnSpc>
+              <a:spcBef>
+                <a:spcPts val="0"/>
+              </a:spcBef>
+              <a:spcAft>
+                <a:spcPts val="0"/>
+              </a:spcAft>
+              <a:buClr>
+                <a:schemeClr val="dk1"/>
+              </a:buClr>
               <a:buSzPts val="1600"/>
+              <a:buFont typeface="Noto Sans Symbols"/>
               <a:buChar char="-"/>
             </a:pPr>
             <a:r>
-              <a:rPr lang="de"/>
+              <a:rPr b="0" i="0" lang="de" sz="1600" u="none" cap="none" strike="noStrike">
+                <a:solidFill>
+                  <a:schemeClr val="dk1"/>
+                </a:solidFill>
+                <a:latin typeface="Arial"/>
+                <a:ea typeface="Arial"/>
+                <a:cs typeface="Arial"/>
+                <a:sym typeface="Arial"/>
+              </a:rPr>
               <a:t>Hinweis: Der Rest einer Division lässt sich mit dem Modulo (%) Operator berechnen</a:t>
             </a:r>
-            <a:endParaRPr/>
+            <a:endParaRPr b="0" i="0" sz="1600" u="none" cap="none" strike="noStrike">
+              <a:solidFill>
+                <a:schemeClr val="dk1"/>
+              </a:solidFill>
+              <a:latin typeface="Arial"/>
+              <a:ea typeface="Arial"/>
+              <a:cs typeface="Arial"/>
+              <a:sym typeface="Arial"/>
+            </a:endParaRPr>
           </a:p>
         </p:txBody>
       </p:sp>
@@ -11416,6 +12359,10 @@
           <a:prstGeom prst="rect">
             <a:avLst/>
           </a:prstGeom>
+          <a:noFill/>
+          <a:ln>
+            <a:noFill/>
+          </a:ln>
         </p:spPr>
         <p:txBody>
           <a:bodyPr anchorCtr="0" anchor="b" bIns="0" lIns="0" spcFirstLastPara="1" rIns="0" wrap="square" tIns="0">
@@ -11424,12 +12371,16 @@
           <a:lstStyle/>
           <a:p>
             <a:pPr indent="0" lvl="0" marL="0" rtl="0" algn="l">
-              <a:spcBef>
-                <a:spcPts val="0"/>
-              </a:spcBef>
-              <a:spcAft>
-                <a:spcPts val="0"/>
-              </a:spcAft>
+              <a:lnSpc>
+                <a:spcPct val="100000"/>
+              </a:lnSpc>
+              <a:spcBef>
+                <a:spcPts val="0"/>
+              </a:spcBef>
+              <a:spcAft>
+                <a:spcPts val="0"/>
+              </a:spcAft>
+              <a:buSzPts val="1400"/>
               <a:buNone/>
             </a:pPr>
             <a:r>
@@ -11456,6 +12407,10 @@
           <a:prstGeom prst="rect">
             <a:avLst/>
           </a:prstGeom>
+          <a:noFill/>
+          <a:ln>
+            <a:noFill/>
+          </a:ln>
         </p:spPr>
         <p:txBody>
           <a:bodyPr anchorCtr="0" anchor="t" bIns="0" lIns="0" spcFirstLastPara="1" rIns="0" wrap="square" tIns="0">
@@ -11463,121 +12418,299 @@
           </a:bodyPr>
           <a:lstStyle/>
           <a:p>
-            <a:pPr indent="-330200" lvl="0" marL="457200" rtl="0" algn="l">
+            <a:pPr indent="-330200" lvl="0" marL="457200" marR="0" rtl="0" algn="l">
+              <a:lnSpc>
+                <a:spcPct val="100000"/>
+              </a:lnSpc>
               <a:spcBef>
                 <a:spcPts val="320"/>
               </a:spcBef>
               <a:spcAft>
                 <a:spcPts val="0"/>
               </a:spcAft>
+              <a:buClr>
+                <a:srgbClr val="000000"/>
+              </a:buClr>
               <a:buSzPts val="1600"/>
+              <a:buFont typeface="Arial"/>
               <a:buAutoNum type="arabicPeriod"/>
             </a:pPr>
             <a:r>
-              <a:rPr lang="de"/>
+              <a:rPr b="0" i="0" lang="de" sz="1600" u="none" cap="none" strike="noStrike">
+                <a:solidFill>
+                  <a:schemeClr val="dk1"/>
+                </a:solidFill>
+                <a:latin typeface="Arial"/>
+                <a:ea typeface="Arial"/>
+                <a:cs typeface="Arial"/>
+                <a:sym typeface="Arial"/>
+              </a:rPr>
               <a:t>Funktionen</a:t>
             </a:r>
             <a:br>
-              <a:rPr lang="de"/>
+              <a:rPr b="0" i="0" lang="de" sz="1600" u="none" cap="none" strike="noStrike">
+                <a:solidFill>
+                  <a:schemeClr val="dk1"/>
+                </a:solidFill>
+                <a:latin typeface="Arial"/>
+                <a:ea typeface="Arial"/>
+                <a:cs typeface="Arial"/>
+                <a:sym typeface="Arial"/>
+              </a:rPr>
             </a:br>
-            <a:endParaRPr/>
+            <a:endParaRPr b="0" i="0" sz="1600" u="none" cap="none" strike="noStrike">
+              <a:solidFill>
+                <a:schemeClr val="dk1"/>
+              </a:solidFill>
+              <a:latin typeface="Arial"/>
+              <a:ea typeface="Arial"/>
+              <a:cs typeface="Arial"/>
+              <a:sym typeface="Arial"/>
+            </a:endParaRPr>
           </a:p>
           <a:p>
-            <a:pPr indent="-330200" lvl="0" marL="457200" rtl="0" algn="l">
-              <a:spcBef>
-                <a:spcPts val="0"/>
-              </a:spcBef>
-              <a:spcAft>
-                <a:spcPts val="0"/>
-              </a:spcAft>
+            <a:pPr indent="-330200" lvl="0" marL="457200" marR="0" rtl="0" algn="l">
+              <a:lnSpc>
+                <a:spcPct val="100000"/>
+              </a:lnSpc>
+              <a:spcBef>
+                <a:spcPts val="0"/>
+              </a:spcBef>
+              <a:spcAft>
+                <a:spcPts val="0"/>
+              </a:spcAft>
+              <a:buClr>
+                <a:srgbClr val="000000"/>
+              </a:buClr>
               <a:buSzPts val="1600"/>
+              <a:buFont typeface="Arial"/>
               <a:buAutoNum type="arabicPeriod"/>
             </a:pPr>
             <a:r>
-              <a:rPr lang="de"/>
+              <a:rPr b="0" i="0" lang="de" sz="1600" u="none" cap="none" strike="noStrike">
+                <a:solidFill>
+                  <a:schemeClr val="dk1"/>
+                </a:solidFill>
+                <a:latin typeface="Arial"/>
+                <a:ea typeface="Arial"/>
+                <a:cs typeface="Arial"/>
+                <a:sym typeface="Arial"/>
+              </a:rPr>
               <a:t>Klassen</a:t>
             </a:r>
             <a:br>
-              <a:rPr lang="de"/>
+              <a:rPr b="0" i="0" lang="de" sz="1600" u="none" cap="none" strike="noStrike">
+                <a:solidFill>
+                  <a:schemeClr val="dk1"/>
+                </a:solidFill>
+                <a:latin typeface="Arial"/>
+                <a:ea typeface="Arial"/>
+                <a:cs typeface="Arial"/>
+                <a:sym typeface="Arial"/>
+              </a:rPr>
             </a:br>
-            <a:endParaRPr/>
+            <a:endParaRPr b="0" i="0" sz="1600" u="none" cap="none" strike="noStrike">
+              <a:solidFill>
+                <a:schemeClr val="dk1"/>
+              </a:solidFill>
+              <a:latin typeface="Arial"/>
+              <a:ea typeface="Arial"/>
+              <a:cs typeface="Arial"/>
+              <a:sym typeface="Arial"/>
+            </a:endParaRPr>
           </a:p>
           <a:p>
-            <a:pPr indent="-330200" lvl="0" marL="457200" rtl="0" algn="l">
-              <a:spcBef>
-                <a:spcPts val="0"/>
-              </a:spcBef>
-              <a:spcAft>
-                <a:spcPts val="0"/>
-              </a:spcAft>
+            <a:pPr indent="-330200" lvl="0" marL="457200" marR="0" rtl="0" algn="l">
+              <a:lnSpc>
+                <a:spcPct val="100000"/>
+              </a:lnSpc>
+              <a:spcBef>
+                <a:spcPts val="0"/>
+              </a:spcBef>
+              <a:spcAft>
+                <a:spcPts val="0"/>
+              </a:spcAft>
+              <a:buClr>
+                <a:srgbClr val="000000"/>
+              </a:buClr>
               <a:buSzPts val="1600"/>
+              <a:buFont typeface="Arial"/>
               <a:buAutoNum type="arabicPeriod"/>
             </a:pPr>
             <a:r>
-              <a:rPr lang="de"/>
+              <a:rPr b="0" i="0" lang="de" sz="1600" u="none" cap="none" strike="noStrike">
+                <a:solidFill>
+                  <a:schemeClr val="dk1"/>
+                </a:solidFill>
+                <a:latin typeface="Arial"/>
+                <a:ea typeface="Arial"/>
+                <a:cs typeface="Arial"/>
+                <a:sym typeface="Arial"/>
+              </a:rPr>
               <a:t>Pakete</a:t>
             </a:r>
             <a:br>
-              <a:rPr lang="de"/>
+              <a:rPr b="0" i="0" lang="de" sz="1600" u="none" cap="none" strike="noStrike">
+                <a:solidFill>
+                  <a:schemeClr val="dk1"/>
+                </a:solidFill>
+                <a:latin typeface="Arial"/>
+                <a:ea typeface="Arial"/>
+                <a:cs typeface="Arial"/>
+                <a:sym typeface="Arial"/>
+              </a:rPr>
             </a:br>
-            <a:endParaRPr/>
+            <a:endParaRPr b="0" i="0" sz="1600" u="none" cap="none" strike="noStrike">
+              <a:solidFill>
+                <a:schemeClr val="dk1"/>
+              </a:solidFill>
+              <a:latin typeface="Arial"/>
+              <a:ea typeface="Arial"/>
+              <a:cs typeface="Arial"/>
+              <a:sym typeface="Arial"/>
+            </a:endParaRPr>
           </a:p>
           <a:p>
-            <a:pPr indent="-330200" lvl="0" marL="457200" rtl="0" algn="l">
-              <a:spcBef>
-                <a:spcPts val="0"/>
-              </a:spcBef>
-              <a:spcAft>
-                <a:spcPts val="0"/>
-              </a:spcAft>
+            <a:pPr indent="-330200" lvl="0" marL="457200" marR="0" rtl="0" algn="l">
+              <a:lnSpc>
+                <a:spcPct val="100000"/>
+              </a:lnSpc>
+              <a:spcBef>
+                <a:spcPts val="0"/>
+              </a:spcBef>
+              <a:spcAft>
+                <a:spcPts val="0"/>
+              </a:spcAft>
+              <a:buClr>
+                <a:srgbClr val="000000"/>
+              </a:buClr>
               <a:buSzPts val="1600"/>
+              <a:buFont typeface="Arial"/>
               <a:buAutoNum type="arabicPeriod"/>
             </a:pPr>
             <a:r>
-              <a:rPr lang="de"/>
+              <a:rPr b="0" i="0" lang="de" sz="1600" u="none" cap="none" strike="noStrike">
+                <a:solidFill>
+                  <a:schemeClr val="dk1"/>
+                </a:solidFill>
+                <a:latin typeface="Arial"/>
+                <a:ea typeface="Arial"/>
+                <a:cs typeface="Arial"/>
+                <a:sym typeface="Arial"/>
+              </a:rPr>
               <a:t>Zugriffsmodifikatoren</a:t>
             </a:r>
             <a:br>
-              <a:rPr lang="de"/>
+              <a:rPr b="0" i="0" lang="de" sz="1600" u="none" cap="none" strike="noStrike">
+                <a:solidFill>
+                  <a:schemeClr val="dk1"/>
+                </a:solidFill>
+                <a:latin typeface="Arial"/>
+                <a:ea typeface="Arial"/>
+                <a:cs typeface="Arial"/>
+                <a:sym typeface="Arial"/>
+              </a:rPr>
             </a:br>
-            <a:endParaRPr/>
+            <a:endParaRPr b="0" i="0" sz="1600" u="none" cap="none" strike="noStrike">
+              <a:solidFill>
+                <a:schemeClr val="dk1"/>
+              </a:solidFill>
+              <a:latin typeface="Arial"/>
+              <a:ea typeface="Arial"/>
+              <a:cs typeface="Arial"/>
+              <a:sym typeface="Arial"/>
+            </a:endParaRPr>
           </a:p>
           <a:p>
-            <a:pPr indent="-330200" lvl="0" marL="457200" rtl="0" algn="l">
-              <a:spcBef>
-                <a:spcPts val="0"/>
-              </a:spcBef>
-              <a:spcAft>
-                <a:spcPts val="0"/>
-              </a:spcAft>
+            <a:pPr indent="-330200" lvl="0" marL="457200" marR="0" rtl="0" algn="l">
+              <a:lnSpc>
+                <a:spcPct val="100000"/>
+              </a:lnSpc>
+              <a:spcBef>
+                <a:spcPts val="0"/>
+              </a:spcBef>
+              <a:spcAft>
+                <a:spcPts val="0"/>
+              </a:spcAft>
+              <a:buClr>
+                <a:srgbClr val="000000"/>
+              </a:buClr>
               <a:buSzPts val="1600"/>
+              <a:buFont typeface="Arial"/>
               <a:buAutoNum type="arabicPeriod"/>
             </a:pPr>
             <a:r>
-              <a:rPr lang="de"/>
+              <a:rPr b="0" i="0" lang="de" sz="1600" u="none" cap="none" strike="noStrike">
+                <a:solidFill>
+                  <a:schemeClr val="dk1"/>
+                </a:solidFill>
+                <a:latin typeface="Arial"/>
+                <a:ea typeface="Arial"/>
+                <a:cs typeface="Arial"/>
+                <a:sym typeface="Arial"/>
+              </a:rPr>
               <a:t>Fragen</a:t>
             </a:r>
             <a:br>
-              <a:rPr lang="de"/>
+              <a:rPr b="0" i="0" lang="de" sz="1600" u="none" cap="none" strike="noStrike">
+                <a:solidFill>
+                  <a:schemeClr val="dk1"/>
+                </a:solidFill>
+                <a:latin typeface="Arial"/>
+                <a:ea typeface="Arial"/>
+                <a:cs typeface="Arial"/>
+                <a:sym typeface="Arial"/>
+              </a:rPr>
             </a:br>
-            <a:endParaRPr/>
+            <a:endParaRPr b="0" i="0" sz="1600" u="none" cap="none" strike="noStrike">
+              <a:solidFill>
+                <a:schemeClr val="dk1"/>
+              </a:solidFill>
+              <a:latin typeface="Arial"/>
+              <a:ea typeface="Arial"/>
+              <a:cs typeface="Arial"/>
+              <a:sym typeface="Arial"/>
+            </a:endParaRPr>
           </a:p>
           <a:p>
-            <a:pPr indent="-330200" lvl="0" marL="457200" rtl="0" algn="l">
-              <a:spcBef>
-                <a:spcPts val="0"/>
-              </a:spcBef>
-              <a:spcAft>
-                <a:spcPts val="0"/>
-              </a:spcAft>
+            <a:pPr indent="-330200" lvl="0" marL="457200" marR="0" rtl="0" algn="l">
+              <a:lnSpc>
+                <a:spcPct val="100000"/>
+              </a:lnSpc>
+              <a:spcBef>
+                <a:spcPts val="0"/>
+              </a:spcBef>
+              <a:spcAft>
+                <a:spcPts val="0"/>
+              </a:spcAft>
+              <a:buClr>
+                <a:srgbClr val="000000"/>
+              </a:buClr>
               <a:buSzPts val="1600"/>
+              <a:buFont typeface="Arial"/>
               <a:buAutoNum type="arabicPeriod"/>
             </a:pPr>
             <a:r>
-              <a:rPr lang="de"/>
+              <a:rPr b="0" i="0" lang="de" sz="1600" u="none" cap="none" strike="noStrike">
+                <a:solidFill>
+                  <a:schemeClr val="dk1"/>
+                </a:solidFill>
+                <a:latin typeface="Arial"/>
+                <a:ea typeface="Arial"/>
+                <a:cs typeface="Arial"/>
+                <a:sym typeface="Arial"/>
+              </a:rPr>
               <a:t>Übungsaufgaben</a:t>
             </a:r>
-            <a:endParaRPr/>
+            <a:endParaRPr b="0" i="0" sz="1600" u="none" cap="none" strike="noStrike">
+              <a:solidFill>
+                <a:schemeClr val="dk1"/>
+              </a:solidFill>
+              <a:latin typeface="Arial"/>
+              <a:ea typeface="Arial"/>
+              <a:cs typeface="Arial"/>
+              <a:sym typeface="Arial"/>
+            </a:endParaRPr>
           </a:p>
         </p:txBody>
       </p:sp>
@@ -11622,6 +12755,10 @@
           <a:prstGeom prst="rect">
             <a:avLst/>
           </a:prstGeom>
+          <a:noFill/>
+          <a:ln>
+            <a:noFill/>
+          </a:ln>
         </p:spPr>
         <p:txBody>
           <a:bodyPr anchorCtr="0" anchor="b" bIns="0" lIns="0" spcFirstLastPara="1" rIns="0" wrap="square" tIns="0">
@@ -11630,6 +12767,9 @@
           <a:lstStyle/>
           <a:p>
             <a:pPr indent="-368300" lvl="0" marL="457200" rtl="0" algn="l">
+              <a:lnSpc>
+                <a:spcPct val="100000"/>
+              </a:lnSpc>
               <a:spcBef>
                 <a:spcPts val="0"/>
               </a:spcBef>
@@ -11663,6 +12803,10 @@
           <a:prstGeom prst="rect">
             <a:avLst/>
           </a:prstGeom>
+          <a:noFill/>
+          <a:ln>
+            <a:noFill/>
+          </a:ln>
         </p:spPr>
         <p:txBody>
           <a:bodyPr anchorCtr="0" anchor="t" bIns="0" lIns="0" spcFirstLastPara="1" rIns="0" wrap="square" tIns="0">
@@ -11670,141 +12814,350 @@
           </a:bodyPr>
           <a:lstStyle/>
           <a:p>
-            <a:pPr indent="-317500" lvl="0" marL="457200" rtl="0" algn="l">
+            <a:pPr indent="-317500" lvl="0" marL="457200" marR="0" rtl="0" algn="l">
+              <a:lnSpc>
+                <a:spcPct val="100000"/>
+              </a:lnSpc>
               <a:spcBef>
                 <a:spcPts val="320"/>
               </a:spcBef>
               <a:spcAft>
                 <a:spcPts val="0"/>
               </a:spcAft>
-              <a:buSzPts val="1400"/>
+              <a:buClr>
+                <a:srgbClr val="000000"/>
+              </a:buClr>
+              <a:buSzPts val="1400"/>
+              <a:buFont typeface="Arial"/>
               <a:buChar char="●"/>
             </a:pPr>
             <a:r>
-              <a:rPr lang="de"/>
+              <a:rPr b="0" i="0" lang="de" sz="1600" u="none" cap="none" strike="noStrike">
+                <a:solidFill>
+                  <a:schemeClr val="dk1"/>
+                </a:solidFill>
+                <a:latin typeface="Arial"/>
+                <a:ea typeface="Arial"/>
+                <a:cs typeface="Arial"/>
+                <a:sym typeface="Arial"/>
+              </a:rPr>
               <a:t>In Java kann man eigene Funktionen definieren und nutzen.</a:t>
             </a:r>
             <a:br>
-              <a:rPr lang="de"/>
+              <a:rPr b="0" i="0" lang="de" sz="1600" u="none" cap="none" strike="noStrike">
+                <a:solidFill>
+                  <a:schemeClr val="dk1"/>
+                </a:solidFill>
+                <a:latin typeface="Arial"/>
+                <a:ea typeface="Arial"/>
+                <a:cs typeface="Arial"/>
+                <a:sym typeface="Arial"/>
+              </a:rPr>
             </a:br>
-            <a:endParaRPr/>
+            <a:endParaRPr b="0" i="0" sz="1600" u="none" cap="none" strike="noStrike">
+              <a:solidFill>
+                <a:schemeClr val="dk1"/>
+              </a:solidFill>
+              <a:latin typeface="Arial"/>
+              <a:ea typeface="Arial"/>
+              <a:cs typeface="Arial"/>
+              <a:sym typeface="Arial"/>
+            </a:endParaRPr>
           </a:p>
           <a:p>
-            <a:pPr indent="-317500" lvl="0" marL="457200" rtl="0" algn="l">
-              <a:spcBef>
-                <a:spcPts val="0"/>
-              </a:spcBef>
-              <a:spcAft>
-                <a:spcPts val="0"/>
-              </a:spcAft>
-              <a:buSzPts val="1400"/>
+            <a:pPr indent="-317500" lvl="0" marL="457200" marR="0" rtl="0" algn="l">
+              <a:lnSpc>
+                <a:spcPct val="100000"/>
+              </a:lnSpc>
+              <a:spcBef>
+                <a:spcPts val="0"/>
+              </a:spcBef>
+              <a:spcAft>
+                <a:spcPts val="0"/>
+              </a:spcAft>
+              <a:buClr>
+                <a:srgbClr val="000000"/>
+              </a:buClr>
+              <a:buSzPts val="1400"/>
+              <a:buFont typeface="Arial"/>
               <a:buChar char="●"/>
             </a:pPr>
             <a:r>
-              <a:rPr lang="de"/>
+              <a:rPr b="0" i="0" lang="de" sz="1600" u="none" cap="none" strike="noStrike">
+                <a:solidFill>
+                  <a:schemeClr val="dk1"/>
+                </a:solidFill>
+                <a:latin typeface="Arial"/>
+                <a:ea typeface="Arial"/>
+                <a:cs typeface="Arial"/>
+                <a:sym typeface="Arial"/>
+              </a:rPr>
               <a:t>Funktionen sind abgegrenzte, aufrufbare Programmabschnitte</a:t>
             </a:r>
             <a:br>
-              <a:rPr lang="de"/>
+              <a:rPr b="0" i="0" lang="de" sz="1600" u="none" cap="none" strike="noStrike">
+                <a:solidFill>
+                  <a:schemeClr val="dk1"/>
+                </a:solidFill>
+                <a:latin typeface="Arial"/>
+                <a:ea typeface="Arial"/>
+                <a:cs typeface="Arial"/>
+                <a:sym typeface="Arial"/>
+              </a:rPr>
             </a:br>
-            <a:endParaRPr/>
+            <a:endParaRPr b="0" i="0" sz="1600" u="none" cap="none" strike="noStrike">
+              <a:solidFill>
+                <a:schemeClr val="dk1"/>
+              </a:solidFill>
+              <a:latin typeface="Arial"/>
+              <a:ea typeface="Arial"/>
+              <a:cs typeface="Arial"/>
+              <a:sym typeface="Arial"/>
+            </a:endParaRPr>
           </a:p>
           <a:p>
-            <a:pPr indent="-317500" lvl="0" marL="457200" rtl="0" algn="l">
-              <a:spcBef>
-                <a:spcPts val="0"/>
-              </a:spcBef>
-              <a:spcAft>
-                <a:spcPts val="0"/>
-              </a:spcAft>
-              <a:buSzPts val="1400"/>
+            <a:pPr indent="-317500" lvl="0" marL="457200" marR="0" rtl="0" algn="l">
+              <a:lnSpc>
+                <a:spcPct val="100000"/>
+              </a:lnSpc>
+              <a:spcBef>
+                <a:spcPts val="0"/>
+              </a:spcBef>
+              <a:spcAft>
+                <a:spcPts val="0"/>
+              </a:spcAft>
+              <a:buClr>
+                <a:srgbClr val="000000"/>
+              </a:buClr>
+              <a:buSzPts val="1400"/>
+              <a:buFont typeface="Arial"/>
               <a:buChar char="●"/>
             </a:pPr>
             <a:r>
-              <a:rPr lang="de"/>
+              <a:rPr b="0" i="0" lang="de" sz="1600" u="none" cap="none" strike="noStrike">
+                <a:solidFill>
+                  <a:schemeClr val="dk1"/>
+                </a:solidFill>
+                <a:latin typeface="Arial"/>
+                <a:ea typeface="Arial"/>
+                <a:cs typeface="Arial"/>
+                <a:sym typeface="Arial"/>
+              </a:rPr>
               <a:t>Vorteile sind unter anderem Übersichtlichkeit und Wiederverwendbarkeit</a:t>
             </a:r>
             <a:br>
-              <a:rPr lang="de"/>
+              <a:rPr b="0" i="0" lang="de" sz="1600" u="none" cap="none" strike="noStrike">
+                <a:solidFill>
+                  <a:schemeClr val="dk1"/>
+                </a:solidFill>
+                <a:latin typeface="Arial"/>
+                <a:ea typeface="Arial"/>
+                <a:cs typeface="Arial"/>
+                <a:sym typeface="Arial"/>
+              </a:rPr>
             </a:br>
-            <a:endParaRPr/>
+            <a:endParaRPr b="0" i="0" sz="1600" u="none" cap="none" strike="noStrike">
+              <a:solidFill>
+                <a:schemeClr val="dk1"/>
+              </a:solidFill>
+              <a:latin typeface="Arial"/>
+              <a:ea typeface="Arial"/>
+              <a:cs typeface="Arial"/>
+              <a:sym typeface="Arial"/>
+            </a:endParaRPr>
           </a:p>
           <a:p>
-            <a:pPr indent="-317500" lvl="0" marL="457200" rtl="0" algn="l">
-              <a:spcBef>
-                <a:spcPts val="0"/>
-              </a:spcBef>
-              <a:spcAft>
-                <a:spcPts val="0"/>
-              </a:spcAft>
-              <a:buSzPts val="1400"/>
+            <a:pPr indent="-317500" lvl="0" marL="457200" marR="0" rtl="0" algn="l">
+              <a:lnSpc>
+                <a:spcPct val="100000"/>
+              </a:lnSpc>
+              <a:spcBef>
+                <a:spcPts val="0"/>
+              </a:spcBef>
+              <a:spcAft>
+                <a:spcPts val="0"/>
+              </a:spcAft>
+              <a:buClr>
+                <a:srgbClr val="000000"/>
+              </a:buClr>
+              <a:buSzPts val="1400"/>
+              <a:buFont typeface="Arial"/>
               <a:buChar char="●"/>
             </a:pPr>
             <a:r>
-              <a:rPr lang="de"/>
+              <a:rPr b="0" i="0" lang="de" sz="1600" u="none" cap="none" strike="noStrike">
+                <a:solidFill>
+                  <a:schemeClr val="dk1"/>
+                </a:solidFill>
+                <a:latin typeface="Arial"/>
+                <a:ea typeface="Arial"/>
+                <a:cs typeface="Arial"/>
+                <a:sym typeface="Arial"/>
+              </a:rPr>
               <a:t>Funktionen können Parameter und einen Rückgabewert haben.</a:t>
             </a:r>
             <a:br>
-              <a:rPr lang="de"/>
+              <a:rPr b="0" i="0" lang="de" sz="1600" u="none" cap="none" strike="noStrike">
+                <a:solidFill>
+                  <a:schemeClr val="dk1"/>
+                </a:solidFill>
+                <a:latin typeface="Arial"/>
+                <a:ea typeface="Arial"/>
+                <a:cs typeface="Arial"/>
+                <a:sym typeface="Arial"/>
+              </a:rPr>
             </a:br>
-            <a:endParaRPr/>
+            <a:endParaRPr b="0" i="0" sz="1600" u="none" cap="none" strike="noStrike">
+              <a:solidFill>
+                <a:schemeClr val="dk1"/>
+              </a:solidFill>
+              <a:latin typeface="Arial"/>
+              <a:ea typeface="Arial"/>
+              <a:cs typeface="Arial"/>
+              <a:sym typeface="Arial"/>
+            </a:endParaRPr>
           </a:p>
           <a:p>
-            <a:pPr indent="-317500" lvl="0" marL="457200" rtl="0" algn="l">
-              <a:spcBef>
-                <a:spcPts val="0"/>
-              </a:spcBef>
-              <a:spcAft>
-                <a:spcPts val="0"/>
-              </a:spcAft>
-              <a:buSzPts val="1400"/>
+            <a:pPr indent="-317500" lvl="0" marL="457200" marR="0" rtl="0" algn="l">
+              <a:lnSpc>
+                <a:spcPct val="100000"/>
+              </a:lnSpc>
+              <a:spcBef>
+                <a:spcPts val="0"/>
+              </a:spcBef>
+              <a:spcAft>
+                <a:spcPts val="0"/>
+              </a:spcAft>
+              <a:buClr>
+                <a:srgbClr val="000000"/>
+              </a:buClr>
+              <a:buSzPts val="1400"/>
+              <a:buFont typeface="Arial"/>
               <a:buChar char="●"/>
             </a:pPr>
             <a:r>
-              <a:rPr lang="de"/>
+              <a:rPr b="0" i="0" lang="de" sz="1600" u="none" cap="none" strike="noStrike">
+                <a:solidFill>
+                  <a:schemeClr val="dk1"/>
+                </a:solidFill>
+                <a:latin typeface="Arial"/>
+                <a:ea typeface="Arial"/>
+                <a:cs typeface="Arial"/>
+                <a:sym typeface="Arial"/>
+              </a:rPr>
               <a:t>Rückgabetyp, falls die Funktion nichts zurückgeben soll: void</a:t>
             </a:r>
             <a:br>
-              <a:rPr lang="de"/>
+              <a:rPr b="0" i="0" lang="de" sz="1600" u="none" cap="none" strike="noStrike">
+                <a:solidFill>
+                  <a:schemeClr val="dk1"/>
+                </a:solidFill>
+                <a:latin typeface="Arial"/>
+                <a:ea typeface="Arial"/>
+                <a:cs typeface="Arial"/>
+                <a:sym typeface="Arial"/>
+              </a:rPr>
             </a:br>
-            <a:endParaRPr/>
+            <a:endParaRPr b="0" i="0" sz="1600" u="none" cap="none" strike="noStrike">
+              <a:solidFill>
+                <a:schemeClr val="dk1"/>
+              </a:solidFill>
+              <a:latin typeface="Arial"/>
+              <a:ea typeface="Arial"/>
+              <a:cs typeface="Arial"/>
+              <a:sym typeface="Arial"/>
+            </a:endParaRPr>
           </a:p>
           <a:p>
-            <a:pPr indent="-317500" lvl="0" marL="457200" rtl="0" algn="l">
-              <a:spcBef>
-                <a:spcPts val="0"/>
-              </a:spcBef>
-              <a:spcAft>
-                <a:spcPts val="0"/>
-              </a:spcAft>
-              <a:buSzPts val="1400"/>
+            <a:pPr indent="-317500" lvl="0" marL="457200" marR="0" rtl="0" algn="l">
+              <a:lnSpc>
+                <a:spcPct val="100000"/>
+              </a:lnSpc>
+              <a:spcBef>
+                <a:spcPts val="0"/>
+              </a:spcBef>
+              <a:spcAft>
+                <a:spcPts val="0"/>
+              </a:spcAft>
+              <a:buClr>
+                <a:srgbClr val="000000"/>
+              </a:buClr>
+              <a:buSzPts val="1400"/>
+              <a:buFont typeface="Arial"/>
               <a:buChar char="●"/>
             </a:pPr>
             <a:r>
-              <a:rPr lang="de"/>
+              <a:rPr b="0" i="0" lang="de" sz="1600" u="none" cap="none" strike="noStrike">
+                <a:solidFill>
+                  <a:schemeClr val="dk1"/>
+                </a:solidFill>
+                <a:latin typeface="Arial"/>
+                <a:ea typeface="Arial"/>
+                <a:cs typeface="Arial"/>
+                <a:sym typeface="Arial"/>
+              </a:rPr>
               <a:t>Die main-Funktion ist auch eine Funktion, die vom Java Interpreter aufgerufen wird.</a:t>
             </a:r>
             <a:br>
-              <a:rPr lang="de"/>
+              <a:rPr b="0" i="0" lang="de" sz="1600" u="none" cap="none" strike="noStrike">
+                <a:solidFill>
+                  <a:schemeClr val="dk1"/>
+                </a:solidFill>
+                <a:latin typeface="Arial"/>
+                <a:ea typeface="Arial"/>
+                <a:cs typeface="Arial"/>
+                <a:sym typeface="Arial"/>
+              </a:rPr>
             </a:br>
-            <a:endParaRPr/>
+            <a:endParaRPr b="0" i="0" sz="1600" u="none" cap="none" strike="noStrike">
+              <a:solidFill>
+                <a:schemeClr val="dk1"/>
+              </a:solidFill>
+              <a:latin typeface="Arial"/>
+              <a:ea typeface="Arial"/>
+              <a:cs typeface="Arial"/>
+              <a:sym typeface="Arial"/>
+            </a:endParaRPr>
           </a:p>
           <a:p>
-            <a:pPr indent="-317500" lvl="0" marL="457200" rtl="0" algn="l">
-              <a:spcBef>
-                <a:spcPts val="0"/>
-              </a:spcBef>
-              <a:spcAft>
-                <a:spcPts val="0"/>
-              </a:spcAft>
-              <a:buSzPts val="1400"/>
+            <a:pPr indent="-317500" lvl="0" marL="457200" marR="0" rtl="0" algn="l">
+              <a:lnSpc>
+                <a:spcPct val="100000"/>
+              </a:lnSpc>
+              <a:spcBef>
+                <a:spcPts val="0"/>
+              </a:spcBef>
+              <a:spcAft>
+                <a:spcPts val="0"/>
+              </a:spcAft>
+              <a:buClr>
+                <a:srgbClr val="000000"/>
+              </a:buClr>
+              <a:buSzPts val="1400"/>
+              <a:buFont typeface="Arial"/>
               <a:buChar char="●"/>
             </a:pPr>
             <a:r>
-              <a:rPr lang="de"/>
+              <a:rPr b="0" i="0" lang="de" sz="1600" u="none" cap="none" strike="noStrike">
+                <a:solidFill>
+                  <a:schemeClr val="dk1"/>
+                </a:solidFill>
+                <a:latin typeface="Arial"/>
+                <a:ea typeface="Arial"/>
+                <a:cs typeface="Arial"/>
+                <a:sym typeface="Arial"/>
+              </a:rPr>
               <a:t>Funktionen können wiederum andere Funktionen aufrufen</a:t>
             </a:r>
-            <a:endParaRPr/>
+            <a:endParaRPr b="0" i="0" sz="1600" u="none" cap="none" strike="noStrike">
+              <a:solidFill>
+                <a:schemeClr val="dk1"/>
+              </a:solidFill>
+              <a:latin typeface="Arial"/>
+              <a:ea typeface="Arial"/>
+              <a:cs typeface="Arial"/>
+              <a:sym typeface="Arial"/>
+            </a:endParaRPr>
           </a:p>
         </p:txBody>
       </p:sp>
@@ -11839,13 +13192,12 @@
           <p:cNvPicPr preferRelativeResize="0"/>
           <p:nvPr/>
         </p:nvPicPr>
-        <p:blipFill>
+        <p:blipFill rotWithShape="1">
           <a:blip r:embed="rId3">
             <a:alphaModFix/>
           </a:blip>
-          <a:stretch>
-            <a:fillRect/>
-          </a:stretch>
+          <a:srcRect b="0" l="0" r="0" t="0"/>
+          <a:stretch/>
         </p:blipFill>
         <p:spPr>
           <a:xfrm>
@@ -11877,6 +13229,10 @@
           <a:prstGeom prst="rect">
             <a:avLst/>
           </a:prstGeom>
+          <a:noFill/>
+          <a:ln>
+            <a:noFill/>
+          </a:ln>
         </p:spPr>
         <p:txBody>
           <a:bodyPr anchorCtr="0" anchor="b" bIns="0" lIns="0" spcFirstLastPara="1" rIns="0" wrap="square" tIns="0">
@@ -11885,6 +13241,9 @@
           <a:lstStyle/>
           <a:p>
             <a:pPr indent="-368300" lvl="0" marL="457200" rtl="0" algn="l">
+              <a:lnSpc>
+                <a:spcPct val="100000"/>
+              </a:lnSpc>
               <a:spcBef>
                 <a:spcPts val="0"/>
               </a:spcBef>
@@ -11927,20 +13286,44 @@
           </a:bodyPr>
           <a:lstStyle/>
           <a:p>
-            <a:pPr indent="0" lvl="0" marL="0" rtl="0" algn="l">
-              <a:spcBef>
-                <a:spcPts val="0"/>
-              </a:spcBef>
-              <a:spcAft>
-                <a:spcPts val="0"/>
-              </a:spcAft>
+            <a:pPr indent="0" lvl="0" marL="0" marR="0" rtl="0" algn="l">
+              <a:lnSpc>
+                <a:spcPct val="100000"/>
+              </a:lnSpc>
+              <a:spcBef>
+                <a:spcPts val="0"/>
+              </a:spcBef>
+              <a:spcAft>
+                <a:spcPts val="0"/>
+              </a:spcAft>
+              <a:buClr>
+                <a:srgbClr val="000000"/>
+              </a:buClr>
+              <a:buSzPts val="1400"/>
+              <a:buFont typeface="Arial"/>
               <a:buNone/>
             </a:pPr>
             <a:r>
-              <a:rPr lang="de"/>
+              <a:rPr b="0" i="0" lang="de" sz="1400" u="none" cap="none" strike="noStrike">
+                <a:solidFill>
+                  <a:srgbClr val="000000"/>
+                </a:solidFill>
+                <a:latin typeface="Arial"/>
+                <a:ea typeface="Arial"/>
+                <a:cs typeface="Arial"/>
+                <a:sym typeface="Arial"/>
+              </a:rPr>
               <a:t>Rückgabetyp</a:t>
             </a:r>
-            <a:endParaRPr/>
+            <a:endParaRPr b="0" i="0" sz="1400" u="none" cap="none" strike="noStrike">
+              <a:solidFill>
+                <a:srgbClr val="000000"/>
+              </a:solidFill>
+              <a:latin typeface="Arial"/>
+              <a:ea typeface="Arial"/>
+              <a:cs typeface="Arial"/>
+              <a:sym typeface="Arial"/>
+            </a:endParaRPr>
           </a:p>
         </p:txBody>
       </p:sp>
@@ -11969,20 +13352,44 @@
           </a:bodyPr>
           <a:lstStyle/>
           <a:p>
-            <a:pPr indent="0" lvl="0" marL="0" rtl="0" algn="l">
-              <a:spcBef>
-                <a:spcPts val="0"/>
-              </a:spcBef>
-              <a:spcAft>
-                <a:spcPts val="0"/>
-              </a:spcAft>
+            <a:pPr indent="0" lvl="0" marL="0" marR="0" rtl="0" algn="l">
+              <a:lnSpc>
+                <a:spcPct val="100000"/>
+              </a:lnSpc>
+              <a:spcBef>
+                <a:spcPts val="0"/>
+              </a:spcBef>
+              <a:spcAft>
+                <a:spcPts val="0"/>
+              </a:spcAft>
+              <a:buClr>
+                <a:srgbClr val="000000"/>
+              </a:buClr>
+              <a:buSzPts val="1400"/>
+              <a:buFont typeface="Arial"/>
               <a:buNone/>
             </a:pPr>
             <a:r>
-              <a:rPr lang="de"/>
+              <a:rPr b="0" i="0" lang="de" sz="1400" u="none" cap="none" strike="noStrike">
+                <a:solidFill>
+                  <a:srgbClr val="000000"/>
+                </a:solidFill>
+                <a:latin typeface="Arial"/>
+                <a:ea typeface="Arial"/>
+                <a:cs typeface="Arial"/>
+                <a:sym typeface="Arial"/>
+              </a:rPr>
               <a:t>Parameter</a:t>
             </a:r>
-            <a:endParaRPr/>
+            <a:endParaRPr b="0" i="0" sz="1400" u="none" cap="none" strike="noStrike">
+              <a:solidFill>
+                <a:srgbClr val="000000"/>
+              </a:solidFill>
+              <a:latin typeface="Arial"/>
+              <a:ea typeface="Arial"/>
+              <a:cs typeface="Arial"/>
+              <a:sym typeface="Arial"/>
+            </a:endParaRPr>
           </a:p>
         </p:txBody>
       </p:sp>
@@ -12011,20 +13418,44 @@
           </a:bodyPr>
           <a:lstStyle/>
           <a:p>
-            <a:pPr indent="0" lvl="0" marL="0" rtl="0" algn="l">
-              <a:spcBef>
-                <a:spcPts val="0"/>
-              </a:spcBef>
-              <a:spcAft>
-                <a:spcPts val="0"/>
-              </a:spcAft>
+            <a:pPr indent="0" lvl="0" marL="0" marR="0" rtl="0" algn="l">
+              <a:lnSpc>
+                <a:spcPct val="100000"/>
+              </a:lnSpc>
+              <a:spcBef>
+                <a:spcPts val="0"/>
+              </a:spcBef>
+              <a:spcAft>
+                <a:spcPts val="0"/>
+              </a:spcAft>
+              <a:buClr>
+                <a:srgbClr val="000000"/>
+              </a:buClr>
+              <a:buSzPts val="1400"/>
+              <a:buFont typeface="Arial"/>
               <a:buNone/>
             </a:pPr>
             <a:r>
-              <a:rPr lang="de"/>
+              <a:rPr b="0" i="0" lang="de" sz="1400" u="none" cap="none" strike="noStrike">
+                <a:solidFill>
+                  <a:srgbClr val="000000"/>
+                </a:solidFill>
+                <a:latin typeface="Arial"/>
+                <a:ea typeface="Arial"/>
+                <a:cs typeface="Arial"/>
+                <a:sym typeface="Arial"/>
+              </a:rPr>
               <a:t>Funktionsname</a:t>
             </a:r>
-            <a:endParaRPr/>
+            <a:endParaRPr b="0" i="0" sz="1400" u="none" cap="none" strike="noStrike">
+              <a:solidFill>
+                <a:srgbClr val="000000"/>
+              </a:solidFill>
+              <a:latin typeface="Arial"/>
+              <a:ea typeface="Arial"/>
+              <a:cs typeface="Arial"/>
+              <a:sym typeface="Arial"/>
+            </a:endParaRPr>
           </a:p>
         </p:txBody>
       </p:sp>
@@ -12053,20 +13484,44 @@
           </a:bodyPr>
           <a:lstStyle/>
           <a:p>
-            <a:pPr indent="0" lvl="0" marL="0" rtl="0" algn="l">
-              <a:spcBef>
-                <a:spcPts val="0"/>
-              </a:spcBef>
-              <a:spcAft>
-                <a:spcPts val="0"/>
-              </a:spcAft>
+            <a:pPr indent="0" lvl="0" marL="0" marR="0" rtl="0" algn="l">
+              <a:lnSpc>
+                <a:spcPct val="100000"/>
+              </a:lnSpc>
+              <a:spcBef>
+                <a:spcPts val="0"/>
+              </a:spcBef>
+              <a:spcAft>
+                <a:spcPts val="0"/>
+              </a:spcAft>
+              <a:buClr>
+                <a:srgbClr val="000000"/>
+              </a:buClr>
+              <a:buSzPts val="1400"/>
+              <a:buFont typeface="Arial"/>
               <a:buNone/>
             </a:pPr>
             <a:r>
-              <a:rPr lang="de"/>
+              <a:rPr b="0" i="0" lang="de" sz="1400" u="none" cap="none" strike="noStrike">
+                <a:solidFill>
+                  <a:srgbClr val="000000"/>
+                </a:solidFill>
+                <a:latin typeface="Arial"/>
+                <a:ea typeface="Arial"/>
+                <a:cs typeface="Arial"/>
+                <a:sym typeface="Arial"/>
+              </a:rPr>
               <a:t>Rückgabe (muss vom Typ dem Rückgabetyp entsprechen)</a:t>
             </a:r>
-            <a:endParaRPr/>
+            <a:endParaRPr b="0" i="0" sz="1400" u="none" cap="none" strike="noStrike">
+              <a:solidFill>
+                <a:srgbClr val="000000"/>
+              </a:solidFill>
+              <a:latin typeface="Arial"/>
+              <a:ea typeface="Arial"/>
+              <a:cs typeface="Arial"/>
+              <a:sym typeface="Arial"/>
+            </a:endParaRPr>
           </a:p>
         </p:txBody>
       </p:sp>
@@ -12108,10 +13563,31 @@
             </a:solidFill>
             <a:prstDash val="solid"/>
             <a:round/>
-            <a:headEnd len="med" w="med" type="none"/>
-            <a:tailEnd len="med" w="med" type="triangle"/>
+            <a:headEnd len="sm" w="sm" type="none"/>
+            <a:tailEnd len="sm" w="sm" type="none"/>
           </a:ln>
         </p:spPr>
+        <p:txBody>
+          <a:bodyPr anchorCtr="0" anchor="ctr" bIns="91425" lIns="91425" spcFirstLastPara="1" rIns="91425" wrap="square" tIns="91425">
+            <a:noAutofit/>
+          </a:bodyPr>
+          <a:lstStyle/>
+          <a:p>
+            <a:pPr indent="0" lvl="0" marL="0" rtl="0" algn="l">
+              <a:spcBef>
+                <a:spcPts val="0"/>
+              </a:spcBef>
+              <a:spcAft>
+                <a:spcPts val="0"/>
+              </a:spcAft>
+              <a:buNone/>
+            </a:pPr>
+            <a:r>
+              <a:t/>
+            </a:r>
+            <a:endParaRPr/>
+          </a:p>
+        </p:txBody>
       </p:sp>
       <p:sp>
         <p:nvSpPr>
@@ -12151,10 +13627,31 @@
             </a:solidFill>
             <a:prstDash val="solid"/>
             <a:round/>
-            <a:headEnd len="med" w="med" type="none"/>
-            <a:tailEnd len="med" w="med" type="triangle"/>
+            <a:headEnd len="sm" w="sm" type="none"/>
+            <a:tailEnd len="sm" w="sm" type="none"/>
           </a:ln>
         </p:spPr>
+        <p:txBody>
+          <a:bodyPr anchorCtr="0" anchor="ctr" bIns="91425" lIns="91425" spcFirstLastPara="1" rIns="91425" wrap="square" tIns="91425">
+            <a:noAutofit/>
+          </a:bodyPr>
+          <a:lstStyle/>
+          <a:p>
+            <a:pPr indent="0" lvl="0" marL="0" rtl="0" algn="l">
+              <a:spcBef>
+                <a:spcPts val="0"/>
+              </a:spcBef>
+              <a:spcAft>
+                <a:spcPts val="0"/>
+              </a:spcAft>
+              <a:buNone/>
+            </a:pPr>
+            <a:r>
+              <a:t/>
+            </a:r>
+            <a:endParaRPr/>
+          </a:p>
+        </p:txBody>
       </p:sp>
       <p:sp>
         <p:nvSpPr>
@@ -12199,10 +13696,31 @@
             </a:solidFill>
             <a:prstDash val="solid"/>
             <a:round/>
-            <a:headEnd len="med" w="med" type="none"/>
-            <a:tailEnd len="med" w="med" type="triangle"/>
+            <a:headEnd len="sm" w="sm" type="none"/>
+            <a:tailEnd len="sm" w="sm" type="none"/>
           </a:ln>
         </p:spPr>
+        <p:txBody>
+          <a:bodyPr anchorCtr="0" anchor="ctr" bIns="91425" lIns="91425" spcFirstLastPara="1" rIns="91425" wrap="square" tIns="91425">
+            <a:noAutofit/>
+          </a:bodyPr>
+          <a:lstStyle/>
+          <a:p>
+            <a:pPr indent="0" lvl="0" marL="0" rtl="0" algn="l">
+              <a:spcBef>
+                <a:spcPts val="0"/>
+              </a:spcBef>
+              <a:spcAft>
+                <a:spcPts val="0"/>
+              </a:spcAft>
+              <a:buNone/>
+            </a:pPr>
+            <a:r>
+              <a:t/>
+            </a:r>
+            <a:endParaRPr/>
+          </a:p>
+        </p:txBody>
       </p:sp>
       <p:sp>
         <p:nvSpPr>
@@ -12242,10 +13760,31 @@
             </a:solidFill>
             <a:prstDash val="solid"/>
             <a:round/>
-            <a:headEnd len="med" w="med" type="none"/>
-            <a:tailEnd len="med" w="med" type="triangle"/>
+            <a:headEnd len="sm" w="sm" type="none"/>
+            <a:tailEnd len="sm" w="sm" type="none"/>
           </a:ln>
         </p:spPr>
+        <p:txBody>
+          <a:bodyPr anchorCtr="0" anchor="ctr" bIns="91425" lIns="91425" spcFirstLastPara="1" rIns="91425" wrap="square" tIns="91425">
+            <a:noAutofit/>
+          </a:bodyPr>
+          <a:lstStyle/>
+          <a:p>
+            <a:pPr indent="0" lvl="0" marL="0" rtl="0" algn="l">
+              <a:spcBef>
+                <a:spcPts val="0"/>
+              </a:spcBef>
+              <a:spcAft>
+                <a:spcPts val="0"/>
+              </a:spcAft>
+              <a:buNone/>
+            </a:pPr>
+            <a:r>
+              <a:t/>
+            </a:r>
+            <a:endParaRPr/>
+          </a:p>
+        </p:txBody>
       </p:sp>
       <p:sp>
         <p:nvSpPr>
@@ -12282,10 +13821,31 @@
             </a:solidFill>
             <a:prstDash val="solid"/>
             <a:round/>
-            <a:headEnd len="med" w="med" type="none"/>
-            <a:tailEnd len="med" w="med" type="triangle"/>
+            <a:headEnd len="sm" w="sm" type="none"/>
+            <a:tailEnd len="sm" w="sm" type="none"/>
           </a:ln>
         </p:spPr>
+        <p:txBody>
+          <a:bodyPr anchorCtr="0" anchor="ctr" bIns="91425" lIns="91425" spcFirstLastPara="1" rIns="91425" wrap="square" tIns="91425">
+            <a:noAutofit/>
+          </a:bodyPr>
+          <a:lstStyle/>
+          <a:p>
+            <a:pPr indent="0" lvl="0" marL="0" rtl="0" algn="l">
+              <a:spcBef>
+                <a:spcPts val="0"/>
+              </a:spcBef>
+              <a:spcAft>
+                <a:spcPts val="0"/>
+              </a:spcAft>
+              <a:buNone/>
+            </a:pPr>
+            <a:r>
+              <a:t/>
+            </a:r>
+            <a:endParaRPr/>
+          </a:p>
+        </p:txBody>
       </p:sp>
     </p:spTree>
   </p:cSld>
@@ -12328,6 +13888,10 @@
           <a:prstGeom prst="rect">
             <a:avLst/>
           </a:prstGeom>
+          <a:noFill/>
+          <a:ln>
+            <a:noFill/>
+          </a:ln>
         </p:spPr>
         <p:txBody>
           <a:bodyPr anchorCtr="0" anchor="b" bIns="0" lIns="0" spcFirstLastPara="1" rIns="0" wrap="square" tIns="0">
@@ -12336,6 +13900,9 @@
           <a:lstStyle/>
           <a:p>
             <a:pPr indent="-368300" lvl="0" marL="457200" rtl="0" algn="l">
+              <a:lnSpc>
+                <a:spcPct val="100000"/>
+              </a:lnSpc>
               <a:spcBef>
                 <a:spcPts val="0"/>
               </a:spcBef>
@@ -12369,6 +13936,10 @@
           <a:prstGeom prst="rect">
             <a:avLst/>
           </a:prstGeom>
+          <a:noFill/>
+          <a:ln>
+            <a:noFill/>
+          </a:ln>
         </p:spPr>
         <p:txBody>
           <a:bodyPr anchorCtr="0" anchor="t" bIns="0" lIns="0" spcFirstLastPara="1" rIns="0" wrap="square" tIns="0">
@@ -12376,127 +13947,279 @@
           </a:bodyPr>
           <a:lstStyle/>
           <a:p>
-            <a:pPr indent="0" lvl="0" marL="0" rtl="0" algn="l">
+            <a:pPr indent="0" lvl="0" marL="0" marR="0" rtl="0" algn="l">
+              <a:lnSpc>
+                <a:spcPct val="100000"/>
+              </a:lnSpc>
               <a:spcBef>
                 <a:spcPts val="320"/>
               </a:spcBef>
               <a:spcAft>
                 <a:spcPts val="0"/>
               </a:spcAft>
+              <a:buClr>
+                <a:srgbClr val="000000"/>
+              </a:buClr>
+              <a:buSzPts val="1400"/>
+              <a:buFont typeface="Arial"/>
               <a:buNone/>
             </a:pPr>
             <a:r>
-              <a:rPr lang="de"/>
+              <a:rPr b="0" i="0" lang="de" sz="1600" u="none" cap="none" strike="noStrike">
+                <a:solidFill>
+                  <a:schemeClr val="dk1"/>
+                </a:solidFill>
+                <a:latin typeface="Arial"/>
+                <a:ea typeface="Arial"/>
+                <a:cs typeface="Arial"/>
+                <a:sym typeface="Arial"/>
+              </a:rPr>
               <a:t>Funktionen lassen sich dann von überall aufrufen, wo die Funktionen sichtbar sind (dazu später mehr).</a:t>
             </a:r>
-            <a:endParaRPr/>
+            <a:endParaRPr b="0" i="0" sz="1600" u="none" cap="none" strike="noStrike">
+              <a:solidFill>
+                <a:schemeClr val="dk1"/>
+              </a:solidFill>
+              <a:latin typeface="Arial"/>
+              <a:ea typeface="Arial"/>
+              <a:cs typeface="Arial"/>
+              <a:sym typeface="Arial"/>
+            </a:endParaRPr>
           </a:p>
           <a:p>
-            <a:pPr indent="0" lvl="0" marL="0" rtl="0" algn="l">
+            <a:pPr indent="0" lvl="0" marL="0" marR="0" rtl="0" algn="l">
+              <a:lnSpc>
+                <a:spcPct val="100000"/>
+              </a:lnSpc>
               <a:spcBef>
                 <a:spcPts val="320"/>
               </a:spcBef>
               <a:spcAft>
                 <a:spcPts val="0"/>
               </a:spcAft>
+              <a:buClr>
+                <a:srgbClr val="000000"/>
+              </a:buClr>
+              <a:buSzPts val="1400"/>
+              <a:buFont typeface="Arial"/>
               <a:buNone/>
             </a:pPr>
             <a:r>
               <a:t/>
             </a:r>
-            <a:endParaRPr/>
+            <a:endParaRPr b="0" i="0" sz="1600" u="none" cap="none" strike="noStrike">
+              <a:solidFill>
+                <a:schemeClr val="dk1"/>
+              </a:solidFill>
+              <a:latin typeface="Arial"/>
+              <a:ea typeface="Arial"/>
+              <a:cs typeface="Arial"/>
+              <a:sym typeface="Arial"/>
+            </a:endParaRPr>
           </a:p>
           <a:p>
-            <a:pPr indent="0" lvl="0" marL="0" rtl="0" algn="l">
+            <a:pPr indent="0" lvl="0" marL="0" marR="0" rtl="0" algn="l">
+              <a:lnSpc>
+                <a:spcPct val="100000"/>
+              </a:lnSpc>
               <a:spcBef>
                 <a:spcPts val="320"/>
               </a:spcBef>
               <a:spcAft>
                 <a:spcPts val="0"/>
               </a:spcAft>
+              <a:buClr>
+                <a:srgbClr val="000000"/>
+              </a:buClr>
+              <a:buSzPts val="1400"/>
+              <a:buFont typeface="Arial"/>
               <a:buNone/>
             </a:pPr>
             <a:r>
               <a:t/>
             </a:r>
-            <a:endParaRPr/>
+            <a:endParaRPr b="0" i="0" sz="1600" u="none" cap="none" strike="noStrike">
+              <a:solidFill>
+                <a:schemeClr val="dk1"/>
+              </a:solidFill>
+              <a:latin typeface="Arial"/>
+              <a:ea typeface="Arial"/>
+              <a:cs typeface="Arial"/>
+              <a:sym typeface="Arial"/>
+            </a:endParaRPr>
           </a:p>
           <a:p>
-            <a:pPr indent="0" lvl="0" marL="0" rtl="0" algn="l">
+            <a:pPr indent="0" lvl="0" marL="0" marR="0" rtl="0" algn="l">
+              <a:lnSpc>
+                <a:spcPct val="100000"/>
+              </a:lnSpc>
               <a:spcBef>
                 <a:spcPts val="320"/>
               </a:spcBef>
               <a:spcAft>
                 <a:spcPts val="0"/>
               </a:spcAft>
+              <a:buClr>
+                <a:srgbClr val="000000"/>
+              </a:buClr>
+              <a:buSzPts val="1400"/>
+              <a:buFont typeface="Arial"/>
               <a:buNone/>
             </a:pPr>
             <a:r>
               <a:t/>
             </a:r>
-            <a:endParaRPr/>
+            <a:endParaRPr b="0" i="0" sz="1600" u="none" cap="none" strike="noStrike">
+              <a:solidFill>
+                <a:schemeClr val="dk1"/>
+              </a:solidFill>
+              <a:latin typeface="Arial"/>
+              <a:ea typeface="Arial"/>
+              <a:cs typeface="Arial"/>
+              <a:sym typeface="Arial"/>
+            </a:endParaRPr>
           </a:p>
           <a:p>
-            <a:pPr indent="0" lvl="0" marL="0" rtl="0" algn="l">
+            <a:pPr indent="0" lvl="0" marL="0" marR="0" rtl="0" algn="l">
+              <a:lnSpc>
+                <a:spcPct val="100000"/>
+              </a:lnSpc>
               <a:spcBef>
                 <a:spcPts val="320"/>
               </a:spcBef>
               <a:spcAft>
                 <a:spcPts val="0"/>
               </a:spcAft>
+              <a:buClr>
+                <a:srgbClr val="000000"/>
+              </a:buClr>
+              <a:buSzPts val="1400"/>
+              <a:buFont typeface="Arial"/>
               <a:buNone/>
             </a:pPr>
             <a:r>
               <a:t/>
             </a:r>
-            <a:endParaRPr/>
+            <a:endParaRPr b="0" i="0" sz="1600" u="none" cap="none" strike="noStrike">
+              <a:solidFill>
+                <a:schemeClr val="dk1"/>
+              </a:solidFill>
+              <a:latin typeface="Arial"/>
+              <a:ea typeface="Arial"/>
+              <a:cs typeface="Arial"/>
+              <a:sym typeface="Arial"/>
+            </a:endParaRPr>
           </a:p>
           <a:p>
-            <a:pPr indent="0" lvl="0" marL="0" rtl="0" algn="l">
+            <a:pPr indent="0" lvl="0" marL="0" marR="0" rtl="0" algn="l">
+              <a:lnSpc>
+                <a:spcPct val="100000"/>
+              </a:lnSpc>
               <a:spcBef>
                 <a:spcPts val="320"/>
               </a:spcBef>
               <a:spcAft>
                 <a:spcPts val="0"/>
               </a:spcAft>
+              <a:buClr>
+                <a:srgbClr val="000000"/>
+              </a:buClr>
+              <a:buSzPts val="1400"/>
+              <a:buFont typeface="Arial"/>
               <a:buNone/>
             </a:pPr>
             <a:r>
-              <a:rPr lang="de"/>
+              <a:rPr b="0" i="0" lang="de" sz="1600" u="none" cap="none" strike="noStrike">
+                <a:solidFill>
+                  <a:schemeClr val="dk1"/>
+                </a:solidFill>
+                <a:latin typeface="Arial"/>
+                <a:ea typeface="Arial"/>
+                <a:cs typeface="Arial"/>
+                <a:sym typeface="Arial"/>
+              </a:rPr>
               <a:t>Dabei kann man (muss man aber nicht) den Rückgabewert der Funktion in einer Variable des gleichen Typs speichern und übergibt der Funktion die passenden Parameter.</a:t>
             </a:r>
-            <a:endParaRPr/>
+            <a:endParaRPr b="0" i="0" sz="1600" u="none" cap="none" strike="noStrike">
+              <a:solidFill>
+                <a:schemeClr val="dk1"/>
+              </a:solidFill>
+              <a:latin typeface="Arial"/>
+              <a:ea typeface="Arial"/>
+              <a:cs typeface="Arial"/>
+              <a:sym typeface="Arial"/>
+            </a:endParaRPr>
           </a:p>
           <a:p>
-            <a:pPr indent="0" lvl="0" marL="0" rtl="0" algn="l">
+            <a:pPr indent="0" lvl="0" marL="0" marR="0" rtl="0" algn="l">
+              <a:lnSpc>
+                <a:spcPct val="100000"/>
+              </a:lnSpc>
               <a:spcBef>
                 <a:spcPts val="320"/>
               </a:spcBef>
               <a:spcAft>
                 <a:spcPts val="0"/>
               </a:spcAft>
+              <a:buClr>
+                <a:srgbClr val="000000"/>
+              </a:buClr>
+              <a:buSzPts val="1400"/>
+              <a:buFont typeface="Arial"/>
               <a:buNone/>
             </a:pPr>
             <a:r>
               <a:t/>
             </a:r>
-            <a:endParaRPr/>
+            <a:endParaRPr b="0" i="0" sz="1600" u="none" cap="none" strike="noStrike">
+              <a:solidFill>
+                <a:schemeClr val="dk1"/>
+              </a:solidFill>
+              <a:latin typeface="Arial"/>
+              <a:ea typeface="Arial"/>
+              <a:cs typeface="Arial"/>
+              <a:sym typeface="Arial"/>
+            </a:endParaRPr>
           </a:p>
           <a:p>
-            <a:pPr indent="0" lvl="0" marL="0" rtl="0" algn="l">
+            <a:pPr indent="0" lvl="0" marL="0" marR="0" rtl="0" algn="l">
+              <a:lnSpc>
+                <a:spcPct val="100000"/>
+              </a:lnSpc>
               <a:spcBef>
                 <a:spcPts val="320"/>
               </a:spcBef>
               <a:spcAft>
                 <a:spcPts val="0"/>
               </a:spcAft>
+              <a:buClr>
+                <a:srgbClr val="000000"/>
+              </a:buClr>
+              <a:buSzPts val="1400"/>
+              <a:buFont typeface="Arial"/>
               <a:buNone/>
             </a:pPr>
             <a:r>
-              <a:rPr lang="de"/>
+              <a:rPr b="0" i="0" lang="de" sz="1600" u="none" cap="none" strike="noStrike">
+                <a:solidFill>
+                  <a:schemeClr val="dk1"/>
+                </a:solidFill>
+                <a:latin typeface="Arial"/>
+                <a:ea typeface="Arial"/>
+                <a:cs typeface="Arial"/>
+                <a:sym typeface="Arial"/>
+              </a:rPr>
               <a:t>Die Parameter können Literale, aber auch Variablen vom passenden Typ sein.</a:t>
             </a:r>
-            <a:endParaRPr/>
+            <a:endParaRPr b="0" i="0" sz="1600" u="none" cap="none" strike="noStrike">
+              <a:solidFill>
+                <a:schemeClr val="dk1"/>
+              </a:solidFill>
+              <a:latin typeface="Arial"/>
+              <a:ea typeface="Arial"/>
+              <a:cs typeface="Arial"/>
+              <a:sym typeface="Arial"/>
+            </a:endParaRPr>
           </a:p>
         </p:txBody>
       </p:sp>
@@ -12506,13 +14229,12 @@
           <p:cNvPicPr preferRelativeResize="0"/>
           <p:nvPr/>
         </p:nvPicPr>
-        <p:blipFill>
+        <p:blipFill rotWithShape="1">
           <a:blip r:embed="rId3">
             <a:alphaModFix/>
           </a:blip>
-          <a:stretch>
-            <a:fillRect/>
-          </a:stretch>
+          <a:srcRect b="0" l="0" r="0" t="0"/>
+          <a:stretch/>
         </p:blipFill>
         <p:spPr>
           <a:xfrm>
@@ -12569,6 +14291,10 @@
           <a:prstGeom prst="rect">
             <a:avLst/>
           </a:prstGeom>
+          <a:noFill/>
+          <a:ln>
+            <a:noFill/>
+          </a:ln>
         </p:spPr>
         <p:txBody>
           <a:bodyPr anchorCtr="0" anchor="b" bIns="0" lIns="0" spcFirstLastPara="1" rIns="0" wrap="square" tIns="0">
@@ -12577,21 +14303,21 @@
           <a:lstStyle/>
           <a:p>
             <a:pPr indent="0" lvl="0" marL="0" rtl="0" algn="l">
-              <a:spcBef>
-                <a:spcPts val="0"/>
-              </a:spcBef>
-              <a:spcAft>
-                <a:spcPts val="0"/>
-              </a:spcAft>
+              <a:lnSpc>
+                <a:spcPct val="100000"/>
+              </a:lnSpc>
+              <a:spcBef>
+                <a:spcPts val="0"/>
+              </a:spcBef>
+              <a:spcAft>
+                <a:spcPts val="0"/>
+              </a:spcAft>
+              <a:buSzPts val="1400"/>
               <a:buNone/>
             </a:pPr>
             <a:r>
               <a:rPr lang="de"/>
-              <a:t>1. </a:t>
-            </a:r>
-            <a:r>
-              <a:rPr lang="de"/>
-              <a:t>Funktionen</a:t>
+              <a:t>1. Funktionen</a:t>
             </a:r>
             <a:endParaRPr/>
           </a:p>
@@ -12613,6 +14339,10 @@
           <a:prstGeom prst="rect">
             <a:avLst/>
           </a:prstGeom>
+          <a:noFill/>
+          <a:ln>
+            <a:noFill/>
+          </a:ln>
         </p:spPr>
         <p:txBody>
           <a:bodyPr anchorCtr="0" anchor="t" bIns="0" lIns="0" spcFirstLastPara="1" rIns="0" wrap="square" tIns="0">
@@ -12620,20 +14350,44 @@
           </a:bodyPr>
           <a:lstStyle/>
           <a:p>
-            <a:pPr indent="0" lvl="0" marL="0" rtl="0" algn="l">
+            <a:pPr indent="0" lvl="0" marL="0" marR="0" rtl="0" algn="l">
+              <a:lnSpc>
+                <a:spcPct val="100000"/>
+              </a:lnSpc>
               <a:spcBef>
                 <a:spcPts val="320"/>
               </a:spcBef>
               <a:spcAft>
                 <a:spcPts val="0"/>
               </a:spcAft>
+              <a:buClr>
+                <a:srgbClr val="000000"/>
+              </a:buClr>
+              <a:buSzPts val="1400"/>
+              <a:buFont typeface="Arial"/>
               <a:buNone/>
             </a:pPr>
             <a:r>
-              <a:rPr lang="de"/>
+              <a:rPr b="0" i="0" lang="de" sz="1600" u="none" cap="none" strike="noStrike">
+                <a:solidFill>
+                  <a:schemeClr val="dk1"/>
+                </a:solidFill>
+                <a:latin typeface="Arial"/>
+                <a:ea typeface="Arial"/>
+                <a:cs typeface="Arial"/>
+                <a:sym typeface="Arial"/>
+              </a:rPr>
               <a:t>Funktionen werden bei Aufruf bis zum Ende oder bis zum return-Statement ausgeführt, danach wird zurückgesprungen und an der gleichen Stelle weitergemacht, an der die Funktion aufgerufen wurde.</a:t>
             </a:r>
-            <a:endParaRPr/>
+            <a:endParaRPr b="0" i="0" sz="1600" u="none" cap="none" strike="noStrike">
+              <a:solidFill>
+                <a:schemeClr val="dk1"/>
+              </a:solidFill>
+              <a:latin typeface="Arial"/>
+              <a:ea typeface="Arial"/>
+              <a:cs typeface="Arial"/>
+              <a:sym typeface="Arial"/>
+            </a:endParaRPr>
           </a:p>
         </p:txBody>
       </p:sp>
@@ -12643,13 +14397,12 @@
           <p:cNvPicPr preferRelativeResize="0"/>
           <p:nvPr/>
         </p:nvPicPr>
-        <p:blipFill>
+        <p:blipFill rotWithShape="1">
           <a:blip r:embed="rId3">
             <a:alphaModFix/>
           </a:blip>
-          <a:stretch>
-            <a:fillRect/>
-          </a:stretch>
+          <a:srcRect b="0" l="0" r="0" t="0"/>
+          <a:stretch/>
         </p:blipFill>
         <p:spPr>
           <a:xfrm>
@@ -12671,13 +14424,12 @@
           <p:cNvPicPr preferRelativeResize="0"/>
           <p:nvPr/>
         </p:nvPicPr>
-        <p:blipFill>
+        <p:blipFill rotWithShape="1">
           <a:blip r:embed="rId4">
             <a:alphaModFix/>
           </a:blip>
-          <a:stretch>
-            <a:fillRect/>
-          </a:stretch>
+          <a:srcRect b="0" l="0" r="0" t="0"/>
+          <a:stretch/>
         </p:blipFill>
         <p:spPr>
           <a:xfrm>
@@ -12714,7 +14466,7 @@
             </a:solidFill>
             <a:prstDash val="solid"/>
             <a:round/>
-            <a:headEnd len="med" w="med" type="none"/>
+            <a:headEnd len="sm" w="sm" type="none"/>
             <a:tailEnd len="med" w="med" type="triangle"/>
           </a:ln>
         </p:spPr>
@@ -12750,19 +14502,35 @@
           </a:bodyPr>
           <a:lstStyle/>
           <a:p>
-            <a:pPr indent="0" lvl="0" marL="0" rtl="0" algn="l">
-              <a:spcBef>
-                <a:spcPts val="0"/>
-              </a:spcBef>
-              <a:spcAft>
-                <a:spcPts val="0"/>
-              </a:spcAft>
+            <a:pPr indent="0" lvl="0" marL="0" marR="0" rtl="0" algn="l">
+              <a:lnSpc>
+                <a:spcPct val="100000"/>
+              </a:lnSpc>
+              <a:spcBef>
+                <a:spcPts val="0"/>
+              </a:spcBef>
+              <a:spcAft>
+                <a:spcPts val="0"/>
+              </a:spcAft>
+              <a:buClr>
+                <a:srgbClr val="000000"/>
+              </a:buClr>
+              <a:buSzPts val="1400"/>
+              <a:buFont typeface="Arial"/>
               <a:buNone/>
             </a:pPr>
             <a:r>
               <a:t/>
             </a:r>
-            <a:endParaRPr/>
+            <a:endParaRPr b="0" i="0" sz="1400" u="none" cap="none" strike="noStrike">
+              <a:solidFill>
+                <a:srgbClr val="000000"/>
+              </a:solidFill>
+              <a:latin typeface="Arial"/>
+              <a:ea typeface="Arial"/>
+              <a:cs typeface="Arial"/>
+              <a:sym typeface="Arial"/>
+            </a:endParaRPr>
           </a:p>
         </p:txBody>
       </p:sp>
@@ -12797,19 +14565,35 @@
           </a:bodyPr>
           <a:lstStyle/>
           <a:p>
-            <a:pPr indent="0" lvl="0" marL="0" rtl="0" algn="l">
-              <a:spcBef>
-                <a:spcPts val="0"/>
-              </a:spcBef>
-              <a:spcAft>
-                <a:spcPts val="0"/>
-              </a:spcAft>
+            <a:pPr indent="0" lvl="0" marL="0" marR="0" rtl="0" algn="l">
+              <a:lnSpc>
+                <a:spcPct val="100000"/>
+              </a:lnSpc>
+              <a:spcBef>
+                <a:spcPts val="0"/>
+              </a:spcBef>
+              <a:spcAft>
+                <a:spcPts val="0"/>
+              </a:spcAft>
+              <a:buClr>
+                <a:srgbClr val="000000"/>
+              </a:buClr>
+              <a:buSzPts val="1400"/>
+              <a:buFont typeface="Arial"/>
               <a:buNone/>
             </a:pPr>
             <a:r>
               <a:t/>
             </a:r>
-            <a:endParaRPr/>
+            <a:endParaRPr b="0" i="0" sz="1400" u="none" cap="none" strike="noStrike">
+              <a:solidFill>
+                <a:srgbClr val="000000"/>
+              </a:solidFill>
+              <a:latin typeface="Arial"/>
+              <a:ea typeface="Arial"/>
+              <a:cs typeface="Arial"/>
+              <a:sym typeface="Arial"/>
+            </a:endParaRPr>
           </a:p>
         </p:txBody>
       </p:sp>
@@ -12851,10 +14635,31 @@
             </a:solidFill>
             <a:prstDash val="solid"/>
             <a:round/>
-            <a:headEnd len="med" w="med" type="none"/>
-            <a:tailEnd len="med" w="med" type="triangle"/>
+            <a:headEnd len="sm" w="sm" type="none"/>
+            <a:tailEnd len="sm" w="sm" type="none"/>
           </a:ln>
         </p:spPr>
+        <p:txBody>
+          <a:bodyPr anchorCtr="0" anchor="ctr" bIns="91425" lIns="91425" spcFirstLastPara="1" rIns="91425" wrap="square" tIns="91425">
+            <a:noAutofit/>
+          </a:bodyPr>
+          <a:lstStyle/>
+          <a:p>
+            <a:pPr indent="0" lvl="0" marL="0" rtl="0" algn="l">
+              <a:spcBef>
+                <a:spcPts val="0"/>
+              </a:spcBef>
+              <a:spcAft>
+                <a:spcPts val="0"/>
+              </a:spcAft>
+              <a:buNone/>
+            </a:pPr>
+            <a:r>
+              <a:t/>
+            </a:r>
+            <a:endParaRPr/>
+          </a:p>
+        </p:txBody>
       </p:sp>
       <p:sp>
         <p:nvSpPr>
@@ -12894,10 +14699,31 @@
             </a:solidFill>
             <a:prstDash val="solid"/>
             <a:round/>
-            <a:headEnd len="med" w="med" type="none"/>
-            <a:tailEnd len="med" w="med" type="triangle"/>
+            <a:headEnd len="sm" w="sm" type="none"/>
+            <a:tailEnd len="sm" w="sm" type="none"/>
           </a:ln>
         </p:spPr>
+        <p:txBody>
+          <a:bodyPr anchorCtr="0" anchor="ctr" bIns="91425" lIns="91425" spcFirstLastPara="1" rIns="91425" wrap="square" tIns="91425">
+            <a:noAutofit/>
+          </a:bodyPr>
+          <a:lstStyle/>
+          <a:p>
+            <a:pPr indent="0" lvl="0" marL="0" rtl="0" algn="l">
+              <a:spcBef>
+                <a:spcPts val="0"/>
+              </a:spcBef>
+              <a:spcAft>
+                <a:spcPts val="0"/>
+              </a:spcAft>
+              <a:buNone/>
+            </a:pPr>
+            <a:r>
+              <a:t/>
+            </a:r>
+            <a:endParaRPr/>
+          </a:p>
+        </p:txBody>
       </p:sp>
       <p:sp>
         <p:nvSpPr>
@@ -12924,27 +14750,43 @@
           </a:bodyPr>
           <a:lstStyle/>
           <a:p>
-            <a:pPr indent="0" lvl="0" marL="0" rtl="0" algn="l">
-              <a:spcBef>
-                <a:spcPts val="0"/>
-              </a:spcBef>
-              <a:spcAft>
-                <a:spcPts val="0"/>
-              </a:spcAft>
+            <a:pPr indent="0" lvl="0" marL="0" marR="0" rtl="0" algn="l">
+              <a:lnSpc>
+                <a:spcPct val="100000"/>
+              </a:lnSpc>
+              <a:spcBef>
+                <a:spcPts val="0"/>
+              </a:spcBef>
+              <a:spcAft>
+                <a:spcPts val="0"/>
+              </a:spcAft>
+              <a:buClr>
+                <a:srgbClr val="000000"/>
+              </a:buClr>
+              <a:buSzPts val="1400"/>
+              <a:buFont typeface="Arial"/>
               <a:buNone/>
             </a:pPr>
             <a:r>
-              <a:rPr lang="de">
+              <a:rPr b="0" i="0" lang="de" sz="1400" u="none" cap="none" strike="noStrike">
                 <a:solidFill>
                   <a:srgbClr val="FF0000"/>
                 </a:solidFill>
+                <a:latin typeface="Arial"/>
+                <a:ea typeface="Arial"/>
+                <a:cs typeface="Arial"/>
+                <a:sym typeface="Arial"/>
               </a:rPr>
               <a:t>1.</a:t>
             </a:r>
-            <a:endParaRPr>
+            <a:endParaRPr b="0" i="0" sz="1400" u="none" cap="none" strike="noStrike">
               <a:solidFill>
                 <a:srgbClr val="FF0000"/>
               </a:solidFill>
+              <a:latin typeface="Arial"/>
+              <a:ea typeface="Arial"/>
+              <a:cs typeface="Arial"/>
+              <a:sym typeface="Arial"/>
             </a:endParaRPr>
           </a:p>
         </p:txBody>
@@ -12974,35 +14816,43 @@
           </a:bodyPr>
           <a:lstStyle/>
           <a:p>
-            <a:pPr indent="0" lvl="0" marL="0" rtl="0" algn="l">
-              <a:spcBef>
-                <a:spcPts val="0"/>
-              </a:spcBef>
-              <a:spcAft>
-                <a:spcPts val="0"/>
-              </a:spcAft>
+            <a:pPr indent="0" lvl="0" marL="0" marR="0" rtl="0" algn="l">
+              <a:lnSpc>
+                <a:spcPct val="100000"/>
+              </a:lnSpc>
+              <a:spcBef>
+                <a:spcPts val="0"/>
+              </a:spcBef>
+              <a:spcAft>
+                <a:spcPts val="0"/>
+              </a:spcAft>
+              <a:buClr>
+                <a:srgbClr val="000000"/>
+              </a:buClr>
+              <a:buSzPts val="1400"/>
+              <a:buFont typeface="Arial"/>
               <a:buNone/>
             </a:pPr>
             <a:r>
-              <a:rPr lang="de">
+              <a:rPr b="0" i="0" lang="de" sz="1400" u="none" cap="none" strike="noStrike">
                 <a:solidFill>
                   <a:srgbClr val="FF0000"/>
                 </a:solidFill>
+                <a:latin typeface="Arial"/>
+                <a:ea typeface="Arial"/>
+                <a:cs typeface="Arial"/>
+                <a:sym typeface="Arial"/>
               </a:rPr>
-              <a:t>2</a:t>
+              <a:t>2. a)</a:t>
             </a:r>
-            <a:r>
-              <a:rPr lang="de">
-                <a:solidFill>
-                  <a:srgbClr val="FF0000"/>
-                </a:solidFill>
-              </a:rPr>
-              <a:t>. a)</a:t>
-            </a:r>
-            <a:endParaRPr>
+            <a:endParaRPr b="0" i="0" sz="1400" u="none" cap="none" strike="noStrike">
               <a:solidFill>
                 <a:srgbClr val="FF0000"/>
               </a:solidFill>
+              <a:latin typeface="Arial"/>
+              <a:ea typeface="Arial"/>
+              <a:cs typeface="Arial"/>
+              <a:sym typeface="Arial"/>
             </a:endParaRPr>
           </a:p>
         </p:txBody>
@@ -13032,35 +14882,43 @@
           </a:bodyPr>
           <a:lstStyle/>
           <a:p>
-            <a:pPr indent="0" lvl="0" marL="0" rtl="0" algn="l">
-              <a:spcBef>
-                <a:spcPts val="0"/>
-              </a:spcBef>
-              <a:spcAft>
-                <a:spcPts val="0"/>
-              </a:spcAft>
+            <a:pPr indent="0" lvl="0" marL="0" marR="0" rtl="0" algn="l">
+              <a:lnSpc>
+                <a:spcPct val="100000"/>
+              </a:lnSpc>
+              <a:spcBef>
+                <a:spcPts val="0"/>
+              </a:spcBef>
+              <a:spcAft>
+                <a:spcPts val="0"/>
+              </a:spcAft>
+              <a:buClr>
+                <a:srgbClr val="000000"/>
+              </a:buClr>
+              <a:buSzPts val="1400"/>
+              <a:buFont typeface="Arial"/>
               <a:buNone/>
             </a:pPr>
             <a:r>
-              <a:rPr lang="de">
+              <a:rPr b="0" i="0" lang="de" sz="1400" u="none" cap="none" strike="noStrike">
                 <a:solidFill>
                   <a:srgbClr val="FF0000"/>
                 </a:solidFill>
+                <a:latin typeface="Arial"/>
+                <a:ea typeface="Arial"/>
+                <a:cs typeface="Arial"/>
+                <a:sym typeface="Arial"/>
               </a:rPr>
-              <a:t>2</a:t>
+              <a:t>2. b)</a:t>
             </a:r>
-            <a:r>
-              <a:rPr lang="de">
-                <a:solidFill>
-                  <a:srgbClr val="FF0000"/>
-                </a:solidFill>
-              </a:rPr>
-              <a:t>. b)</a:t>
-            </a:r>
-            <a:endParaRPr>
+            <a:endParaRPr b="0" i="0" sz="1400" u="none" cap="none" strike="noStrike">
               <a:solidFill>
                 <a:srgbClr val="FF0000"/>
               </a:solidFill>
+              <a:latin typeface="Arial"/>
+              <a:ea typeface="Arial"/>
+              <a:cs typeface="Arial"/>
+              <a:sym typeface="Arial"/>
             </a:endParaRPr>
           </a:p>
         </p:txBody>
@@ -13106,6 +14964,10 @@
           <a:prstGeom prst="rect">
             <a:avLst/>
           </a:prstGeom>
+          <a:noFill/>
+          <a:ln>
+            <a:noFill/>
+          </a:ln>
         </p:spPr>
         <p:txBody>
           <a:bodyPr anchorCtr="0" anchor="b" bIns="0" lIns="0" spcFirstLastPara="1" rIns="0" wrap="square" tIns="0">
@@ -13114,12 +14976,16 @@
           <a:lstStyle/>
           <a:p>
             <a:pPr indent="0" lvl="0" marL="0" rtl="0" algn="l">
-              <a:spcBef>
-                <a:spcPts val="0"/>
-              </a:spcBef>
-              <a:spcAft>
-                <a:spcPts val="0"/>
-              </a:spcAft>
+              <a:lnSpc>
+                <a:spcPct val="100000"/>
+              </a:lnSpc>
+              <a:spcBef>
+                <a:spcPts val="0"/>
+              </a:spcBef>
+              <a:spcAft>
+                <a:spcPts val="0"/>
+              </a:spcAft>
+              <a:buSzPts val="1400"/>
               <a:buNone/>
             </a:pPr>
             <a:r>
@@ -13146,6 +15012,10 @@
           <a:prstGeom prst="rect">
             <a:avLst/>
           </a:prstGeom>
+          <a:noFill/>
+          <a:ln>
+            <a:noFill/>
+          </a:ln>
         </p:spPr>
         <p:txBody>
           <a:bodyPr anchorCtr="0" anchor="t" bIns="0" lIns="0" spcFirstLastPara="1" rIns="0" wrap="square" tIns="0">
@@ -13153,79 +15023,196 @@
           </a:bodyPr>
           <a:lstStyle/>
           <a:p>
-            <a:pPr indent="-317500" lvl="0" marL="457200" rtl="0" algn="l">
+            <a:pPr indent="-317500" lvl="0" marL="457200" marR="0" rtl="0" algn="l">
+              <a:lnSpc>
+                <a:spcPct val="100000"/>
+              </a:lnSpc>
               <a:spcBef>
                 <a:spcPts val="320"/>
               </a:spcBef>
               <a:spcAft>
                 <a:spcPts val="0"/>
               </a:spcAft>
-              <a:buSzPts val="1400"/>
+              <a:buClr>
+                <a:srgbClr val="000000"/>
+              </a:buClr>
+              <a:buSzPts val="1400"/>
+              <a:buFont typeface="Arial"/>
               <a:buChar char="●"/>
             </a:pPr>
             <a:r>
-              <a:rPr lang="de"/>
+              <a:rPr b="0" i="0" lang="de" sz="1600" u="none" cap="none" strike="noStrike">
+                <a:solidFill>
+                  <a:schemeClr val="dk1"/>
+                </a:solidFill>
+                <a:latin typeface="Arial"/>
+                <a:ea typeface="Arial"/>
+                <a:cs typeface="Arial"/>
+                <a:sym typeface="Arial"/>
+              </a:rPr>
               <a:t>In Java besteht die Möglichkeit, eigene Klassen zu schreiben. Dafür bekommt (in der Regel, Ausnahme s.u.) jede Klasse eine eigene Datei. Die Klasse muss den gleichen Namen wie die .java-Datei tragen.</a:t>
             </a:r>
-            <a:endParaRPr/>
+            <a:endParaRPr b="0" i="0" sz="1600" u="none" cap="none" strike="noStrike">
+              <a:solidFill>
+                <a:schemeClr val="dk1"/>
+              </a:solidFill>
+              <a:latin typeface="Arial"/>
+              <a:ea typeface="Arial"/>
+              <a:cs typeface="Arial"/>
+              <a:sym typeface="Arial"/>
+            </a:endParaRPr>
           </a:p>
           <a:p>
-            <a:pPr indent="0" lvl="0" marL="457200" rtl="0" algn="l">
+            <a:pPr indent="0" lvl="0" marL="457200" marR="0" rtl="0" algn="l">
+              <a:lnSpc>
+                <a:spcPct val="100000"/>
+              </a:lnSpc>
               <a:spcBef>
                 <a:spcPts val="320"/>
               </a:spcBef>
               <a:spcAft>
                 <a:spcPts val="0"/>
               </a:spcAft>
+              <a:buClr>
+                <a:srgbClr val="000000"/>
+              </a:buClr>
+              <a:buSzPts val="1400"/>
+              <a:buFont typeface="Arial"/>
               <a:buNone/>
             </a:pPr>
             <a:br>
-              <a:rPr lang="de"/>
+              <a:rPr b="0" i="0" lang="de" sz="1600" u="none" cap="none" strike="noStrike">
+                <a:solidFill>
+                  <a:schemeClr val="dk1"/>
+                </a:solidFill>
+                <a:latin typeface="Arial"/>
+                <a:ea typeface="Arial"/>
+                <a:cs typeface="Arial"/>
+                <a:sym typeface="Arial"/>
+              </a:rPr>
             </a:br>
             <a:br>
-              <a:rPr lang="de"/>
+              <a:rPr b="0" i="0" lang="de" sz="1600" u="none" cap="none" strike="noStrike">
+                <a:solidFill>
+                  <a:schemeClr val="dk1"/>
+                </a:solidFill>
+                <a:latin typeface="Arial"/>
+                <a:ea typeface="Arial"/>
+                <a:cs typeface="Arial"/>
+                <a:sym typeface="Arial"/>
+              </a:rPr>
             </a:br>
             <a:br>
-              <a:rPr lang="de"/>
+              <a:rPr b="0" i="0" lang="de" sz="1600" u="none" cap="none" strike="noStrike">
+                <a:solidFill>
+                  <a:schemeClr val="dk1"/>
+                </a:solidFill>
+                <a:latin typeface="Arial"/>
+                <a:ea typeface="Arial"/>
+                <a:cs typeface="Arial"/>
+                <a:sym typeface="Arial"/>
+              </a:rPr>
             </a:br>
-            <a:endParaRPr/>
+            <a:endParaRPr b="0" i="0" sz="1600" u="none" cap="none" strike="noStrike">
+              <a:solidFill>
+                <a:schemeClr val="dk1"/>
+              </a:solidFill>
+              <a:latin typeface="Arial"/>
+              <a:ea typeface="Arial"/>
+              <a:cs typeface="Arial"/>
+              <a:sym typeface="Arial"/>
+            </a:endParaRPr>
           </a:p>
           <a:p>
-            <a:pPr indent="-317500" lvl="0" marL="457200" rtl="0" algn="l">
+            <a:pPr indent="-317500" lvl="0" marL="457200" marR="0" rtl="0" algn="l">
+              <a:lnSpc>
+                <a:spcPct val="100000"/>
+              </a:lnSpc>
               <a:spcBef>
                 <a:spcPts val="320"/>
               </a:spcBef>
               <a:spcAft>
                 <a:spcPts val="0"/>
               </a:spcAft>
-              <a:buSzPts val="1400"/>
+              <a:buClr>
+                <a:srgbClr val="000000"/>
+              </a:buClr>
+              <a:buSzPts val="1400"/>
+              <a:buFont typeface="Arial"/>
               <a:buChar char="●"/>
             </a:pPr>
             <a:r>
-              <a:rPr lang="de"/>
+              <a:rPr b="0" i="0" lang="de" sz="1600" u="none" cap="none" strike="noStrike">
+                <a:solidFill>
+                  <a:schemeClr val="dk1"/>
+                </a:solidFill>
+                <a:latin typeface="Arial"/>
+                <a:ea typeface="Arial"/>
+                <a:cs typeface="Arial"/>
+                <a:sym typeface="Arial"/>
+              </a:rPr>
               <a:t>Klassen können eigene Funktionen, Methoden und Attribute haben</a:t>
             </a:r>
             <a:br>
-              <a:rPr lang="de"/>
+              <a:rPr b="0" i="0" lang="de" sz="1600" u="none" cap="none" strike="noStrike">
+                <a:solidFill>
+                  <a:schemeClr val="dk1"/>
+                </a:solidFill>
+                <a:latin typeface="Arial"/>
+                <a:ea typeface="Arial"/>
+                <a:cs typeface="Arial"/>
+                <a:sym typeface="Arial"/>
+              </a:rPr>
             </a:br>
-            <a:endParaRPr/>
+            <a:endParaRPr b="0" i="0" sz="1600" u="none" cap="none" strike="noStrike">
+              <a:solidFill>
+                <a:schemeClr val="dk1"/>
+              </a:solidFill>
+              <a:latin typeface="Arial"/>
+              <a:ea typeface="Arial"/>
+              <a:cs typeface="Arial"/>
+              <a:sym typeface="Arial"/>
+            </a:endParaRPr>
           </a:p>
           <a:p>
-            <a:pPr indent="-317500" lvl="0" marL="457200" rtl="0" algn="l">
-              <a:spcBef>
-                <a:spcPts val="0"/>
-              </a:spcBef>
-              <a:spcAft>
-                <a:spcPts val="0"/>
-              </a:spcAft>
-              <a:buSzPts val="1400"/>
+            <a:pPr indent="-317500" lvl="0" marL="457200" marR="0" rtl="0" algn="l">
+              <a:lnSpc>
+                <a:spcPct val="100000"/>
+              </a:lnSpc>
+              <a:spcBef>
+                <a:spcPts val="0"/>
+              </a:spcBef>
+              <a:spcAft>
+                <a:spcPts val="0"/>
+              </a:spcAft>
+              <a:buClr>
+                <a:srgbClr val="000000"/>
+              </a:buClr>
+              <a:buSzPts val="1400"/>
+              <a:buFont typeface="Arial"/>
               <a:buChar char="●"/>
             </a:pPr>
             <a:r>
-              <a:rPr lang="de"/>
+              <a:rPr b="0" i="0" lang="de" sz="1600" u="none" cap="none" strike="noStrike">
+                <a:solidFill>
+                  <a:schemeClr val="dk1"/>
+                </a:solidFill>
+                <a:latin typeface="Arial"/>
+                <a:ea typeface="Arial"/>
+                <a:cs typeface="Arial"/>
+                <a:sym typeface="Arial"/>
+              </a:rPr>
               <a:t>Klassen aus dem selben package können direkt, Klassen außerhalb des packages über das import-Statement eingebunden und dann genutzt werden.</a:t>
             </a:r>
-            <a:endParaRPr/>
+            <a:endParaRPr b="0" i="0" sz="1600" u="none" cap="none" strike="noStrike">
+              <a:solidFill>
+                <a:schemeClr val="dk1"/>
+              </a:solidFill>
+              <a:latin typeface="Arial"/>
+              <a:ea typeface="Arial"/>
+              <a:cs typeface="Arial"/>
+              <a:sym typeface="Arial"/>
+            </a:endParaRPr>
           </a:p>
         </p:txBody>
       </p:sp>
@@ -13235,13 +15222,12 @@
           <p:cNvPicPr preferRelativeResize="0"/>
           <p:nvPr/>
         </p:nvPicPr>
-        <p:blipFill>
+        <p:blipFill rotWithShape="1">
           <a:blip r:embed="rId3">
             <a:alphaModFix/>
           </a:blip>
-          <a:stretch>
-            <a:fillRect/>
-          </a:stretch>
+          <a:srcRect b="0" l="0" r="0" t="0"/>
+          <a:stretch/>
         </p:blipFill>
         <p:spPr>
           <a:xfrm>
@@ -13263,13 +15249,12 @@
           <p:cNvPicPr preferRelativeResize="0"/>
           <p:nvPr/>
         </p:nvPicPr>
-        <p:blipFill>
+        <p:blipFill rotWithShape="1">
           <a:blip r:embed="rId4">
             <a:alphaModFix/>
           </a:blip>
-          <a:stretch>
-            <a:fillRect/>
-          </a:stretch>
+          <a:srcRect b="0" l="0" r="0" t="0"/>
+          <a:stretch/>
         </p:blipFill>
         <p:spPr>
           <a:xfrm>
@@ -13291,13 +15276,12 @@
           <p:cNvPicPr preferRelativeResize="0"/>
           <p:nvPr/>
         </p:nvPicPr>
-        <p:blipFill>
+        <p:blipFill rotWithShape="1">
           <a:blip r:embed="rId5">
             <a:alphaModFix/>
           </a:blip>
-          <a:stretch>
-            <a:fillRect/>
-          </a:stretch>
+          <a:srcRect b="0" l="0" r="0" t="0"/>
+          <a:stretch/>
         </p:blipFill>
         <p:spPr>
           <a:xfrm>
@@ -13354,6 +15338,10 @@
           <a:prstGeom prst="rect">
             <a:avLst/>
           </a:prstGeom>
+          <a:noFill/>
+          <a:ln>
+            <a:noFill/>
+          </a:ln>
         </p:spPr>
         <p:txBody>
           <a:bodyPr anchorCtr="0" anchor="b" bIns="0" lIns="0" spcFirstLastPara="1" rIns="0" wrap="square" tIns="0">
@@ -13362,12 +15350,16 @@
           <a:lstStyle/>
           <a:p>
             <a:pPr indent="0" lvl="0" marL="0" rtl="0" algn="l">
-              <a:spcBef>
-                <a:spcPts val="0"/>
-              </a:spcBef>
-              <a:spcAft>
-                <a:spcPts val="0"/>
-              </a:spcAft>
+              <a:lnSpc>
+                <a:spcPct val="100000"/>
+              </a:lnSpc>
+              <a:spcBef>
+                <a:spcPts val="0"/>
+              </a:spcBef>
+              <a:spcAft>
+                <a:spcPts val="0"/>
+              </a:spcAft>
+              <a:buSzPts val="1400"/>
               <a:buNone/>
             </a:pPr>
             <a:r>
@@ -13384,13 +15376,12 @@
           <p:cNvPicPr preferRelativeResize="0"/>
           <p:nvPr/>
         </p:nvPicPr>
-        <p:blipFill>
+        <p:blipFill rotWithShape="1">
           <a:blip r:embed="rId3">
             <a:alphaModFix/>
           </a:blip>
-          <a:stretch>
-            <a:fillRect/>
-          </a:stretch>
+          <a:srcRect b="0" l="0" r="0" t="0"/>
+          <a:stretch/>
         </p:blipFill>
         <p:spPr>
           <a:xfrm>
@@ -13412,13 +15403,12 @@
           <p:cNvPicPr preferRelativeResize="0"/>
           <p:nvPr/>
         </p:nvPicPr>
-        <p:blipFill>
+        <p:blipFill rotWithShape="1">
           <a:blip r:embed="rId4">
             <a:alphaModFix/>
           </a:blip>
-          <a:stretch>
-            <a:fillRect/>
-          </a:stretch>
+          <a:srcRect b="0" l="0" r="0" t="0"/>
+          <a:stretch/>
         </p:blipFill>
         <p:spPr>
           <a:xfrm>
@@ -13475,6 +15465,10 @@
           <a:prstGeom prst="rect">
             <a:avLst/>
           </a:prstGeom>
+          <a:noFill/>
+          <a:ln>
+            <a:noFill/>
+          </a:ln>
         </p:spPr>
         <p:txBody>
           <a:bodyPr anchorCtr="0" anchor="b" bIns="0" lIns="0" spcFirstLastPara="1" rIns="0" wrap="square" tIns="0">
@@ -13483,12 +15477,16 @@
           <a:lstStyle/>
           <a:p>
             <a:pPr indent="0" lvl="0" marL="0" rtl="0" algn="l">
-              <a:spcBef>
-                <a:spcPts val="0"/>
-              </a:spcBef>
-              <a:spcAft>
-                <a:spcPts val="0"/>
-              </a:spcAft>
+              <a:lnSpc>
+                <a:spcPct val="100000"/>
+              </a:lnSpc>
+              <a:spcBef>
+                <a:spcPts val="0"/>
+              </a:spcBef>
+              <a:spcAft>
+                <a:spcPts val="0"/>
+              </a:spcAft>
+              <a:buSzPts val="1400"/>
               <a:buNone/>
             </a:pPr>
             <a:r>
@@ -13515,6 +15513,10 @@
           <a:prstGeom prst="rect">
             <a:avLst/>
           </a:prstGeom>
+          <a:noFill/>
+          <a:ln>
+            <a:noFill/>
+          </a:ln>
         </p:spPr>
         <p:txBody>
           <a:bodyPr anchorCtr="0" anchor="t" bIns="0" lIns="0" spcFirstLastPara="1" rIns="0" wrap="square" tIns="0">
@@ -13522,187 +15524,403 @@
           </a:bodyPr>
           <a:lstStyle/>
           <a:p>
-            <a:pPr indent="0" lvl="0" marL="0" rtl="0" algn="l">
+            <a:pPr indent="0" lvl="0" marL="0" marR="0" rtl="0" algn="l">
+              <a:lnSpc>
+                <a:spcPct val="100000"/>
+              </a:lnSpc>
               <a:spcBef>
                 <a:spcPts val="320"/>
               </a:spcBef>
               <a:spcAft>
                 <a:spcPts val="0"/>
               </a:spcAft>
+              <a:buClr>
+                <a:srgbClr val="000000"/>
+              </a:buClr>
+              <a:buSzPts val="1400"/>
+              <a:buFont typeface="Arial"/>
               <a:buNone/>
             </a:pPr>
             <a:r>
-              <a:rPr lang="de"/>
+              <a:rPr b="0" i="0" lang="de" sz="1600" u="none" cap="none" strike="noStrike">
+                <a:solidFill>
+                  <a:schemeClr val="dk1"/>
+                </a:solidFill>
+                <a:latin typeface="Arial"/>
+                <a:ea typeface="Arial"/>
+                <a:cs typeface="Arial"/>
+                <a:sym typeface="Arial"/>
+              </a:rPr>
               <a:t>Java-Klassen kann man in sog. packages aufteilen. Dabei sollte (der Compiler erzwingt es aber nicht) die package-Bezeichnung dem physischen Speicherort entsprechen.</a:t>
             </a:r>
-            <a:endParaRPr/>
+            <a:endParaRPr b="0" i="0" sz="1600" u="none" cap="none" strike="noStrike">
+              <a:solidFill>
+                <a:schemeClr val="dk1"/>
+              </a:solidFill>
+              <a:latin typeface="Arial"/>
+              <a:ea typeface="Arial"/>
+              <a:cs typeface="Arial"/>
+              <a:sym typeface="Arial"/>
+            </a:endParaRPr>
           </a:p>
           <a:p>
-            <a:pPr indent="0" lvl="0" marL="0" rtl="0" algn="l">
+            <a:pPr indent="0" lvl="0" marL="0" marR="0" rtl="0" algn="l">
+              <a:lnSpc>
+                <a:spcPct val="100000"/>
+              </a:lnSpc>
               <a:spcBef>
                 <a:spcPts val="320"/>
               </a:spcBef>
               <a:spcAft>
                 <a:spcPts val="0"/>
               </a:spcAft>
+              <a:buClr>
+                <a:srgbClr val="000000"/>
+              </a:buClr>
+              <a:buSzPts val="1400"/>
+              <a:buFont typeface="Arial"/>
               <a:buNone/>
             </a:pPr>
             <a:r>
               <a:t/>
             </a:r>
-            <a:endParaRPr/>
+            <a:endParaRPr b="0" i="0" sz="1600" u="none" cap="none" strike="noStrike">
+              <a:solidFill>
+                <a:schemeClr val="dk1"/>
+              </a:solidFill>
+              <a:latin typeface="Arial"/>
+              <a:ea typeface="Arial"/>
+              <a:cs typeface="Arial"/>
+              <a:sym typeface="Arial"/>
+            </a:endParaRPr>
           </a:p>
           <a:p>
-            <a:pPr indent="0" lvl="0" marL="0" rtl="0" algn="l">
+            <a:pPr indent="0" lvl="0" marL="0" marR="0" rtl="0" algn="l">
+              <a:lnSpc>
+                <a:spcPct val="100000"/>
+              </a:lnSpc>
               <a:spcBef>
                 <a:spcPts val="320"/>
               </a:spcBef>
               <a:spcAft>
                 <a:spcPts val="0"/>
               </a:spcAft>
+              <a:buClr>
+                <a:srgbClr val="000000"/>
+              </a:buClr>
+              <a:buSzPts val="1400"/>
+              <a:buFont typeface="Arial"/>
               <a:buNone/>
             </a:pPr>
             <a:r>
-              <a:rPr lang="de"/>
+              <a:rPr b="0" i="0" lang="de" sz="1600" u="none" cap="none" strike="noStrike">
+                <a:solidFill>
+                  <a:schemeClr val="dk1"/>
+                </a:solidFill>
+                <a:latin typeface="Arial"/>
+                <a:ea typeface="Arial"/>
+                <a:cs typeface="Arial"/>
+                <a:sym typeface="Arial"/>
+              </a:rPr>
               <a:t>Ist z.B. folgende Projektstruktur gegeben:</a:t>
             </a:r>
-            <a:endParaRPr/>
+            <a:endParaRPr b="0" i="0" sz="1600" u="none" cap="none" strike="noStrike">
+              <a:solidFill>
+                <a:schemeClr val="dk1"/>
+              </a:solidFill>
+              <a:latin typeface="Arial"/>
+              <a:ea typeface="Arial"/>
+              <a:cs typeface="Arial"/>
+              <a:sym typeface="Arial"/>
+            </a:endParaRPr>
           </a:p>
           <a:p>
-            <a:pPr indent="0" lvl="0" marL="0" rtl="0" algn="l">
+            <a:pPr indent="0" lvl="0" marL="0" marR="0" rtl="0" algn="l">
+              <a:lnSpc>
+                <a:spcPct val="100000"/>
+              </a:lnSpc>
               <a:spcBef>
                 <a:spcPts val="320"/>
               </a:spcBef>
               <a:spcAft>
                 <a:spcPts val="0"/>
               </a:spcAft>
+              <a:buClr>
+                <a:srgbClr val="000000"/>
+              </a:buClr>
+              <a:buSzPts val="1400"/>
+              <a:buFont typeface="Arial"/>
               <a:buNone/>
             </a:pPr>
             <a:r>
               <a:t/>
             </a:r>
-            <a:endParaRPr/>
+            <a:endParaRPr b="0" i="0" sz="1600" u="none" cap="none" strike="noStrike">
+              <a:solidFill>
+                <a:schemeClr val="dk1"/>
+              </a:solidFill>
+              <a:latin typeface="Arial"/>
+              <a:ea typeface="Arial"/>
+              <a:cs typeface="Arial"/>
+              <a:sym typeface="Arial"/>
+            </a:endParaRPr>
           </a:p>
           <a:p>
-            <a:pPr indent="0" lvl="0" marL="0" rtl="0" algn="l">
+            <a:pPr indent="0" lvl="0" marL="0" marR="0" rtl="0" algn="l">
+              <a:lnSpc>
+                <a:spcPct val="100000"/>
+              </a:lnSpc>
               <a:spcBef>
                 <a:spcPts val="320"/>
               </a:spcBef>
               <a:spcAft>
                 <a:spcPts val="0"/>
               </a:spcAft>
+              <a:buClr>
+                <a:srgbClr val="000000"/>
+              </a:buClr>
+              <a:buSzPts val="1400"/>
+              <a:buFont typeface="Arial"/>
               <a:buNone/>
             </a:pPr>
             <a:r>
               <a:t/>
             </a:r>
-            <a:endParaRPr/>
+            <a:endParaRPr b="0" i="0" sz="1600" u="none" cap="none" strike="noStrike">
+              <a:solidFill>
+                <a:schemeClr val="dk1"/>
+              </a:solidFill>
+              <a:latin typeface="Arial"/>
+              <a:ea typeface="Arial"/>
+              <a:cs typeface="Arial"/>
+              <a:sym typeface="Arial"/>
+            </a:endParaRPr>
           </a:p>
           <a:p>
-            <a:pPr indent="0" lvl="0" marL="0" rtl="0" algn="l">
+            <a:pPr indent="0" lvl="0" marL="0" marR="0" rtl="0" algn="l">
+              <a:lnSpc>
+                <a:spcPct val="100000"/>
+              </a:lnSpc>
               <a:spcBef>
                 <a:spcPts val="320"/>
               </a:spcBef>
               <a:spcAft>
                 <a:spcPts val="0"/>
               </a:spcAft>
+              <a:buClr>
+                <a:srgbClr val="000000"/>
+              </a:buClr>
+              <a:buSzPts val="1400"/>
+              <a:buFont typeface="Arial"/>
               <a:buNone/>
             </a:pPr>
             <a:r>
               <a:t/>
             </a:r>
-            <a:endParaRPr/>
+            <a:endParaRPr b="0" i="0" sz="1600" u="none" cap="none" strike="noStrike">
+              <a:solidFill>
+                <a:schemeClr val="dk1"/>
+              </a:solidFill>
+              <a:latin typeface="Arial"/>
+              <a:ea typeface="Arial"/>
+              <a:cs typeface="Arial"/>
+              <a:sym typeface="Arial"/>
+            </a:endParaRPr>
           </a:p>
           <a:p>
-            <a:pPr indent="0" lvl="0" marL="0" rtl="0" algn="l">
+            <a:pPr indent="0" lvl="0" marL="0" marR="0" rtl="0" algn="l">
+              <a:lnSpc>
+                <a:spcPct val="100000"/>
+              </a:lnSpc>
               <a:spcBef>
                 <a:spcPts val="320"/>
               </a:spcBef>
               <a:spcAft>
                 <a:spcPts val="0"/>
               </a:spcAft>
+              <a:buClr>
+                <a:srgbClr val="000000"/>
+              </a:buClr>
+              <a:buSzPts val="1400"/>
+              <a:buFont typeface="Arial"/>
               <a:buNone/>
             </a:pPr>
             <a:r>
               <a:t/>
             </a:r>
-            <a:endParaRPr/>
+            <a:endParaRPr b="0" i="0" sz="1600" u="none" cap="none" strike="noStrike">
+              <a:solidFill>
+                <a:schemeClr val="dk1"/>
+              </a:solidFill>
+              <a:latin typeface="Arial"/>
+              <a:ea typeface="Arial"/>
+              <a:cs typeface="Arial"/>
+              <a:sym typeface="Arial"/>
+            </a:endParaRPr>
           </a:p>
           <a:p>
-            <a:pPr indent="0" lvl="0" marL="0" rtl="0" algn="l">
+            <a:pPr indent="0" lvl="0" marL="0" marR="0" rtl="0" algn="l">
+              <a:lnSpc>
+                <a:spcPct val="100000"/>
+              </a:lnSpc>
               <a:spcBef>
                 <a:spcPts val="320"/>
               </a:spcBef>
               <a:spcAft>
                 <a:spcPts val="0"/>
               </a:spcAft>
+              <a:buClr>
+                <a:srgbClr val="000000"/>
+              </a:buClr>
+              <a:buSzPts val="1400"/>
+              <a:buFont typeface="Arial"/>
               <a:buNone/>
             </a:pPr>
             <a:r>
               <a:t/>
             </a:r>
-            <a:endParaRPr/>
+            <a:endParaRPr b="0" i="0" sz="1600" u="none" cap="none" strike="noStrike">
+              <a:solidFill>
+                <a:schemeClr val="dk1"/>
+              </a:solidFill>
+              <a:latin typeface="Arial"/>
+              <a:ea typeface="Arial"/>
+              <a:cs typeface="Arial"/>
+              <a:sym typeface="Arial"/>
+            </a:endParaRPr>
           </a:p>
           <a:p>
-            <a:pPr indent="0" lvl="0" marL="0" rtl="0" algn="l">
+            <a:pPr indent="0" lvl="0" marL="0" marR="0" rtl="0" algn="l">
+              <a:lnSpc>
+                <a:spcPct val="100000"/>
+              </a:lnSpc>
               <a:spcBef>
                 <a:spcPts val="320"/>
               </a:spcBef>
               <a:spcAft>
                 <a:spcPts val="0"/>
               </a:spcAft>
+              <a:buClr>
+                <a:srgbClr val="000000"/>
+              </a:buClr>
+              <a:buSzPts val="1400"/>
+              <a:buFont typeface="Arial"/>
               <a:buNone/>
             </a:pPr>
             <a:r>
               <a:t/>
             </a:r>
-            <a:endParaRPr/>
+            <a:endParaRPr b="0" i="0" sz="1600" u="none" cap="none" strike="noStrike">
+              <a:solidFill>
+                <a:schemeClr val="dk1"/>
+              </a:solidFill>
+              <a:latin typeface="Arial"/>
+              <a:ea typeface="Arial"/>
+              <a:cs typeface="Arial"/>
+              <a:sym typeface="Arial"/>
+            </a:endParaRPr>
           </a:p>
           <a:p>
-            <a:pPr indent="0" lvl="0" marL="0" rtl="0" algn="l">
+            <a:pPr indent="0" lvl="0" marL="0" marR="0" rtl="0" algn="l">
+              <a:lnSpc>
+                <a:spcPct val="100000"/>
+              </a:lnSpc>
               <a:spcBef>
                 <a:spcPts val="320"/>
               </a:spcBef>
               <a:spcAft>
                 <a:spcPts val="0"/>
               </a:spcAft>
+              <a:buClr>
+                <a:srgbClr val="000000"/>
+              </a:buClr>
+              <a:buSzPts val="1400"/>
+              <a:buFont typeface="Arial"/>
               <a:buNone/>
             </a:pPr>
             <a:r>
-              <a:rPr lang="de"/>
+              <a:rPr b="0" i="0" lang="de" sz="1600" u="none" cap="none" strike="noStrike">
+                <a:solidFill>
+                  <a:schemeClr val="dk1"/>
+                </a:solidFill>
+                <a:latin typeface="Arial"/>
+                <a:ea typeface="Arial"/>
+                <a:cs typeface="Arial"/>
+                <a:sym typeface="Arial"/>
+              </a:rPr>
               <a:t>Dann hat die Klasse Fibonacci folgendes package statement:</a:t>
             </a:r>
-            <a:endParaRPr/>
+            <a:endParaRPr b="0" i="0" sz="1600" u="none" cap="none" strike="noStrike">
+              <a:solidFill>
+                <a:schemeClr val="dk1"/>
+              </a:solidFill>
+              <a:latin typeface="Arial"/>
+              <a:ea typeface="Arial"/>
+              <a:cs typeface="Arial"/>
+              <a:sym typeface="Arial"/>
+            </a:endParaRPr>
           </a:p>
           <a:p>
-            <a:pPr indent="0" lvl="0" marL="0" rtl="0" algn="l">
+            <a:pPr indent="0" lvl="0" marL="0" marR="0" rtl="0" algn="l">
+              <a:lnSpc>
+                <a:spcPct val="100000"/>
+              </a:lnSpc>
               <a:spcBef>
                 <a:spcPts val="320"/>
               </a:spcBef>
               <a:spcAft>
                 <a:spcPts val="0"/>
               </a:spcAft>
+              <a:buClr>
+                <a:srgbClr val="000000"/>
+              </a:buClr>
+              <a:buSzPts val="1400"/>
+              <a:buFont typeface="Arial"/>
               <a:buNone/>
             </a:pPr>
             <a:r>
               <a:t/>
             </a:r>
-            <a:endParaRPr/>
+            <a:endParaRPr b="0" i="0" sz="1600" u="none" cap="none" strike="noStrike">
+              <a:solidFill>
+                <a:schemeClr val="dk1"/>
+              </a:solidFill>
+              <a:latin typeface="Arial"/>
+              <a:ea typeface="Arial"/>
+              <a:cs typeface="Arial"/>
+              <a:sym typeface="Arial"/>
+            </a:endParaRPr>
           </a:p>
           <a:p>
-            <a:pPr indent="0" lvl="0" marL="0" rtl="0" algn="l">
+            <a:pPr indent="0" lvl="0" marL="0" marR="0" rtl="0" algn="l">
+              <a:lnSpc>
+                <a:spcPct val="100000"/>
+              </a:lnSpc>
               <a:spcBef>
                 <a:spcPts val="320"/>
               </a:spcBef>
               <a:spcAft>
                 <a:spcPts val="0"/>
               </a:spcAft>
+              <a:buClr>
+                <a:srgbClr val="000000"/>
+              </a:buClr>
+              <a:buSzPts val="1400"/>
+              <a:buFont typeface="Arial"/>
               <a:buNone/>
             </a:pPr>
             <a:r>
               <a:t/>
             </a:r>
-            <a:endParaRPr/>
+            <a:endParaRPr b="0" i="0" sz="1600" u="none" cap="none" strike="noStrike">
+              <a:solidFill>
+                <a:schemeClr val="dk1"/>
+              </a:solidFill>
+              <a:latin typeface="Arial"/>
+              <a:ea typeface="Arial"/>
+              <a:cs typeface="Arial"/>
+              <a:sym typeface="Arial"/>
+            </a:endParaRPr>
           </a:p>
         </p:txBody>
       </p:sp>
@@ -13712,13 +15930,12 @@
           <p:cNvPicPr preferRelativeResize="0"/>
           <p:nvPr/>
         </p:nvPicPr>
-        <p:blipFill>
+        <p:blipFill rotWithShape="1">
           <a:blip r:embed="rId3">
             <a:alphaModFix/>
           </a:blip>
-          <a:stretch>
-            <a:fillRect/>
-          </a:stretch>
+          <a:srcRect b="0" l="0" r="0" t="0"/>
+          <a:stretch/>
         </p:blipFill>
         <p:spPr>
           <a:xfrm>
@@ -13740,13 +15957,12 @@
           <p:cNvPicPr preferRelativeResize="0"/>
           <p:nvPr/>
         </p:nvPicPr>
-        <p:blipFill>
+        <p:blipFill rotWithShape="1">
           <a:blip r:embed="rId4">
             <a:alphaModFix/>
           </a:blip>
-          <a:stretch>
-            <a:fillRect/>
-          </a:stretch>
+          <a:srcRect b="0" l="0" r="0" t="0"/>
+          <a:stretch/>
         </p:blipFill>
         <p:spPr>
           <a:xfrm>

--- a/slides/04_functions_classes_packages.pptx
+++ b/slides/04_functions_classes_packages.pptx
@@ -10345,7 +10345,7 @@
             <a:tbl>
               <a:tblPr>
                 <a:noFill/>
-                <a:tableStyleId>{2C25B0D8-D8FD-48CA-A2DC-27D766441C81}</a:tableStyleId>
+                <a:tableStyleId>{4B937E0F-2B32-4225-890E-A4E57F0C2B8E}</a:tableStyleId>
               </a:tblPr>
               <a:tblGrid>
                 <a:gridCol w="1447800"/>
@@ -11714,6 +11714,14 @@
               <a:buChar char="●"/>
             </a:pPr>
             <a:r>
+              <a:rPr b="1" i="0" lang="de" sz="1600" u="none" cap="none" strike="noStrike">
+                <a:solidFill>
+                  <a:schemeClr val="dk1"/>
+                </a:solidFill>
+              </a:rPr>
+              <a:t>Alternative 1</a:t>
+            </a:r>
+            <a:r>
               <a:rPr b="0" i="0" lang="de" sz="1600" u="none" cap="none" strike="noStrike">
                 <a:solidFill>
                   <a:schemeClr val="dk1"/>
@@ -11723,7 +11731,7 @@
                 <a:cs typeface="Arial"/>
                 <a:sym typeface="Arial"/>
               </a:rPr>
-              <a:t>Alternative 1: Palindrom-Detektor</a:t>
+              <a:t>: Palindrom-Detektor</a:t>
             </a:r>
             <a:endParaRPr b="0" i="0" sz="1600" u="none" cap="none" strike="noStrike">
               <a:solidFill>
@@ -12095,6 +12103,14 @@
               <a:buChar char="●"/>
             </a:pPr>
             <a:r>
+              <a:rPr b="1" i="0" lang="de" sz="1600" u="none" cap="none" strike="noStrike">
+                <a:solidFill>
+                  <a:schemeClr val="dk1"/>
+                </a:solidFill>
+              </a:rPr>
+              <a:t>Alternative 2</a:t>
+            </a:r>
+            <a:r>
               <a:rPr b="0" i="0" lang="de" sz="1600" u="none" cap="none" strike="noStrike">
                 <a:solidFill>
                   <a:schemeClr val="dk1"/>
@@ -12104,7 +12120,7 @@
                 <a:cs typeface="Arial"/>
                 <a:sym typeface="Arial"/>
               </a:rPr>
-              <a:t>Alternative 2: Primzahl-Detektor</a:t>
+              <a:t>: Primzahl-Detektor</a:t>
             </a:r>
             <a:endParaRPr b="0" i="0" sz="1600" u="none" cap="none" strike="noStrike">
               <a:solidFill>
@@ -12184,7 +12200,23 @@
                 <a:cs typeface="Arial"/>
                 <a:sym typeface="Arial"/>
               </a:rPr>
-              <a:t>Das Programm soll sich dann den Kommandozeilenparameter nehmen, testen, ob es eine Primzahl ist, und dementsprechend eine Kommandozeilenausgabe machen.</a:t>
+              <a:t>Das Programm soll sich dann den </a:t>
+            </a:r>
+            <a:r>
+              <a:rPr lang="de"/>
+              <a:t>P</a:t>
+            </a:r>
+            <a:r>
+              <a:rPr b="0" i="0" lang="de" sz="1600" u="none" cap="none" strike="noStrike">
+                <a:solidFill>
+                  <a:schemeClr val="dk1"/>
+                </a:solidFill>
+                <a:latin typeface="Arial"/>
+                <a:ea typeface="Arial"/>
+                <a:cs typeface="Arial"/>
+                <a:sym typeface="Arial"/>
+              </a:rPr>
+              <a:t>arameter nehmen, testen, ob es eine Primzahl ist, und dementsprechend eine Kommandozeilenausgabe machen.</a:t>
             </a:r>
             <a:endParaRPr b="0" i="0" sz="1600" u="none" cap="none" strike="noStrike">
               <a:solidFill>
@@ -14605,70 +14637,6 @@
         </p:nvSpPr>
         <p:spPr>
           <a:xfrm>
-            <a:off x="271575" y="2353675"/>
-            <a:ext cx="5806353" cy="1949409"/>
-          </a:xfrm>
-          <a:custGeom>
-            <a:rect b="b" l="l" r="r" t="t"/>
-            <a:pathLst>
-              <a:path extrusionOk="0" h="22504" w="238920">
-                <a:moveTo>
-                  <a:pt x="238920" y="19422"/>
-                </a:moveTo>
-                <a:cubicBezTo>
-                  <a:pt x="202655" y="19751"/>
-                  <a:pt x="60063" y="24634"/>
-                  <a:pt x="21329" y="21397"/>
-                </a:cubicBezTo>
-                <a:cubicBezTo>
-                  <a:pt x="-17405" y="18160"/>
-                  <a:pt x="8985" y="3566"/>
-                  <a:pt x="6516" y="0"/>
-                </a:cubicBezTo>
-              </a:path>
-            </a:pathLst>
-          </a:custGeom>
-          <a:noFill/>
-          <a:ln cap="flat" cmpd="sng" w="9525">
-            <a:solidFill>
-              <a:srgbClr val="FF0000"/>
-            </a:solidFill>
-            <a:prstDash val="solid"/>
-            <a:round/>
-            <a:headEnd len="sm" w="sm" type="none"/>
-            <a:tailEnd len="sm" w="sm" type="none"/>
-          </a:ln>
-        </p:spPr>
-        <p:txBody>
-          <a:bodyPr anchorCtr="0" anchor="ctr" bIns="91425" lIns="91425" spcFirstLastPara="1" rIns="91425" wrap="square" tIns="91425">
-            <a:noAutofit/>
-          </a:bodyPr>
-          <a:lstStyle/>
-          <a:p>
-            <a:pPr indent="0" lvl="0" marL="0" rtl="0" algn="l">
-              <a:spcBef>
-                <a:spcPts val="0"/>
-              </a:spcBef>
-              <a:spcAft>
-                <a:spcPts val="0"/>
-              </a:spcAft>
-              <a:buNone/>
-            </a:pPr>
-            <a:r>
-              <a:t/>
-            </a:r>
-            <a:endParaRPr/>
-          </a:p>
-        </p:txBody>
-      </p:sp>
-      <p:sp>
-        <p:nvSpPr>
-          <p:cNvPr id="132" name="Google Shape;132;p21"/>
-          <p:cNvSpPr/>
-          <p:nvPr/>
-        </p:nvSpPr>
-        <p:spPr>
-          <a:xfrm>
             <a:off x="62710" y="2277775"/>
             <a:ext cx="6178575" cy="534500"/>
           </a:xfrm>
@@ -14727,7 +14695,7 @@
       </p:sp>
       <p:sp>
         <p:nvSpPr>
-          <p:cNvPr id="133" name="Google Shape;133;p21"/>
+          <p:cNvPr id="132" name="Google Shape;132;p21"/>
           <p:cNvSpPr txBox="1"/>
           <p:nvPr/>
         </p:nvSpPr>
@@ -14793,7 +14761,7 @@
       </p:sp>
       <p:sp>
         <p:nvSpPr>
-          <p:cNvPr id="134" name="Google Shape;134;p21"/>
+          <p:cNvPr id="133" name="Google Shape;133;p21"/>
           <p:cNvSpPr txBox="1"/>
           <p:nvPr/>
         </p:nvSpPr>
@@ -14859,7 +14827,7 @@
       </p:sp>
       <p:sp>
         <p:nvSpPr>
-          <p:cNvPr id="135" name="Google Shape;135;p21"/>
+          <p:cNvPr id="134" name="Google Shape;134;p21"/>
           <p:cNvSpPr txBox="1"/>
           <p:nvPr/>
         </p:nvSpPr>
@@ -14920,6 +14888,70 @@
               <a:cs typeface="Arial"/>
               <a:sym typeface="Arial"/>
             </a:endParaRPr>
+          </a:p>
+        </p:txBody>
+      </p:sp>
+      <p:sp>
+        <p:nvSpPr>
+          <p:cNvPr id="135" name="Google Shape;135;p21"/>
+          <p:cNvSpPr/>
+          <p:nvPr/>
+        </p:nvSpPr>
+        <p:spPr>
+          <a:xfrm>
+            <a:off x="148125" y="2337200"/>
+            <a:ext cx="5860378" cy="1908325"/>
+          </a:xfrm>
+          <a:custGeom>
+            <a:rect b="b" l="l" r="r" t="t"/>
+            <a:pathLst>
+              <a:path extrusionOk="0" h="21380" w="247143">
+                <a:moveTo>
+                  <a:pt x="247143" y="21380"/>
+                </a:moveTo>
+                <a:cubicBezTo>
+                  <a:pt x="209153" y="20777"/>
+                  <a:pt x="58397" y="21325"/>
+                  <a:pt x="19201" y="17762"/>
+                </a:cubicBezTo>
+                <a:cubicBezTo>
+                  <a:pt x="-19995" y="14199"/>
+                  <a:pt x="13171" y="2960"/>
+                  <a:pt x="11965" y="0"/>
+                </a:cubicBezTo>
+              </a:path>
+            </a:pathLst>
+          </a:custGeom>
+          <a:noFill/>
+          <a:ln cap="flat" cmpd="sng" w="9525">
+            <a:solidFill>
+              <a:srgbClr val="FF0000"/>
+            </a:solidFill>
+            <a:prstDash val="solid"/>
+            <a:round/>
+            <a:headEnd len="sm" w="sm" type="none"/>
+            <a:tailEnd len="sm" w="sm" type="none"/>
+          </a:ln>
+        </p:spPr>
+        <p:txBody>
+          <a:bodyPr anchorCtr="0" anchor="ctr" bIns="91425" lIns="91425" spcFirstLastPara="1" rIns="91425" wrap="square" tIns="91425">
+            <a:noAutofit/>
+          </a:bodyPr>
+          <a:lstStyle/>
+          <a:p>
+            <a:pPr indent="0" lvl="0" marL="0" rtl="0" algn="l">
+              <a:spcBef>
+                <a:spcPts val="0"/>
+              </a:spcBef>
+              <a:spcAft>
+                <a:spcPts val="0"/>
+              </a:spcAft>
+              <a:buNone/>
+            </a:pPr>
+            <a:r>
+              <a:t/>
+            </a:r>
+            <a:endParaRPr/>
           </a:p>
         </p:txBody>
       </p:sp>
@@ -15050,7 +15082,23 @@
                 <a:cs typeface="Arial"/>
                 <a:sym typeface="Arial"/>
               </a:rPr>
-              <a:t>In Java besteht die Möglichkeit, eigene Klassen zu schreiben. Dafür bekommt (in der Regel, Ausnahme s.u.) jede Klasse eine eigene Datei. Die Klasse muss den gleichen Namen wie die .java-Datei tragen.</a:t>
+              <a:t>In Java besteht die Möglichkeit, eigene Klassen zu schreiben. Dafür bekommt (in der Regel, Ausnahme </a:t>
+            </a:r>
+            <a:r>
+              <a:rPr lang="de"/>
+              <a:t>sind sog. innere Klassen</a:t>
+            </a:r>
+            <a:r>
+              <a:rPr b="0" i="0" lang="de" sz="1600" u="none" cap="none" strike="noStrike">
+                <a:solidFill>
+                  <a:schemeClr val="dk1"/>
+                </a:solidFill>
+                <a:latin typeface="Arial"/>
+                <a:ea typeface="Arial"/>
+                <a:cs typeface="Arial"/>
+                <a:sym typeface="Arial"/>
+              </a:rPr>
+              <a:t>) jede Klasse eine eigene Datei. Die Klasse muss den gleichen Namen wie die .java-Datei tragen.</a:t>
             </a:r>
             <a:endParaRPr b="0" i="0" sz="1600" u="none" cap="none" strike="noStrike">
               <a:solidFill>
@@ -15551,7 +15599,23 @@
                 <a:cs typeface="Arial"/>
                 <a:sym typeface="Arial"/>
               </a:rPr>
-              <a:t>Java-Klassen kann man in sog. packages aufteilen. Dabei sollte (der Compiler erzwingt es aber nicht) die package-Bezeichnung dem physischen Speicherort entsprechen.</a:t>
+              <a:t>Java-Klassen kann man in sog. packages aufteilen. Dabei sollte die package-Bezeichnung dem physischen Speicherort entsprechen </a:t>
+            </a:r>
+            <a:r>
+              <a:rPr lang="de"/>
+              <a:t>(der Compiler erzwingt es aber nicht)</a:t>
+            </a:r>
+            <a:r>
+              <a:rPr b="0" i="0" lang="de" sz="1600" u="none" cap="none" strike="noStrike">
+                <a:solidFill>
+                  <a:schemeClr val="dk1"/>
+                </a:solidFill>
+                <a:latin typeface="Arial"/>
+                <a:ea typeface="Arial"/>
+                <a:cs typeface="Arial"/>
+                <a:sym typeface="Arial"/>
+              </a:rPr>
+              <a:t>.</a:t>
             </a:r>
             <a:endParaRPr b="0" i="0" sz="1600" u="none" cap="none" strike="noStrike">
               <a:solidFill>
@@ -15987,6 +16051,285 @@
 </file>
 
 <file path=ppt/theme/theme1.xml><?xml version="1.0" encoding="utf-8"?>
+<a:theme xmlns:a="http://schemas.openxmlformats.org/drawingml/2006/main" xmlns:r="http://schemas.openxmlformats.org/officeDocument/2006/relationships">
+  <a:themeElements>
+    <a:clrScheme name="Default">
+      <a:dk1>
+        <a:srgbClr val="000000"/>
+      </a:dk1>
+      <a:lt1>
+        <a:srgbClr val="FFFFFF"/>
+      </a:lt1>
+      <a:dk2>
+        <a:srgbClr val="158158"/>
+      </a:dk2>
+      <a:lt2>
+        <a:srgbClr val="F3F3F3"/>
+      </a:lt2>
+      <a:accent1>
+        <a:srgbClr val="058DC7"/>
+      </a:accent1>
+      <a:accent2>
+        <a:srgbClr val="50B432"/>
+      </a:accent2>
+      <a:accent3>
+        <a:srgbClr val="ED561B"/>
+      </a:accent3>
+      <a:accent4>
+        <a:srgbClr val="EDEF00"/>
+      </a:accent4>
+      <a:accent5>
+        <a:srgbClr val="24CBE5"/>
+      </a:accent5>
+      <a:accent6>
+        <a:srgbClr val="64E572"/>
+      </a:accent6>
+      <a:hlink>
+        <a:srgbClr val="2200CC"/>
+      </a:hlink>
+      <a:folHlink>
+        <a:srgbClr val="551A8B"/>
+      </a:folHlink>
+    </a:clrScheme>
+    <a:fontScheme name="Office">
+      <a:majorFont>
+        <a:latin typeface="Arial"/>
+        <a:ea typeface=""/>
+        <a:cs typeface=""/>
+        <a:font script="Jpan" typeface="ＭＳ Ｐゴシック"/>
+        <a:font script="Hang" typeface="맑은 고딕"/>
+        <a:font script="Hans" typeface="宋体"/>
+        <a:font script="Hant" typeface="新細明體"/>
+        <a:font script="Arab" typeface="Times New Roman"/>
+        <a:font script="Hebr" typeface="Times New Roman"/>
+        <a:font script="Thai" typeface="Angsana New"/>
+        <a:font script="Ethi" typeface="Nyala"/>
+        <a:font script="Beng" typeface="Vrinda"/>
+        <a:font script="Gujr" typeface="Shruti"/>
+        <a:font script="Khmr" typeface="MoolBoran"/>
+        <a:font script="Knda" typeface="Tunga"/>
+        <a:font script="Guru" typeface="Raavi"/>
+        <a:font script="Cans" typeface="Euphemia"/>
+        <a:font script="Cher" typeface="Plantagenet Cherokee"/>
+        <a:font script="Yiii" typeface="Microsoft Yi Baiti"/>
+        <a:font script="Tibt" typeface="Microsoft Himalaya"/>
+        <a:font script="Thaa" typeface="MV Boli"/>
+        <a:font script="Deva" typeface="Mangal"/>
+        <a:font script="Telu" typeface="Gautami"/>
+        <a:font script="Taml" typeface="Latha"/>
+        <a:font script="Syrc" typeface="Estrangelo Edessa"/>
+        <a:font script="Orya" typeface="Kalinga"/>
+        <a:font script="Mlym" typeface="Kartika"/>
+        <a:font script="Laoo" typeface="DokChampa"/>
+        <a:font script="Sinh" typeface="Iskoola Pota"/>
+        <a:font script="Mong" typeface="Mongolian Baiti"/>
+        <a:font script="Viet" typeface="Times New Roman"/>
+        <a:font script="Uigh" typeface="Microsoft Uighur"/>
+        <a:font script="Geor" typeface="Sylfaen"/>
+      </a:majorFont>
+      <a:minorFont>
+        <a:latin typeface="Arial"/>
+        <a:ea typeface=""/>
+        <a:cs typeface=""/>
+        <a:font script="Jpan" typeface="ＭＳ Ｐゴシック"/>
+        <a:font script="Hang" typeface="맑은 고딕"/>
+        <a:font script="Hans" typeface="宋体"/>
+        <a:font script="Hant" typeface="新細明體"/>
+        <a:font script="Arab" typeface="Arial"/>
+        <a:font script="Hebr" typeface="Arial"/>
+        <a:font script="Thai" typeface="Cordia New"/>
+        <a:font script="Ethi" typeface="Nyala"/>
+        <a:font script="Beng" typeface="Vrinda"/>
+        <a:font script="Gujr" typeface="Shruti"/>
+        <a:font script="Khmr" typeface="DaunPenh"/>
+        <a:font script="Knda" typeface="Tunga"/>
+        <a:font script="Guru" typeface="Raavi"/>
+        <a:font script="Cans" typeface="Euphemia"/>
+        <a:font script="Cher" typeface="Plantagenet Cherokee"/>
+        <a:font script="Yiii" typeface="Microsoft Yi Baiti"/>
+        <a:font script="Tibt" typeface="Microsoft Himalaya"/>
+        <a:font script="Thaa" typeface="MV Boli"/>
+        <a:font script="Deva" typeface="Mangal"/>
+        <a:font script="Telu" typeface="Gautami"/>
+        <a:font script="Taml" typeface="Latha"/>
+        <a:font script="Syrc" typeface="Estrangelo Edessa"/>
+        <a:font script="Orya" typeface="Kalinga"/>
+        <a:font script="Mlym" typeface="Kartika"/>
+        <a:font script="Laoo" typeface="DokChampa"/>
+        <a:font script="Sinh" typeface="Iskoola Pota"/>
+        <a:font script="Mong" typeface="Mongolian Baiti"/>
+        <a:font script="Viet" typeface="Arial"/>
+        <a:font script="Uigh" typeface="Microsoft Uighur"/>
+        <a:font script="Geor" typeface="Sylfaen"/>
+      </a:minorFont>
+    </a:fontScheme>
+    <a:fmtScheme name="Office">
+      <a:fillStyleLst>
+        <a:solidFill>
+          <a:schemeClr val="phClr"/>
+        </a:solidFill>
+        <a:gradFill rotWithShape="1">
+          <a:gsLst>
+            <a:gs pos="0">
+              <a:schemeClr val="phClr">
+                <a:tint val="50000"/>
+                <a:satMod val="300000"/>
+              </a:schemeClr>
+            </a:gs>
+            <a:gs pos="35000">
+              <a:schemeClr val="phClr">
+                <a:tint val="37000"/>
+                <a:satMod val="300000"/>
+              </a:schemeClr>
+            </a:gs>
+            <a:gs pos="100000">
+              <a:schemeClr val="phClr">
+                <a:tint val="15000"/>
+                <a:satMod val="350000"/>
+              </a:schemeClr>
+            </a:gs>
+          </a:gsLst>
+          <a:lin ang="16200000" scaled="1"/>
+        </a:gradFill>
+        <a:gradFill rotWithShape="1">
+          <a:gsLst>
+            <a:gs pos="0">
+              <a:schemeClr val="phClr">
+                <a:tint val="100000"/>
+                <a:shade val="100000"/>
+                <a:satMod val="130000"/>
+              </a:schemeClr>
+            </a:gs>
+            <a:gs pos="100000">
+              <a:schemeClr val="phClr">
+                <a:tint val="50000"/>
+                <a:shade val="100000"/>
+                <a:satMod val="350000"/>
+              </a:schemeClr>
+            </a:gs>
+          </a:gsLst>
+          <a:lin ang="16200000" scaled="0"/>
+        </a:gradFill>
+      </a:fillStyleLst>
+      <a:lnStyleLst>
+        <a:ln w="9525" cap="flat" cmpd="sng" algn="ctr">
+          <a:solidFill>
+            <a:schemeClr val="phClr">
+              <a:shade val="95000"/>
+              <a:satMod val="105000"/>
+            </a:schemeClr>
+          </a:solidFill>
+          <a:prstDash val="solid"/>
+        </a:ln>
+        <a:ln w="25400" cap="flat" cmpd="sng" algn="ctr">
+          <a:solidFill>
+            <a:schemeClr val="phClr"/>
+          </a:solidFill>
+          <a:prstDash val="solid"/>
+        </a:ln>
+        <a:ln w="38100" cap="flat" cmpd="sng" algn="ctr">
+          <a:solidFill>
+            <a:schemeClr val="phClr"/>
+          </a:solidFill>
+          <a:prstDash val="solid"/>
+        </a:ln>
+      </a:lnStyleLst>
+      <a:effectStyleLst>
+        <a:effectStyle>
+          <a:effectLst>
+            <a:outerShdw blurRad="40000" dist="20000" dir="5400000" rotWithShape="0">
+              <a:srgbClr val="000000">
+                <a:alpha val="38000"/>
+              </a:srgbClr>
+            </a:outerShdw>
+          </a:effectLst>
+        </a:effectStyle>
+        <a:effectStyle>
+          <a:effectLst>
+            <a:outerShdw blurRad="40000" dist="23000" dir="5400000" rotWithShape="0">
+              <a:srgbClr val="000000">
+                <a:alpha val="35000"/>
+              </a:srgbClr>
+            </a:outerShdw>
+          </a:effectLst>
+        </a:effectStyle>
+        <a:effectStyle>
+          <a:effectLst>
+            <a:outerShdw blurRad="40000" dist="23000" dir="5400000" rotWithShape="0">
+              <a:srgbClr val="000000">
+                <a:alpha val="35000"/>
+              </a:srgbClr>
+            </a:outerShdw>
+          </a:effectLst>
+          <a:scene3d>
+            <a:camera prst="orthographicFront">
+              <a:rot lat="0" lon="0" rev="0"/>
+            </a:camera>
+            <a:lightRig rig="threePt" dir="t">
+              <a:rot lat="0" lon="0" rev="1200000"/>
+            </a:lightRig>
+          </a:scene3d>
+          <a:sp3d>
+            <a:bevelT w="63500" h="25400"/>
+          </a:sp3d>
+        </a:effectStyle>
+      </a:effectStyleLst>
+      <a:bgFillStyleLst>
+        <a:solidFill>
+          <a:schemeClr val="phClr"/>
+        </a:solidFill>
+        <a:gradFill rotWithShape="1">
+          <a:gsLst>
+            <a:gs pos="0">
+              <a:schemeClr val="phClr">
+                <a:tint val="40000"/>
+                <a:satMod val="350000"/>
+              </a:schemeClr>
+            </a:gs>
+            <a:gs pos="40000">
+              <a:schemeClr val="phClr">
+                <a:tint val="45000"/>
+                <a:shade val="99000"/>
+                <a:satMod val="350000"/>
+              </a:schemeClr>
+            </a:gs>
+            <a:gs pos="100000">
+              <a:schemeClr val="phClr">
+                <a:shade val="20000"/>
+                <a:satMod val="255000"/>
+              </a:schemeClr>
+            </a:gs>
+          </a:gsLst>
+          <a:path path="circle">
+            <a:fillToRect l="50000" t="-80000" r="50000" b="180000"/>
+          </a:path>
+        </a:gradFill>
+        <a:gradFill rotWithShape="1">
+          <a:gsLst>
+            <a:gs pos="0">
+              <a:schemeClr val="phClr">
+                <a:tint val="80000"/>
+                <a:satMod val="300000"/>
+              </a:schemeClr>
+            </a:gs>
+            <a:gs pos="100000">
+              <a:schemeClr val="phClr">
+                <a:shade val="30000"/>
+                <a:satMod val="200000"/>
+              </a:schemeClr>
+            </a:gs>
+          </a:gsLst>
+          <a:path path="circle">
+            <a:fillToRect l="50000" t="50000" r="50000" b="50000"/>
+          </a:path>
+        </a:gradFill>
+      </a:bgFillStyleLst>
+    </a:fmtScheme>
+  </a:themeElements>
+</a:theme>
+</file>
+
+<file path=ppt/theme/theme2.xml><?xml version="1.0" encoding="utf-8"?>
 <a:theme xmlns:a="http://schemas.openxmlformats.org/drawingml/2006/main" xmlns:r="http://schemas.openxmlformats.org/officeDocument/2006/relationships" name="TUBraunschweig_PPT2007_Folienpool_pptx">
   <a:themeElements>
     <a:clrScheme name="TU Braunschweig">
@@ -16263,283 +16606,4 @@
     </a:fmtScheme>
   </a:themeElements>
 </a:theme>
-</file>
-
-<file path=ppt/theme/theme2.xml><?xml version="1.0" encoding="utf-8"?>
-<a:theme xmlns:a="http://schemas.openxmlformats.org/drawingml/2006/main" xmlns:r="http://schemas.openxmlformats.org/officeDocument/2006/relationships">
-  <a:themeElements>
-    <a:clrScheme name="Default">
-      <a:dk1>
-        <a:srgbClr val="000000"/>
-      </a:dk1>
-      <a:lt1>
-        <a:srgbClr val="FFFFFF"/>
-      </a:lt1>
-      <a:dk2>
-        <a:srgbClr val="158158"/>
-      </a:dk2>
-      <a:lt2>
-        <a:srgbClr val="F3F3F3"/>
-      </a:lt2>
-      <a:accent1>
-        <a:srgbClr val="058DC7"/>
-      </a:accent1>
-      <a:accent2>
-        <a:srgbClr val="50B432"/>
-      </a:accent2>
-      <a:accent3>
-        <a:srgbClr val="ED561B"/>
-      </a:accent3>
-      <a:accent4>
-        <a:srgbClr val="EDEF00"/>
-      </a:accent4>
-      <a:accent5>
-        <a:srgbClr val="24CBE5"/>
-      </a:accent5>
-      <a:accent6>
-        <a:srgbClr val="64E572"/>
-      </a:accent6>
-      <a:hlink>
-        <a:srgbClr val="2200CC"/>
-      </a:hlink>
-      <a:folHlink>
-        <a:srgbClr val="551A8B"/>
-      </a:folHlink>
-    </a:clrScheme>
-    <a:fontScheme name="Office">
-      <a:majorFont>
-        <a:latin typeface="Arial"/>
-        <a:ea typeface=""/>
-        <a:cs typeface=""/>
-        <a:font script="Jpan" typeface="ＭＳ Ｐゴシック"/>
-        <a:font script="Hang" typeface="맑은 고딕"/>
-        <a:font script="Hans" typeface="宋体"/>
-        <a:font script="Hant" typeface="新細明體"/>
-        <a:font script="Arab" typeface="Times New Roman"/>
-        <a:font script="Hebr" typeface="Times New Roman"/>
-        <a:font script="Thai" typeface="Angsana New"/>
-        <a:font script="Ethi" typeface="Nyala"/>
-        <a:font script="Beng" typeface="Vrinda"/>
-        <a:font script="Gujr" typeface="Shruti"/>
-        <a:font script="Khmr" typeface="MoolBoran"/>
-        <a:font script="Knda" typeface="Tunga"/>
-        <a:font script="Guru" typeface="Raavi"/>
-        <a:font script="Cans" typeface="Euphemia"/>
-        <a:font script="Cher" typeface="Plantagenet Cherokee"/>
-        <a:font script="Yiii" typeface="Microsoft Yi Baiti"/>
-        <a:font script="Tibt" typeface="Microsoft Himalaya"/>
-        <a:font script="Thaa" typeface="MV Boli"/>
-        <a:font script="Deva" typeface="Mangal"/>
-        <a:font script="Telu" typeface="Gautami"/>
-        <a:font script="Taml" typeface="Latha"/>
-        <a:font script="Syrc" typeface="Estrangelo Edessa"/>
-        <a:font script="Orya" typeface="Kalinga"/>
-        <a:font script="Mlym" typeface="Kartika"/>
-        <a:font script="Laoo" typeface="DokChampa"/>
-        <a:font script="Sinh" typeface="Iskoola Pota"/>
-        <a:font script="Mong" typeface="Mongolian Baiti"/>
-        <a:font script="Viet" typeface="Times New Roman"/>
-        <a:font script="Uigh" typeface="Microsoft Uighur"/>
-        <a:font script="Geor" typeface="Sylfaen"/>
-      </a:majorFont>
-      <a:minorFont>
-        <a:latin typeface="Arial"/>
-        <a:ea typeface=""/>
-        <a:cs typeface=""/>
-        <a:font script="Jpan" typeface="ＭＳ Ｐゴシック"/>
-        <a:font script="Hang" typeface="맑은 고딕"/>
-        <a:font script="Hans" typeface="宋体"/>
-        <a:font script="Hant" typeface="新細明體"/>
-        <a:font script="Arab" typeface="Arial"/>
-        <a:font script="Hebr" typeface="Arial"/>
-        <a:font script="Thai" typeface="Cordia New"/>
-        <a:font script="Ethi" typeface="Nyala"/>
-        <a:font script="Beng" typeface="Vrinda"/>
-        <a:font script="Gujr" typeface="Shruti"/>
-        <a:font script="Khmr" typeface="DaunPenh"/>
-        <a:font script="Knda" typeface="Tunga"/>
-        <a:font script="Guru" typeface="Raavi"/>
-        <a:font script="Cans" typeface="Euphemia"/>
-        <a:font script="Cher" typeface="Plantagenet Cherokee"/>
-        <a:font script="Yiii" typeface="Microsoft Yi Baiti"/>
-        <a:font script="Tibt" typeface="Microsoft Himalaya"/>
-        <a:font script="Thaa" typeface="MV Boli"/>
-        <a:font script="Deva" typeface="Mangal"/>
-        <a:font script="Telu" typeface="Gautami"/>
-        <a:font script="Taml" typeface="Latha"/>
-        <a:font script="Syrc" typeface="Estrangelo Edessa"/>
-        <a:font script="Orya" typeface="Kalinga"/>
-        <a:font script="Mlym" typeface="Kartika"/>
-        <a:font script="Laoo" typeface="DokChampa"/>
-        <a:font script="Sinh" typeface="Iskoola Pota"/>
-        <a:font script="Mong" typeface="Mongolian Baiti"/>
-        <a:font script="Viet" typeface="Arial"/>
-        <a:font script="Uigh" typeface="Microsoft Uighur"/>
-        <a:font script="Geor" typeface="Sylfaen"/>
-      </a:minorFont>
-    </a:fontScheme>
-    <a:fmtScheme name="Office">
-      <a:fillStyleLst>
-        <a:solidFill>
-          <a:schemeClr val="phClr"/>
-        </a:solidFill>
-        <a:gradFill rotWithShape="1">
-          <a:gsLst>
-            <a:gs pos="0">
-              <a:schemeClr val="phClr">
-                <a:tint val="50000"/>
-                <a:satMod val="300000"/>
-              </a:schemeClr>
-            </a:gs>
-            <a:gs pos="35000">
-              <a:schemeClr val="phClr">
-                <a:tint val="37000"/>
-                <a:satMod val="300000"/>
-              </a:schemeClr>
-            </a:gs>
-            <a:gs pos="100000">
-              <a:schemeClr val="phClr">
-                <a:tint val="15000"/>
-                <a:satMod val="350000"/>
-              </a:schemeClr>
-            </a:gs>
-          </a:gsLst>
-          <a:lin ang="16200000" scaled="1"/>
-        </a:gradFill>
-        <a:gradFill rotWithShape="1">
-          <a:gsLst>
-            <a:gs pos="0">
-              <a:schemeClr val="phClr">
-                <a:tint val="100000"/>
-                <a:shade val="100000"/>
-                <a:satMod val="130000"/>
-              </a:schemeClr>
-            </a:gs>
-            <a:gs pos="100000">
-              <a:schemeClr val="phClr">
-                <a:tint val="50000"/>
-                <a:shade val="100000"/>
-                <a:satMod val="350000"/>
-              </a:schemeClr>
-            </a:gs>
-          </a:gsLst>
-          <a:lin ang="16200000" scaled="0"/>
-        </a:gradFill>
-      </a:fillStyleLst>
-      <a:lnStyleLst>
-        <a:ln w="9525" cap="flat" cmpd="sng" algn="ctr">
-          <a:solidFill>
-            <a:schemeClr val="phClr">
-              <a:shade val="95000"/>
-              <a:satMod val="105000"/>
-            </a:schemeClr>
-          </a:solidFill>
-          <a:prstDash val="solid"/>
-        </a:ln>
-        <a:ln w="25400" cap="flat" cmpd="sng" algn="ctr">
-          <a:solidFill>
-            <a:schemeClr val="phClr"/>
-          </a:solidFill>
-          <a:prstDash val="solid"/>
-        </a:ln>
-        <a:ln w="38100" cap="flat" cmpd="sng" algn="ctr">
-          <a:solidFill>
-            <a:schemeClr val="phClr"/>
-          </a:solidFill>
-          <a:prstDash val="solid"/>
-        </a:ln>
-      </a:lnStyleLst>
-      <a:effectStyleLst>
-        <a:effectStyle>
-          <a:effectLst>
-            <a:outerShdw blurRad="40000" dist="20000" dir="5400000" rotWithShape="0">
-              <a:srgbClr val="000000">
-                <a:alpha val="38000"/>
-              </a:srgbClr>
-            </a:outerShdw>
-          </a:effectLst>
-        </a:effectStyle>
-        <a:effectStyle>
-          <a:effectLst>
-            <a:outerShdw blurRad="40000" dist="23000" dir="5400000" rotWithShape="0">
-              <a:srgbClr val="000000">
-                <a:alpha val="35000"/>
-              </a:srgbClr>
-            </a:outerShdw>
-          </a:effectLst>
-        </a:effectStyle>
-        <a:effectStyle>
-          <a:effectLst>
-            <a:outerShdw blurRad="40000" dist="23000" dir="5400000" rotWithShape="0">
-              <a:srgbClr val="000000">
-                <a:alpha val="35000"/>
-              </a:srgbClr>
-            </a:outerShdw>
-          </a:effectLst>
-          <a:scene3d>
-            <a:camera prst="orthographicFront">
-              <a:rot lat="0" lon="0" rev="0"/>
-            </a:camera>
-            <a:lightRig rig="threePt" dir="t">
-              <a:rot lat="0" lon="0" rev="1200000"/>
-            </a:lightRig>
-          </a:scene3d>
-          <a:sp3d>
-            <a:bevelT w="63500" h="25400"/>
-          </a:sp3d>
-        </a:effectStyle>
-      </a:effectStyleLst>
-      <a:bgFillStyleLst>
-        <a:solidFill>
-          <a:schemeClr val="phClr"/>
-        </a:solidFill>
-        <a:gradFill rotWithShape="1">
-          <a:gsLst>
-            <a:gs pos="0">
-              <a:schemeClr val="phClr">
-                <a:tint val="40000"/>
-                <a:satMod val="350000"/>
-              </a:schemeClr>
-            </a:gs>
-            <a:gs pos="40000">
-              <a:schemeClr val="phClr">
-                <a:tint val="45000"/>
-                <a:shade val="99000"/>
-                <a:satMod val="350000"/>
-              </a:schemeClr>
-            </a:gs>
-            <a:gs pos="100000">
-              <a:schemeClr val="phClr">
-                <a:shade val="20000"/>
-                <a:satMod val="255000"/>
-              </a:schemeClr>
-            </a:gs>
-          </a:gsLst>
-          <a:path path="circle">
-            <a:fillToRect l="50000" t="-80000" r="50000" b="180000"/>
-          </a:path>
-        </a:gradFill>
-        <a:gradFill rotWithShape="1">
-          <a:gsLst>
-            <a:gs pos="0">
-              <a:schemeClr val="phClr">
-                <a:tint val="80000"/>
-                <a:satMod val="300000"/>
-              </a:schemeClr>
-            </a:gs>
-            <a:gs pos="100000">
-              <a:schemeClr val="phClr">
-                <a:shade val="30000"/>
-                <a:satMod val="200000"/>
-              </a:schemeClr>
-            </a:gs>
-          </a:gsLst>
-          <a:path path="circle">
-            <a:fillToRect l="50000" t="50000" r="50000" b="50000"/>
-          </a:path>
-        </a:gradFill>
-      </a:bgFillStyleLst>
-    </a:fmtScheme>
-  </a:themeElements>
-</a:theme>
 </file>
--- a/slides/04_functions_classes_packages.pptx
+++ b/slides/04_functions_classes_packages.pptx
@@ -10251,7 +10251,7 @@
             </a:pPr>
             <a:r>
               <a:rPr lang="de"/>
-              <a:t>03 - Funktionen, Klassen und Pakete</a:t>
+              <a:t>04 - Funktionen, Klassen und Pakete</a:t>
             </a:r>
             <a:endParaRPr/>
           </a:p>
@@ -10345,7 +10345,7 @@
             <a:tbl>
               <a:tblPr>
                 <a:noFill/>
-                <a:tableStyleId>{4B937E0F-2B32-4225-890E-A4E57F0C2B8E}</a:tableStyleId>
+                <a:tableStyleId>{F137D3E0-EF86-4A8C-8359-F85C29D317CC}</a:tableStyleId>
               </a:tblPr>
               <a:tblGrid>
                 <a:gridCol w="1447800"/>
@@ -11891,7 +11891,23 @@
                 <a:cs typeface="Arial"/>
                 <a:sym typeface="Arial"/>
               </a:rPr>
-              <a:t>Hinweis: Palindrome sind Zeichenketten, die sich von vorne und von hinter gleich lesen (Beispiel: "anna" ist rückwärts gelesen auch "anna")</a:t>
+              <a:t>Hinweis: Palindrome sind Zeichenketten, die sich von vorne und von hinte</a:t>
+            </a:r>
+            <a:r>
+              <a:rPr lang="de"/>
+              <a:t>n</a:t>
+            </a:r>
+            <a:r>
+              <a:rPr b="0" i="0" lang="de" sz="1600" u="none" cap="none" strike="noStrike">
+                <a:solidFill>
+                  <a:schemeClr val="dk1"/>
+                </a:solidFill>
+                <a:latin typeface="Arial"/>
+                <a:ea typeface="Arial"/>
+                <a:cs typeface="Arial"/>
+                <a:sym typeface="Arial"/>
+              </a:rPr>
+              <a:t> gleich lesen (Beispiel: "anna" ist rückwärts gelesen auch "anna")</a:t>
             </a:r>
             <a:endParaRPr b="0" i="0" sz="1600" u="none" cap="none" strike="noStrike">
               <a:solidFill>
@@ -11931,7 +11947,23 @@
                 <a:cs typeface="Arial"/>
                 <a:sym typeface="Arial"/>
               </a:rPr>
-              <a:t>Tipp: mit &lt;String&gt;.charAt(index) kann man auf das Zeichen an einer bestimmten Stelle eines Strings zugreifen. ( =&gt; “asd”.charAt(1) ⇒ ‘d’</a:t>
+              <a:t>Tipp: mit &lt;String&gt;.charAt(index) kann man auf das Zeichen an einer bestimmten Stelle eines Strings zugreifen. ( =&gt; “asd”.charAt(1) ⇒ ‘</a:t>
+            </a:r>
+            <a:r>
+              <a:rPr lang="de"/>
+              <a:t>s</a:t>
+            </a:r>
+            <a:r>
+              <a:rPr b="0" i="0" lang="de" sz="1600" u="none" cap="none" strike="noStrike">
+                <a:solidFill>
+                  <a:schemeClr val="dk1"/>
+                </a:solidFill>
+                <a:latin typeface="Arial"/>
+                <a:ea typeface="Arial"/>
+                <a:cs typeface="Arial"/>
+                <a:sym typeface="Arial"/>
+              </a:rPr>
+              <a:t>’)</a:t>
             </a:r>
             <a:endParaRPr b="0" i="0" sz="1600" u="none" cap="none" strike="noStrike">
               <a:solidFill>
@@ -12873,7 +12905,27 @@
                 <a:cs typeface="Arial"/>
                 <a:sym typeface="Arial"/>
               </a:rPr>
-              <a:t>In Java kann man eigene Funktionen definieren und nutzen.</a:t>
+              <a:t>In Java kann man </a:t>
+            </a:r>
+            <a:r>
+              <a:rPr b="1" i="0" lang="de" sz="1600" u="none" cap="none" strike="noStrike">
+                <a:solidFill>
+                  <a:schemeClr val="dk1"/>
+                </a:solidFill>
+              </a:rPr>
+              <a:t>eigene Funktionen</a:t>
+            </a:r>
+            <a:r>
+              <a:rPr b="0" i="0" lang="de" sz="1600" u="none" cap="none" strike="noStrike">
+                <a:solidFill>
+                  <a:schemeClr val="dk1"/>
+                </a:solidFill>
+                <a:latin typeface="Arial"/>
+                <a:ea typeface="Arial"/>
+                <a:cs typeface="Arial"/>
+                <a:sym typeface="Arial"/>
+              </a:rPr>
+              <a:t> definieren und nutzen.</a:t>
             </a:r>
             <a:br>
               <a:rPr b="0" i="0" lang="de" sz="1600" u="none" cap="none" strike="noStrike">
@@ -12924,7 +12976,15 @@
                 <a:cs typeface="Arial"/>
                 <a:sym typeface="Arial"/>
               </a:rPr>
-              <a:t>Funktionen sind abgegrenzte, aufrufbare Programmabschnitte</a:t>
+              <a:t>Funktionen sind </a:t>
+            </a:r>
+            <a:r>
+              <a:rPr b="1" i="0" lang="de" sz="1600" u="none" cap="none" strike="noStrike">
+                <a:solidFill>
+                  <a:schemeClr val="dk1"/>
+                </a:solidFill>
+              </a:rPr>
+              <a:t>abgegrenzte, aufrufbare Programmabschnitte</a:t>
             </a:r>
             <a:br>
               <a:rPr b="0" i="0" lang="de" sz="1600" u="none" cap="none" strike="noStrike">
@@ -12975,7 +13035,35 @@
                 <a:cs typeface="Arial"/>
                 <a:sym typeface="Arial"/>
               </a:rPr>
-              <a:t>Vorteile sind unter anderem Übersichtlichkeit und Wiederverwendbarkeit</a:t>
+              <a:t>Vorteile sind unter anderem </a:t>
+            </a:r>
+            <a:r>
+              <a:rPr b="1" i="0" lang="de" sz="1600" u="none" cap="none" strike="noStrike">
+                <a:solidFill>
+                  <a:schemeClr val="dk1"/>
+                </a:solidFill>
+              </a:rPr>
+              <a:t>Übersichtlichkeit</a:t>
+            </a:r>
+            <a:r>
+              <a:rPr b="0" i="0" lang="de" sz="1600" u="none" cap="none" strike="noStrike">
+                <a:solidFill>
+                  <a:schemeClr val="dk1"/>
+                </a:solidFill>
+                <a:latin typeface="Arial"/>
+                <a:ea typeface="Arial"/>
+                <a:cs typeface="Arial"/>
+                <a:sym typeface="Arial"/>
+              </a:rPr>
+              <a:t> und </a:t>
+            </a:r>
+            <a:r>
+              <a:rPr b="1" i="0" lang="de" sz="1600" u="none" cap="none" strike="noStrike">
+                <a:solidFill>
+                  <a:schemeClr val="dk1"/>
+                </a:solidFill>
+              </a:rPr>
+              <a:t>Wiederverwendbarkeit</a:t>
             </a:r>
             <a:br>
               <a:rPr b="0" i="0" lang="de" sz="1600" u="none" cap="none" strike="noStrike">
@@ -13026,7 +13114,47 @@
                 <a:cs typeface="Arial"/>
                 <a:sym typeface="Arial"/>
               </a:rPr>
-              <a:t>Funktionen können Parameter und einen Rückgabewert haben.</a:t>
+              <a:t>Funktionen können </a:t>
+            </a:r>
+            <a:r>
+              <a:rPr b="1" i="0" lang="de" sz="1600" u="none" cap="none" strike="noStrike">
+                <a:solidFill>
+                  <a:schemeClr val="dk1"/>
+                </a:solidFill>
+              </a:rPr>
+              <a:t>Parameter</a:t>
+            </a:r>
+            <a:r>
+              <a:rPr b="0" i="0" lang="de" sz="1600" u="none" cap="none" strike="noStrike">
+                <a:solidFill>
+                  <a:schemeClr val="dk1"/>
+                </a:solidFill>
+                <a:latin typeface="Arial"/>
+                <a:ea typeface="Arial"/>
+                <a:cs typeface="Arial"/>
+                <a:sym typeface="Arial"/>
+              </a:rPr>
+              <a:t> und einen </a:t>
+            </a:r>
+            <a:r>
+              <a:rPr b="1" i="0" lang="de" sz="1600" u="none" cap="none" strike="noStrike">
+                <a:solidFill>
+                  <a:schemeClr val="dk1"/>
+                </a:solidFill>
+              </a:rPr>
+              <a:t>Rückgabewert</a:t>
+            </a:r>
+            <a:r>
+              <a:rPr b="0" i="0" lang="de" sz="1600" u="none" cap="none" strike="noStrike">
+                <a:solidFill>
+                  <a:schemeClr val="dk1"/>
+                </a:solidFill>
+                <a:latin typeface="Arial"/>
+                <a:ea typeface="Arial"/>
+                <a:cs typeface="Arial"/>
+                <a:sym typeface="Arial"/>
+              </a:rPr>
+              <a:t> haben.</a:t>
             </a:r>
             <a:br>
               <a:rPr b="0" i="0" lang="de" sz="1600" u="none" cap="none" strike="noStrike">
@@ -15659,7 +15787,7 @@
             </a:endParaRPr>
           </a:p>
           <a:p>
-            <a:pPr indent="0" lvl="0" marL="0" marR="0" rtl="0" algn="l">
+            <a:pPr indent="457200" lvl="0" marL="1371600" marR="0" rtl="0" algn="l">
               <a:lnSpc>
                 <a:spcPct val="100000"/>
               </a:lnSpc>
@@ -15779,130 +15907,6 @@
               <a:buNone/>
             </a:pPr>
             <a:r>
-              <a:t/>
-            </a:r>
-            <a:endParaRPr b="0" i="0" sz="1600" u="none" cap="none" strike="noStrike">
-              <a:solidFill>
-                <a:schemeClr val="dk1"/>
-              </a:solidFill>
-              <a:latin typeface="Arial"/>
-              <a:ea typeface="Arial"/>
-              <a:cs typeface="Arial"/>
-              <a:sym typeface="Arial"/>
-            </a:endParaRPr>
-          </a:p>
-          <a:p>
-            <a:pPr indent="0" lvl="0" marL="0" marR="0" rtl="0" algn="l">
-              <a:lnSpc>
-                <a:spcPct val="100000"/>
-              </a:lnSpc>
-              <a:spcBef>
-                <a:spcPts val="320"/>
-              </a:spcBef>
-              <a:spcAft>
-                <a:spcPts val="0"/>
-              </a:spcAft>
-              <a:buClr>
-                <a:srgbClr val="000000"/>
-              </a:buClr>
-              <a:buSzPts val="1400"/>
-              <a:buFont typeface="Arial"/>
-              <a:buNone/>
-            </a:pPr>
-            <a:r>
-              <a:t/>
-            </a:r>
-            <a:endParaRPr b="0" i="0" sz="1600" u="none" cap="none" strike="noStrike">
-              <a:solidFill>
-                <a:schemeClr val="dk1"/>
-              </a:solidFill>
-              <a:latin typeface="Arial"/>
-              <a:ea typeface="Arial"/>
-              <a:cs typeface="Arial"/>
-              <a:sym typeface="Arial"/>
-            </a:endParaRPr>
-          </a:p>
-          <a:p>
-            <a:pPr indent="0" lvl="0" marL="0" marR="0" rtl="0" algn="l">
-              <a:lnSpc>
-                <a:spcPct val="100000"/>
-              </a:lnSpc>
-              <a:spcBef>
-                <a:spcPts val="320"/>
-              </a:spcBef>
-              <a:spcAft>
-                <a:spcPts val="0"/>
-              </a:spcAft>
-              <a:buClr>
-                <a:srgbClr val="000000"/>
-              </a:buClr>
-              <a:buSzPts val="1400"/>
-              <a:buFont typeface="Arial"/>
-              <a:buNone/>
-            </a:pPr>
-            <a:r>
-              <a:t/>
-            </a:r>
-            <a:endParaRPr b="0" i="0" sz="1600" u="none" cap="none" strike="noStrike">
-              <a:solidFill>
-                <a:schemeClr val="dk1"/>
-              </a:solidFill>
-              <a:latin typeface="Arial"/>
-              <a:ea typeface="Arial"/>
-              <a:cs typeface="Arial"/>
-              <a:sym typeface="Arial"/>
-            </a:endParaRPr>
-          </a:p>
-          <a:p>
-            <a:pPr indent="0" lvl="0" marL="0" marR="0" rtl="0" algn="l">
-              <a:lnSpc>
-                <a:spcPct val="100000"/>
-              </a:lnSpc>
-              <a:spcBef>
-                <a:spcPts val="320"/>
-              </a:spcBef>
-              <a:spcAft>
-                <a:spcPts val="0"/>
-              </a:spcAft>
-              <a:buClr>
-                <a:srgbClr val="000000"/>
-              </a:buClr>
-              <a:buSzPts val="1400"/>
-              <a:buFont typeface="Arial"/>
-              <a:buNone/>
-            </a:pPr>
-            <a:r>
-              <a:t/>
-            </a:r>
-            <a:endParaRPr b="0" i="0" sz="1600" u="none" cap="none" strike="noStrike">
-              <a:solidFill>
-                <a:schemeClr val="dk1"/>
-              </a:solidFill>
-              <a:latin typeface="Arial"/>
-              <a:ea typeface="Arial"/>
-              <a:cs typeface="Arial"/>
-              <a:sym typeface="Arial"/>
-            </a:endParaRPr>
-          </a:p>
-          <a:p>
-            <a:pPr indent="0" lvl="0" marL="0" marR="0" rtl="0" algn="l">
-              <a:lnSpc>
-                <a:spcPct val="100000"/>
-              </a:lnSpc>
-              <a:spcBef>
-                <a:spcPts val="320"/>
-              </a:spcBef>
-              <a:spcAft>
-                <a:spcPts val="0"/>
-              </a:spcAft>
-              <a:buClr>
-                <a:srgbClr val="000000"/>
-              </a:buClr>
-              <a:buSzPts val="1400"/>
-              <a:buFont typeface="Arial"/>
-              <a:buNone/>
-            </a:pPr>
-            <a:r>
               <a:rPr b="0" i="0" lang="de" sz="1600" u="none" cap="none" strike="noStrike">
                 <a:solidFill>
                   <a:schemeClr val="dk1"/>
@@ -15923,6 +15927,99 @@
               <a:cs typeface="Arial"/>
               <a:sym typeface="Arial"/>
             </a:endParaRPr>
+          </a:p>
+          <a:p>
+            <a:pPr indent="0" lvl="0" marL="0" marR="0" rtl="0" algn="l">
+              <a:lnSpc>
+                <a:spcPct val="100000"/>
+              </a:lnSpc>
+              <a:spcBef>
+                <a:spcPts val="320"/>
+              </a:spcBef>
+              <a:spcAft>
+                <a:spcPts val="0"/>
+              </a:spcAft>
+              <a:buClr>
+                <a:srgbClr val="000000"/>
+              </a:buClr>
+              <a:buSzPts val="1400"/>
+              <a:buFont typeface="Arial"/>
+              <a:buNone/>
+            </a:pPr>
+            <a:r>
+              <a:t/>
+            </a:r>
+            <a:endParaRPr/>
+          </a:p>
+          <a:p>
+            <a:pPr indent="0" lvl="0" marL="0" marR="0" rtl="0" algn="l">
+              <a:lnSpc>
+                <a:spcPct val="100000"/>
+              </a:lnSpc>
+              <a:spcBef>
+                <a:spcPts val="320"/>
+              </a:spcBef>
+              <a:spcAft>
+                <a:spcPts val="0"/>
+              </a:spcAft>
+              <a:buClr>
+                <a:srgbClr val="000000"/>
+              </a:buClr>
+              <a:buSzPts val="1400"/>
+              <a:buFont typeface="Arial"/>
+              <a:buNone/>
+            </a:pPr>
+            <a:r>
+              <a:t/>
+            </a:r>
+            <a:endParaRPr/>
+          </a:p>
+          <a:p>
+            <a:pPr indent="0" lvl="0" marL="0" marR="0" rtl="0" algn="l">
+              <a:lnSpc>
+                <a:spcPct val="100000"/>
+              </a:lnSpc>
+              <a:spcBef>
+                <a:spcPts val="320"/>
+              </a:spcBef>
+              <a:spcAft>
+                <a:spcPts val="0"/>
+              </a:spcAft>
+              <a:buClr>
+                <a:srgbClr val="000000"/>
+              </a:buClr>
+              <a:buSzPts val="1400"/>
+              <a:buFont typeface="Arial"/>
+              <a:buNone/>
+            </a:pPr>
+            <a:r>
+              <a:t/>
+            </a:r>
+            <a:endParaRPr/>
+          </a:p>
+          <a:p>
+            <a:pPr indent="0" lvl="0" marL="0" marR="0" rtl="0" algn="l">
+              <a:lnSpc>
+                <a:spcPct val="100000"/>
+              </a:lnSpc>
+              <a:spcBef>
+                <a:spcPts val="320"/>
+              </a:spcBef>
+              <a:spcAft>
+                <a:spcPts val="0"/>
+              </a:spcAft>
+              <a:buClr>
+                <a:srgbClr val="000000"/>
+              </a:buClr>
+              <a:buSzPts val="1400"/>
+              <a:buFont typeface="Arial"/>
+              <a:buNone/>
+            </a:pPr>
+            <a:r>
+              <a:rPr lang="de"/>
+              <a:t>Programme mit package statement lassen sich nur aus dem Wurzelverzeichnis des Programms kompilieren und aufrufen.</a:t>
+            </a:r>
+            <a:endParaRPr/>
           </a:p>
           <a:p>
             <a:pPr indent="0" lvl="0" marL="0" marR="0" rtl="0" algn="l">
@@ -16003,8 +16100,8 @@
         </p:blipFill>
         <p:spPr>
           <a:xfrm>
-            <a:off x="5051649" y="1361975"/>
-            <a:ext cx="2003850" cy="2086200"/>
+            <a:off x="6506175" y="1481425"/>
+            <a:ext cx="1644725" cy="1712326"/>
           </a:xfrm>
           <a:prstGeom prst="rect">
             <a:avLst/>
@@ -16030,8 +16127,8 @@
         </p:blipFill>
         <p:spPr>
           <a:xfrm>
-            <a:off x="1639675" y="3978722"/>
-            <a:ext cx="5864651" cy="226600"/>
+            <a:off x="480275" y="2840425"/>
+            <a:ext cx="5302650" cy="204875"/>
           </a:xfrm>
           <a:prstGeom prst="rect">
             <a:avLst/>
@@ -16051,6 +16148,285 @@
 </file>
 
 <file path=ppt/theme/theme1.xml><?xml version="1.0" encoding="utf-8"?>
+<a:theme xmlns:a="http://schemas.openxmlformats.org/drawingml/2006/main" xmlns:r="http://schemas.openxmlformats.org/officeDocument/2006/relationships" name="TUBraunschweig_PPT2007_Folienpool_pptx">
+  <a:themeElements>
+    <a:clrScheme name="TU Braunschweig">
+      <a:dk1>
+        <a:srgbClr val="000000"/>
+      </a:dk1>
+      <a:lt1>
+        <a:srgbClr val="FFFFFF"/>
+      </a:lt1>
+      <a:dk2>
+        <a:srgbClr val="000000"/>
+      </a:dk2>
+      <a:lt2>
+        <a:srgbClr val="DDDDDD"/>
+      </a:lt2>
+      <a:accent1>
+        <a:srgbClr val="BE1E3C"/>
+      </a:accent1>
+      <a:accent2>
+        <a:srgbClr val="4DA6CB"/>
+      </a:accent2>
+      <a:accent3>
+        <a:srgbClr val="ADBF4D"/>
+      </a:accent3>
+      <a:accent4>
+        <a:srgbClr val="FA6E00"/>
+      </a:accent4>
+      <a:accent5>
+        <a:srgbClr val="407E97"/>
+      </a:accent5>
+      <a:accent6>
+        <a:srgbClr val="984098"/>
+      </a:accent6>
+      <a:hlink>
+        <a:srgbClr val="BE1E3C"/>
+      </a:hlink>
+      <a:folHlink>
+        <a:srgbClr val="760054"/>
+      </a:folHlink>
+    </a:clrScheme>
+    <a:fontScheme name="Office">
+      <a:majorFont>
+        <a:latin typeface="Arial"/>
+        <a:ea typeface=""/>
+        <a:cs typeface=""/>
+        <a:font script="Jpan" typeface="ＭＳ Ｐゴシック"/>
+        <a:font script="Hang" typeface="맑은 고딕"/>
+        <a:font script="Hans" typeface="宋体"/>
+        <a:font script="Hant" typeface="新細明體"/>
+        <a:font script="Arab" typeface="Times New Roman"/>
+        <a:font script="Hebr" typeface="Times New Roman"/>
+        <a:font script="Thai" typeface="Angsana New"/>
+        <a:font script="Ethi" typeface="Nyala"/>
+        <a:font script="Beng" typeface="Vrinda"/>
+        <a:font script="Gujr" typeface="Shruti"/>
+        <a:font script="Khmr" typeface="MoolBoran"/>
+        <a:font script="Knda" typeface="Tunga"/>
+        <a:font script="Guru" typeface="Raavi"/>
+        <a:font script="Cans" typeface="Euphemia"/>
+        <a:font script="Cher" typeface="Plantagenet Cherokee"/>
+        <a:font script="Yiii" typeface="Microsoft Yi Baiti"/>
+        <a:font script="Tibt" typeface="Microsoft Himalaya"/>
+        <a:font script="Thaa" typeface="MV Boli"/>
+        <a:font script="Deva" typeface="Mangal"/>
+        <a:font script="Telu" typeface="Gautami"/>
+        <a:font script="Taml" typeface="Latha"/>
+        <a:font script="Syrc" typeface="Estrangelo Edessa"/>
+        <a:font script="Orya" typeface="Kalinga"/>
+        <a:font script="Mlym" typeface="Kartika"/>
+        <a:font script="Laoo" typeface="DokChampa"/>
+        <a:font script="Sinh" typeface="Iskoola Pota"/>
+        <a:font script="Mong" typeface="Mongolian Baiti"/>
+        <a:font script="Viet" typeface="Times New Roman"/>
+        <a:font script="Uigh" typeface="Microsoft Uighur"/>
+        <a:font script="Geor" typeface="Sylfaen"/>
+      </a:majorFont>
+      <a:minorFont>
+        <a:latin typeface="Arial"/>
+        <a:ea typeface=""/>
+        <a:cs typeface=""/>
+        <a:font script="Jpan" typeface="ＭＳ Ｐゴシック"/>
+        <a:font script="Hang" typeface="맑은 고딕"/>
+        <a:font script="Hans" typeface="宋体"/>
+        <a:font script="Hant" typeface="新細明體"/>
+        <a:font script="Arab" typeface="Arial"/>
+        <a:font script="Hebr" typeface="Arial"/>
+        <a:font script="Thai" typeface="Cordia New"/>
+        <a:font script="Ethi" typeface="Nyala"/>
+        <a:font script="Beng" typeface="Vrinda"/>
+        <a:font script="Gujr" typeface="Shruti"/>
+        <a:font script="Khmr" typeface="DaunPenh"/>
+        <a:font script="Knda" typeface="Tunga"/>
+        <a:font script="Guru" typeface="Raavi"/>
+        <a:font script="Cans" typeface="Euphemia"/>
+        <a:font script="Cher" typeface="Plantagenet Cherokee"/>
+        <a:font script="Yiii" typeface="Microsoft Yi Baiti"/>
+        <a:font script="Tibt" typeface="Microsoft Himalaya"/>
+        <a:font script="Thaa" typeface="MV Boli"/>
+        <a:font script="Deva" typeface="Mangal"/>
+        <a:font script="Telu" typeface="Gautami"/>
+        <a:font script="Taml" typeface="Latha"/>
+        <a:font script="Syrc" typeface="Estrangelo Edessa"/>
+        <a:font script="Orya" typeface="Kalinga"/>
+        <a:font script="Mlym" typeface="Kartika"/>
+        <a:font script="Laoo" typeface="DokChampa"/>
+        <a:font script="Sinh" typeface="Iskoola Pota"/>
+        <a:font script="Mong" typeface="Mongolian Baiti"/>
+        <a:font script="Viet" typeface="Arial"/>
+        <a:font script="Uigh" typeface="Microsoft Uighur"/>
+        <a:font script="Geor" typeface="Sylfaen"/>
+      </a:minorFont>
+    </a:fontScheme>
+    <a:fmtScheme name="Office">
+      <a:fillStyleLst>
+        <a:solidFill>
+          <a:schemeClr val="phClr"/>
+        </a:solidFill>
+        <a:gradFill rotWithShape="1">
+          <a:gsLst>
+            <a:gs pos="0">
+              <a:schemeClr val="phClr">
+                <a:tint val="50000"/>
+                <a:satMod val="300000"/>
+              </a:schemeClr>
+            </a:gs>
+            <a:gs pos="35000">
+              <a:schemeClr val="phClr">
+                <a:tint val="37000"/>
+                <a:satMod val="300000"/>
+              </a:schemeClr>
+            </a:gs>
+            <a:gs pos="100000">
+              <a:schemeClr val="phClr">
+                <a:tint val="15000"/>
+                <a:satMod val="350000"/>
+              </a:schemeClr>
+            </a:gs>
+          </a:gsLst>
+          <a:lin ang="16200000" scaled="1"/>
+        </a:gradFill>
+        <a:gradFill rotWithShape="1">
+          <a:gsLst>
+            <a:gs pos="0">
+              <a:schemeClr val="phClr">
+                <a:tint val="100000"/>
+                <a:shade val="100000"/>
+                <a:satMod val="130000"/>
+              </a:schemeClr>
+            </a:gs>
+            <a:gs pos="100000">
+              <a:schemeClr val="phClr">
+                <a:tint val="50000"/>
+                <a:shade val="100000"/>
+                <a:satMod val="350000"/>
+              </a:schemeClr>
+            </a:gs>
+          </a:gsLst>
+          <a:lin ang="16200000" scaled="0"/>
+        </a:gradFill>
+      </a:fillStyleLst>
+      <a:lnStyleLst>
+        <a:ln w="9525" cap="flat" cmpd="sng" algn="ctr">
+          <a:solidFill>
+            <a:schemeClr val="phClr">
+              <a:shade val="95000"/>
+              <a:satMod val="105000"/>
+            </a:schemeClr>
+          </a:solidFill>
+          <a:prstDash val="solid"/>
+        </a:ln>
+        <a:ln w="25400" cap="flat" cmpd="sng" algn="ctr">
+          <a:solidFill>
+            <a:schemeClr val="phClr"/>
+          </a:solidFill>
+          <a:prstDash val="solid"/>
+        </a:ln>
+        <a:ln w="38100" cap="flat" cmpd="sng" algn="ctr">
+          <a:solidFill>
+            <a:schemeClr val="phClr"/>
+          </a:solidFill>
+          <a:prstDash val="solid"/>
+        </a:ln>
+      </a:lnStyleLst>
+      <a:effectStyleLst>
+        <a:effectStyle>
+          <a:effectLst>
+            <a:outerShdw blurRad="40000" dist="20000" dir="5400000" rotWithShape="0">
+              <a:srgbClr val="000000">
+                <a:alpha val="38000"/>
+              </a:srgbClr>
+            </a:outerShdw>
+          </a:effectLst>
+        </a:effectStyle>
+        <a:effectStyle>
+          <a:effectLst>
+            <a:outerShdw blurRad="40000" dist="23000" dir="5400000" rotWithShape="0">
+              <a:srgbClr val="000000">
+                <a:alpha val="35000"/>
+              </a:srgbClr>
+            </a:outerShdw>
+          </a:effectLst>
+        </a:effectStyle>
+        <a:effectStyle>
+          <a:effectLst>
+            <a:outerShdw blurRad="40000" dist="23000" dir="5400000" rotWithShape="0">
+              <a:srgbClr val="000000">
+                <a:alpha val="35000"/>
+              </a:srgbClr>
+            </a:outerShdw>
+          </a:effectLst>
+          <a:scene3d>
+            <a:camera prst="orthographicFront">
+              <a:rot lat="0" lon="0" rev="0"/>
+            </a:camera>
+            <a:lightRig rig="threePt" dir="t">
+              <a:rot lat="0" lon="0" rev="1200000"/>
+            </a:lightRig>
+          </a:scene3d>
+          <a:sp3d>
+            <a:bevelT w="63500" h="25400"/>
+          </a:sp3d>
+        </a:effectStyle>
+      </a:effectStyleLst>
+      <a:bgFillStyleLst>
+        <a:solidFill>
+          <a:schemeClr val="phClr"/>
+        </a:solidFill>
+        <a:gradFill rotWithShape="1">
+          <a:gsLst>
+            <a:gs pos="0">
+              <a:schemeClr val="phClr">
+                <a:tint val="40000"/>
+                <a:satMod val="350000"/>
+              </a:schemeClr>
+            </a:gs>
+            <a:gs pos="40000">
+              <a:schemeClr val="phClr">
+                <a:tint val="45000"/>
+                <a:shade val="99000"/>
+                <a:satMod val="350000"/>
+              </a:schemeClr>
+            </a:gs>
+            <a:gs pos="100000">
+              <a:schemeClr val="phClr">
+                <a:shade val="20000"/>
+                <a:satMod val="255000"/>
+              </a:schemeClr>
+            </a:gs>
+          </a:gsLst>
+          <a:path path="circle">
+            <a:fillToRect l="50000" t="-80000" r="50000" b="180000"/>
+          </a:path>
+        </a:gradFill>
+        <a:gradFill rotWithShape="1">
+          <a:gsLst>
+            <a:gs pos="0">
+              <a:schemeClr val="phClr">
+                <a:tint val="80000"/>
+                <a:satMod val="300000"/>
+              </a:schemeClr>
+            </a:gs>
+            <a:gs pos="100000">
+              <a:schemeClr val="phClr">
+                <a:shade val="30000"/>
+                <a:satMod val="200000"/>
+              </a:schemeClr>
+            </a:gs>
+          </a:gsLst>
+          <a:path path="circle">
+            <a:fillToRect l="50000" t="50000" r="50000" b="50000"/>
+          </a:path>
+        </a:gradFill>
+      </a:bgFillStyleLst>
+    </a:fmtScheme>
+  </a:themeElements>
+</a:theme>
+</file>
+
+<file path=ppt/theme/theme2.xml><?xml version="1.0" encoding="utf-8"?>
 <a:theme xmlns:a="http://schemas.openxmlformats.org/drawingml/2006/main" xmlns:r="http://schemas.openxmlformats.org/officeDocument/2006/relationships">
   <a:themeElements>
     <a:clrScheme name="Default">
@@ -16327,283 +16703,4 @@
     </a:fmtScheme>
   </a:themeElements>
 </a:theme>
-</file>
-
-<file path=ppt/theme/theme2.xml><?xml version="1.0" encoding="utf-8"?>
-<a:theme xmlns:a="http://schemas.openxmlformats.org/drawingml/2006/main" xmlns:r="http://schemas.openxmlformats.org/officeDocument/2006/relationships" name="TUBraunschweig_PPT2007_Folienpool_pptx">
-  <a:themeElements>
-    <a:clrScheme name="TU Braunschweig">
-      <a:dk1>
-        <a:srgbClr val="000000"/>
-      </a:dk1>
-      <a:lt1>
-        <a:srgbClr val="FFFFFF"/>
-      </a:lt1>
-      <a:dk2>
-        <a:srgbClr val="000000"/>
-      </a:dk2>
-      <a:lt2>
-        <a:srgbClr val="DDDDDD"/>
-      </a:lt2>
-      <a:accent1>
-        <a:srgbClr val="BE1E3C"/>
-      </a:accent1>
-      <a:accent2>
-        <a:srgbClr val="4DA6CB"/>
-      </a:accent2>
-      <a:accent3>
-        <a:srgbClr val="ADBF4D"/>
-      </a:accent3>
-      <a:accent4>
-        <a:srgbClr val="FA6E00"/>
-      </a:accent4>
-      <a:accent5>
-        <a:srgbClr val="407E97"/>
-      </a:accent5>
-      <a:accent6>
-        <a:srgbClr val="984098"/>
-      </a:accent6>
-      <a:hlink>
-        <a:srgbClr val="BE1E3C"/>
-      </a:hlink>
-      <a:folHlink>
-        <a:srgbClr val="760054"/>
-      </a:folHlink>
-    </a:clrScheme>
-    <a:fontScheme name="Office">
-      <a:majorFont>
-        <a:latin typeface="Arial"/>
-        <a:ea typeface=""/>
-        <a:cs typeface=""/>
-        <a:font script="Jpan" typeface="ＭＳ Ｐゴシック"/>
-        <a:font script="Hang" typeface="맑은 고딕"/>
-        <a:font script="Hans" typeface="宋体"/>
-        <a:font script="Hant" typeface="新細明體"/>
-        <a:font script="Arab" typeface="Times New Roman"/>
-        <a:font script="Hebr" typeface="Times New Roman"/>
-        <a:font script="Thai" typeface="Angsana New"/>
-        <a:font script="Ethi" typeface="Nyala"/>
-        <a:font script="Beng" typeface="Vrinda"/>
-        <a:font script="Gujr" typeface="Shruti"/>
-        <a:font script="Khmr" typeface="MoolBoran"/>
-        <a:font script="Knda" typeface="Tunga"/>
-        <a:font script="Guru" typeface="Raavi"/>
-        <a:font script="Cans" typeface="Euphemia"/>
-        <a:font script="Cher" typeface="Plantagenet Cherokee"/>
-        <a:font script="Yiii" typeface="Microsoft Yi Baiti"/>
-        <a:font script="Tibt" typeface="Microsoft Himalaya"/>
-        <a:font script="Thaa" typeface="MV Boli"/>
-        <a:font script="Deva" typeface="Mangal"/>
-        <a:font script="Telu" typeface="Gautami"/>
-        <a:font script="Taml" typeface="Latha"/>
-        <a:font script="Syrc" typeface="Estrangelo Edessa"/>
-        <a:font script="Orya" typeface="Kalinga"/>
-        <a:font script="Mlym" typeface="Kartika"/>
-        <a:font script="Laoo" typeface="DokChampa"/>
-        <a:font script="Sinh" typeface="Iskoola Pota"/>
-        <a:font script="Mong" typeface="Mongolian Baiti"/>
-        <a:font script="Viet" typeface="Times New Roman"/>
-        <a:font script="Uigh" typeface="Microsoft Uighur"/>
-        <a:font script="Geor" typeface="Sylfaen"/>
-      </a:majorFont>
-      <a:minorFont>
-        <a:latin typeface="Arial"/>
-        <a:ea typeface=""/>
-        <a:cs typeface=""/>
-        <a:font script="Jpan" typeface="ＭＳ Ｐゴシック"/>
-        <a:font script="Hang" typeface="맑은 고딕"/>
-        <a:font script="Hans" typeface="宋体"/>
-        <a:font script="Hant" typeface="新細明體"/>
-        <a:font script="Arab" typeface="Arial"/>
-        <a:font script="Hebr" typeface="Arial"/>
-        <a:font script="Thai" typeface="Cordia New"/>
-        <a:font script="Ethi" typeface="Nyala"/>
-        <a:font script="Beng" typeface="Vrinda"/>
-        <a:font script="Gujr" typeface="Shruti"/>
-        <a:font script="Khmr" typeface="DaunPenh"/>
-        <a:font script="Knda" typeface="Tunga"/>
-        <a:font script="Guru" typeface="Raavi"/>
-        <a:font script="Cans" typeface="Euphemia"/>
-        <a:font script="Cher" typeface="Plantagenet Cherokee"/>
-        <a:font script="Yiii" typeface="Microsoft Yi Baiti"/>
-        <a:font script="Tibt" typeface="Microsoft Himalaya"/>
-        <a:font script="Thaa" typeface="MV Boli"/>
-        <a:font script="Deva" typeface="Mangal"/>
-        <a:font script="Telu" typeface="Gautami"/>
-        <a:font script="Taml" typeface="Latha"/>
-        <a:font script="Syrc" typeface="Estrangelo Edessa"/>
-        <a:font script="Orya" typeface="Kalinga"/>
-        <a:font script="Mlym" typeface="Kartika"/>
-        <a:font script="Laoo" typeface="DokChampa"/>
-        <a:font script="Sinh" typeface="Iskoola Pota"/>
-        <a:font script="Mong" typeface="Mongolian Baiti"/>
-        <a:font script="Viet" typeface="Arial"/>
-        <a:font script="Uigh" typeface="Microsoft Uighur"/>
-        <a:font script="Geor" typeface="Sylfaen"/>
-      </a:minorFont>
-    </a:fontScheme>
-    <a:fmtScheme name="Office">
-      <a:fillStyleLst>
-        <a:solidFill>
-          <a:schemeClr val="phClr"/>
-        </a:solidFill>
-        <a:gradFill rotWithShape="1">
-          <a:gsLst>
-            <a:gs pos="0">
-              <a:schemeClr val="phClr">
-                <a:tint val="50000"/>
-                <a:satMod val="300000"/>
-              </a:schemeClr>
-            </a:gs>
-            <a:gs pos="35000">
-              <a:schemeClr val="phClr">
-                <a:tint val="37000"/>
-                <a:satMod val="300000"/>
-              </a:schemeClr>
-            </a:gs>
-            <a:gs pos="100000">
-              <a:schemeClr val="phClr">
-                <a:tint val="15000"/>
-                <a:satMod val="350000"/>
-              </a:schemeClr>
-            </a:gs>
-          </a:gsLst>
-          <a:lin ang="16200000" scaled="1"/>
-        </a:gradFill>
-        <a:gradFill rotWithShape="1">
-          <a:gsLst>
-            <a:gs pos="0">
-              <a:schemeClr val="phClr">
-                <a:tint val="100000"/>
-                <a:shade val="100000"/>
-                <a:satMod val="130000"/>
-              </a:schemeClr>
-            </a:gs>
-            <a:gs pos="100000">
-              <a:schemeClr val="phClr">
-                <a:tint val="50000"/>
-                <a:shade val="100000"/>
-                <a:satMod val="350000"/>
-              </a:schemeClr>
-            </a:gs>
-          </a:gsLst>
-          <a:lin ang="16200000" scaled="0"/>
-        </a:gradFill>
-      </a:fillStyleLst>
-      <a:lnStyleLst>
-        <a:ln w="9525" cap="flat" cmpd="sng" algn="ctr">
-          <a:solidFill>
-            <a:schemeClr val="phClr">
-              <a:shade val="95000"/>
-              <a:satMod val="105000"/>
-            </a:schemeClr>
-          </a:solidFill>
-          <a:prstDash val="solid"/>
-        </a:ln>
-        <a:ln w="25400" cap="flat" cmpd="sng" algn="ctr">
-          <a:solidFill>
-            <a:schemeClr val="phClr"/>
-          </a:solidFill>
-          <a:prstDash val="solid"/>
-        </a:ln>
-        <a:ln w="38100" cap="flat" cmpd="sng" algn="ctr">
-          <a:solidFill>
-            <a:schemeClr val="phClr"/>
-          </a:solidFill>
-          <a:prstDash val="solid"/>
-        </a:ln>
-      </a:lnStyleLst>
-      <a:effectStyleLst>
-        <a:effectStyle>
-          <a:effectLst>
-            <a:outerShdw blurRad="40000" dist="20000" dir="5400000" rotWithShape="0">
-              <a:srgbClr val="000000">
-                <a:alpha val="38000"/>
-              </a:srgbClr>
-            </a:outerShdw>
-          </a:effectLst>
-        </a:effectStyle>
-        <a:effectStyle>
-          <a:effectLst>
-            <a:outerShdw blurRad="40000" dist="23000" dir="5400000" rotWithShape="0">
-              <a:srgbClr val="000000">
-                <a:alpha val="35000"/>
-              </a:srgbClr>
-            </a:outerShdw>
-          </a:effectLst>
-        </a:effectStyle>
-        <a:effectStyle>
-          <a:effectLst>
-            <a:outerShdw blurRad="40000" dist="23000" dir="5400000" rotWithShape="0">
-              <a:srgbClr val="000000">
-                <a:alpha val="35000"/>
-              </a:srgbClr>
-            </a:outerShdw>
-          </a:effectLst>
-          <a:scene3d>
-            <a:camera prst="orthographicFront">
-              <a:rot lat="0" lon="0" rev="0"/>
-            </a:camera>
-            <a:lightRig rig="threePt" dir="t">
-              <a:rot lat="0" lon="0" rev="1200000"/>
-            </a:lightRig>
-          </a:scene3d>
-          <a:sp3d>
-            <a:bevelT w="63500" h="25400"/>
-          </a:sp3d>
-        </a:effectStyle>
-      </a:effectStyleLst>
-      <a:bgFillStyleLst>
-        <a:solidFill>
-          <a:schemeClr val="phClr"/>
-        </a:solidFill>
-        <a:gradFill rotWithShape="1">
-          <a:gsLst>
-            <a:gs pos="0">
-              <a:schemeClr val="phClr">
-                <a:tint val="40000"/>
-                <a:satMod val="350000"/>
-              </a:schemeClr>
-            </a:gs>
-            <a:gs pos="40000">
-              <a:schemeClr val="phClr">
-                <a:tint val="45000"/>
-                <a:shade val="99000"/>
-                <a:satMod val="350000"/>
-              </a:schemeClr>
-            </a:gs>
-            <a:gs pos="100000">
-              <a:schemeClr val="phClr">
-                <a:shade val="20000"/>
-                <a:satMod val="255000"/>
-              </a:schemeClr>
-            </a:gs>
-          </a:gsLst>
-          <a:path path="circle">
-            <a:fillToRect l="50000" t="-80000" r="50000" b="180000"/>
-          </a:path>
-        </a:gradFill>
-        <a:gradFill rotWithShape="1">
-          <a:gsLst>
-            <a:gs pos="0">
-              <a:schemeClr val="phClr">
-                <a:tint val="80000"/>
-                <a:satMod val="300000"/>
-              </a:schemeClr>
-            </a:gs>
-            <a:gs pos="100000">
-              <a:schemeClr val="phClr">
-                <a:shade val="30000"/>
-                <a:satMod val="200000"/>
-              </a:schemeClr>
-            </a:gs>
-          </a:gsLst>
-          <a:path path="circle">
-            <a:fillToRect l="50000" t="50000" r="50000" b="50000"/>
-          </a:path>
-        </a:gradFill>
-      </a:bgFillStyleLst>
-    </a:fmtScheme>
-  </a:themeElements>
-</a:theme>
 </file>
--- a/slides/04_functions_classes_packages.pptx
+++ b/slides/04_functions_classes_packages.pptx
@@ -955,7 +955,7 @@
   <p:cSld>
     <p:spTree>
       <p:nvGrpSpPr>
-        <p:cNvPr id="160" name="Shape 160"/>
+        <p:cNvPr id="161" name="Shape 161"/>
         <p:cNvGrpSpPr/>
         <p:nvPr/>
       </p:nvGrpSpPr>
@@ -969,7 +969,7 @@
       </p:grpSpPr>
       <p:sp>
         <p:nvSpPr>
-          <p:cNvPr id="161" name="Google Shape;161;p10:notes"/>
+          <p:cNvPr id="162" name="Google Shape;162;p10:notes"/>
           <p:cNvSpPr/>
           <p:nvPr>
             <p:ph idx="2" type="sldImg"/>
@@ -1014,7 +1014,7 @@
       </p:sp>
       <p:sp>
         <p:nvSpPr>
-          <p:cNvPr id="162" name="Google Shape;162;p10:notes"/>
+          <p:cNvPr id="163" name="Google Shape;163;p10:notes"/>
           <p:cNvSpPr txBox="1"/>
           <p:nvPr>
             <p:ph idx="1" type="body"/>
@@ -1072,7 +1072,7 @@
   <p:cSld>
     <p:spTree>
       <p:nvGrpSpPr>
-        <p:cNvPr id="167" name="Shape 167"/>
+        <p:cNvPr id="168" name="Shape 168"/>
         <p:cNvGrpSpPr/>
         <p:nvPr/>
       </p:nvGrpSpPr>
@@ -1086,7 +1086,7 @@
       </p:grpSpPr>
       <p:sp>
         <p:nvSpPr>
-          <p:cNvPr id="168" name="Google Shape;168;p11:notes"/>
+          <p:cNvPr id="169" name="Google Shape;169;p11:notes"/>
           <p:cNvSpPr/>
           <p:nvPr>
             <p:ph idx="2" type="sldImg"/>
@@ -1131,7 +1131,7 @@
       </p:sp>
       <p:sp>
         <p:nvSpPr>
-          <p:cNvPr id="169" name="Google Shape;169;p11:notes"/>
+          <p:cNvPr id="170" name="Google Shape;170;p11:notes"/>
           <p:cNvSpPr txBox="1"/>
           <p:nvPr>
             <p:ph idx="1" type="body"/>
@@ -1189,7 +1189,7 @@
   <p:cSld>
     <p:spTree>
       <p:nvGrpSpPr>
-        <p:cNvPr id="173" name="Shape 173"/>
+        <p:cNvPr id="174" name="Shape 174"/>
         <p:cNvGrpSpPr/>
         <p:nvPr/>
       </p:nvGrpSpPr>
@@ -1203,7 +1203,7 @@
       </p:grpSpPr>
       <p:sp>
         <p:nvSpPr>
-          <p:cNvPr id="174" name="Google Shape;174;p12:notes"/>
+          <p:cNvPr id="175" name="Google Shape;175;p12:notes"/>
           <p:cNvSpPr/>
           <p:nvPr>
             <p:ph idx="2" type="sldImg"/>
@@ -1248,7 +1248,7 @@
       </p:sp>
       <p:sp>
         <p:nvSpPr>
-          <p:cNvPr id="175" name="Google Shape;175;p12:notes"/>
+          <p:cNvPr id="176" name="Google Shape;176;p12:notes"/>
           <p:cNvSpPr txBox="1"/>
           <p:nvPr>
             <p:ph idx="1" type="body"/>
@@ -1306,7 +1306,7 @@
   <p:cSld>
     <p:spTree>
       <p:nvGrpSpPr>
-        <p:cNvPr id="179" name="Shape 179"/>
+        <p:cNvPr id="180" name="Shape 180"/>
         <p:cNvGrpSpPr/>
         <p:nvPr/>
       </p:nvGrpSpPr>
@@ -1320,7 +1320,7 @@
       </p:grpSpPr>
       <p:sp>
         <p:nvSpPr>
-          <p:cNvPr id="180" name="Google Shape;180;p13:notes"/>
+          <p:cNvPr id="181" name="Google Shape;181;p13:notes"/>
           <p:cNvSpPr/>
           <p:nvPr>
             <p:ph idx="2" type="sldImg"/>
@@ -1365,7 +1365,7 @@
       </p:sp>
       <p:sp>
         <p:nvSpPr>
-          <p:cNvPr id="181" name="Google Shape;181;p13:notes"/>
+          <p:cNvPr id="182" name="Google Shape;182;p13:notes"/>
           <p:cNvSpPr txBox="1"/>
           <p:nvPr>
             <p:ph idx="1" type="body"/>
@@ -10270,7 +10270,7 @@
   <p:cSld>
     <p:spTree>
       <p:nvGrpSpPr>
-        <p:cNvPr id="163" name="Shape 163"/>
+        <p:cNvPr id="164" name="Shape 164"/>
         <p:cNvGrpSpPr/>
         <p:nvPr/>
       </p:nvGrpSpPr>
@@ -10284,7 +10284,7 @@
       </p:grpSpPr>
       <p:sp>
         <p:nvSpPr>
-          <p:cNvPr id="164" name="Google Shape;164;p25"/>
+          <p:cNvPr id="165" name="Google Shape;165;p25"/>
           <p:cNvSpPr txBox="1"/>
           <p:nvPr>
             <p:ph type="title"/>
@@ -10332,7 +10332,7 @@
       </p:sp>
       <p:graphicFrame>
         <p:nvGraphicFramePr>
-          <p:cNvPr id="165" name="Google Shape;165;p25"/>
+          <p:cNvPr id="166" name="Google Shape;166;p25"/>
           <p:cNvGraphicFramePr/>
           <p:nvPr/>
         </p:nvGraphicFramePr>
@@ -10345,7 +10345,7 @@
             <a:tbl>
               <a:tblPr>
                 <a:noFill/>
-                <a:tableStyleId>{F137D3E0-EF86-4A8C-8359-F85C29D317CC}</a:tableStyleId>
+                <a:tableStyleId>{B8821D4D-DA2C-44F2-A05A-55DE8711F4F9}</a:tableStyleId>
               </a:tblPr>
               <a:tblGrid>
                 <a:gridCol w="1447800"/>
@@ -11205,7 +11205,7 @@
       </p:graphicFrame>
       <p:sp>
         <p:nvSpPr>
-          <p:cNvPr id="166" name="Google Shape;166;p25"/>
+          <p:cNvPr id="167" name="Google Shape;167;p25"/>
           <p:cNvSpPr txBox="1"/>
           <p:nvPr/>
         </p:nvSpPr>
@@ -11282,7 +11282,7 @@
   <p:cSld>
     <p:spTree>
       <p:nvGrpSpPr>
-        <p:cNvPr id="170" name="Shape 170"/>
+        <p:cNvPr id="171" name="Shape 171"/>
         <p:cNvGrpSpPr/>
         <p:nvPr/>
       </p:nvGrpSpPr>
@@ -11296,7 +11296,7 @@
       </p:grpSpPr>
       <p:sp>
         <p:nvSpPr>
-          <p:cNvPr id="171" name="Google Shape;171;p26"/>
+          <p:cNvPr id="172" name="Google Shape;172;p26"/>
           <p:cNvSpPr txBox="1"/>
           <p:nvPr>
             <p:ph type="title"/>
@@ -11344,7 +11344,7 @@
       </p:sp>
       <p:sp>
         <p:nvSpPr>
-          <p:cNvPr id="172" name="Google Shape;172;p26"/>
+          <p:cNvPr id="173" name="Google Shape;173;p26"/>
           <p:cNvSpPr/>
           <p:nvPr>
             <p:ph idx="2" type="chart"/>
@@ -11609,7 +11609,7 @@
   <p:cSld>
     <p:spTree>
       <p:nvGrpSpPr>
-        <p:cNvPr id="176" name="Shape 176"/>
+        <p:cNvPr id="177" name="Shape 177"/>
         <p:cNvGrpSpPr/>
         <p:nvPr/>
       </p:nvGrpSpPr>
@@ -11623,7 +11623,7 @@
       </p:grpSpPr>
       <p:sp>
         <p:nvSpPr>
-          <p:cNvPr id="177" name="Google Shape;177;p27"/>
+          <p:cNvPr id="178" name="Google Shape;178;p27"/>
           <p:cNvSpPr txBox="1"/>
           <p:nvPr>
             <p:ph type="title"/>
@@ -11671,7 +11671,7 @@
       </p:sp>
       <p:sp>
         <p:nvSpPr>
-          <p:cNvPr id="178" name="Google Shape;178;p27"/>
+          <p:cNvPr id="179" name="Google Shape;179;p27"/>
           <p:cNvSpPr/>
           <p:nvPr>
             <p:ph idx="2" type="chart"/>
@@ -12030,7 +12030,7 @@
   <p:cSld>
     <p:spTree>
       <p:nvGrpSpPr>
-        <p:cNvPr id="182" name="Shape 182"/>
+        <p:cNvPr id="183" name="Shape 183"/>
         <p:cNvGrpSpPr/>
         <p:nvPr/>
       </p:nvGrpSpPr>
@@ -12044,7 +12044,7 @@
       </p:grpSpPr>
       <p:sp>
         <p:nvSpPr>
-          <p:cNvPr id="183" name="Google Shape;183;p28"/>
+          <p:cNvPr id="184" name="Google Shape;184;p28"/>
           <p:cNvSpPr txBox="1"/>
           <p:nvPr>
             <p:ph type="title"/>
@@ -12092,7 +12092,7 @@
       </p:sp>
       <p:sp>
         <p:nvSpPr>
-          <p:cNvPr id="184" name="Google Shape;184;p28"/>
+          <p:cNvPr id="185" name="Google Shape;185;p28"/>
           <p:cNvSpPr/>
           <p:nvPr>
             <p:ph idx="2" type="chart"/>
@@ -15993,31 +15993,8 @@
               <a:buNone/>
             </a:pPr>
             <a:r>
-              <a:t/>
-            </a:r>
-            <a:endParaRPr/>
-          </a:p>
-          <a:p>
-            <a:pPr indent="0" lvl="0" marL="0" marR="0" rtl="0" algn="l">
-              <a:lnSpc>
-                <a:spcPct val="100000"/>
-              </a:lnSpc>
-              <a:spcBef>
-                <a:spcPts val="320"/>
-              </a:spcBef>
-              <a:spcAft>
-                <a:spcPts val="0"/>
-              </a:spcAft>
-              <a:buClr>
-                <a:srgbClr val="000000"/>
-              </a:buClr>
-              <a:buSzPts val="1400"/>
-              <a:buFont typeface="Arial"/>
-              <a:buNone/>
-            </a:pPr>
-            <a:r>
               <a:rPr lang="de"/>
-              <a:t>Programme mit package statement lassen sich nur aus dem Wurzelverzeichnis des Programms kompilieren und aufrufen.</a:t>
+              <a:t>Programme mit package statement lassen sich nur aus dem Wurzelverzeichnis des Programms kompilieren und aufrufen. Möchte man also /showcases als root haben, so schreibt man:</a:t>
             </a:r>
             <a:endParaRPr/>
           </a:p>
@@ -16100,8 +16077,8 @@
         </p:blipFill>
         <p:spPr>
           <a:xfrm>
-            <a:off x="6506175" y="1481425"/>
-            <a:ext cx="1644725" cy="1712326"/>
+            <a:off x="480275" y="2840425"/>
+            <a:ext cx="5302650" cy="204875"/>
           </a:xfrm>
           <a:prstGeom prst="rect">
             <a:avLst/>
@@ -16118,17 +16095,46 @@
           <p:cNvPicPr preferRelativeResize="0"/>
           <p:nvPr/>
         </p:nvPicPr>
-        <p:blipFill rotWithShape="1">
+        <p:blipFill>
           <a:blip r:embed="rId4">
             <a:alphaModFix/>
           </a:blip>
-          <a:srcRect b="0" l="0" r="0" t="0"/>
-          <a:stretch/>
+          <a:stretch>
+            <a:fillRect/>
+          </a:stretch>
         </p:blipFill>
         <p:spPr>
           <a:xfrm>
-            <a:off x="480275" y="2840425"/>
-            <a:ext cx="5302650" cy="204875"/>
+            <a:off x="6576025" y="1315675"/>
+            <a:ext cx="1850250" cy="1952676"/>
+          </a:xfrm>
+          <a:prstGeom prst="rect">
+            <a:avLst/>
+          </a:prstGeom>
+          <a:noFill/>
+          <a:ln>
+            <a:noFill/>
+          </a:ln>
+        </p:spPr>
+      </p:pic>
+      <p:pic>
+        <p:nvPicPr>
+          <p:cNvPr id="160" name="Google Shape;160;p24"/>
+          <p:cNvPicPr preferRelativeResize="0"/>
+          <p:nvPr/>
+        </p:nvPicPr>
+        <p:blipFill>
+          <a:blip r:embed="rId5">
+            <a:alphaModFix/>
+          </a:blip>
+          <a:stretch>
+            <a:fillRect/>
+          </a:stretch>
+        </p:blipFill>
+        <p:spPr>
+          <a:xfrm>
+            <a:off x="2112325" y="3947747"/>
+            <a:ext cx="1897225" cy="302625"/>
           </a:xfrm>
           <a:prstGeom prst="rect">
             <a:avLst/>
@@ -16148,6 +16154,285 @@
 </file>
 
 <file path=ppt/theme/theme1.xml><?xml version="1.0" encoding="utf-8"?>
+<a:theme xmlns:a="http://schemas.openxmlformats.org/drawingml/2006/main" xmlns:r="http://schemas.openxmlformats.org/officeDocument/2006/relationships">
+  <a:themeElements>
+    <a:clrScheme name="Default">
+      <a:dk1>
+        <a:srgbClr val="000000"/>
+      </a:dk1>
+      <a:lt1>
+        <a:srgbClr val="FFFFFF"/>
+      </a:lt1>
+      <a:dk2>
+        <a:srgbClr val="158158"/>
+      </a:dk2>
+      <a:lt2>
+        <a:srgbClr val="F3F3F3"/>
+      </a:lt2>
+      <a:accent1>
+        <a:srgbClr val="058DC7"/>
+      </a:accent1>
+      <a:accent2>
+        <a:srgbClr val="50B432"/>
+      </a:accent2>
+      <a:accent3>
+        <a:srgbClr val="ED561B"/>
+      </a:accent3>
+      <a:accent4>
+        <a:srgbClr val="EDEF00"/>
+      </a:accent4>
+      <a:accent5>
+        <a:srgbClr val="24CBE5"/>
+      </a:accent5>
+      <a:accent6>
+        <a:srgbClr val="64E572"/>
+      </a:accent6>
+      <a:hlink>
+        <a:srgbClr val="2200CC"/>
+      </a:hlink>
+      <a:folHlink>
+        <a:srgbClr val="551A8B"/>
+      </a:folHlink>
+    </a:clrScheme>
+    <a:fontScheme name="Office">
+      <a:majorFont>
+        <a:latin typeface="Arial"/>
+        <a:ea typeface=""/>
+        <a:cs typeface=""/>
+        <a:font script="Jpan" typeface="ＭＳ Ｐゴシック"/>
+        <a:font script="Hang" typeface="맑은 고딕"/>
+        <a:font script="Hans" typeface="宋体"/>
+        <a:font script="Hant" typeface="新細明體"/>
+        <a:font script="Arab" typeface="Times New Roman"/>
+        <a:font script="Hebr" typeface="Times New Roman"/>
+        <a:font script="Thai" typeface="Angsana New"/>
+        <a:font script="Ethi" typeface="Nyala"/>
+        <a:font script="Beng" typeface="Vrinda"/>
+        <a:font script="Gujr" typeface="Shruti"/>
+        <a:font script="Khmr" typeface="MoolBoran"/>
+        <a:font script="Knda" typeface="Tunga"/>
+        <a:font script="Guru" typeface="Raavi"/>
+        <a:font script="Cans" typeface="Euphemia"/>
+        <a:font script="Cher" typeface="Plantagenet Cherokee"/>
+        <a:font script="Yiii" typeface="Microsoft Yi Baiti"/>
+        <a:font script="Tibt" typeface="Microsoft Himalaya"/>
+        <a:font script="Thaa" typeface="MV Boli"/>
+        <a:font script="Deva" typeface="Mangal"/>
+        <a:font script="Telu" typeface="Gautami"/>
+        <a:font script="Taml" typeface="Latha"/>
+        <a:font script="Syrc" typeface="Estrangelo Edessa"/>
+        <a:font script="Orya" typeface="Kalinga"/>
+        <a:font script="Mlym" typeface="Kartika"/>
+        <a:font script="Laoo" typeface="DokChampa"/>
+        <a:font script="Sinh" typeface="Iskoola Pota"/>
+        <a:font script="Mong" typeface="Mongolian Baiti"/>
+        <a:font script="Viet" typeface="Times New Roman"/>
+        <a:font script="Uigh" typeface="Microsoft Uighur"/>
+        <a:font script="Geor" typeface="Sylfaen"/>
+      </a:majorFont>
+      <a:minorFont>
+        <a:latin typeface="Arial"/>
+        <a:ea typeface=""/>
+        <a:cs typeface=""/>
+        <a:font script="Jpan" typeface="ＭＳ Ｐゴシック"/>
+        <a:font script="Hang" typeface="맑은 고딕"/>
+        <a:font script="Hans" typeface="宋体"/>
+        <a:font script="Hant" typeface="新細明體"/>
+        <a:font script="Arab" typeface="Arial"/>
+        <a:font script="Hebr" typeface="Arial"/>
+        <a:font script="Thai" typeface="Cordia New"/>
+        <a:font script="Ethi" typeface="Nyala"/>
+        <a:font script="Beng" typeface="Vrinda"/>
+        <a:font script="Gujr" typeface="Shruti"/>
+        <a:font script="Khmr" typeface="DaunPenh"/>
+        <a:font script="Knda" typeface="Tunga"/>
+        <a:font script="Guru" typeface="Raavi"/>
+        <a:font script="Cans" typeface="Euphemia"/>
+        <a:font script="Cher" typeface="Plantagenet Cherokee"/>
+        <a:font script="Yiii" typeface="Microsoft Yi Baiti"/>
+        <a:font script="Tibt" typeface="Microsoft Himalaya"/>
+        <a:font script="Thaa" typeface="MV Boli"/>
+        <a:font script="Deva" typeface="Mangal"/>
+        <a:font script="Telu" typeface="Gautami"/>
+        <a:font script="Taml" typeface="Latha"/>
+        <a:font script="Syrc" typeface="Estrangelo Edessa"/>
+        <a:font script="Orya" typeface="Kalinga"/>
+        <a:font script="Mlym" typeface="Kartika"/>
+        <a:font script="Laoo" typeface="DokChampa"/>
+        <a:font script="Sinh" typeface="Iskoola Pota"/>
+        <a:font script="Mong" typeface="Mongolian Baiti"/>
+        <a:font script="Viet" typeface="Arial"/>
+        <a:font script="Uigh" typeface="Microsoft Uighur"/>
+        <a:font script="Geor" typeface="Sylfaen"/>
+      </a:minorFont>
+    </a:fontScheme>
+    <a:fmtScheme name="Office">
+      <a:fillStyleLst>
+        <a:solidFill>
+          <a:schemeClr val="phClr"/>
+        </a:solidFill>
+        <a:gradFill rotWithShape="1">
+          <a:gsLst>
+            <a:gs pos="0">
+              <a:schemeClr val="phClr">
+                <a:tint val="50000"/>
+                <a:satMod val="300000"/>
+              </a:schemeClr>
+            </a:gs>
+            <a:gs pos="35000">
+              <a:schemeClr val="phClr">
+                <a:tint val="37000"/>
+                <a:satMod val="300000"/>
+              </a:schemeClr>
+            </a:gs>
+            <a:gs pos="100000">
+              <a:schemeClr val="phClr">
+                <a:tint val="15000"/>
+                <a:satMod val="350000"/>
+              </a:schemeClr>
+            </a:gs>
+          </a:gsLst>
+          <a:lin ang="16200000" scaled="1"/>
+        </a:gradFill>
+        <a:gradFill rotWithShape="1">
+          <a:gsLst>
+            <a:gs pos="0">
+              <a:schemeClr val="phClr">
+                <a:tint val="100000"/>
+                <a:shade val="100000"/>
+                <a:satMod val="130000"/>
+              </a:schemeClr>
+            </a:gs>
+            <a:gs pos="100000">
+              <a:schemeClr val="phClr">
+                <a:tint val="50000"/>
+                <a:shade val="100000"/>
+                <a:satMod val="350000"/>
+              </a:schemeClr>
+            </a:gs>
+          </a:gsLst>
+          <a:lin ang="16200000" scaled="0"/>
+        </a:gradFill>
+      </a:fillStyleLst>
+      <a:lnStyleLst>
+        <a:ln w="9525" cap="flat" cmpd="sng" algn="ctr">
+          <a:solidFill>
+            <a:schemeClr val="phClr">
+              <a:shade val="95000"/>
+              <a:satMod val="105000"/>
+            </a:schemeClr>
+          </a:solidFill>
+          <a:prstDash val="solid"/>
+        </a:ln>
+        <a:ln w="25400" cap="flat" cmpd="sng" algn="ctr">
+          <a:solidFill>
+            <a:schemeClr val="phClr"/>
+          </a:solidFill>
+          <a:prstDash val="solid"/>
+        </a:ln>
+        <a:ln w="38100" cap="flat" cmpd="sng" algn="ctr">
+          <a:solidFill>
+            <a:schemeClr val="phClr"/>
+          </a:solidFill>
+          <a:prstDash val="solid"/>
+        </a:ln>
+      </a:lnStyleLst>
+      <a:effectStyleLst>
+        <a:effectStyle>
+          <a:effectLst>
+            <a:outerShdw blurRad="40000" dist="20000" dir="5400000" rotWithShape="0">
+              <a:srgbClr val="000000">
+                <a:alpha val="38000"/>
+              </a:srgbClr>
+            </a:outerShdw>
+          </a:effectLst>
+        </a:effectStyle>
+        <a:effectStyle>
+          <a:effectLst>
+            <a:outerShdw blurRad="40000" dist="23000" dir="5400000" rotWithShape="0">
+              <a:srgbClr val="000000">
+                <a:alpha val="35000"/>
+              </a:srgbClr>
+            </a:outerShdw>
+          </a:effectLst>
+        </a:effectStyle>
+        <a:effectStyle>
+          <a:effectLst>
+            <a:outerShdw blurRad="40000" dist="23000" dir="5400000" rotWithShape="0">
+              <a:srgbClr val="000000">
+                <a:alpha val="35000"/>
+              </a:srgbClr>
+            </a:outerShdw>
+          </a:effectLst>
+          <a:scene3d>
+            <a:camera prst="orthographicFront">
+              <a:rot lat="0" lon="0" rev="0"/>
+            </a:camera>
+            <a:lightRig rig="threePt" dir="t">
+              <a:rot lat="0" lon="0" rev="1200000"/>
+            </a:lightRig>
+          </a:scene3d>
+          <a:sp3d>
+            <a:bevelT w="63500" h="25400"/>
+          </a:sp3d>
+        </a:effectStyle>
+      </a:effectStyleLst>
+      <a:bgFillStyleLst>
+        <a:solidFill>
+          <a:schemeClr val="phClr"/>
+        </a:solidFill>
+        <a:gradFill rotWithShape="1">
+          <a:gsLst>
+            <a:gs pos="0">
+              <a:schemeClr val="phClr">
+                <a:tint val="40000"/>
+                <a:satMod val="350000"/>
+              </a:schemeClr>
+            </a:gs>
+            <a:gs pos="40000">
+              <a:schemeClr val="phClr">
+                <a:tint val="45000"/>
+                <a:shade val="99000"/>
+                <a:satMod val="350000"/>
+              </a:schemeClr>
+            </a:gs>
+            <a:gs pos="100000">
+              <a:schemeClr val="phClr">
+                <a:shade val="20000"/>
+                <a:satMod val="255000"/>
+              </a:schemeClr>
+            </a:gs>
+          </a:gsLst>
+          <a:path path="circle">
+            <a:fillToRect l="50000" t="-80000" r="50000" b="180000"/>
+          </a:path>
+        </a:gradFill>
+        <a:gradFill rotWithShape="1">
+          <a:gsLst>
+            <a:gs pos="0">
+              <a:schemeClr val="phClr">
+                <a:tint val="80000"/>
+                <a:satMod val="300000"/>
+              </a:schemeClr>
+            </a:gs>
+            <a:gs pos="100000">
+              <a:schemeClr val="phClr">
+                <a:shade val="30000"/>
+                <a:satMod val="200000"/>
+              </a:schemeClr>
+            </a:gs>
+          </a:gsLst>
+          <a:path path="circle">
+            <a:fillToRect l="50000" t="50000" r="50000" b="50000"/>
+          </a:path>
+        </a:gradFill>
+      </a:bgFillStyleLst>
+    </a:fmtScheme>
+  </a:themeElements>
+</a:theme>
+</file>
+
+<file path=ppt/theme/theme2.xml><?xml version="1.0" encoding="utf-8"?>
 <a:theme xmlns:a="http://schemas.openxmlformats.org/drawingml/2006/main" xmlns:r="http://schemas.openxmlformats.org/officeDocument/2006/relationships" name="TUBraunschweig_PPT2007_Folienpool_pptx">
   <a:themeElements>
     <a:clrScheme name="TU Braunschweig">
@@ -16424,283 +16709,4 @@
     </a:fmtScheme>
   </a:themeElements>
 </a:theme>
-</file>
-
-<file path=ppt/theme/theme2.xml><?xml version="1.0" encoding="utf-8"?>
-<a:theme xmlns:a="http://schemas.openxmlformats.org/drawingml/2006/main" xmlns:r="http://schemas.openxmlformats.org/officeDocument/2006/relationships">
-  <a:themeElements>
-    <a:clrScheme name="Default">
-      <a:dk1>
-        <a:srgbClr val="000000"/>
-      </a:dk1>
-      <a:lt1>
-        <a:srgbClr val="FFFFFF"/>
-      </a:lt1>
-      <a:dk2>
-        <a:srgbClr val="158158"/>
-      </a:dk2>
-      <a:lt2>
-        <a:srgbClr val="F3F3F3"/>
-      </a:lt2>
-      <a:accent1>
-        <a:srgbClr val="058DC7"/>
-      </a:accent1>
-      <a:accent2>
-        <a:srgbClr val="50B432"/>
-      </a:accent2>
-      <a:accent3>
-        <a:srgbClr val="ED561B"/>
-      </a:accent3>
-      <a:accent4>
-        <a:srgbClr val="EDEF00"/>
-      </a:accent4>
-      <a:accent5>
-        <a:srgbClr val="24CBE5"/>
-      </a:accent5>
-      <a:accent6>
-        <a:srgbClr val="64E572"/>
-      </a:accent6>
-      <a:hlink>
-        <a:srgbClr val="2200CC"/>
-      </a:hlink>
-      <a:folHlink>
-        <a:srgbClr val="551A8B"/>
-      </a:folHlink>
-    </a:clrScheme>
-    <a:fontScheme name="Office">
-      <a:majorFont>
-        <a:latin typeface="Arial"/>
-        <a:ea typeface=""/>
-        <a:cs typeface=""/>
-        <a:font script="Jpan" typeface="ＭＳ Ｐゴシック"/>
-        <a:font script="Hang" typeface="맑은 고딕"/>
-        <a:font script="Hans" typeface="宋体"/>
-        <a:font script="Hant" typeface="新細明體"/>
-        <a:font script="Arab" typeface="Times New Roman"/>
-        <a:font script="Hebr" typeface="Times New Roman"/>
-        <a:font script="Thai" typeface="Angsana New"/>
-        <a:font script="Ethi" typeface="Nyala"/>
-        <a:font script="Beng" typeface="Vrinda"/>
-        <a:font script="Gujr" typeface="Shruti"/>
-        <a:font script="Khmr" typeface="MoolBoran"/>
-        <a:font script="Knda" typeface="Tunga"/>
-        <a:font script="Guru" typeface="Raavi"/>
-        <a:font script="Cans" typeface="Euphemia"/>
-        <a:font script="Cher" typeface="Plantagenet Cherokee"/>
-        <a:font script="Yiii" typeface="Microsoft Yi Baiti"/>
-        <a:font script="Tibt" typeface="Microsoft Himalaya"/>
-        <a:font script="Thaa" typeface="MV Boli"/>
-        <a:font script="Deva" typeface="Mangal"/>
-        <a:font script="Telu" typeface="Gautami"/>
-        <a:font script="Taml" typeface="Latha"/>
-        <a:font script="Syrc" typeface="Estrangelo Edessa"/>
-        <a:font script="Orya" typeface="Kalinga"/>
-        <a:font script="Mlym" typeface="Kartika"/>
-        <a:font script="Laoo" typeface="DokChampa"/>
-        <a:font script="Sinh" typeface="Iskoola Pota"/>
-        <a:font script="Mong" typeface="Mongolian Baiti"/>
-        <a:font script="Viet" typeface="Times New Roman"/>
-        <a:font script="Uigh" typeface="Microsoft Uighur"/>
-        <a:font script="Geor" typeface="Sylfaen"/>
-      </a:majorFont>
-      <a:minorFont>
-        <a:latin typeface="Arial"/>
-        <a:ea typeface=""/>
-        <a:cs typeface=""/>
-        <a:font script="Jpan" typeface="ＭＳ Ｐゴシック"/>
-        <a:font script="Hang" typeface="맑은 고딕"/>
-        <a:font script="Hans" typeface="宋体"/>
-        <a:font script="Hant" typeface="新細明體"/>
-        <a:font script="Arab" typeface="Arial"/>
-        <a:font script="Hebr" typeface="Arial"/>
-        <a:font script="Thai" typeface="Cordia New"/>
-        <a:font script="Ethi" typeface="Nyala"/>
-        <a:font script="Beng" typeface="Vrinda"/>
-        <a:font script="Gujr" typeface="Shruti"/>
-        <a:font script="Khmr" typeface="DaunPenh"/>
-        <a:font script="Knda" typeface="Tunga"/>
-        <a:font script="Guru" typeface="Raavi"/>
-        <a:font script="Cans" typeface="Euphemia"/>
-        <a:font script="Cher" typeface="Plantagenet Cherokee"/>
-        <a:font script="Yiii" typeface="Microsoft Yi Baiti"/>
-        <a:font script="Tibt" typeface="Microsoft Himalaya"/>
-        <a:font script="Thaa" typeface="MV Boli"/>
-        <a:font script="Deva" typeface="Mangal"/>
-        <a:font script="Telu" typeface="Gautami"/>
-        <a:font script="Taml" typeface="Latha"/>
-        <a:font script="Syrc" typeface="Estrangelo Edessa"/>
-        <a:font script="Orya" typeface="Kalinga"/>
-        <a:font script="Mlym" typeface="Kartika"/>
-        <a:font script="Laoo" typeface="DokChampa"/>
-        <a:font script="Sinh" typeface="Iskoola Pota"/>
-        <a:font script="Mong" typeface="Mongolian Baiti"/>
-        <a:font script="Viet" typeface="Arial"/>
-        <a:font script="Uigh" typeface="Microsoft Uighur"/>
-        <a:font script="Geor" typeface="Sylfaen"/>
-      </a:minorFont>
-    </a:fontScheme>
-    <a:fmtScheme name="Office">
-      <a:fillStyleLst>
-        <a:solidFill>
-          <a:schemeClr val="phClr"/>
-        </a:solidFill>
-        <a:gradFill rotWithShape="1">
-          <a:gsLst>
-            <a:gs pos="0">
-              <a:schemeClr val="phClr">
-                <a:tint val="50000"/>
-                <a:satMod val="300000"/>
-              </a:schemeClr>
-            </a:gs>
-            <a:gs pos="35000">
-              <a:schemeClr val="phClr">
-                <a:tint val="37000"/>
-                <a:satMod val="300000"/>
-              </a:schemeClr>
-            </a:gs>
-            <a:gs pos="100000">
-              <a:schemeClr val="phClr">
-                <a:tint val="15000"/>
-                <a:satMod val="350000"/>
-              </a:schemeClr>
-            </a:gs>
-          </a:gsLst>
-          <a:lin ang="16200000" scaled="1"/>
-        </a:gradFill>
-        <a:gradFill rotWithShape="1">
-          <a:gsLst>
-            <a:gs pos="0">
-              <a:schemeClr val="phClr">
-                <a:tint val="100000"/>
-                <a:shade val="100000"/>
-                <a:satMod val="130000"/>
-              </a:schemeClr>
-            </a:gs>
-            <a:gs pos="100000">
-              <a:schemeClr val="phClr">
-                <a:tint val="50000"/>
-                <a:shade val="100000"/>
-                <a:satMod val="350000"/>
-              </a:schemeClr>
-            </a:gs>
-          </a:gsLst>
-          <a:lin ang="16200000" scaled="0"/>
-        </a:gradFill>
-      </a:fillStyleLst>
-      <a:lnStyleLst>
-        <a:ln w="9525" cap="flat" cmpd="sng" algn="ctr">
-          <a:solidFill>
-            <a:schemeClr val="phClr">
-              <a:shade val="95000"/>
-              <a:satMod val="105000"/>
-            </a:schemeClr>
-          </a:solidFill>
-          <a:prstDash val="solid"/>
-        </a:ln>
-        <a:ln w="25400" cap="flat" cmpd="sng" algn="ctr">
-          <a:solidFill>
-            <a:schemeClr val="phClr"/>
-          </a:solidFill>
-          <a:prstDash val="solid"/>
-        </a:ln>
-        <a:ln w="38100" cap="flat" cmpd="sng" algn="ctr">
-          <a:solidFill>
-            <a:schemeClr val="phClr"/>
-          </a:solidFill>
-          <a:prstDash val="solid"/>
-        </a:ln>
-      </a:lnStyleLst>
-      <a:effectStyleLst>
-        <a:effectStyle>
-          <a:effectLst>
-            <a:outerShdw blurRad="40000" dist="20000" dir="5400000" rotWithShape="0">
-              <a:srgbClr val="000000">
-                <a:alpha val="38000"/>
-              </a:srgbClr>
-            </a:outerShdw>
-          </a:effectLst>
-        </a:effectStyle>
-        <a:effectStyle>
-          <a:effectLst>
-            <a:outerShdw blurRad="40000" dist="23000" dir="5400000" rotWithShape="0">
-              <a:srgbClr val="000000">
-                <a:alpha val="35000"/>
-              </a:srgbClr>
-            </a:outerShdw>
-          </a:effectLst>
-        </a:effectStyle>
-        <a:effectStyle>
-          <a:effectLst>
-            <a:outerShdw blurRad="40000" dist="23000" dir="5400000" rotWithShape="0">
-              <a:srgbClr val="000000">
-                <a:alpha val="35000"/>
-              </a:srgbClr>
-            </a:outerShdw>
-          </a:effectLst>
-          <a:scene3d>
-            <a:camera prst="orthographicFront">
-              <a:rot lat="0" lon="0" rev="0"/>
-            </a:camera>
-            <a:lightRig rig="threePt" dir="t">
-              <a:rot lat="0" lon="0" rev="1200000"/>
-            </a:lightRig>
-          </a:scene3d>
-          <a:sp3d>
-            <a:bevelT w="63500" h="25400"/>
-          </a:sp3d>
-        </a:effectStyle>
-      </a:effectStyleLst>
-      <a:bgFillStyleLst>
-        <a:solidFill>
-          <a:schemeClr val="phClr"/>
-        </a:solidFill>
-        <a:gradFill rotWithShape="1">
-          <a:gsLst>
-            <a:gs pos="0">
-              <a:schemeClr val="phClr">
-                <a:tint val="40000"/>
-                <a:satMod val="350000"/>
-              </a:schemeClr>
-            </a:gs>
-            <a:gs pos="40000">
-              <a:schemeClr val="phClr">
-                <a:tint val="45000"/>
-                <a:shade val="99000"/>
-                <a:satMod val="350000"/>
-              </a:schemeClr>
-            </a:gs>
-            <a:gs pos="100000">
-              <a:schemeClr val="phClr">
-                <a:shade val="20000"/>
-                <a:satMod val="255000"/>
-              </a:schemeClr>
-            </a:gs>
-          </a:gsLst>
-          <a:path path="circle">
-            <a:fillToRect l="50000" t="-80000" r="50000" b="180000"/>
-          </a:path>
-        </a:gradFill>
-        <a:gradFill rotWithShape="1">
-          <a:gsLst>
-            <a:gs pos="0">
-              <a:schemeClr val="phClr">
-                <a:tint val="80000"/>
-                <a:satMod val="300000"/>
-              </a:schemeClr>
-            </a:gs>
-            <a:gs pos="100000">
-              <a:schemeClr val="phClr">
-                <a:shade val="30000"/>
-                <a:satMod val="200000"/>
-              </a:schemeClr>
-            </a:gs>
-          </a:gsLst>
-          <a:path path="circle">
-            <a:fillToRect l="50000" t="50000" r="50000" b="50000"/>
-          </a:path>
-        </a:gradFill>
-      </a:bgFillStyleLst>
-    </a:fmtScheme>
-  </a:themeElements>
-</a:theme>
 </file>
--- a/slides/04_functions_classes_packages.pptx
+++ b/slides/04_functions_classes_packages.pptx
@@ -10345,7 +10345,7 @@
             <a:tbl>
               <a:tblPr>
                 <a:noFill/>
-                <a:tableStyleId>{B8821D4D-DA2C-44F2-A05A-55DE8711F4F9}</a:tableStyleId>
+                <a:tableStyleId>{529C27FF-86A4-408B-9629-E1E31D5EC967}</a:tableStyleId>
               </a:tblPr>
               <a:tblGrid>
                 <a:gridCol w="1447800"/>

--- a/slides/04_functions_classes_packages.pptx
+++ b/slides/04_functions_classes_packages.pptx
@@ -955,7 +955,7 @@
   <p:cSld>
     <p:spTree>
       <p:nvGrpSpPr>
-        <p:cNvPr id="161" name="Shape 161"/>
+        <p:cNvPr id="163" name="Shape 163"/>
         <p:cNvGrpSpPr/>
         <p:nvPr/>
       </p:nvGrpSpPr>
@@ -969,7 +969,7 @@
       </p:grpSpPr>
       <p:sp>
         <p:nvSpPr>
-          <p:cNvPr id="162" name="Google Shape;162;p10:notes"/>
+          <p:cNvPr id="164" name="Google Shape;164;p10:notes"/>
           <p:cNvSpPr/>
           <p:nvPr>
             <p:ph idx="2" type="sldImg"/>
@@ -1014,7 +1014,7 @@
       </p:sp>
       <p:sp>
         <p:nvSpPr>
-          <p:cNvPr id="163" name="Google Shape;163;p10:notes"/>
+          <p:cNvPr id="165" name="Google Shape;165;p10:notes"/>
           <p:cNvSpPr txBox="1"/>
           <p:nvPr>
             <p:ph idx="1" type="body"/>
@@ -1072,7 +1072,7 @@
   <p:cSld>
     <p:spTree>
       <p:nvGrpSpPr>
-        <p:cNvPr id="168" name="Shape 168"/>
+        <p:cNvPr id="170" name="Shape 170"/>
         <p:cNvGrpSpPr/>
         <p:nvPr/>
       </p:nvGrpSpPr>
@@ -1086,7 +1086,7 @@
       </p:grpSpPr>
       <p:sp>
         <p:nvSpPr>
-          <p:cNvPr id="169" name="Google Shape;169;p11:notes"/>
+          <p:cNvPr id="171" name="Google Shape;171;p11:notes"/>
           <p:cNvSpPr/>
           <p:nvPr>
             <p:ph idx="2" type="sldImg"/>
@@ -1131,7 +1131,7 @@
       </p:sp>
       <p:sp>
         <p:nvSpPr>
-          <p:cNvPr id="170" name="Google Shape;170;p11:notes"/>
+          <p:cNvPr id="172" name="Google Shape;172;p11:notes"/>
           <p:cNvSpPr txBox="1"/>
           <p:nvPr>
             <p:ph idx="1" type="body"/>
@@ -1189,7 +1189,7 @@
   <p:cSld>
     <p:spTree>
       <p:nvGrpSpPr>
-        <p:cNvPr id="174" name="Shape 174"/>
+        <p:cNvPr id="176" name="Shape 176"/>
         <p:cNvGrpSpPr/>
         <p:nvPr/>
       </p:nvGrpSpPr>
@@ -1203,7 +1203,7 @@
       </p:grpSpPr>
       <p:sp>
         <p:nvSpPr>
-          <p:cNvPr id="175" name="Google Shape;175;p12:notes"/>
+          <p:cNvPr id="177" name="Google Shape;177;p12:notes"/>
           <p:cNvSpPr/>
           <p:nvPr>
             <p:ph idx="2" type="sldImg"/>
@@ -1248,7 +1248,7 @@
       </p:sp>
       <p:sp>
         <p:nvSpPr>
-          <p:cNvPr id="176" name="Google Shape;176;p12:notes"/>
+          <p:cNvPr id="178" name="Google Shape;178;p12:notes"/>
           <p:cNvSpPr txBox="1"/>
           <p:nvPr>
             <p:ph idx="1" type="body"/>
@@ -1306,7 +1306,7 @@
   <p:cSld>
     <p:spTree>
       <p:nvGrpSpPr>
-        <p:cNvPr id="180" name="Shape 180"/>
+        <p:cNvPr id="182" name="Shape 182"/>
         <p:cNvGrpSpPr/>
         <p:nvPr/>
       </p:nvGrpSpPr>
@@ -1320,7 +1320,7 @@
       </p:grpSpPr>
       <p:sp>
         <p:nvSpPr>
-          <p:cNvPr id="181" name="Google Shape;181;p13:notes"/>
+          <p:cNvPr id="183" name="Google Shape;183;p13:notes"/>
           <p:cNvSpPr/>
           <p:nvPr>
             <p:ph idx="2" type="sldImg"/>
@@ -1365,7 +1365,7 @@
       </p:sp>
       <p:sp>
         <p:nvSpPr>
-          <p:cNvPr id="182" name="Google Shape;182;p13:notes"/>
+          <p:cNvPr id="184" name="Google Shape;184;p13:notes"/>
           <p:cNvSpPr txBox="1"/>
           <p:nvPr>
             <p:ph idx="1" type="body"/>
@@ -1774,7 +1774,7 @@
   <p:cSld>
     <p:spTree>
       <p:nvGrpSpPr>
-        <p:cNvPr id="113" name="Shape 113"/>
+        <p:cNvPr id="114" name="Shape 114"/>
         <p:cNvGrpSpPr/>
         <p:nvPr/>
       </p:nvGrpSpPr>
@@ -1788,7 +1788,7 @@
       </p:grpSpPr>
       <p:sp>
         <p:nvSpPr>
-          <p:cNvPr id="114" name="Google Shape;114;p5:notes"/>
+          <p:cNvPr id="115" name="Google Shape;115;p5:notes"/>
           <p:cNvSpPr/>
           <p:nvPr>
             <p:ph idx="2" type="sldImg"/>
@@ -1833,7 +1833,7 @@
       </p:sp>
       <p:sp>
         <p:nvSpPr>
-          <p:cNvPr id="115" name="Google Shape;115;p5:notes"/>
+          <p:cNvPr id="116" name="Google Shape;116;p5:notes"/>
           <p:cNvSpPr txBox="1"/>
           <p:nvPr>
             <p:ph idx="1" type="body"/>
@@ -1891,7 +1891,7 @@
   <p:cSld>
     <p:spTree>
       <p:nvGrpSpPr>
-        <p:cNvPr id="120" name="Shape 120"/>
+        <p:cNvPr id="121" name="Shape 121"/>
         <p:cNvGrpSpPr/>
         <p:nvPr/>
       </p:nvGrpSpPr>
@@ -1905,7 +1905,7 @@
       </p:grpSpPr>
       <p:sp>
         <p:nvSpPr>
-          <p:cNvPr id="121" name="Google Shape;121;p6:notes"/>
+          <p:cNvPr id="122" name="Google Shape;122;p6:notes"/>
           <p:cNvSpPr/>
           <p:nvPr>
             <p:ph idx="2" type="sldImg"/>
@@ -1950,7 +1950,7 @@
       </p:sp>
       <p:sp>
         <p:nvSpPr>
-          <p:cNvPr id="122" name="Google Shape;122;p6:notes"/>
+          <p:cNvPr id="123" name="Google Shape;123;p6:notes"/>
           <p:cNvSpPr txBox="1"/>
           <p:nvPr>
             <p:ph idx="1" type="body"/>
@@ -2008,7 +2008,7 @@
   <p:cSld>
     <p:spTree>
       <p:nvGrpSpPr>
-        <p:cNvPr id="136" name="Shape 136"/>
+        <p:cNvPr id="137" name="Shape 137"/>
         <p:cNvGrpSpPr/>
         <p:nvPr/>
       </p:nvGrpSpPr>
@@ -2022,7 +2022,7 @@
       </p:grpSpPr>
       <p:sp>
         <p:nvSpPr>
-          <p:cNvPr id="137" name="Google Shape;137;p7:notes"/>
+          <p:cNvPr id="138" name="Google Shape;138;p7:notes"/>
           <p:cNvSpPr/>
           <p:nvPr>
             <p:ph idx="2" type="sldImg"/>
@@ -2067,7 +2067,7 @@
       </p:sp>
       <p:sp>
         <p:nvSpPr>
-          <p:cNvPr id="138" name="Google Shape;138;p7:notes"/>
+          <p:cNvPr id="139" name="Google Shape;139;p7:notes"/>
           <p:cNvSpPr txBox="1"/>
           <p:nvPr>
             <p:ph idx="1" type="body"/>
@@ -2125,7 +2125,7 @@
   <p:cSld>
     <p:spTree>
       <p:nvGrpSpPr>
-        <p:cNvPr id="145" name="Shape 145"/>
+        <p:cNvPr id="146" name="Shape 146"/>
         <p:cNvGrpSpPr/>
         <p:nvPr/>
       </p:nvGrpSpPr>
@@ -2139,7 +2139,7 @@
       </p:grpSpPr>
       <p:sp>
         <p:nvSpPr>
-          <p:cNvPr id="146" name="Google Shape;146;p8:notes"/>
+          <p:cNvPr id="147" name="Google Shape;147;p8:notes"/>
           <p:cNvSpPr/>
           <p:nvPr>
             <p:ph idx="2" type="sldImg"/>
@@ -2184,7 +2184,7 @@
       </p:sp>
       <p:sp>
         <p:nvSpPr>
-          <p:cNvPr id="147" name="Google Shape;147;p8:notes"/>
+          <p:cNvPr id="148" name="Google Shape;148;p8:notes"/>
           <p:cNvSpPr txBox="1"/>
           <p:nvPr>
             <p:ph idx="1" type="body"/>
@@ -2242,7 +2242,7 @@
   <p:cSld>
     <p:spTree>
       <p:nvGrpSpPr>
-        <p:cNvPr id="152" name="Shape 152"/>
+        <p:cNvPr id="154" name="Shape 154"/>
         <p:cNvGrpSpPr/>
         <p:nvPr/>
       </p:nvGrpSpPr>
@@ -2256,7 +2256,7 @@
       </p:grpSpPr>
       <p:sp>
         <p:nvSpPr>
-          <p:cNvPr id="153" name="Google Shape;153;p9:notes"/>
+          <p:cNvPr id="155" name="Google Shape;155;p9:notes"/>
           <p:cNvSpPr/>
           <p:nvPr>
             <p:ph idx="2" type="sldImg"/>
@@ -2301,7 +2301,7 @@
       </p:sp>
       <p:sp>
         <p:nvSpPr>
-          <p:cNvPr id="154" name="Google Shape;154;p9:notes"/>
+          <p:cNvPr id="156" name="Google Shape;156;p9:notes"/>
           <p:cNvSpPr txBox="1"/>
           <p:nvPr>
             <p:ph idx="1" type="body"/>
@@ -10270,7 +10270,7 @@
   <p:cSld>
     <p:spTree>
       <p:nvGrpSpPr>
-        <p:cNvPr id="164" name="Shape 164"/>
+        <p:cNvPr id="166" name="Shape 166"/>
         <p:cNvGrpSpPr/>
         <p:nvPr/>
       </p:nvGrpSpPr>
@@ -10284,7 +10284,7 @@
       </p:grpSpPr>
       <p:sp>
         <p:nvSpPr>
-          <p:cNvPr id="165" name="Google Shape;165;p25"/>
+          <p:cNvPr id="167" name="Google Shape;167;p25"/>
           <p:cNvSpPr txBox="1"/>
           <p:nvPr>
             <p:ph type="title"/>
@@ -10332,7 +10332,7 @@
       </p:sp>
       <p:graphicFrame>
         <p:nvGraphicFramePr>
-          <p:cNvPr id="166" name="Google Shape;166;p25"/>
+          <p:cNvPr id="168" name="Google Shape;168;p25"/>
           <p:cNvGraphicFramePr/>
           <p:nvPr/>
         </p:nvGraphicFramePr>
@@ -10345,7 +10345,7 @@
             <a:tbl>
               <a:tblPr>
                 <a:noFill/>
-                <a:tableStyleId>{529C27FF-86A4-408B-9629-E1E31D5EC967}</a:tableStyleId>
+                <a:tableStyleId>{BCCE7B7F-0B56-4102-B816-A070CE0BA88B}</a:tableStyleId>
               </a:tblPr>
               <a:tblGrid>
                 <a:gridCol w="1447800"/>
@@ -11205,7 +11205,7 @@
       </p:graphicFrame>
       <p:sp>
         <p:nvSpPr>
-          <p:cNvPr id="167" name="Google Shape;167;p25"/>
+          <p:cNvPr id="169" name="Google Shape;169;p25"/>
           <p:cNvSpPr txBox="1"/>
           <p:nvPr/>
         </p:nvSpPr>
@@ -11282,7 +11282,7 @@
   <p:cSld>
     <p:spTree>
       <p:nvGrpSpPr>
-        <p:cNvPr id="171" name="Shape 171"/>
+        <p:cNvPr id="173" name="Shape 173"/>
         <p:cNvGrpSpPr/>
         <p:nvPr/>
       </p:nvGrpSpPr>
@@ -11296,7 +11296,7 @@
       </p:grpSpPr>
       <p:sp>
         <p:nvSpPr>
-          <p:cNvPr id="172" name="Google Shape;172;p26"/>
+          <p:cNvPr id="174" name="Google Shape;174;p26"/>
           <p:cNvSpPr txBox="1"/>
           <p:nvPr>
             <p:ph type="title"/>
@@ -11344,7 +11344,7 @@
       </p:sp>
       <p:sp>
         <p:nvSpPr>
-          <p:cNvPr id="173" name="Google Shape;173;p26"/>
+          <p:cNvPr id="175" name="Google Shape;175;p26"/>
           <p:cNvSpPr/>
           <p:nvPr>
             <p:ph idx="2" type="chart"/>
@@ -11609,7 +11609,7 @@
   <p:cSld>
     <p:spTree>
       <p:nvGrpSpPr>
-        <p:cNvPr id="177" name="Shape 177"/>
+        <p:cNvPr id="179" name="Shape 179"/>
         <p:cNvGrpSpPr/>
         <p:nvPr/>
       </p:nvGrpSpPr>
@@ -11623,7 +11623,7 @@
       </p:grpSpPr>
       <p:sp>
         <p:nvSpPr>
-          <p:cNvPr id="178" name="Google Shape;178;p27"/>
+          <p:cNvPr id="180" name="Google Shape;180;p27"/>
           <p:cNvSpPr txBox="1"/>
           <p:nvPr>
             <p:ph type="title"/>
@@ -11671,7 +11671,7 @@
       </p:sp>
       <p:sp>
         <p:nvSpPr>
-          <p:cNvPr id="179" name="Google Shape;179;p27"/>
+          <p:cNvPr id="181" name="Google Shape;181;p27"/>
           <p:cNvSpPr/>
           <p:nvPr>
             <p:ph idx="2" type="chart"/>
@@ -12030,7 +12030,7 @@
   <p:cSld>
     <p:spTree>
       <p:nvGrpSpPr>
-        <p:cNvPr id="183" name="Shape 183"/>
+        <p:cNvPr id="185" name="Shape 185"/>
         <p:cNvGrpSpPr/>
         <p:nvPr/>
       </p:nvGrpSpPr>
@@ -12044,7 +12044,7 @@
       </p:grpSpPr>
       <p:sp>
         <p:nvSpPr>
-          <p:cNvPr id="184" name="Google Shape;184;p28"/>
+          <p:cNvPr id="186" name="Google Shape;186;p28"/>
           <p:cNvSpPr txBox="1"/>
           <p:nvPr>
             <p:ph type="title"/>
@@ -12092,7 +12092,7 @@
       </p:sp>
       <p:sp>
         <p:nvSpPr>
-          <p:cNvPr id="185" name="Google Shape;185;p28"/>
+          <p:cNvPr id="187" name="Google Shape;187;p28"/>
           <p:cNvSpPr/>
           <p:nvPr>
             <p:ph idx="2" type="chart"/>
@@ -13352,17 +13352,18 @@
           <p:cNvPicPr preferRelativeResize="0"/>
           <p:nvPr/>
         </p:nvPicPr>
-        <p:blipFill rotWithShape="1">
+        <p:blipFill>
           <a:blip r:embed="rId3">
             <a:alphaModFix/>
           </a:blip>
-          <a:srcRect b="0" l="0" r="0" t="0"/>
-          <a:stretch/>
+          <a:stretch>
+            <a:fillRect/>
+          </a:stretch>
         </p:blipFill>
         <p:spPr>
           <a:xfrm>
-            <a:off x="2528425" y="891450"/>
-            <a:ext cx="3906137" cy="3551046"/>
+            <a:off x="2289800" y="1588475"/>
+            <a:ext cx="4229757" cy="1966550"/>
           </a:xfrm>
           <a:prstGeom prst="rect">
             <a:avLst/>
@@ -13495,7 +13496,7 @@
         </p:nvSpPr>
         <p:spPr>
           <a:xfrm>
-            <a:off x="7333475" y="1999775"/>
+            <a:off x="7029125" y="2471950"/>
             <a:ext cx="1316700" cy="400200"/>
           </a:xfrm>
           <a:prstGeom prst="rect">
@@ -13561,7 +13562,7 @@
         </p:nvSpPr>
         <p:spPr>
           <a:xfrm>
-            <a:off x="7130950" y="962875"/>
+            <a:off x="5390400" y="863975"/>
             <a:ext cx="1676700" cy="400200"/>
           </a:xfrm>
           <a:prstGeom prst="rect">
@@ -13627,7 +13628,7 @@
         </p:nvSpPr>
         <p:spPr>
           <a:xfrm>
-            <a:off x="539050" y="2798075"/>
+            <a:off x="112975" y="2394800"/>
             <a:ext cx="1621200" cy="1046700"/>
           </a:xfrm>
           <a:prstGeom prst="rect">
@@ -13685,328 +13686,174 @@
           </a:p>
         </p:txBody>
       </p:sp>
-      <p:sp>
-        <p:nvSpPr>
+      <p:cxnSp>
+        <p:nvCxnSpPr>
           <p:cNvPr id="108" name="Google Shape;108;p19"/>
-          <p:cNvSpPr/>
+          <p:cNvCxnSpPr>
+            <a:stCxn id="104" idx="3"/>
+          </p:cNvCxnSpPr>
           <p:nvPr/>
-        </p:nvSpPr>
+        </p:nvCxnSpPr>
         <p:spPr>
           <a:xfrm>
-            <a:off x="1600650" y="570453"/>
-            <a:ext cx="1991575" cy="614600"/>
+            <a:off x="1530725" y="1146500"/>
+            <a:ext cx="1977600" cy="460800"/>
           </a:xfrm>
-          <a:custGeom>
-            <a:rect b="b" l="l" r="r" t="t"/>
-            <a:pathLst>
-              <a:path extrusionOk="0" h="24584" w="79663">
-                <a:moveTo>
-                  <a:pt x="0" y="24584"/>
-                </a:moveTo>
-                <a:cubicBezTo>
-                  <a:pt x="12570" y="13589"/>
-                  <a:pt x="27210" y="2295"/>
-                  <a:pt x="43782" y="225"/>
-                </a:cubicBezTo>
-                <a:cubicBezTo>
-                  <a:pt x="56462" y="-1359"/>
-                  <a:pt x="68232" y="8010"/>
-                  <a:pt x="79663" y="13721"/>
-                </a:cubicBezTo>
-              </a:path>
-            </a:pathLst>
-          </a:custGeom>
+          <a:prstGeom prst="straightConnector1">
+            <a:avLst/>
+          </a:prstGeom>
           <a:noFill/>
           <a:ln cap="flat" cmpd="sng" w="9525">
             <a:solidFill>
-              <a:srgbClr val="FF0000"/>
+              <a:schemeClr val="accent1"/>
             </a:solidFill>
             <a:prstDash val="solid"/>
             <a:round/>
-            <a:headEnd len="sm" w="sm" type="none"/>
-            <a:tailEnd len="sm" w="sm" type="none"/>
+            <a:headEnd len="med" w="med" type="none"/>
+            <a:tailEnd len="med" w="med" type="triangle"/>
           </a:ln>
         </p:spPr>
-        <p:txBody>
-          <a:bodyPr anchorCtr="0" anchor="ctr" bIns="91425" lIns="91425" spcFirstLastPara="1" rIns="91425" wrap="square" tIns="91425">
-            <a:noAutofit/>
-          </a:bodyPr>
-          <a:lstStyle/>
-          <a:p>
-            <a:pPr indent="0" lvl="0" marL="0" rtl="0" algn="l">
-              <a:spcBef>
-                <a:spcPts val="0"/>
-              </a:spcBef>
-              <a:spcAft>
-                <a:spcPts val="0"/>
-              </a:spcAft>
-              <a:buNone/>
-            </a:pPr>
-            <a:r>
-              <a:t/>
-            </a:r>
-            <a:endParaRPr/>
-          </a:p>
-        </p:txBody>
-      </p:sp>
-      <p:sp>
-        <p:nvSpPr>
+      </p:cxnSp>
+      <p:cxnSp>
+        <p:nvCxnSpPr>
           <p:cNvPr id="109" name="Google Shape;109;p19"/>
-          <p:cNvSpPr/>
+          <p:cNvCxnSpPr>
+            <a:stCxn id="106" idx="1"/>
+          </p:cNvCxnSpPr>
           <p:nvPr/>
-        </p:nvSpPr>
+        </p:nvCxnSpPr>
         <p:spPr>
-          <a:xfrm>
-            <a:off x="4291725" y="343079"/>
-            <a:ext cx="3374150" cy="660925"/>
+          <a:xfrm flipH="1">
+            <a:off x="4177800" y="1064075"/>
+            <a:ext cx="1212600" cy="543300"/>
           </a:xfrm>
-          <a:custGeom>
-            <a:rect b="b" l="l" r="r" t="t"/>
-            <a:pathLst>
-              <a:path extrusionOk="0" h="26437" w="134966">
-                <a:moveTo>
-                  <a:pt x="134966" y="26437"/>
-                </a:moveTo>
-                <a:cubicBezTo>
-                  <a:pt x="120263" y="22048"/>
-                  <a:pt x="69239" y="926"/>
-                  <a:pt x="46745" y="103"/>
-                </a:cubicBezTo>
-                <a:cubicBezTo>
-                  <a:pt x="24251" y="-720"/>
-                  <a:pt x="7791" y="17934"/>
-                  <a:pt x="0" y="21500"/>
-                </a:cubicBezTo>
-              </a:path>
-            </a:pathLst>
-          </a:custGeom>
+          <a:prstGeom prst="straightConnector1">
+            <a:avLst/>
+          </a:prstGeom>
           <a:noFill/>
           <a:ln cap="flat" cmpd="sng" w="9525">
             <a:solidFill>
-              <a:srgbClr val="FF0000"/>
+              <a:schemeClr val="accent1"/>
             </a:solidFill>
             <a:prstDash val="solid"/>
             <a:round/>
-            <a:headEnd len="sm" w="sm" type="none"/>
-            <a:tailEnd len="sm" w="sm" type="none"/>
+            <a:headEnd len="med" w="med" type="none"/>
+            <a:tailEnd len="med" w="med" type="triangle"/>
           </a:ln>
         </p:spPr>
-        <p:txBody>
-          <a:bodyPr anchorCtr="0" anchor="ctr" bIns="91425" lIns="91425" spcFirstLastPara="1" rIns="91425" wrap="square" tIns="91425">
-            <a:noAutofit/>
-          </a:bodyPr>
-          <a:lstStyle/>
-          <a:p>
-            <a:pPr indent="0" lvl="0" marL="0" rtl="0" algn="l">
-              <a:spcBef>
-                <a:spcPts val="0"/>
-              </a:spcBef>
-              <a:spcAft>
-                <a:spcPts val="0"/>
-              </a:spcAft>
-              <a:buNone/>
-            </a:pPr>
-            <a:r>
-              <a:t/>
-            </a:r>
-            <a:endParaRPr/>
-          </a:p>
-        </p:txBody>
-      </p:sp>
-      <p:sp>
-        <p:nvSpPr>
+      </p:cxnSp>
+      <p:cxnSp>
+        <p:nvCxnSpPr>
           <p:cNvPr id="110" name="Google Shape;110;p19"/>
-          <p:cNvSpPr/>
+          <p:cNvCxnSpPr>
+            <a:stCxn id="105" idx="1"/>
+          </p:cNvCxnSpPr>
           <p:nvPr/>
-        </p:nvSpPr>
+        </p:nvCxnSpPr>
         <p:spPr>
-          <a:xfrm>
-            <a:off x="5390400" y="1086300"/>
-            <a:ext cx="1888721" cy="1125857"/>
+          <a:xfrm rot="10800000">
+            <a:off x="4946225" y="1790050"/>
+            <a:ext cx="2082900" cy="882000"/>
           </a:xfrm>
-          <a:custGeom>
-            <a:rect b="b" l="l" r="r" t="t"/>
-            <a:pathLst>
-              <a:path extrusionOk="0" h="40755" w="75383">
-                <a:moveTo>
-                  <a:pt x="75383" y="39831"/>
-                </a:moveTo>
-                <a:cubicBezTo>
-                  <a:pt x="73847" y="39776"/>
-                  <a:pt x="74889" y="42026"/>
-                  <a:pt x="66166" y="39502"/>
-                </a:cubicBezTo>
-                <a:cubicBezTo>
-                  <a:pt x="57443" y="36978"/>
-                  <a:pt x="34071" y="31272"/>
-                  <a:pt x="23043" y="24688"/>
-                </a:cubicBezTo>
-                <a:cubicBezTo>
-                  <a:pt x="12015" y="18104"/>
-                  <a:pt x="3841" y="4115"/>
-                  <a:pt x="0" y="0"/>
-                </a:cubicBezTo>
-              </a:path>
-            </a:pathLst>
-          </a:custGeom>
+          <a:prstGeom prst="straightConnector1">
+            <a:avLst/>
+          </a:prstGeom>
           <a:noFill/>
           <a:ln cap="flat" cmpd="sng" w="9525">
             <a:solidFill>
-              <a:srgbClr val="FF0000"/>
+              <a:schemeClr val="accent1"/>
             </a:solidFill>
             <a:prstDash val="solid"/>
             <a:round/>
-            <a:headEnd len="sm" w="sm" type="none"/>
-            <a:tailEnd len="sm" w="sm" type="none"/>
+            <a:headEnd len="med" w="med" type="none"/>
+            <a:tailEnd len="med" w="med" type="triangle"/>
           </a:ln>
         </p:spPr>
-        <p:txBody>
-          <a:bodyPr anchorCtr="0" anchor="ctr" bIns="91425" lIns="91425" spcFirstLastPara="1" rIns="91425" wrap="square" tIns="91425">
-            <a:noAutofit/>
-          </a:bodyPr>
-          <a:lstStyle/>
-          <a:p>
-            <a:pPr indent="0" lvl="0" marL="0" rtl="0" algn="l">
-              <a:spcBef>
-                <a:spcPts val="0"/>
-              </a:spcBef>
-              <a:spcAft>
-                <a:spcPts val="0"/>
-              </a:spcAft>
-              <a:buNone/>
-            </a:pPr>
-            <a:r>
-              <a:t/>
-            </a:r>
-            <a:endParaRPr/>
-          </a:p>
-        </p:txBody>
-      </p:sp>
-      <p:sp>
-        <p:nvSpPr>
+      </p:cxnSp>
+      <p:cxnSp>
+        <p:nvCxnSpPr>
           <p:cNvPr id="111" name="Google Shape;111;p19"/>
-          <p:cNvSpPr/>
+          <p:cNvCxnSpPr>
+            <a:stCxn id="105" idx="1"/>
+          </p:cNvCxnSpPr>
           <p:nvPr/>
-        </p:nvSpPr>
+        </p:nvCxnSpPr>
         <p:spPr>
-          <a:xfrm>
-            <a:off x="1477225" y="2341125"/>
-            <a:ext cx="1637675" cy="531021"/>
+          <a:xfrm rot="10800000">
+            <a:off x="6034325" y="1812850"/>
+            <a:ext cx="994800" cy="859200"/>
           </a:xfrm>
-          <a:custGeom>
-            <a:rect b="b" l="l" r="r" t="t"/>
-            <a:pathLst>
-              <a:path extrusionOk="0" h="23701" w="65507">
-                <a:moveTo>
-                  <a:pt x="0" y="23701"/>
-                </a:moveTo>
-                <a:cubicBezTo>
-                  <a:pt x="3840" y="20354"/>
-                  <a:pt x="12124" y="7571"/>
-                  <a:pt x="23042" y="3621"/>
-                </a:cubicBezTo>
-                <a:cubicBezTo>
-                  <a:pt x="33960" y="-329"/>
-                  <a:pt x="58430" y="604"/>
-                  <a:pt x="65507" y="0"/>
-                </a:cubicBezTo>
-              </a:path>
-            </a:pathLst>
-          </a:custGeom>
+          <a:prstGeom prst="straightConnector1">
+            <a:avLst/>
+          </a:prstGeom>
           <a:noFill/>
           <a:ln cap="flat" cmpd="sng" w="9525">
             <a:solidFill>
-              <a:srgbClr val="FF0000"/>
+              <a:schemeClr val="accent1"/>
             </a:solidFill>
             <a:prstDash val="solid"/>
             <a:round/>
-            <a:headEnd len="sm" w="sm" type="none"/>
-            <a:tailEnd len="sm" w="sm" type="none"/>
+            <a:headEnd len="med" w="med" type="none"/>
+            <a:tailEnd len="med" w="med" type="triangle"/>
           </a:ln>
         </p:spPr>
-        <p:txBody>
-          <a:bodyPr anchorCtr="0" anchor="ctr" bIns="91425" lIns="91425" spcFirstLastPara="1" rIns="91425" wrap="square" tIns="91425">
-            <a:noAutofit/>
-          </a:bodyPr>
-          <a:lstStyle/>
-          <a:p>
-            <a:pPr indent="0" lvl="0" marL="0" rtl="0" algn="l">
-              <a:spcBef>
-                <a:spcPts val="0"/>
-              </a:spcBef>
-              <a:spcAft>
-                <a:spcPts val="0"/>
-              </a:spcAft>
-              <a:buNone/>
-            </a:pPr>
-            <a:r>
-              <a:t/>
-            </a:r>
-            <a:endParaRPr/>
-          </a:p>
-        </p:txBody>
-      </p:sp>
-      <p:sp>
-        <p:nvSpPr>
+      </p:cxnSp>
+      <p:cxnSp>
+        <p:nvCxnSpPr>
           <p:cNvPr id="112" name="Google Shape;112;p19"/>
-          <p:cNvSpPr/>
+          <p:cNvCxnSpPr>
+            <a:stCxn id="107" idx="3"/>
+          </p:cNvCxnSpPr>
           <p:nvPr/>
-        </p:nvSpPr>
+        </p:nvCxnSpPr>
         <p:spPr>
           <a:xfrm>
-            <a:off x="1781700" y="3686850"/>
-            <a:ext cx="999870" cy="444402"/>
+            <a:off x="1734175" y="2918150"/>
+            <a:ext cx="861000" cy="287100"/>
           </a:xfrm>
-          <a:custGeom>
-            <a:rect b="b" l="l" r="r" t="t"/>
-            <a:pathLst>
-              <a:path extrusionOk="0" h="10205" w="45428">
-                <a:moveTo>
-                  <a:pt x="0" y="0"/>
-                </a:moveTo>
-                <a:cubicBezTo>
-                  <a:pt x="7571" y="1701"/>
-                  <a:pt x="37857" y="8504"/>
-                  <a:pt x="45428" y="10205"/>
-                </a:cubicBezTo>
-              </a:path>
-            </a:pathLst>
-          </a:custGeom>
-          <a:solidFill>
-            <a:srgbClr val="FF0000"/>
-          </a:solidFill>
+          <a:prstGeom prst="straightConnector1">
+            <a:avLst/>
+          </a:prstGeom>
+          <a:noFill/>
           <a:ln cap="flat" cmpd="sng" w="9525">
             <a:solidFill>
-              <a:srgbClr val="FF0000"/>
+              <a:schemeClr val="accent1"/>
             </a:solidFill>
             <a:prstDash val="solid"/>
             <a:round/>
-            <a:headEnd len="sm" w="sm" type="none"/>
-            <a:tailEnd len="sm" w="sm" type="none"/>
+            <a:headEnd len="med" w="med" type="none"/>
+            <a:tailEnd len="med" w="med" type="triangle"/>
           </a:ln>
         </p:spPr>
-        <p:txBody>
-          <a:bodyPr anchorCtr="0" anchor="ctr" bIns="91425" lIns="91425" spcFirstLastPara="1" rIns="91425" wrap="square" tIns="91425">
-            <a:noAutofit/>
-          </a:bodyPr>
-          <a:lstStyle/>
-          <a:p>
-            <a:pPr indent="0" lvl="0" marL="0" rtl="0" algn="l">
-              <a:spcBef>
-                <a:spcPts val="0"/>
-              </a:spcBef>
-              <a:spcAft>
-                <a:spcPts val="0"/>
-              </a:spcAft>
-              <a:buNone/>
-            </a:pPr>
-            <a:r>
-              <a:t/>
-            </a:r>
-            <a:endParaRPr/>
-          </a:p>
-        </p:txBody>
-      </p:sp>
+      </p:cxnSp>
+      <p:cxnSp>
+        <p:nvCxnSpPr>
+          <p:cNvPr id="113" name="Google Shape;113;p19"/>
+          <p:cNvCxnSpPr>
+            <a:stCxn id="107" idx="3"/>
+          </p:cNvCxnSpPr>
+          <p:nvPr/>
+        </p:nvCxnSpPr>
+        <p:spPr>
+          <a:xfrm flipH="1" rot="10800000">
+            <a:off x="1734175" y="2094350"/>
+            <a:ext cx="1188300" cy="823800"/>
+          </a:xfrm>
+          <a:prstGeom prst="straightConnector1">
+            <a:avLst/>
+          </a:prstGeom>
+          <a:noFill/>
+          <a:ln cap="flat" cmpd="sng" w="9525">
+            <a:solidFill>
+              <a:schemeClr val="accent1"/>
+            </a:solidFill>
+            <a:prstDash val="solid"/>
+            <a:round/>
+            <a:headEnd len="med" w="med" type="none"/>
+            <a:tailEnd len="med" w="med" type="triangle"/>
+          </a:ln>
+        </p:spPr>
+      </p:cxnSp>
     </p:spTree>
   </p:cSld>
   <p:clrMapOvr>
@@ -14020,7 +13867,7 @@
   <p:cSld>
     <p:spTree>
       <p:nvGrpSpPr>
-        <p:cNvPr id="116" name="Shape 116"/>
+        <p:cNvPr id="117" name="Shape 117"/>
         <p:cNvGrpSpPr/>
         <p:nvPr/>
       </p:nvGrpSpPr>
@@ -14034,7 +13881,7 @@
       </p:grpSpPr>
       <p:sp>
         <p:nvSpPr>
-          <p:cNvPr id="117" name="Google Shape;117;p20"/>
+          <p:cNvPr id="118" name="Google Shape;118;p20"/>
           <p:cNvSpPr txBox="1"/>
           <p:nvPr>
             <p:ph type="title"/>
@@ -14082,7 +13929,7 @@
       </p:sp>
       <p:sp>
         <p:nvSpPr>
-          <p:cNvPr id="118" name="Google Shape;118;p20"/>
+          <p:cNvPr id="119" name="Google Shape;119;p20"/>
           <p:cNvSpPr/>
           <p:nvPr>
             <p:ph idx="2" type="chart"/>
@@ -14385,21 +14232,22 @@
       </p:sp>
       <p:pic>
         <p:nvPicPr>
-          <p:cNvPr id="119" name="Google Shape;119;p20"/>
+          <p:cNvPr id="120" name="Google Shape;120;p20"/>
           <p:cNvPicPr preferRelativeResize="0"/>
           <p:nvPr/>
         </p:nvPicPr>
-        <p:blipFill rotWithShape="1">
+        <p:blipFill>
           <a:blip r:embed="rId3">
             <a:alphaModFix/>
           </a:blip>
-          <a:srcRect b="0" l="0" r="0" t="0"/>
-          <a:stretch/>
+          <a:stretch>
+            <a:fillRect/>
+          </a:stretch>
         </p:blipFill>
         <p:spPr>
           <a:xfrm>
-            <a:off x="2014425" y="1515905"/>
-            <a:ext cx="5115149" cy="697925"/>
+            <a:off x="2133200" y="1179675"/>
+            <a:ext cx="4877601" cy="973975"/>
           </a:xfrm>
           <a:prstGeom prst="rect">
             <a:avLst/>
@@ -14423,7 +14271,7 @@
   <p:cSld>
     <p:spTree>
       <p:nvGrpSpPr>
-        <p:cNvPr id="123" name="Shape 123"/>
+        <p:cNvPr id="124" name="Shape 124"/>
         <p:cNvGrpSpPr/>
         <p:nvPr/>
       </p:nvGrpSpPr>
@@ -14435,9 +14283,65 @@
           <a:chExt cx="0" cy="0"/>
         </a:xfrm>
       </p:grpSpPr>
+      <p:pic>
+        <p:nvPicPr>
+          <p:cNvPr id="125" name="Google Shape;125;p21"/>
+          <p:cNvPicPr preferRelativeResize="0"/>
+          <p:nvPr/>
+        </p:nvPicPr>
+        <p:blipFill>
+          <a:blip r:embed="rId3">
+            <a:alphaModFix/>
+          </a:blip>
+          <a:stretch>
+            <a:fillRect/>
+          </a:stretch>
+        </p:blipFill>
+        <p:spPr>
+          <a:xfrm>
+            <a:off x="5347125" y="1719930"/>
+            <a:ext cx="3460376" cy="1608825"/>
+          </a:xfrm>
+          <a:prstGeom prst="rect">
+            <a:avLst/>
+          </a:prstGeom>
+          <a:noFill/>
+          <a:ln>
+            <a:noFill/>
+          </a:ln>
+        </p:spPr>
+      </p:pic>
+      <p:pic>
+        <p:nvPicPr>
+          <p:cNvPr id="126" name="Google Shape;126;p21"/>
+          <p:cNvPicPr preferRelativeResize="0"/>
+          <p:nvPr/>
+        </p:nvPicPr>
+        <p:blipFill>
+          <a:blip r:embed="rId4">
+            <a:alphaModFix/>
+          </a:blip>
+          <a:stretch>
+            <a:fillRect/>
+          </a:stretch>
+        </p:blipFill>
+        <p:spPr>
+          <a:xfrm>
+            <a:off x="216625" y="1774981"/>
+            <a:ext cx="4062818" cy="811275"/>
+          </a:xfrm>
+          <a:prstGeom prst="rect">
+            <a:avLst/>
+          </a:prstGeom>
+          <a:noFill/>
+          <a:ln>
+            <a:noFill/>
+          </a:ln>
+        </p:spPr>
+      </p:pic>
       <p:sp>
         <p:nvSpPr>
-          <p:cNvPr id="124" name="Google Shape;124;p21"/>
+          <p:cNvPr id="127" name="Google Shape;127;p21"/>
           <p:cNvSpPr txBox="1"/>
           <p:nvPr>
             <p:ph type="title"/>
@@ -14485,7 +14389,7 @@
       </p:sp>
       <p:sp>
         <p:nvSpPr>
-          <p:cNvPr id="125" name="Google Shape;125;p21"/>
+          <p:cNvPr id="128" name="Google Shape;128;p21"/>
           <p:cNvSpPr/>
           <p:nvPr>
             <p:ph idx="2" type="chart"/>
@@ -14551,70 +14455,18 @@
           </a:p>
         </p:txBody>
       </p:sp>
-      <p:pic>
-        <p:nvPicPr>
-          <p:cNvPr id="126" name="Google Shape;126;p21"/>
-          <p:cNvPicPr preferRelativeResize="0"/>
-          <p:nvPr/>
-        </p:nvPicPr>
-        <p:blipFill rotWithShape="1">
-          <a:blip r:embed="rId3">
-            <a:alphaModFix/>
-          </a:blip>
-          <a:srcRect b="0" l="0" r="0" t="0"/>
-          <a:stretch/>
-        </p:blipFill>
-        <p:spPr>
-          <a:xfrm>
-            <a:off x="5869625" y="1648550"/>
-            <a:ext cx="3065900" cy="2787200"/>
-          </a:xfrm>
-          <a:prstGeom prst="rect">
-            <a:avLst/>
-          </a:prstGeom>
-          <a:noFill/>
-          <a:ln>
-            <a:noFill/>
-          </a:ln>
-        </p:spPr>
-      </p:pic>
-      <p:pic>
-        <p:nvPicPr>
-          <p:cNvPr id="127" name="Google Shape;127;p21"/>
-          <p:cNvPicPr preferRelativeResize="0"/>
-          <p:nvPr/>
-        </p:nvPicPr>
-        <p:blipFill rotWithShape="1">
-          <a:blip r:embed="rId4">
-            <a:alphaModFix/>
-          </a:blip>
-          <a:srcRect b="0" l="0" r="0" t="0"/>
-          <a:stretch/>
-        </p:blipFill>
-        <p:spPr>
-          <a:xfrm>
-            <a:off x="220375" y="2040751"/>
-            <a:ext cx="3891743" cy="531000"/>
-          </a:xfrm>
-          <a:prstGeom prst="rect">
-            <a:avLst/>
-          </a:prstGeom>
-          <a:noFill/>
-          <a:ln>
-            <a:noFill/>
-          </a:ln>
-        </p:spPr>
-      </p:pic>
       <p:cxnSp>
         <p:nvCxnSpPr>
-          <p:cNvPr id="128" name="Google Shape;128;p21"/>
-          <p:cNvCxnSpPr/>
+          <p:cNvPr id="129" name="Google Shape;129;p21"/>
+          <p:cNvCxnSpPr>
+            <a:stCxn id="130" idx="3"/>
+          </p:cNvCxnSpPr>
           <p:nvPr/>
         </p:nvCxnSpPr>
         <p:spPr>
           <a:xfrm flipH="1" rot="10800000">
-            <a:off x="2343575" y="1719925"/>
-            <a:ext cx="3357600" cy="510300"/>
+            <a:off x="2427850" y="1820425"/>
+            <a:ext cx="2898900" cy="415200"/>
           </a:xfrm>
           <a:prstGeom prst="straightConnector1">
             <a:avLst/>
@@ -14622,7 +14474,7 @@
           <a:noFill/>
           <a:ln cap="flat" cmpd="sng" w="9525">
             <a:solidFill>
-              <a:srgbClr val="FF0000"/>
+              <a:schemeClr val="accent1"/>
             </a:solidFill>
             <a:prstDash val="solid"/>
             <a:round/>
@@ -14633,14 +14485,14 @@
       </p:cxnSp>
       <p:sp>
         <p:nvSpPr>
-          <p:cNvPr id="129" name="Google Shape;129;p21"/>
+          <p:cNvPr id="131" name="Google Shape;131;p21"/>
           <p:cNvSpPr/>
           <p:nvPr/>
         </p:nvSpPr>
         <p:spPr>
           <a:xfrm>
-            <a:off x="1217975" y="2197300"/>
-            <a:ext cx="1125600" cy="98700"/>
+            <a:off x="381075" y="2175175"/>
+            <a:ext cx="654300" cy="120900"/>
           </a:xfrm>
           <a:prstGeom prst="rect">
             <a:avLst/>
@@ -14648,7 +14500,7 @@
           <a:noFill/>
           <a:ln cap="flat" cmpd="sng" w="9525">
             <a:solidFill>
-              <a:srgbClr val="FF0000"/>
+              <a:schemeClr val="accent1"/>
             </a:solidFill>
             <a:prstDash val="solid"/>
             <a:round/>
@@ -14696,140 +14548,13 @@
       </p:sp>
       <p:sp>
         <p:nvSpPr>
-          <p:cNvPr id="130" name="Google Shape;130;p21"/>
-          <p:cNvSpPr/>
-          <p:nvPr/>
-        </p:nvSpPr>
-        <p:spPr>
-          <a:xfrm>
-            <a:off x="431800" y="2197300"/>
-            <a:ext cx="654600" cy="98700"/>
-          </a:xfrm>
-          <a:prstGeom prst="rect">
-            <a:avLst/>
-          </a:prstGeom>
-          <a:noFill/>
-          <a:ln cap="flat" cmpd="sng" w="9525">
-            <a:solidFill>
-              <a:srgbClr val="FF0000"/>
-            </a:solidFill>
-            <a:prstDash val="solid"/>
-            <a:round/>
-            <a:headEnd len="sm" w="sm" type="none"/>
-            <a:tailEnd len="sm" w="sm" type="none"/>
-          </a:ln>
-        </p:spPr>
-        <p:txBody>
-          <a:bodyPr anchorCtr="0" anchor="ctr" bIns="91425" lIns="91425" spcFirstLastPara="1" rIns="91425" wrap="square" tIns="91425">
-            <a:noAutofit/>
-          </a:bodyPr>
-          <a:lstStyle/>
-          <a:p>
-            <a:pPr indent="0" lvl="0" marL="0" marR="0" rtl="0" algn="l">
-              <a:lnSpc>
-                <a:spcPct val="100000"/>
-              </a:lnSpc>
-              <a:spcBef>
-                <a:spcPts val="0"/>
-              </a:spcBef>
-              <a:spcAft>
-                <a:spcPts val="0"/>
-              </a:spcAft>
-              <a:buClr>
-                <a:srgbClr val="000000"/>
-              </a:buClr>
-              <a:buSzPts val="1400"/>
-              <a:buFont typeface="Arial"/>
-              <a:buNone/>
-            </a:pPr>
-            <a:r>
-              <a:t/>
-            </a:r>
-            <a:endParaRPr b="0" i="0" sz="1400" u="none" cap="none" strike="noStrike">
-              <a:solidFill>
-                <a:srgbClr val="000000"/>
-              </a:solidFill>
-              <a:latin typeface="Arial"/>
-              <a:ea typeface="Arial"/>
-              <a:cs typeface="Arial"/>
-              <a:sym typeface="Arial"/>
-            </a:endParaRPr>
-          </a:p>
-        </p:txBody>
-      </p:sp>
-      <p:sp>
-        <p:nvSpPr>
-          <p:cNvPr id="131" name="Google Shape;131;p21"/>
-          <p:cNvSpPr/>
-          <p:nvPr/>
-        </p:nvSpPr>
-        <p:spPr>
-          <a:xfrm>
-            <a:off x="62710" y="2277775"/>
-            <a:ext cx="6178575" cy="534500"/>
-          </a:xfrm>
-          <a:custGeom>
-            <a:rect b="b" l="l" r="r" t="t"/>
-            <a:pathLst>
-              <a:path extrusionOk="0" h="21380" w="247143">
-                <a:moveTo>
-                  <a:pt x="247143" y="21380"/>
-                </a:moveTo>
-                <a:cubicBezTo>
-                  <a:pt x="209153" y="20777"/>
-                  <a:pt x="58397" y="21325"/>
-                  <a:pt x="19201" y="17762"/>
-                </a:cubicBezTo>
-                <a:cubicBezTo>
-                  <a:pt x="-19995" y="14199"/>
-                  <a:pt x="13171" y="2960"/>
-                  <a:pt x="11965" y="0"/>
-                </a:cubicBezTo>
-              </a:path>
-            </a:pathLst>
-          </a:custGeom>
-          <a:noFill/>
-          <a:ln cap="flat" cmpd="sng" w="9525">
-            <a:solidFill>
-              <a:srgbClr val="FF0000"/>
-            </a:solidFill>
-            <a:prstDash val="solid"/>
-            <a:round/>
-            <a:headEnd len="sm" w="sm" type="none"/>
-            <a:tailEnd len="sm" w="sm" type="none"/>
-          </a:ln>
-        </p:spPr>
-        <p:txBody>
-          <a:bodyPr anchorCtr="0" anchor="ctr" bIns="91425" lIns="91425" spcFirstLastPara="1" rIns="91425" wrap="square" tIns="91425">
-            <a:noAutofit/>
-          </a:bodyPr>
-          <a:lstStyle/>
-          <a:p>
-            <a:pPr indent="0" lvl="0" marL="0" rtl="0" algn="l">
-              <a:spcBef>
-                <a:spcPts val="0"/>
-              </a:spcBef>
-              <a:spcAft>
-                <a:spcPts val="0"/>
-              </a:spcAft>
-              <a:buNone/>
-            </a:pPr>
-            <a:r>
-              <a:t/>
-            </a:r>
-            <a:endParaRPr/>
-          </a:p>
-        </p:txBody>
-      </p:sp>
-      <p:sp>
-        <p:nvSpPr>
           <p:cNvPr id="132" name="Google Shape;132;p21"/>
           <p:cNvSpPr txBox="1"/>
           <p:nvPr/>
         </p:nvSpPr>
         <p:spPr>
           <a:xfrm>
-            <a:off x="4572000" y="1774975"/>
+            <a:off x="4446438" y="1629575"/>
             <a:ext cx="551100" cy="400200"/>
           </a:xfrm>
           <a:prstGeom prst="rect">
@@ -14866,18 +14591,18 @@
             <a:r>
               <a:rPr b="0" i="0" lang="de" sz="1400" u="none" cap="none" strike="noStrike">
                 <a:solidFill>
-                  <a:srgbClr val="FF0000"/>
+                  <a:schemeClr val="accent1"/>
                 </a:solidFill>
                 <a:latin typeface="Arial"/>
                 <a:ea typeface="Arial"/>
                 <a:cs typeface="Arial"/>
                 <a:sym typeface="Arial"/>
               </a:rPr>
-              <a:t>1.</a:t>
+              <a:t>1</a:t>
             </a:r>
             <a:endParaRPr b="0" i="0" sz="1400" u="none" cap="none" strike="noStrike">
               <a:solidFill>
-                <a:srgbClr val="FF0000"/>
+                <a:schemeClr val="accent1"/>
               </a:solidFill>
               <a:latin typeface="Arial"/>
               <a:ea typeface="Arial"/>
@@ -14889,13 +14614,137 @@
       </p:sp>
       <p:sp>
         <p:nvSpPr>
+          <p:cNvPr id="130" name="Google Shape;130;p21"/>
+          <p:cNvSpPr/>
+          <p:nvPr/>
+        </p:nvSpPr>
+        <p:spPr>
+          <a:xfrm>
+            <a:off x="1134550" y="2175175"/>
+            <a:ext cx="1293300" cy="120900"/>
+          </a:xfrm>
+          <a:prstGeom prst="rect">
+            <a:avLst/>
+          </a:prstGeom>
+          <a:noFill/>
+          <a:ln cap="flat" cmpd="sng" w="9525">
+            <a:solidFill>
+              <a:schemeClr val="accent1"/>
+            </a:solidFill>
+            <a:prstDash val="solid"/>
+            <a:round/>
+            <a:headEnd len="sm" w="sm" type="none"/>
+            <a:tailEnd len="sm" w="sm" type="none"/>
+          </a:ln>
+        </p:spPr>
+        <p:txBody>
+          <a:bodyPr anchorCtr="0" anchor="ctr" bIns="91425" lIns="91425" spcFirstLastPara="1" rIns="91425" wrap="square" tIns="91425">
+            <a:noAutofit/>
+          </a:bodyPr>
+          <a:lstStyle/>
+          <a:p>
+            <a:pPr indent="0" lvl="0" marL="0" marR="0" rtl="0" algn="l">
+              <a:lnSpc>
+                <a:spcPct val="100000"/>
+              </a:lnSpc>
+              <a:spcBef>
+                <a:spcPts val="0"/>
+              </a:spcBef>
+              <a:spcAft>
+                <a:spcPts val="0"/>
+              </a:spcAft>
+              <a:buClr>
+                <a:srgbClr val="000000"/>
+              </a:buClr>
+              <a:buSzPts val="1400"/>
+              <a:buFont typeface="Arial"/>
+              <a:buNone/>
+            </a:pPr>
+            <a:r>
+              <a:t/>
+            </a:r>
+            <a:endParaRPr b="0" i="0" sz="1400" u="none" cap="none" strike="noStrike">
+              <a:solidFill>
+                <a:srgbClr val="000000"/>
+              </a:solidFill>
+              <a:latin typeface="Arial"/>
+              <a:ea typeface="Arial"/>
+              <a:cs typeface="Arial"/>
+              <a:sym typeface="Arial"/>
+            </a:endParaRPr>
+          </a:p>
+        </p:txBody>
+      </p:sp>
+      <p:cxnSp>
+        <p:nvCxnSpPr>
           <p:cNvPr id="133" name="Google Shape;133;p21"/>
+          <p:cNvCxnSpPr>
+            <a:stCxn id="131" idx="2"/>
+          </p:cNvCxnSpPr>
+          <p:nvPr/>
+        </p:nvCxnSpPr>
+        <p:spPr>
+          <a:xfrm rot="-5400000">
+            <a:off x="3179325" y="-353825"/>
+            <a:ext cx="178800" cy="5121000"/>
+          </a:xfrm>
+          <a:prstGeom prst="curvedConnector4">
+            <a:avLst>
+              <a:gd fmla="val -257369" name="adj1"/>
+              <a:gd fmla="val 82016" name="adj2"/>
+            </a:avLst>
+          </a:prstGeom>
+          <a:noFill/>
+          <a:ln cap="flat" cmpd="sng" w="9525">
+            <a:solidFill>
+              <a:schemeClr val="accent1"/>
+            </a:solidFill>
+            <a:prstDash val="solid"/>
+            <a:round/>
+            <a:headEnd len="med" w="med" type="triangle"/>
+            <a:tailEnd len="med" w="med" type="none"/>
+          </a:ln>
+        </p:spPr>
+      </p:cxnSp>
+      <p:cxnSp>
+        <p:nvCxnSpPr>
+          <p:cNvPr id="134" name="Google Shape;134;p21"/>
+          <p:cNvCxnSpPr>
+            <a:stCxn id="131" idx="1"/>
+          </p:cNvCxnSpPr>
+          <p:nvPr/>
+        </p:nvCxnSpPr>
+        <p:spPr>
+          <a:xfrm>
+            <a:off x="381075" y="2235625"/>
+            <a:ext cx="5220000" cy="809400"/>
+          </a:xfrm>
+          <a:prstGeom prst="curvedConnector3">
+            <a:avLst>
+              <a:gd fmla="val 292" name="adj1"/>
+            </a:avLst>
+          </a:prstGeom>
+          <a:noFill/>
+          <a:ln cap="flat" cmpd="sng" w="9525">
+            <a:solidFill>
+              <a:schemeClr val="accent1"/>
+            </a:solidFill>
+            <a:prstDash val="solid"/>
+            <a:round/>
+            <a:headEnd len="med" w="med" type="triangle"/>
+            <a:tailEnd len="med" w="med" type="none"/>
+          </a:ln>
+        </p:spPr>
+      </p:cxnSp>
+      <p:sp>
+        <p:nvSpPr>
+          <p:cNvPr id="135" name="Google Shape;135;p21"/>
           <p:cNvSpPr txBox="1"/>
           <p:nvPr/>
         </p:nvSpPr>
         <p:spPr>
           <a:xfrm>
-            <a:off x="4485925" y="2470075"/>
+            <a:off x="4378188" y="2175175"/>
             <a:ext cx="551100" cy="400200"/>
           </a:xfrm>
           <a:prstGeom prst="rect">
@@ -14930,38 +14779,30 @@
               <a:buNone/>
             </a:pPr>
             <a:r>
-              <a:rPr b="0" i="0" lang="de" sz="1400" u="none" cap="none" strike="noStrike">
+              <a:rPr lang="de">
                 <a:solidFill>
-                  <a:srgbClr val="FF0000"/>
+                  <a:schemeClr val="accent1"/>
                 </a:solidFill>
-                <a:latin typeface="Arial"/>
-                <a:ea typeface="Arial"/>
-                <a:cs typeface="Arial"/>
-                <a:sym typeface="Arial"/>
               </a:rPr>
-              <a:t>2. a)</a:t>
+              <a:t>2a</a:t>
             </a:r>
-            <a:endParaRPr b="0" i="0" sz="1400" u="none" cap="none" strike="noStrike">
+            <a:endParaRPr>
               <a:solidFill>
-                <a:srgbClr val="FF0000"/>
+                <a:schemeClr val="accent1"/>
               </a:solidFill>
-              <a:latin typeface="Arial"/>
-              <a:ea typeface="Arial"/>
-              <a:cs typeface="Arial"/>
-              <a:sym typeface="Arial"/>
             </a:endParaRPr>
           </a:p>
         </p:txBody>
       </p:sp>
       <p:sp>
         <p:nvSpPr>
-          <p:cNvPr id="134" name="Google Shape;134;p21"/>
+          <p:cNvPr id="136" name="Google Shape;136;p21"/>
           <p:cNvSpPr txBox="1"/>
           <p:nvPr/>
         </p:nvSpPr>
         <p:spPr>
           <a:xfrm>
-            <a:off x="3857125" y="3845325"/>
+            <a:off x="4500163" y="2677575"/>
             <a:ext cx="551100" cy="400200"/>
           </a:xfrm>
           <a:prstGeom prst="rect">
@@ -14996,90 +14837,22 @@
               <a:buNone/>
             </a:pPr>
             <a:r>
-              <a:rPr b="0" i="0" lang="de" sz="1400" u="none" cap="none" strike="noStrike">
+              <a:rPr lang="de">
                 <a:solidFill>
-                  <a:srgbClr val="FF0000"/>
+                  <a:schemeClr val="accent1"/>
                 </a:solidFill>
-                <a:latin typeface="Arial"/>
-                <a:ea typeface="Arial"/>
-                <a:cs typeface="Arial"/>
-                <a:sym typeface="Arial"/>
               </a:rPr>
-              <a:t>2. b)</a:t>
+              <a:t>2b</a:t>
             </a:r>
             <a:endParaRPr b="0" i="0" sz="1400" u="none" cap="none" strike="noStrike">
               <a:solidFill>
-                <a:srgbClr val="FF0000"/>
+                <a:schemeClr val="accent1"/>
               </a:solidFill>
               <a:latin typeface="Arial"/>
               <a:ea typeface="Arial"/>
               <a:cs typeface="Arial"/>
               <a:sym typeface="Arial"/>
             </a:endParaRPr>
-          </a:p>
-        </p:txBody>
-      </p:sp>
-      <p:sp>
-        <p:nvSpPr>
-          <p:cNvPr id="135" name="Google Shape;135;p21"/>
-          <p:cNvSpPr/>
-          <p:nvPr/>
-        </p:nvSpPr>
-        <p:spPr>
-          <a:xfrm>
-            <a:off x="148125" y="2337200"/>
-            <a:ext cx="5860378" cy="1908325"/>
-          </a:xfrm>
-          <a:custGeom>
-            <a:rect b="b" l="l" r="r" t="t"/>
-            <a:pathLst>
-              <a:path extrusionOk="0" h="21380" w="247143">
-                <a:moveTo>
-                  <a:pt x="247143" y="21380"/>
-                </a:moveTo>
-                <a:cubicBezTo>
-                  <a:pt x="209153" y="20777"/>
-                  <a:pt x="58397" y="21325"/>
-                  <a:pt x="19201" y="17762"/>
-                </a:cubicBezTo>
-                <a:cubicBezTo>
-                  <a:pt x="-19995" y="14199"/>
-                  <a:pt x="13171" y="2960"/>
-                  <a:pt x="11965" y="0"/>
-                </a:cubicBezTo>
-              </a:path>
-            </a:pathLst>
-          </a:custGeom>
-          <a:noFill/>
-          <a:ln cap="flat" cmpd="sng" w="9525">
-            <a:solidFill>
-              <a:srgbClr val="FF0000"/>
-            </a:solidFill>
-            <a:prstDash val="solid"/>
-            <a:round/>
-            <a:headEnd len="sm" w="sm" type="none"/>
-            <a:tailEnd len="sm" w="sm" type="none"/>
-          </a:ln>
-        </p:spPr>
-        <p:txBody>
-          <a:bodyPr anchorCtr="0" anchor="ctr" bIns="91425" lIns="91425" spcFirstLastPara="1" rIns="91425" wrap="square" tIns="91425">
-            <a:noAutofit/>
-          </a:bodyPr>
-          <a:lstStyle/>
-          <a:p>
-            <a:pPr indent="0" lvl="0" marL="0" rtl="0" algn="l">
-              <a:spcBef>
-                <a:spcPts val="0"/>
-              </a:spcBef>
-              <a:spcAft>
-                <a:spcPts val="0"/>
-              </a:spcAft>
-              <a:buNone/>
-            </a:pPr>
-            <a:r>
-              <a:t/>
-            </a:r>
-            <a:endParaRPr/>
           </a:p>
         </p:txBody>
       </p:sp>
@@ -15096,7 +14869,7 @@
   <p:cSld>
     <p:spTree>
       <p:nvGrpSpPr>
-        <p:cNvPr id="139" name="Shape 139"/>
+        <p:cNvPr id="140" name="Shape 140"/>
         <p:cNvGrpSpPr/>
         <p:nvPr/>
       </p:nvGrpSpPr>
@@ -15110,7 +14883,7 @@
       </p:grpSpPr>
       <p:sp>
         <p:nvSpPr>
-          <p:cNvPr id="140" name="Google Shape;140;p22"/>
+          <p:cNvPr id="141" name="Google Shape;141;p22"/>
           <p:cNvSpPr txBox="1"/>
           <p:nvPr>
             <p:ph type="title"/>
@@ -15158,7 +14931,7 @@
       </p:sp>
       <p:sp>
         <p:nvSpPr>
-          <p:cNvPr id="141" name="Google Shape;141;p22"/>
+          <p:cNvPr id="142" name="Google Shape;142;p22"/>
           <p:cNvSpPr/>
           <p:nvPr>
             <p:ph idx="2" type="chart"/>
@@ -15394,48 +15167,22 @@
       </p:sp>
       <p:pic>
         <p:nvPicPr>
-          <p:cNvPr id="142" name="Google Shape;142;p22"/>
-          <p:cNvPicPr preferRelativeResize="0"/>
-          <p:nvPr/>
-        </p:nvPicPr>
-        <p:blipFill rotWithShape="1">
-          <a:blip r:embed="rId3">
-            <a:alphaModFix/>
-          </a:blip>
-          <a:srcRect b="0" l="0" r="0" t="0"/>
-          <a:stretch/>
-        </p:blipFill>
-        <p:spPr>
-          <a:xfrm>
-            <a:off x="3056238" y="1551750"/>
-            <a:ext cx="3031525" cy="857975"/>
-          </a:xfrm>
-          <a:prstGeom prst="rect">
-            <a:avLst/>
-          </a:prstGeom>
-          <a:noFill/>
-          <a:ln>
-            <a:noFill/>
-          </a:ln>
-        </p:spPr>
-      </p:pic>
-      <p:pic>
-        <p:nvPicPr>
           <p:cNvPr id="143" name="Google Shape;143;p22"/>
           <p:cNvPicPr preferRelativeResize="0"/>
           <p:nvPr/>
         </p:nvPicPr>
-        <p:blipFill rotWithShape="1">
-          <a:blip r:embed="rId4">
+        <p:blipFill>
+          <a:blip r:embed="rId3">
             <a:alphaModFix/>
           </a:blip>
-          <a:srcRect b="0" l="0" r="0" t="0"/>
-          <a:stretch/>
+          <a:stretch>
+            <a:fillRect/>
+          </a:stretch>
         </p:blipFill>
         <p:spPr>
           <a:xfrm>
-            <a:off x="152400" y="3646672"/>
-            <a:ext cx="8839200" cy="305221"/>
+            <a:off x="3443288" y="1684475"/>
+            <a:ext cx="2257425" cy="590550"/>
           </a:xfrm>
           <a:prstGeom prst="rect">
             <a:avLst/>
@@ -15452,17 +15199,46 @@
           <p:cNvPicPr preferRelativeResize="0"/>
           <p:nvPr/>
         </p:nvPicPr>
-        <p:blipFill rotWithShape="1">
+        <p:blipFill>
+          <a:blip r:embed="rId4">
+            <a:alphaModFix/>
+          </a:blip>
+          <a:stretch>
+            <a:fillRect/>
+          </a:stretch>
+        </p:blipFill>
+        <p:spPr>
+          <a:xfrm>
+            <a:off x="3241550" y="3653870"/>
+            <a:ext cx="2191725" cy="223300"/>
+          </a:xfrm>
+          <a:prstGeom prst="rect">
+            <a:avLst/>
+          </a:prstGeom>
+          <a:noFill/>
+          <a:ln>
+            <a:noFill/>
+          </a:ln>
+        </p:spPr>
+      </p:pic>
+      <p:pic>
+        <p:nvPicPr>
+          <p:cNvPr id="145" name="Google Shape;145;p22"/>
+          <p:cNvPicPr preferRelativeResize="0"/>
+          <p:nvPr/>
+        </p:nvPicPr>
+        <p:blipFill>
           <a:blip r:embed="rId5">
             <a:alphaModFix/>
           </a:blip>
-          <a:srcRect b="0" l="0" r="0" t="0"/>
-          <a:stretch/>
+          <a:stretch>
+            <a:fillRect/>
+          </a:stretch>
         </p:blipFill>
         <p:spPr>
           <a:xfrm>
-            <a:off x="2163375" y="4056022"/>
-            <a:ext cx="4817246" cy="305225"/>
+            <a:off x="2568150" y="4095170"/>
+            <a:ext cx="3538518" cy="223300"/>
           </a:xfrm>
           <a:prstGeom prst="rect">
             <a:avLst/>
@@ -15486,7 +15262,7 @@
   <p:cSld>
     <p:spTree>
       <p:nvGrpSpPr>
-        <p:cNvPr id="148" name="Shape 148"/>
+        <p:cNvPr id="149" name="Shape 149"/>
         <p:cNvGrpSpPr/>
         <p:nvPr/>
       </p:nvGrpSpPr>
@@ -15500,7 +15276,7 @@
       </p:grpSpPr>
       <p:sp>
         <p:nvSpPr>
-          <p:cNvPr id="149" name="Google Shape;149;p23"/>
+          <p:cNvPr id="150" name="Google Shape;150;p23"/>
           <p:cNvSpPr txBox="1"/>
           <p:nvPr>
             <p:ph type="title"/>
@@ -15548,21 +15324,22 @@
       </p:sp>
       <p:pic>
         <p:nvPicPr>
-          <p:cNvPr id="150" name="Google Shape;150;p23"/>
+          <p:cNvPr id="151" name="Google Shape;151;p23"/>
           <p:cNvPicPr preferRelativeResize="0"/>
           <p:nvPr/>
         </p:nvPicPr>
-        <p:blipFill rotWithShape="1">
+        <p:blipFill>
           <a:blip r:embed="rId3">
             <a:alphaModFix/>
           </a:blip>
-          <a:srcRect b="0" l="0" r="0" t="0"/>
-          <a:stretch/>
+          <a:stretch>
+            <a:fillRect/>
+          </a:stretch>
         </p:blipFill>
         <p:spPr>
           <a:xfrm>
-            <a:off x="431800" y="766744"/>
-            <a:ext cx="3865529" cy="4224355"/>
+            <a:off x="264100" y="1645375"/>
+            <a:ext cx="3817149" cy="2532250"/>
           </a:xfrm>
           <a:prstGeom prst="rect">
             <a:avLst/>
@@ -15575,21 +15352,50 @@
       </p:pic>
       <p:pic>
         <p:nvPicPr>
-          <p:cNvPr id="151" name="Google Shape;151;p23"/>
+          <p:cNvPr id="152" name="Google Shape;152;p23"/>
           <p:cNvPicPr preferRelativeResize="0"/>
           <p:nvPr/>
         </p:nvPicPr>
-        <p:blipFill rotWithShape="1">
+        <p:blipFill>
           <a:blip r:embed="rId4">
             <a:alphaModFix/>
           </a:blip>
-          <a:srcRect b="0" l="0" r="0" t="0"/>
-          <a:stretch/>
+          <a:stretch>
+            <a:fillRect/>
+          </a:stretch>
         </p:blipFill>
         <p:spPr>
           <a:xfrm>
-            <a:off x="4863451" y="766749"/>
-            <a:ext cx="3944050" cy="2199024"/>
+            <a:off x="4641550" y="705869"/>
+            <a:ext cx="4267201" cy="3502204"/>
+          </a:xfrm>
+          <a:prstGeom prst="rect">
+            <a:avLst/>
+          </a:prstGeom>
+          <a:noFill/>
+          <a:ln>
+            <a:noFill/>
+          </a:ln>
+        </p:spPr>
+      </p:pic>
+      <p:pic>
+        <p:nvPicPr>
+          <p:cNvPr id="153" name="Google Shape;153;p23"/>
+          <p:cNvPicPr preferRelativeResize="0"/>
+          <p:nvPr/>
+        </p:nvPicPr>
+        <p:blipFill>
+          <a:blip r:embed="rId5">
+            <a:alphaModFix/>
+          </a:blip>
+          <a:stretch>
+            <a:fillRect/>
+          </a:stretch>
+        </p:blipFill>
+        <p:spPr>
+          <a:xfrm>
+            <a:off x="264099" y="705863"/>
+            <a:ext cx="1004084" cy="834887"/>
           </a:xfrm>
           <a:prstGeom prst="rect">
             <a:avLst/>
@@ -15613,7 +15419,7 @@
   <p:cSld>
     <p:spTree>
       <p:nvGrpSpPr>
-        <p:cNvPr id="155" name="Shape 155"/>
+        <p:cNvPr id="157" name="Shape 157"/>
         <p:cNvGrpSpPr/>
         <p:nvPr/>
       </p:nvGrpSpPr>
@@ -15627,7 +15433,7 @@
       </p:grpSpPr>
       <p:sp>
         <p:nvSpPr>
-          <p:cNvPr id="156" name="Google Shape;156;p24"/>
+          <p:cNvPr id="158" name="Google Shape;158;p24"/>
           <p:cNvSpPr txBox="1"/>
           <p:nvPr>
             <p:ph type="title"/>
@@ -15675,7 +15481,7 @@
       </p:sp>
       <p:sp>
         <p:nvSpPr>
-          <p:cNvPr id="157" name="Google Shape;157;p24"/>
+          <p:cNvPr id="159" name="Google Shape;159;p24"/>
           <p:cNvSpPr/>
           <p:nvPr>
             <p:ph idx="2" type="chart"/>
@@ -15916,7 +15722,23 @@
                 <a:cs typeface="Arial"/>
                 <a:sym typeface="Arial"/>
               </a:rPr>
-              <a:t>Dann hat die Klasse Fibonacci folgendes package statement:</a:t>
+              <a:t>Dann hat die Klasse </a:t>
+            </a:r>
+            <a:r>
+              <a:rPr lang="de"/>
+              <a:t>Calculator</a:t>
+            </a:r>
+            <a:r>
+              <a:rPr b="0" i="0" lang="de" sz="1600" u="none" cap="none" strike="noStrike">
+                <a:solidFill>
+                  <a:schemeClr val="dk1"/>
+                </a:solidFill>
+                <a:latin typeface="Arial"/>
+                <a:ea typeface="Arial"/>
+                <a:cs typeface="Arial"/>
+                <a:sym typeface="Arial"/>
+              </a:rPr>
+              <a:t> folgendes package statement:</a:t>
             </a:r>
             <a:endParaRPr b="0" i="0" sz="1600" u="none" cap="none" strike="noStrike">
               <a:solidFill>
@@ -15994,7 +15816,7 @@
             </a:pPr>
             <a:r>
               <a:rPr lang="de"/>
-              <a:t>Programme mit package statement lassen sich nur aus dem Wurzelverzeichnis des Programms kompilieren und aufrufen. Möchte man also /showcases als root haben, so schreibt man:</a:t>
+              <a:t>Programme mit package statement lassen sich nur aus dem Wurzelverzeichnis des Programms kompilieren und aufrufen. Möchte man also /lesson_04… als root haben, so schreibt man:</a:t>
             </a:r>
             <a:endParaRPr/>
           </a:p>
@@ -16064,21 +15886,22 @@
       </p:sp>
       <p:pic>
         <p:nvPicPr>
-          <p:cNvPr id="158" name="Google Shape;158;p24"/>
+          <p:cNvPr id="160" name="Google Shape;160;p24"/>
           <p:cNvPicPr preferRelativeResize="0"/>
           <p:nvPr/>
         </p:nvPicPr>
-        <p:blipFill rotWithShape="1">
+        <p:blipFill>
           <a:blip r:embed="rId3">
             <a:alphaModFix/>
           </a:blip>
-          <a:srcRect b="0" l="0" r="0" t="0"/>
-          <a:stretch/>
+          <a:stretch>
+            <a:fillRect/>
+          </a:stretch>
         </p:blipFill>
         <p:spPr>
           <a:xfrm>
-            <a:off x="480275" y="2840425"/>
-            <a:ext cx="5302650" cy="204875"/>
+            <a:off x="1964700" y="2832125"/>
+            <a:ext cx="2192475" cy="302625"/>
           </a:xfrm>
           <a:prstGeom prst="rect">
             <a:avLst/>
@@ -16091,7 +15914,7 @@
       </p:pic>
       <p:pic>
         <p:nvPicPr>
-          <p:cNvPr id="159" name="Google Shape;159;p24"/>
+          <p:cNvPr id="161" name="Google Shape;161;p24"/>
           <p:cNvPicPr preferRelativeResize="0"/>
           <p:nvPr/>
         </p:nvPicPr>
@@ -16105,8 +15928,8 @@
         </p:blipFill>
         <p:spPr>
           <a:xfrm>
-            <a:off x="6576025" y="1315675"/>
-            <a:ext cx="1850250" cy="1952676"/>
+            <a:off x="6529900" y="1333624"/>
+            <a:ext cx="2152325" cy="1498500"/>
           </a:xfrm>
           <a:prstGeom prst="rect">
             <a:avLst/>
@@ -16119,7 +15942,7 @@
       </p:pic>
       <p:pic>
         <p:nvPicPr>
-          <p:cNvPr id="160" name="Google Shape;160;p24"/>
+          <p:cNvPr id="162" name="Google Shape;162;p24"/>
           <p:cNvPicPr preferRelativeResize="0"/>
           <p:nvPr/>
         </p:nvPicPr>
@@ -16133,8 +15956,8 @@
         </p:blipFill>
         <p:spPr>
           <a:xfrm>
-            <a:off x="2112325" y="3947747"/>
-            <a:ext cx="1897225" cy="302625"/>
+            <a:off x="1964700" y="3958197"/>
+            <a:ext cx="3232035" cy="302625"/>
           </a:xfrm>
           <a:prstGeom prst="rect">
             <a:avLst/>

--- a/slides/04_functions_classes_packages.pptx
+++ b/slides/04_functions_classes_packages.pptx
@@ -9295,7 +9295,7 @@
                 <a:cs typeface="Arial"/>
                 <a:sym typeface="Arial"/>
               </a:rPr>
-              <a:t>David Gemen und Andriyan Lapychak | Seite </a:t>
+              <a:t>David Gemen | Seite </a:t>
             </a:r>
             <a:fld id="{00000000-1234-1234-1234-123412341234}" type="slidenum">
               <a:rPr b="0" i="0" lang="de" sz="800" u="none" cap="none" strike="noStrike">
@@ -10345,7 +10345,7 @@
             <a:tbl>
               <a:tblPr>
                 <a:noFill/>
-                <a:tableStyleId>{BCCE7B7F-0B56-4102-B816-A070CE0BA88B}</a:tableStyleId>
+                <a:tableStyleId>{F14AD3AF-F893-44E2-BE0D-B1F087EBDCFA}</a:tableStyleId>
               </a:tblPr>
               <a:tblGrid>
                 <a:gridCol w="1447800"/>
